--- a/pca.pptx
+++ b/pca.pptx
@@ -329,7 +329,7 @@
           <a:p>
             <a:fld id="{E6871588-EA29-A24B-928E-3B52964EB0F7}" type="datetimeFigureOut">
               <a:rPr lang="en-US" smtClean="0"/>
-              <a:t>4/29/23</a:t>
+              <a:t>4/30/23</a:t>
             </a:fld>
             <a:endParaRPr lang="en-US"/>
           </a:p>
@@ -529,7 +529,7 @@
           <a:p>
             <a:fld id="{E6871588-EA29-A24B-928E-3B52964EB0F7}" type="datetimeFigureOut">
               <a:rPr lang="en-US" smtClean="0"/>
-              <a:t>4/29/23</a:t>
+              <a:t>4/30/23</a:t>
             </a:fld>
             <a:endParaRPr lang="en-US"/>
           </a:p>
@@ -739,7 +739,7 @@
           <a:p>
             <a:fld id="{E6871588-EA29-A24B-928E-3B52964EB0F7}" type="datetimeFigureOut">
               <a:rPr lang="en-US" smtClean="0"/>
-              <a:t>4/29/23</a:t>
+              <a:t>4/30/23</a:t>
             </a:fld>
             <a:endParaRPr lang="en-US"/>
           </a:p>
@@ -939,7 +939,7 @@
           <a:p>
             <a:fld id="{E6871588-EA29-A24B-928E-3B52964EB0F7}" type="datetimeFigureOut">
               <a:rPr lang="en-US" smtClean="0"/>
-              <a:t>4/29/23</a:t>
+              <a:t>4/30/23</a:t>
             </a:fld>
             <a:endParaRPr lang="en-US"/>
           </a:p>
@@ -1231,7 +1231,7 @@
           <a:p>
             <a:fld id="{E6871588-EA29-A24B-928E-3B52964EB0F7}" type="datetimeFigureOut">
               <a:rPr lang="en-US" smtClean="0"/>
-              <a:t>4/29/23</a:t>
+              <a:t>4/30/23</a:t>
             </a:fld>
             <a:endParaRPr lang="en-US"/>
           </a:p>
@@ -1499,7 +1499,7 @@
           <a:p>
             <a:fld id="{E6871588-EA29-A24B-928E-3B52964EB0F7}" type="datetimeFigureOut">
               <a:rPr lang="en-US" smtClean="0"/>
-              <a:t>4/29/23</a:t>
+              <a:t>4/30/23</a:t>
             </a:fld>
             <a:endParaRPr lang="en-US"/>
           </a:p>
@@ -1914,7 +1914,7 @@
           <a:p>
             <a:fld id="{E6871588-EA29-A24B-928E-3B52964EB0F7}" type="datetimeFigureOut">
               <a:rPr lang="en-US" smtClean="0"/>
-              <a:t>4/29/23</a:t>
+              <a:t>4/30/23</a:t>
             </a:fld>
             <a:endParaRPr lang="en-US"/>
           </a:p>
@@ -2056,7 +2056,7 @@
           <a:p>
             <a:fld id="{E6871588-EA29-A24B-928E-3B52964EB0F7}" type="datetimeFigureOut">
               <a:rPr lang="en-US" smtClean="0"/>
-              <a:t>4/29/23</a:t>
+              <a:t>4/30/23</a:t>
             </a:fld>
             <a:endParaRPr lang="en-US"/>
           </a:p>
@@ -2169,7 +2169,7 @@
           <a:p>
             <a:fld id="{E6871588-EA29-A24B-928E-3B52964EB0F7}" type="datetimeFigureOut">
               <a:rPr lang="en-US" smtClean="0"/>
-              <a:t>4/29/23</a:t>
+              <a:t>4/30/23</a:t>
             </a:fld>
             <a:endParaRPr lang="en-US"/>
           </a:p>
@@ -2482,7 +2482,7 @@
           <a:p>
             <a:fld id="{E6871588-EA29-A24B-928E-3B52964EB0F7}" type="datetimeFigureOut">
               <a:rPr lang="en-US" smtClean="0"/>
-              <a:t>4/29/23</a:t>
+              <a:t>4/30/23</a:t>
             </a:fld>
             <a:endParaRPr lang="en-US"/>
           </a:p>
@@ -2771,7 +2771,7 @@
           <a:p>
             <a:fld id="{E6871588-EA29-A24B-928E-3B52964EB0F7}" type="datetimeFigureOut">
               <a:rPr lang="en-US" smtClean="0"/>
-              <a:t>4/29/23</a:t>
+              <a:t>4/30/23</a:t>
             </a:fld>
             <a:endParaRPr lang="en-US"/>
           </a:p>
@@ -3014,7 +3014,7 @@
           <a:p>
             <a:fld id="{E6871588-EA29-A24B-928E-3B52964EB0F7}" type="datetimeFigureOut">
               <a:rPr lang="en-US" smtClean="0"/>
-              <a:t>4/29/23</a:t>
+              <a:t>4/30/23</a:t>
             </a:fld>
             <a:endParaRPr lang="en-US"/>
           </a:p>

--- a/pca.pptx
+++ b/pca.pptx
@@ -4,20 +4,24 @@
   <p:sldMasterIdLst>
     <p:sldMasterId id="2147483648" r:id="rId1"/>
   </p:sldMasterIdLst>
+  <p:notesMasterIdLst>
+    <p:notesMasterId r:id="rId16"/>
+  </p:notesMasterIdLst>
   <p:sldIdLst>
     <p:sldId id="256" r:id="rId2"/>
-    <p:sldId id="257" r:id="rId3"/>
-    <p:sldId id="259" r:id="rId4"/>
-    <p:sldId id="268" r:id="rId5"/>
-    <p:sldId id="261" r:id="rId6"/>
-    <p:sldId id="270" r:id="rId7"/>
-    <p:sldId id="271" r:id="rId8"/>
-    <p:sldId id="272" r:id="rId9"/>
-    <p:sldId id="273" r:id="rId10"/>
-    <p:sldId id="267" r:id="rId11"/>
-    <p:sldId id="258" r:id="rId12"/>
-    <p:sldId id="260" r:id="rId13"/>
-    <p:sldId id="269" r:id="rId14"/>
+    <p:sldId id="274" r:id="rId3"/>
+    <p:sldId id="257" r:id="rId4"/>
+    <p:sldId id="259" r:id="rId5"/>
+    <p:sldId id="268" r:id="rId6"/>
+    <p:sldId id="261" r:id="rId7"/>
+    <p:sldId id="270" r:id="rId8"/>
+    <p:sldId id="271" r:id="rId9"/>
+    <p:sldId id="272" r:id="rId10"/>
+    <p:sldId id="273" r:id="rId11"/>
+    <p:sldId id="267" r:id="rId12"/>
+    <p:sldId id="258" r:id="rId13"/>
+    <p:sldId id="260" r:id="rId14"/>
+    <p:sldId id="269" r:id="rId15"/>
   </p:sldIdLst>
   <p:sldSz cx="12192000" cy="6858000"/>
   <p:notesSz cx="6858000" cy="9144000"/>
@@ -122,6 +126,7 @@
         <p14:section name="Default Section" id="{7ACA93C9-EED5-9246-99BE-F30A04609CD1}">
           <p14:sldIdLst>
             <p14:sldId id="256"/>
+            <p14:sldId id="274"/>
             <p14:sldId id="257"/>
             <p14:sldId id="259"/>
             <p14:sldId id="268"/>
@@ -144,22 +149,22 @@
     </p:ext>
     <p:ext uri="{EFAFB233-063F-42B5-8137-9DF3F51BA10A}">
       <p15:sldGuideLst xmlns:p15="http://schemas.microsoft.com/office/powerpoint/2012/main">
-        <p15:guide id="1" orient="horz" pos="2160" userDrawn="1">
+        <p15:guide id="1" orient="horz" pos="2137" userDrawn="1">
           <p15:clr>
             <a:srgbClr val="A4A3A4"/>
           </p15:clr>
         </p15:guide>
-        <p15:guide id="2" pos="3840" userDrawn="1">
+        <p15:guide id="2" pos="2570" userDrawn="1">
           <p15:clr>
             <a:srgbClr val="A4A3A4"/>
           </p15:clr>
         </p15:guide>
-        <p15:guide id="3" pos="347" userDrawn="1">
+        <p15:guide id="3" pos="370" userDrawn="1">
           <p15:clr>
             <a:srgbClr val="A4A3A4"/>
           </p15:clr>
         </p15:guide>
-        <p15:guide id="4" pos="7469" userDrawn="1">
+        <p15:guide id="4" pos="7446" userDrawn="1">
           <p15:clr>
             <a:srgbClr val="A4A3A4"/>
           </p15:clr>
@@ -169,7 +174,7 @@
             <a:srgbClr val="A4A3A4"/>
           </p15:clr>
         </p15:guide>
-        <p15:guide id="6" orient="horz" pos="935" userDrawn="1">
+        <p15:guide id="6" orient="horz" pos="709" userDrawn="1">
           <p15:clr>
             <a:srgbClr val="A4A3A4"/>
           </p15:clr>
@@ -178,6 +183,440 @@
     </p:ext>
   </p:extLst>
 </p:presentation>
+</file>
+
+<file path=ppt/notesMasters/notesMaster1.xml><?xml version="1.0" encoding="utf-8"?>
+<p:notesMaster xmlns:a="http://schemas.openxmlformats.org/drawingml/2006/main" xmlns:r="http://schemas.openxmlformats.org/officeDocument/2006/relationships" xmlns:p="http://schemas.openxmlformats.org/presentationml/2006/main">
+  <p:cSld>
+    <p:bg>
+      <p:bgRef idx="1001">
+        <a:schemeClr val="bg1"/>
+      </p:bgRef>
+    </p:bg>
+    <p:spTree>
+      <p:nvGrpSpPr>
+        <p:cNvPr id="1" name=""/>
+        <p:cNvGrpSpPr/>
+        <p:nvPr/>
+      </p:nvGrpSpPr>
+      <p:grpSpPr>
+        <a:xfrm>
+          <a:off x="0" y="0"/>
+          <a:ext cx="0" cy="0"/>
+          <a:chOff x="0" y="0"/>
+          <a:chExt cx="0" cy="0"/>
+        </a:xfrm>
+      </p:grpSpPr>
+      <p:sp>
+        <p:nvSpPr>
+          <p:cNvPr id="2" name="Header Placeholder 1"/>
+          <p:cNvSpPr>
+            <a:spLocks noGrp="1"/>
+          </p:cNvSpPr>
+          <p:nvPr>
+            <p:ph type="hdr" sz="quarter"/>
+          </p:nvPr>
+        </p:nvSpPr>
+        <p:spPr>
+          <a:xfrm>
+            <a:off x="0" y="0"/>
+            <a:ext cx="2971800" cy="458788"/>
+          </a:xfrm>
+          <a:prstGeom prst="rect">
+            <a:avLst/>
+          </a:prstGeom>
+        </p:spPr>
+        <p:txBody>
+          <a:bodyPr vert="horz" lIns="91440" tIns="45720" rIns="91440" bIns="45720" rtlCol="0"/>
+          <a:lstStyle>
+            <a:lvl1pPr algn="l">
+              <a:defRPr sz="1200"/>
+            </a:lvl1pPr>
+          </a:lstStyle>
+          <a:p>
+            <a:endParaRPr lang="en-US"/>
+          </a:p>
+        </p:txBody>
+      </p:sp>
+      <p:sp>
+        <p:nvSpPr>
+          <p:cNvPr id="3" name="Date Placeholder 2"/>
+          <p:cNvSpPr>
+            <a:spLocks noGrp="1"/>
+          </p:cNvSpPr>
+          <p:nvPr>
+            <p:ph type="dt" idx="1"/>
+          </p:nvPr>
+        </p:nvSpPr>
+        <p:spPr>
+          <a:xfrm>
+            <a:off x="3884613" y="0"/>
+            <a:ext cx="2971800" cy="458788"/>
+          </a:xfrm>
+          <a:prstGeom prst="rect">
+            <a:avLst/>
+          </a:prstGeom>
+        </p:spPr>
+        <p:txBody>
+          <a:bodyPr vert="horz" lIns="91440" tIns="45720" rIns="91440" bIns="45720" rtlCol="0"/>
+          <a:lstStyle>
+            <a:lvl1pPr algn="r">
+              <a:defRPr sz="1200"/>
+            </a:lvl1pPr>
+          </a:lstStyle>
+          <a:p>
+            <a:fld id="{1D729838-31B8-0F47-91F9-27F56EC183E2}" type="datetimeFigureOut">
+              <a:rPr lang="en-US" smtClean="0"/>
+              <a:t>5/5/23</a:t>
+            </a:fld>
+            <a:endParaRPr lang="en-US"/>
+          </a:p>
+        </p:txBody>
+      </p:sp>
+      <p:sp>
+        <p:nvSpPr>
+          <p:cNvPr id="4" name="Slide Image Placeholder 3"/>
+          <p:cNvSpPr>
+            <a:spLocks noGrp="1" noRot="1" noChangeAspect="1"/>
+          </p:cNvSpPr>
+          <p:nvPr>
+            <p:ph type="sldImg" idx="2"/>
+          </p:nvPr>
+        </p:nvSpPr>
+        <p:spPr>
+          <a:xfrm>
+            <a:off x="685800" y="1143000"/>
+            <a:ext cx="5486400" cy="3086100"/>
+          </a:xfrm>
+          <a:prstGeom prst="rect">
+            <a:avLst/>
+          </a:prstGeom>
+          <a:noFill/>
+          <a:ln w="12700">
+            <a:solidFill>
+              <a:prstClr val="black"/>
+            </a:solidFill>
+          </a:ln>
+        </p:spPr>
+        <p:txBody>
+          <a:bodyPr vert="horz" lIns="91440" tIns="45720" rIns="91440" bIns="45720" rtlCol="0" anchor="ctr"/>
+          <a:lstStyle/>
+          <a:p>
+            <a:endParaRPr lang="en-US"/>
+          </a:p>
+        </p:txBody>
+      </p:sp>
+      <p:sp>
+        <p:nvSpPr>
+          <p:cNvPr id="5" name="Notes Placeholder 4"/>
+          <p:cNvSpPr>
+            <a:spLocks noGrp="1"/>
+          </p:cNvSpPr>
+          <p:nvPr>
+            <p:ph type="body" sz="quarter" idx="3"/>
+          </p:nvPr>
+        </p:nvSpPr>
+        <p:spPr>
+          <a:xfrm>
+            <a:off x="685800" y="4400550"/>
+            <a:ext cx="5486400" cy="3600450"/>
+          </a:xfrm>
+          <a:prstGeom prst="rect">
+            <a:avLst/>
+          </a:prstGeom>
+        </p:spPr>
+        <p:txBody>
+          <a:bodyPr vert="horz" lIns="91440" tIns="45720" rIns="91440" bIns="45720" rtlCol="0"/>
+          <a:lstStyle/>
+          <a:p>
+            <a:pPr lvl="0"/>
+            <a:r>
+              <a:rPr lang="en-GB"/>
+              <a:t>Click to edit Master text styles</a:t>
+            </a:r>
+          </a:p>
+          <a:p>
+            <a:pPr lvl="1"/>
+            <a:r>
+              <a:rPr lang="en-GB"/>
+              <a:t>Second level</a:t>
+            </a:r>
+          </a:p>
+          <a:p>
+            <a:pPr lvl="2"/>
+            <a:r>
+              <a:rPr lang="en-GB"/>
+              <a:t>Third level</a:t>
+            </a:r>
+          </a:p>
+          <a:p>
+            <a:pPr lvl="3"/>
+            <a:r>
+              <a:rPr lang="en-GB"/>
+              <a:t>Fourth level</a:t>
+            </a:r>
+          </a:p>
+          <a:p>
+            <a:pPr lvl="4"/>
+            <a:r>
+              <a:rPr lang="en-GB"/>
+              <a:t>Fifth level</a:t>
+            </a:r>
+            <a:endParaRPr lang="en-US"/>
+          </a:p>
+        </p:txBody>
+      </p:sp>
+      <p:sp>
+        <p:nvSpPr>
+          <p:cNvPr id="6" name="Footer Placeholder 5"/>
+          <p:cNvSpPr>
+            <a:spLocks noGrp="1"/>
+          </p:cNvSpPr>
+          <p:nvPr>
+            <p:ph type="ftr" sz="quarter" idx="4"/>
+          </p:nvPr>
+        </p:nvSpPr>
+        <p:spPr>
+          <a:xfrm>
+            <a:off x="0" y="8685213"/>
+            <a:ext cx="2971800" cy="458787"/>
+          </a:xfrm>
+          <a:prstGeom prst="rect">
+            <a:avLst/>
+          </a:prstGeom>
+        </p:spPr>
+        <p:txBody>
+          <a:bodyPr vert="horz" lIns="91440" tIns="45720" rIns="91440" bIns="45720" rtlCol="0" anchor="b"/>
+          <a:lstStyle>
+            <a:lvl1pPr algn="l">
+              <a:defRPr sz="1200"/>
+            </a:lvl1pPr>
+          </a:lstStyle>
+          <a:p>
+            <a:endParaRPr lang="en-US"/>
+          </a:p>
+        </p:txBody>
+      </p:sp>
+      <p:sp>
+        <p:nvSpPr>
+          <p:cNvPr id="7" name="Slide Number Placeholder 6"/>
+          <p:cNvSpPr>
+            <a:spLocks noGrp="1"/>
+          </p:cNvSpPr>
+          <p:nvPr>
+            <p:ph type="sldNum" sz="quarter" idx="5"/>
+          </p:nvPr>
+        </p:nvSpPr>
+        <p:spPr>
+          <a:xfrm>
+            <a:off x="3884613" y="8685213"/>
+            <a:ext cx="2971800" cy="458787"/>
+          </a:xfrm>
+          <a:prstGeom prst="rect">
+            <a:avLst/>
+          </a:prstGeom>
+        </p:spPr>
+        <p:txBody>
+          <a:bodyPr vert="horz" lIns="91440" tIns="45720" rIns="91440" bIns="45720" rtlCol="0" anchor="b"/>
+          <a:lstStyle>
+            <a:lvl1pPr algn="r">
+              <a:defRPr sz="1200"/>
+            </a:lvl1pPr>
+          </a:lstStyle>
+          <a:p>
+            <a:fld id="{330D8F79-4E99-1647-95C1-EB53425BEBD8}" type="slidenum">
+              <a:rPr lang="en-US" smtClean="0"/>
+              <a:t>‹#›</a:t>
+            </a:fld>
+            <a:endParaRPr lang="en-US"/>
+          </a:p>
+        </p:txBody>
+      </p:sp>
+    </p:spTree>
+    <p:extLst>
+      <p:ext uri="{BB962C8B-B14F-4D97-AF65-F5344CB8AC3E}">
+        <p14:creationId xmlns:p14="http://schemas.microsoft.com/office/powerpoint/2010/main" val="705679918"/>
+      </p:ext>
+    </p:extLst>
+  </p:cSld>
+  <p:clrMap bg1="lt1" tx1="dk1" bg2="lt2" tx2="dk2" accent1="accent1" accent2="accent2" accent3="accent3" accent4="accent4" accent5="accent5" accent6="accent6" hlink="hlink" folHlink="folHlink"/>
+  <p:notesStyle>
+    <a:lvl1pPr marL="0" algn="l" defTabSz="914400" rtl="0" eaLnBrk="1" latinLnBrk="0" hangingPunct="1">
+      <a:defRPr sz="1200" kern="1200">
+        <a:solidFill>
+          <a:schemeClr val="tx1"/>
+        </a:solidFill>
+        <a:latin typeface="+mn-lt"/>
+        <a:ea typeface="+mn-ea"/>
+        <a:cs typeface="+mn-cs"/>
+      </a:defRPr>
+    </a:lvl1pPr>
+    <a:lvl2pPr marL="457200" algn="l" defTabSz="914400" rtl="0" eaLnBrk="1" latinLnBrk="0" hangingPunct="1">
+      <a:defRPr sz="1200" kern="1200">
+        <a:solidFill>
+          <a:schemeClr val="tx1"/>
+        </a:solidFill>
+        <a:latin typeface="+mn-lt"/>
+        <a:ea typeface="+mn-ea"/>
+        <a:cs typeface="+mn-cs"/>
+      </a:defRPr>
+    </a:lvl2pPr>
+    <a:lvl3pPr marL="914400" algn="l" defTabSz="914400" rtl="0" eaLnBrk="1" latinLnBrk="0" hangingPunct="1">
+      <a:defRPr sz="1200" kern="1200">
+        <a:solidFill>
+          <a:schemeClr val="tx1"/>
+        </a:solidFill>
+        <a:latin typeface="+mn-lt"/>
+        <a:ea typeface="+mn-ea"/>
+        <a:cs typeface="+mn-cs"/>
+      </a:defRPr>
+    </a:lvl3pPr>
+    <a:lvl4pPr marL="1371600" algn="l" defTabSz="914400" rtl="0" eaLnBrk="1" latinLnBrk="0" hangingPunct="1">
+      <a:defRPr sz="1200" kern="1200">
+        <a:solidFill>
+          <a:schemeClr val="tx1"/>
+        </a:solidFill>
+        <a:latin typeface="+mn-lt"/>
+        <a:ea typeface="+mn-ea"/>
+        <a:cs typeface="+mn-cs"/>
+      </a:defRPr>
+    </a:lvl4pPr>
+    <a:lvl5pPr marL="1828800" algn="l" defTabSz="914400" rtl="0" eaLnBrk="1" latinLnBrk="0" hangingPunct="1">
+      <a:defRPr sz="1200" kern="1200">
+        <a:solidFill>
+          <a:schemeClr val="tx1"/>
+        </a:solidFill>
+        <a:latin typeface="+mn-lt"/>
+        <a:ea typeface="+mn-ea"/>
+        <a:cs typeface="+mn-cs"/>
+      </a:defRPr>
+    </a:lvl5pPr>
+    <a:lvl6pPr marL="2286000" algn="l" defTabSz="914400" rtl="0" eaLnBrk="1" latinLnBrk="0" hangingPunct="1">
+      <a:defRPr sz="1200" kern="1200">
+        <a:solidFill>
+          <a:schemeClr val="tx1"/>
+        </a:solidFill>
+        <a:latin typeface="+mn-lt"/>
+        <a:ea typeface="+mn-ea"/>
+        <a:cs typeface="+mn-cs"/>
+      </a:defRPr>
+    </a:lvl6pPr>
+    <a:lvl7pPr marL="2743200" algn="l" defTabSz="914400" rtl="0" eaLnBrk="1" latinLnBrk="0" hangingPunct="1">
+      <a:defRPr sz="1200" kern="1200">
+        <a:solidFill>
+          <a:schemeClr val="tx1"/>
+        </a:solidFill>
+        <a:latin typeface="+mn-lt"/>
+        <a:ea typeface="+mn-ea"/>
+        <a:cs typeface="+mn-cs"/>
+      </a:defRPr>
+    </a:lvl7pPr>
+    <a:lvl8pPr marL="3200400" algn="l" defTabSz="914400" rtl="0" eaLnBrk="1" latinLnBrk="0" hangingPunct="1">
+      <a:defRPr sz="1200" kern="1200">
+        <a:solidFill>
+          <a:schemeClr val="tx1"/>
+        </a:solidFill>
+        <a:latin typeface="+mn-lt"/>
+        <a:ea typeface="+mn-ea"/>
+        <a:cs typeface="+mn-cs"/>
+      </a:defRPr>
+    </a:lvl8pPr>
+    <a:lvl9pPr marL="3657600" algn="l" defTabSz="914400" rtl="0" eaLnBrk="1" latinLnBrk="0" hangingPunct="1">
+      <a:defRPr sz="1200" kern="1200">
+        <a:solidFill>
+          <a:schemeClr val="tx1"/>
+        </a:solidFill>
+        <a:latin typeface="+mn-lt"/>
+        <a:ea typeface="+mn-ea"/>
+        <a:cs typeface="+mn-cs"/>
+      </a:defRPr>
+    </a:lvl9pPr>
+  </p:notesStyle>
+</p:notesMaster>
+</file>
+
+<file path=ppt/notesSlides/notesSlide1.xml><?xml version="1.0" encoding="utf-8"?>
+<p:notes xmlns:a="http://schemas.openxmlformats.org/drawingml/2006/main" xmlns:r="http://schemas.openxmlformats.org/officeDocument/2006/relationships" xmlns:p="http://schemas.openxmlformats.org/presentationml/2006/main">
+  <p:cSld>
+    <p:spTree>
+      <p:nvGrpSpPr>
+        <p:cNvPr id="1" name=""/>
+        <p:cNvGrpSpPr/>
+        <p:nvPr/>
+      </p:nvGrpSpPr>
+      <p:grpSpPr>
+        <a:xfrm>
+          <a:off x="0" y="0"/>
+          <a:ext cx="0" cy="0"/>
+          <a:chOff x="0" y="0"/>
+          <a:chExt cx="0" cy="0"/>
+        </a:xfrm>
+      </p:grpSpPr>
+      <p:sp>
+        <p:nvSpPr>
+          <p:cNvPr id="2" name="Slide Image Placeholder 1"/>
+          <p:cNvSpPr>
+            <a:spLocks noGrp="1" noRot="1" noChangeAspect="1"/>
+          </p:cNvSpPr>
+          <p:nvPr>
+            <p:ph type="sldImg"/>
+          </p:nvPr>
+        </p:nvSpPr>
+        <p:spPr/>
+      </p:sp>
+      <p:sp>
+        <p:nvSpPr>
+          <p:cNvPr id="3" name="Notes Placeholder 2"/>
+          <p:cNvSpPr>
+            <a:spLocks noGrp="1"/>
+          </p:cNvSpPr>
+          <p:nvPr>
+            <p:ph type="body" idx="1"/>
+          </p:nvPr>
+        </p:nvSpPr>
+        <p:spPr/>
+        <p:txBody>
+          <a:bodyPr/>
+          <a:lstStyle/>
+          <a:p>
+            <a:endParaRPr lang="en-US" dirty="0"/>
+          </a:p>
+        </p:txBody>
+      </p:sp>
+      <p:sp>
+        <p:nvSpPr>
+          <p:cNvPr id="4" name="Slide Number Placeholder 3"/>
+          <p:cNvSpPr>
+            <a:spLocks noGrp="1"/>
+          </p:cNvSpPr>
+          <p:nvPr>
+            <p:ph type="sldNum" sz="quarter" idx="5"/>
+          </p:nvPr>
+        </p:nvSpPr>
+        <p:spPr/>
+        <p:txBody>
+          <a:bodyPr/>
+          <a:lstStyle/>
+          <a:p>
+            <a:fld id="{330D8F79-4E99-1647-95C1-EB53425BEBD8}" type="slidenum">
+              <a:rPr lang="en-US" smtClean="0"/>
+              <a:t>5</a:t>
+            </a:fld>
+            <a:endParaRPr lang="en-US"/>
+          </a:p>
+        </p:txBody>
+      </p:sp>
+    </p:spTree>
+    <p:extLst>
+      <p:ext uri="{BB962C8B-B14F-4D97-AF65-F5344CB8AC3E}">
+        <p14:creationId xmlns:p14="http://schemas.microsoft.com/office/powerpoint/2010/main" val="1611098845"/>
+      </p:ext>
+    </p:extLst>
+  </p:cSld>
+  <p:clrMapOvr>
+    <a:masterClrMapping/>
+  </p:clrMapOvr>
+</p:notes>
 </file>
 
 <file path=ppt/slideLayouts/slideLayout1.xml><?xml version="1.0" encoding="utf-8"?>
@@ -329,7 +768,7 @@
           <a:p>
             <a:fld id="{E6871588-EA29-A24B-928E-3B52964EB0F7}" type="datetimeFigureOut">
               <a:rPr lang="en-US" smtClean="0"/>
-              <a:t>4/30/23</a:t>
+              <a:t>5/5/23</a:t>
             </a:fld>
             <a:endParaRPr lang="en-US"/>
           </a:p>
@@ -529,7 +968,7 @@
           <a:p>
             <a:fld id="{E6871588-EA29-A24B-928E-3B52964EB0F7}" type="datetimeFigureOut">
               <a:rPr lang="en-US" smtClean="0"/>
-              <a:t>4/30/23</a:t>
+              <a:t>5/5/23</a:t>
             </a:fld>
             <a:endParaRPr lang="en-US"/>
           </a:p>
@@ -739,7 +1178,7 @@
           <a:p>
             <a:fld id="{E6871588-EA29-A24B-928E-3B52964EB0F7}" type="datetimeFigureOut">
               <a:rPr lang="en-US" smtClean="0"/>
-              <a:t>4/30/23</a:t>
+              <a:t>5/5/23</a:t>
             </a:fld>
             <a:endParaRPr lang="en-US"/>
           </a:p>
@@ -939,7 +1378,7 @@
           <a:p>
             <a:fld id="{E6871588-EA29-A24B-928E-3B52964EB0F7}" type="datetimeFigureOut">
               <a:rPr lang="en-US" smtClean="0"/>
-              <a:t>4/30/23</a:t>
+              <a:t>5/5/23</a:t>
             </a:fld>
             <a:endParaRPr lang="en-US"/>
           </a:p>
@@ -1231,7 +1670,7 @@
           <a:p>
             <a:fld id="{E6871588-EA29-A24B-928E-3B52964EB0F7}" type="datetimeFigureOut">
               <a:rPr lang="en-US" smtClean="0"/>
-              <a:t>4/30/23</a:t>
+              <a:t>5/5/23</a:t>
             </a:fld>
             <a:endParaRPr lang="en-US"/>
           </a:p>
@@ -1499,7 +1938,7 @@
           <a:p>
             <a:fld id="{E6871588-EA29-A24B-928E-3B52964EB0F7}" type="datetimeFigureOut">
               <a:rPr lang="en-US" smtClean="0"/>
-              <a:t>4/30/23</a:t>
+              <a:t>5/5/23</a:t>
             </a:fld>
             <a:endParaRPr lang="en-US"/>
           </a:p>
@@ -1914,7 +2353,7 @@
           <a:p>
             <a:fld id="{E6871588-EA29-A24B-928E-3B52964EB0F7}" type="datetimeFigureOut">
               <a:rPr lang="en-US" smtClean="0"/>
-              <a:t>4/30/23</a:t>
+              <a:t>5/5/23</a:t>
             </a:fld>
             <a:endParaRPr lang="en-US"/>
           </a:p>
@@ -2056,7 +2495,7 @@
           <a:p>
             <a:fld id="{E6871588-EA29-A24B-928E-3B52964EB0F7}" type="datetimeFigureOut">
               <a:rPr lang="en-US" smtClean="0"/>
-              <a:t>4/30/23</a:t>
+              <a:t>5/5/23</a:t>
             </a:fld>
             <a:endParaRPr lang="en-US"/>
           </a:p>
@@ -2169,7 +2608,7 @@
           <a:p>
             <a:fld id="{E6871588-EA29-A24B-928E-3B52964EB0F7}" type="datetimeFigureOut">
               <a:rPr lang="en-US" smtClean="0"/>
-              <a:t>4/30/23</a:t>
+              <a:t>5/5/23</a:t>
             </a:fld>
             <a:endParaRPr lang="en-US"/>
           </a:p>
@@ -2482,7 +2921,7 @@
           <a:p>
             <a:fld id="{E6871588-EA29-A24B-928E-3B52964EB0F7}" type="datetimeFigureOut">
               <a:rPr lang="en-US" smtClean="0"/>
-              <a:t>4/30/23</a:t>
+              <a:t>5/5/23</a:t>
             </a:fld>
             <a:endParaRPr lang="en-US"/>
           </a:p>
@@ -2771,7 +3210,7 @@
           <a:p>
             <a:fld id="{E6871588-EA29-A24B-928E-3B52964EB0F7}" type="datetimeFigureOut">
               <a:rPr lang="en-US" smtClean="0"/>
-              <a:t>4/30/23</a:t>
+              <a:t>5/5/23</a:t>
             </a:fld>
             <a:endParaRPr lang="en-US"/>
           </a:p>
@@ -3014,7 +3453,7 @@
           <a:p>
             <a:fld id="{E6871588-EA29-A24B-928E-3B52964EB0F7}" type="datetimeFigureOut">
               <a:rPr lang="en-US" smtClean="0"/>
-              <a:t>4/30/23</a:t>
+              <a:t>5/5/23</a:t>
             </a:fld>
             <a:endParaRPr lang="en-US"/>
           </a:p>
@@ -3550,6 +3989,143 @@
         </p:nvSpPr>
         <p:spPr>
           <a:xfrm>
+            <a:off x="550863" y="158296"/>
+            <a:ext cx="11306175" cy="1325563"/>
+          </a:xfrm>
+        </p:spPr>
+        <p:txBody>
+          <a:bodyPr>
+            <a:normAutofit/>
+          </a:bodyPr>
+          <a:lstStyle/>
+          <a:p>
+            <a:r>
+              <a:rPr lang="en-US" sz="3000" dirty="0">
+                <a:solidFill>
+                  <a:schemeClr val="accent6">
+                    <a:lumMod val="50000"/>
+                  </a:schemeClr>
+                </a:solidFill>
+              </a:rPr>
+              <a:t>4. </a:t>
+            </a:r>
+            <a:r>
+              <a:rPr lang="en-US" sz="3200" dirty="0">
+                <a:solidFill>
+                  <a:schemeClr val="accent6">
+                    <a:lumMod val="50000"/>
+                  </a:schemeClr>
+                </a:solidFill>
+              </a:rPr>
+              <a:t>Examine contribution of original features to PCs (i.e. to data) using PC loading values</a:t>
+            </a:r>
+            <a:endParaRPr lang="en-US" sz="3000" dirty="0">
+              <a:solidFill>
+                <a:srgbClr val="0070C0"/>
+              </a:solidFill>
+            </a:endParaRPr>
+          </a:p>
+        </p:txBody>
+      </p:sp>
+      <p:sp>
+        <p:nvSpPr>
+          <p:cNvPr id="3" name="Content Placeholder 2">
+            <a:extLst>
+              <a:ext uri="{FF2B5EF4-FFF2-40B4-BE49-F238E27FC236}">
+                <a16:creationId xmlns:a16="http://schemas.microsoft.com/office/drawing/2014/main" id="{C7F67CAF-8BC3-D495-476C-09316CDA937B}"/>
+              </a:ext>
+            </a:extLst>
+          </p:cNvPr>
+          <p:cNvSpPr>
+            <a:spLocks noGrp="1"/>
+          </p:cNvSpPr>
+          <p:nvPr>
+            <p:ph idx="1"/>
+          </p:nvPr>
+        </p:nvSpPr>
+        <p:spPr>
+          <a:xfrm>
+            <a:off x="550863" y="1484312"/>
+            <a:ext cx="11306175" cy="4148361"/>
+          </a:xfrm>
+        </p:spPr>
+        <p:txBody>
+          <a:bodyPr>
+            <a:normAutofit/>
+          </a:bodyPr>
+          <a:lstStyle/>
+          <a:p>
+            <a:r>
+              <a:rPr lang="en-US" sz="2000" dirty="0" err="1"/>
+              <a:t>Visualise</a:t>
+            </a:r>
+            <a:r>
+              <a:rPr lang="en-US" sz="2000" dirty="0"/>
+              <a:t> loadings</a:t>
+            </a:r>
+          </a:p>
+          <a:p>
+            <a:r>
+              <a:rPr lang="en-US" sz="2000" dirty="0"/>
+              <a:t>biplot</a:t>
+            </a:r>
+          </a:p>
+          <a:p>
+            <a:pPr marL="0" indent="0">
+              <a:buNone/>
+            </a:pPr>
+            <a:endParaRPr lang="en-US" sz="2000" dirty="0"/>
+          </a:p>
+        </p:txBody>
+      </p:sp>
+    </p:spTree>
+    <p:extLst>
+      <p:ext uri="{BB962C8B-B14F-4D97-AF65-F5344CB8AC3E}">
+        <p14:creationId xmlns:p14="http://schemas.microsoft.com/office/powerpoint/2010/main" val="3740251175"/>
+      </p:ext>
+    </p:extLst>
+  </p:cSld>
+  <p:clrMapOvr>
+    <a:masterClrMapping/>
+  </p:clrMapOvr>
+</p:sld>
+</file>
+
+<file path=ppt/slides/slide11.xml><?xml version="1.0" encoding="utf-8"?>
+<p:sld xmlns:a="http://schemas.openxmlformats.org/drawingml/2006/main" xmlns:r="http://schemas.openxmlformats.org/officeDocument/2006/relationships" xmlns:p="http://schemas.openxmlformats.org/presentationml/2006/main">
+  <p:cSld>
+    <p:spTree>
+      <p:nvGrpSpPr>
+        <p:cNvPr id="1" name=""/>
+        <p:cNvGrpSpPr/>
+        <p:nvPr/>
+      </p:nvGrpSpPr>
+      <p:grpSpPr>
+        <a:xfrm>
+          <a:off x="0" y="0"/>
+          <a:ext cx="0" cy="0"/>
+          <a:chOff x="0" y="0"/>
+          <a:chExt cx="0" cy="0"/>
+        </a:xfrm>
+      </p:grpSpPr>
+      <p:sp>
+        <p:nvSpPr>
+          <p:cNvPr id="2" name="Title 1">
+            <a:extLst>
+              <a:ext uri="{FF2B5EF4-FFF2-40B4-BE49-F238E27FC236}">
+                <a16:creationId xmlns:a16="http://schemas.microsoft.com/office/drawing/2014/main" id="{CC730899-CD32-3874-BE52-43EA6F6CF3CC}"/>
+              </a:ext>
+            </a:extLst>
+          </p:cNvPr>
+          <p:cNvSpPr>
+            <a:spLocks noGrp="1"/>
+          </p:cNvSpPr>
+          <p:nvPr>
+            <p:ph type="title"/>
+          </p:nvPr>
+        </p:nvSpPr>
+        <p:spPr>
+          <a:xfrm>
             <a:off x="550863" y="-48532"/>
             <a:ext cx="11306175" cy="1325563"/>
           </a:xfrm>
@@ -3666,7 +4242,7 @@
 </p:sld>
 </file>
 
-<file path=ppt/slides/slide11.xml><?xml version="1.0" encoding="utf-8"?>
+<file path=ppt/slides/slide12.xml><?xml version="1.0" encoding="utf-8"?>
 <p:sld xmlns:a="http://schemas.openxmlformats.org/drawingml/2006/main" xmlns:r="http://schemas.openxmlformats.org/officeDocument/2006/relationships" xmlns:p="http://schemas.openxmlformats.org/presentationml/2006/main" show="0">
   <p:cSld>
     <p:spTree>
@@ -5738,7 +6314,7 @@
 </p:sld>
 </file>
 
-<file path=ppt/slides/slide12.xml><?xml version="1.0" encoding="utf-8"?>
+<file path=ppt/slides/slide13.xml><?xml version="1.0" encoding="utf-8"?>
 <p:sld xmlns:a="http://schemas.openxmlformats.org/drawingml/2006/main" xmlns:r="http://schemas.openxmlformats.org/officeDocument/2006/relationships" xmlns:p="http://schemas.openxmlformats.org/presentationml/2006/main" show="0">
   <p:cSld>
     <p:spTree>
@@ -5930,7 +6506,7 @@
 </p:sld>
 </file>
 
-<file path=ppt/slides/slide13.xml><?xml version="1.0" encoding="utf-8"?>
+<file path=ppt/slides/slide14.xml><?xml version="1.0" encoding="utf-8"?>
 <p:sld xmlns:a="http://schemas.openxmlformats.org/drawingml/2006/main" xmlns:r="http://schemas.openxmlformats.org/officeDocument/2006/relationships" xmlns:p="http://schemas.openxmlformats.org/presentationml/2006/main" show="0">
   <p:cSld>
     <p:spTree>
@@ -6277,14 +6853,14 @@
           <p:nvPr>
             <p:extLst>
               <p:ext uri="{D42A27DB-BD31-4B8C-83A1-F6EECF244321}">
-                <p14:modId xmlns:p14="http://schemas.microsoft.com/office/powerpoint/2010/main" val="2010877296"/>
+                <p14:modId xmlns:p14="http://schemas.microsoft.com/office/powerpoint/2010/main" val="2428245533"/>
               </p:ext>
             </p:extLst>
           </p:nvPr>
         </p:nvGraphicFramePr>
         <p:xfrm>
           <a:off x="2423887" y="2220687"/>
-          <a:ext cx="7340599" cy="2830288"/>
+          <a:ext cx="7340599" cy="3537860"/>
         </p:xfrm>
         <a:graphic>
           <a:graphicData uri="http://schemas.openxmlformats.org/drawingml/2006/table">
@@ -6412,12 +6988,14 @@
                       <a:r>
                         <a:rPr lang="en-US" sz="1500" b="0" dirty="0">
                           <a:solidFill>
-                            <a:srgbClr val="C00000"/>
+                            <a:schemeClr val="accent4">
+                              <a:lumMod val="75000"/>
+                            </a:schemeClr>
                           </a:solidFill>
                           <a:latin typeface="Arial" panose="020B0604020202020204" pitchFamily="34" charset="0"/>
                           <a:cs typeface="Arial" panose="020B0604020202020204" pitchFamily="34" charset="0"/>
                         </a:rPr>
-                        <a:t>Gene 1</a:t>
+                        <a:t>Age</a:t>
                       </a:r>
                     </a:p>
                   </a:txBody>
@@ -6482,12 +7060,14 @@
                       <a:r>
                         <a:rPr lang="en-US" sz="1500" b="0" dirty="0">
                           <a:solidFill>
-                            <a:srgbClr val="C00000"/>
+                            <a:schemeClr val="accent4">
+                              <a:lumMod val="75000"/>
+                            </a:schemeClr>
                           </a:solidFill>
                           <a:latin typeface="Arial" panose="020B0604020202020204" pitchFamily="34" charset="0"/>
                           <a:cs typeface="Arial" panose="020B0604020202020204" pitchFamily="34" charset="0"/>
                         </a:rPr>
-                        <a:t>Gene 2</a:t>
+                        <a:t>Height</a:t>
                       </a:r>
                     </a:p>
                   </a:txBody>
@@ -6552,12 +7132,14 @@
                       <a:r>
                         <a:rPr lang="en-US" sz="1500" b="0" dirty="0">
                           <a:solidFill>
-                            <a:srgbClr val="C00000"/>
+                            <a:schemeClr val="accent4">
+                              <a:lumMod val="75000"/>
+                            </a:schemeClr>
                           </a:solidFill>
                           <a:latin typeface="Arial" panose="020B0604020202020204" pitchFamily="34" charset="0"/>
                           <a:cs typeface="Arial" panose="020B0604020202020204" pitchFamily="34" charset="0"/>
                         </a:rPr>
-                        <a:t>Gene 3</a:t>
+                        <a:t>Weight</a:t>
                       </a:r>
                     </a:p>
                   </a:txBody>
@@ -6638,12 +7220,14 @@
                       <a:r>
                         <a:rPr lang="en-US" sz="1500" b="0" dirty="0">
                           <a:solidFill>
-                            <a:srgbClr val="C00000"/>
+                            <a:schemeClr val="accent4">
+                              <a:lumMod val="75000"/>
+                            </a:schemeClr>
                           </a:solidFill>
                           <a:latin typeface="Arial" panose="020B0604020202020204" pitchFamily="34" charset="0"/>
                           <a:cs typeface="Arial" panose="020B0604020202020204" pitchFamily="34" charset="0"/>
                         </a:rPr>
-                        <a:t>Gene 3</a:t>
+                        <a:t>BP</a:t>
                       </a:r>
                     </a:p>
                   </a:txBody>
@@ -6724,12 +7308,14 @@
                       <a:r>
                         <a:rPr lang="en-US" sz="1500" b="0" dirty="0">
                           <a:solidFill>
-                            <a:srgbClr val="C00000"/>
+                            <a:schemeClr val="accent4">
+                              <a:lumMod val="75000"/>
+                            </a:schemeClr>
                           </a:solidFill>
                           <a:latin typeface="Arial" panose="020B0604020202020204" pitchFamily="34" charset="0"/>
                           <a:cs typeface="Arial" panose="020B0604020202020204" pitchFamily="34" charset="0"/>
                         </a:rPr>
-                        <a:t>Gene 5</a:t>
+                        <a:t>Heart rate</a:t>
                       </a:r>
                     </a:p>
                   </a:txBody>
@@ -6794,7 +7380,9 @@
                       <a:r>
                         <a:rPr lang="en-US" sz="2500" b="0" dirty="0">
                           <a:solidFill>
-                            <a:srgbClr val="C00000"/>
+                            <a:schemeClr val="accent4">
+                              <a:lumMod val="75000"/>
+                            </a:schemeClr>
                           </a:solidFill>
                           <a:latin typeface="Arial" panose="020B0604020202020204" pitchFamily="34" charset="0"/>
                           <a:cs typeface="Arial" panose="020B0604020202020204" pitchFamily="34" charset="0"/>
@@ -6870,10 +7458,13 @@
                       <a:pPr algn="ctr"/>
                       <a:r>
                         <a:rPr lang="en-US" sz="1500" dirty="0">
+                          <a:solidFill>
+                            <a:srgbClr val="C00000"/>
+                          </a:solidFill>
                           <a:latin typeface="Arial" panose="020B0604020202020204" pitchFamily="34" charset="0"/>
                           <a:cs typeface="Arial" panose="020B0604020202020204" pitchFamily="34" charset="0"/>
                         </a:rPr>
-                        <a:t>Cell 1</a:t>
+                        <a:t>Person 1</a:t>
                       </a:r>
                     </a:p>
                   </a:txBody>
@@ -6934,13 +7525,21 @@
                     <a:bodyPr/>
                     <a:lstStyle/>
                     <a:p>
-                      <a:endParaRPr lang="en-US" dirty="0">
-                        <a:latin typeface="Arial" panose="020B0604020202020204" pitchFamily="34" charset="0"/>
-                        <a:cs typeface="Arial" panose="020B0604020202020204" pitchFamily="34" charset="0"/>
-                      </a:endParaRPr>
+                      <a:pPr algn="ctr" fontAlgn="b"/>
+                      <a:r>
+                        <a:rPr lang="en-GB" sz="1500" b="0" i="0" u="none" strike="noStrike" dirty="0">
+                          <a:solidFill>
+                            <a:srgbClr val="000000"/>
+                          </a:solidFill>
+                          <a:effectLst/>
+                          <a:latin typeface="Arial" panose="020B0604020202020204" pitchFamily="34" charset="0"/>
+                          <a:cs typeface="Arial" panose="020B0604020202020204" pitchFamily="34" charset="0"/>
+                        </a:rPr>
+                        <a:t>34</a:t>
+                      </a:r>
                     </a:p>
                   </a:txBody>
-                  <a:tcPr>
+                  <a:tcPr marL="9525" marR="9525" marT="9525" marB="0" anchor="ctr">
                     <a:lnL w="19050" cap="flat" cmpd="sng" algn="ctr">
                       <a:solidFill>
                         <a:schemeClr val="tx1"/>
@@ -6993,13 +7592,21 @@
                     <a:bodyPr/>
                     <a:lstStyle/>
                     <a:p>
-                      <a:endParaRPr lang="en-US" dirty="0">
-                        <a:latin typeface="Arial" panose="020B0604020202020204" pitchFamily="34" charset="0"/>
-                        <a:cs typeface="Arial" panose="020B0604020202020204" pitchFamily="34" charset="0"/>
-                      </a:endParaRPr>
+                      <a:pPr algn="ctr" fontAlgn="b"/>
+                      <a:r>
+                        <a:rPr lang="en-GB" sz="1500" b="0" i="0" u="none" strike="noStrike" dirty="0">
+                          <a:solidFill>
+                            <a:srgbClr val="000000"/>
+                          </a:solidFill>
+                          <a:effectLst/>
+                          <a:latin typeface="Arial" panose="020B0604020202020204" pitchFamily="34" charset="0"/>
+                          <a:cs typeface="Arial" panose="020B0604020202020204" pitchFamily="34" charset="0"/>
+                        </a:rPr>
+                        <a:t>173</a:t>
+                      </a:r>
                     </a:p>
                   </a:txBody>
-                  <a:tcPr>
+                  <a:tcPr marL="9525" marR="9525" marT="9525" marB="0" anchor="ctr">
                     <a:lnL w="3175" cap="flat" cmpd="sng" algn="ctr">
                       <a:solidFill>
                         <a:schemeClr val="tx1"/>
@@ -7052,13 +7659,21 @@
                     <a:bodyPr/>
                     <a:lstStyle/>
                     <a:p>
-                      <a:endParaRPr lang="en-US">
-                        <a:latin typeface="Arial" panose="020B0604020202020204" pitchFamily="34" charset="0"/>
-                        <a:cs typeface="Arial" panose="020B0604020202020204" pitchFamily="34" charset="0"/>
-                      </a:endParaRPr>
+                      <a:pPr algn="ctr" fontAlgn="b"/>
+                      <a:r>
+                        <a:rPr lang="en-GB" sz="1500" b="0" i="0" u="none" strike="noStrike" dirty="0">
+                          <a:solidFill>
+                            <a:srgbClr val="000000"/>
+                          </a:solidFill>
+                          <a:effectLst/>
+                          <a:latin typeface="Arial" panose="020B0604020202020204" pitchFamily="34" charset="0"/>
+                          <a:cs typeface="Arial" panose="020B0604020202020204" pitchFamily="34" charset="0"/>
+                        </a:rPr>
+                        <a:t>82</a:t>
+                      </a:r>
                     </a:p>
                   </a:txBody>
-                  <a:tcPr>
+                  <a:tcPr marL="9525" marR="9525" marT="9525" marB="0" anchor="ctr">
                     <a:lnL w="3175" cap="flat" cmpd="sng" algn="ctr">
                       <a:solidFill>
                         <a:schemeClr val="tx1"/>
@@ -7111,13 +7726,21 @@
                     <a:bodyPr/>
                     <a:lstStyle/>
                     <a:p>
-                      <a:endParaRPr lang="en-US" dirty="0">
-                        <a:latin typeface="Arial" panose="020B0604020202020204" pitchFamily="34" charset="0"/>
-                        <a:cs typeface="Arial" panose="020B0604020202020204" pitchFamily="34" charset="0"/>
-                      </a:endParaRPr>
+                      <a:pPr algn="ctr" fontAlgn="b"/>
+                      <a:r>
+                        <a:rPr lang="en-GB" sz="1500" b="0" i="0" u="none" strike="noStrike" dirty="0">
+                          <a:solidFill>
+                            <a:srgbClr val="000000"/>
+                          </a:solidFill>
+                          <a:effectLst/>
+                          <a:latin typeface="Arial" panose="020B0604020202020204" pitchFamily="34" charset="0"/>
+                          <a:cs typeface="Arial" panose="020B0604020202020204" pitchFamily="34" charset="0"/>
+                        </a:rPr>
+                        <a:t>140/90</a:t>
+                      </a:r>
                     </a:p>
                   </a:txBody>
-                  <a:tcPr>
+                  <a:tcPr marL="9525" marR="9525" marT="9525" marB="0" anchor="ctr">
                     <a:lnL w="3175" cap="flat" cmpd="sng" algn="ctr">
                       <a:solidFill>
                         <a:schemeClr val="tx1"/>
@@ -7170,13 +7793,21 @@
                     <a:bodyPr/>
                     <a:lstStyle/>
                     <a:p>
-                      <a:endParaRPr lang="en-US" dirty="0">
-                        <a:latin typeface="Arial" panose="020B0604020202020204" pitchFamily="34" charset="0"/>
-                        <a:cs typeface="Arial" panose="020B0604020202020204" pitchFamily="34" charset="0"/>
-                      </a:endParaRPr>
+                      <a:pPr algn="ctr" fontAlgn="b"/>
+                      <a:r>
+                        <a:rPr lang="en-GB" sz="1500" b="0" i="0" u="none" strike="noStrike" dirty="0">
+                          <a:solidFill>
+                            <a:srgbClr val="000000"/>
+                          </a:solidFill>
+                          <a:effectLst/>
+                          <a:latin typeface="Arial" panose="020B0604020202020204" pitchFamily="34" charset="0"/>
+                          <a:cs typeface="Arial" panose="020B0604020202020204" pitchFamily="34" charset="0"/>
+                        </a:rPr>
+                        <a:t>65</a:t>
+                      </a:r>
                     </a:p>
                   </a:txBody>
-                  <a:tcPr>
+                  <a:tcPr marL="9525" marR="9525" marT="9525" marB="0" anchor="ctr">
                     <a:lnL w="3175" cap="flat" cmpd="sng" algn="ctr">
                       <a:solidFill>
                         <a:schemeClr val="tx1"/>
@@ -7229,13 +7860,32 @@
                     <a:bodyPr/>
                     <a:lstStyle/>
                     <a:p>
-                      <a:endParaRPr lang="en-US" dirty="0">
+                      <a:pPr algn="ctr" fontAlgn="b"/>
+                      <a:r>
+                        <a:rPr lang="en-US" sz="1500" b="1" dirty="0">
+                          <a:solidFill>
+                            <a:schemeClr val="accent4">
+                              <a:lumMod val="75000"/>
+                            </a:schemeClr>
+                          </a:solidFill>
+                          <a:latin typeface="Arial" panose="020B0604020202020204" pitchFamily="34" charset="0"/>
+                          <a:cs typeface="Arial" panose="020B0604020202020204" pitchFamily="34" charset="0"/>
+                        </a:rPr>
+                        <a:t>. . .</a:t>
+                      </a:r>
+                      <a:endParaRPr lang="en-GB" sz="1500" b="0" i="0" u="none" strike="noStrike" dirty="0">
+                        <a:solidFill>
+                          <a:schemeClr val="accent4">
+                            <a:lumMod val="75000"/>
+                          </a:schemeClr>
+                        </a:solidFill>
+                        <a:effectLst/>
                         <a:latin typeface="Arial" panose="020B0604020202020204" pitchFamily="34" charset="0"/>
                         <a:cs typeface="Arial" panose="020B0604020202020204" pitchFamily="34" charset="0"/>
                       </a:endParaRPr>
                     </a:p>
                   </a:txBody>
-                  <a:tcPr>
+                  <a:tcPr marL="9525" marR="9525" marT="9525" marB="0" anchor="ctr">
                     <a:lnL w="3175" cap="flat" cmpd="sng" algn="ctr">
                       <a:solidFill>
                         <a:schemeClr val="tx1"/>
@@ -7298,10 +7948,13 @@
                       <a:pPr algn="ctr"/>
                       <a:r>
                         <a:rPr lang="en-US" sz="1500" dirty="0">
+                          <a:solidFill>
+                            <a:srgbClr val="C00000"/>
+                          </a:solidFill>
                           <a:latin typeface="Arial" panose="020B0604020202020204" pitchFamily="34" charset="0"/>
                           <a:cs typeface="Arial" panose="020B0604020202020204" pitchFamily="34" charset="0"/>
                         </a:rPr>
-                        <a:t>Cell 2</a:t>
+                        <a:t>Person 2</a:t>
                       </a:r>
                     </a:p>
                   </a:txBody>
@@ -7362,13 +8015,21 @@
                     <a:bodyPr/>
                     <a:lstStyle/>
                     <a:p>
-                      <a:endParaRPr lang="en-US" dirty="0">
-                        <a:latin typeface="Arial" panose="020B0604020202020204" pitchFamily="34" charset="0"/>
-                        <a:cs typeface="Arial" panose="020B0604020202020204" pitchFamily="34" charset="0"/>
-                      </a:endParaRPr>
+                      <a:pPr algn="ctr" fontAlgn="b"/>
+                      <a:r>
+                        <a:rPr lang="en-GB" sz="1500" b="0" i="0" u="none" strike="noStrike" dirty="0">
+                          <a:solidFill>
+                            <a:srgbClr val="000000"/>
+                          </a:solidFill>
+                          <a:effectLst/>
+                          <a:latin typeface="Arial" panose="020B0604020202020204" pitchFamily="34" charset="0"/>
+                          <a:cs typeface="Arial" panose="020B0604020202020204" pitchFamily="34" charset="0"/>
+                        </a:rPr>
+                        <a:t>45</a:t>
+                      </a:r>
                     </a:p>
                   </a:txBody>
-                  <a:tcPr>
+                  <a:tcPr marL="9525" marR="9525" marT="9525" marB="0" anchor="ctr">
                     <a:lnL w="19050" cap="flat" cmpd="sng" algn="ctr">
                       <a:solidFill>
                         <a:schemeClr val="tx1"/>
@@ -7421,13 +8082,21 @@
                     <a:bodyPr/>
                     <a:lstStyle/>
                     <a:p>
-                      <a:endParaRPr lang="en-US" dirty="0">
-                        <a:latin typeface="Arial" panose="020B0604020202020204" pitchFamily="34" charset="0"/>
-                        <a:cs typeface="Arial" panose="020B0604020202020204" pitchFamily="34" charset="0"/>
-                      </a:endParaRPr>
+                      <a:pPr algn="ctr" fontAlgn="b"/>
+                      <a:r>
+                        <a:rPr lang="en-GB" sz="1500" b="0" i="0" u="none" strike="noStrike" dirty="0">
+                          <a:solidFill>
+                            <a:srgbClr val="000000"/>
+                          </a:solidFill>
+                          <a:effectLst/>
+                          <a:latin typeface="Arial" panose="020B0604020202020204" pitchFamily="34" charset="0"/>
+                          <a:cs typeface="Arial" panose="020B0604020202020204" pitchFamily="34" charset="0"/>
+                        </a:rPr>
+                        <a:t>150</a:t>
+                      </a:r>
                     </a:p>
                   </a:txBody>
-                  <a:tcPr>
+                  <a:tcPr marL="9525" marR="9525" marT="9525" marB="0" anchor="ctr">
                     <a:lnL w="3175" cap="flat" cmpd="sng" algn="ctr">
                       <a:solidFill>
                         <a:schemeClr val="tx1"/>
@@ -7480,13 +8149,21 @@
                     <a:bodyPr/>
                     <a:lstStyle/>
                     <a:p>
-                      <a:endParaRPr lang="en-US" dirty="0">
-                        <a:latin typeface="Arial" panose="020B0604020202020204" pitchFamily="34" charset="0"/>
-                        <a:cs typeface="Arial" panose="020B0604020202020204" pitchFamily="34" charset="0"/>
-                      </a:endParaRPr>
+                      <a:pPr algn="ctr" fontAlgn="b"/>
+                      <a:r>
+                        <a:rPr lang="en-GB" sz="1500" b="0" i="0" u="none" strike="noStrike" dirty="0">
+                          <a:solidFill>
+                            <a:srgbClr val="000000"/>
+                          </a:solidFill>
+                          <a:effectLst/>
+                          <a:latin typeface="Arial" panose="020B0604020202020204" pitchFamily="34" charset="0"/>
+                          <a:cs typeface="Arial" panose="020B0604020202020204" pitchFamily="34" charset="0"/>
+                        </a:rPr>
+                        <a:t>95</a:t>
+                      </a:r>
                     </a:p>
                   </a:txBody>
-                  <a:tcPr>
+                  <a:tcPr marL="9525" marR="9525" marT="9525" marB="0" anchor="ctr">
                     <a:lnL w="3175" cap="flat" cmpd="sng" algn="ctr">
                       <a:solidFill>
                         <a:schemeClr val="tx1"/>
@@ -7539,13 +8216,21 @@
                     <a:bodyPr/>
                     <a:lstStyle/>
                     <a:p>
-                      <a:endParaRPr lang="en-US" dirty="0">
-                        <a:latin typeface="Arial" panose="020B0604020202020204" pitchFamily="34" charset="0"/>
-                        <a:cs typeface="Arial" panose="020B0604020202020204" pitchFamily="34" charset="0"/>
-                      </a:endParaRPr>
+                      <a:pPr algn="ctr" fontAlgn="b"/>
+                      <a:r>
+                        <a:rPr lang="en-GB" sz="1500" b="0" i="0" u="none" strike="noStrike" dirty="0">
+                          <a:solidFill>
+                            <a:srgbClr val="000000"/>
+                          </a:solidFill>
+                          <a:effectLst/>
+                          <a:latin typeface="Arial" panose="020B0604020202020204" pitchFamily="34" charset="0"/>
+                          <a:cs typeface="Arial" panose="020B0604020202020204" pitchFamily="34" charset="0"/>
+                        </a:rPr>
+                        <a:t>90/60</a:t>
+                      </a:r>
                     </a:p>
                   </a:txBody>
-                  <a:tcPr>
+                  <a:tcPr marL="9525" marR="9525" marT="9525" marB="0" anchor="ctr">
                     <a:lnL w="3175" cap="flat" cmpd="sng" algn="ctr">
                       <a:solidFill>
                         <a:schemeClr val="tx1"/>
@@ -7598,13 +8283,21 @@
                     <a:bodyPr/>
                     <a:lstStyle/>
                     <a:p>
-                      <a:endParaRPr lang="en-US" dirty="0">
-                        <a:latin typeface="Arial" panose="020B0604020202020204" pitchFamily="34" charset="0"/>
-                        <a:cs typeface="Arial" panose="020B0604020202020204" pitchFamily="34" charset="0"/>
-                      </a:endParaRPr>
+                      <a:pPr algn="ctr" fontAlgn="b"/>
+                      <a:r>
+                        <a:rPr lang="en-GB" sz="1500" b="0" i="0" u="none" strike="noStrike" dirty="0">
+                          <a:solidFill>
+                            <a:srgbClr val="000000"/>
+                          </a:solidFill>
+                          <a:effectLst/>
+                          <a:latin typeface="Arial" panose="020B0604020202020204" pitchFamily="34" charset="0"/>
+                          <a:cs typeface="Arial" panose="020B0604020202020204" pitchFamily="34" charset="0"/>
+                        </a:rPr>
+                        <a:t>98</a:t>
+                      </a:r>
                     </a:p>
                   </a:txBody>
-                  <a:tcPr>
+                  <a:tcPr marL="9525" marR="9525" marT="9525" marB="0" anchor="ctr">
                     <a:lnL w="3175" cap="flat" cmpd="sng" algn="ctr">
                       <a:solidFill>
                         <a:schemeClr val="tx1"/>
@@ -7657,13 +8350,32 @@
                     <a:bodyPr/>
                     <a:lstStyle/>
                     <a:p>
-                      <a:endParaRPr lang="en-US" dirty="0">
+                      <a:pPr algn="ctr" fontAlgn="b"/>
+                      <a:r>
+                        <a:rPr lang="en-US" sz="1500" b="1" dirty="0">
+                          <a:solidFill>
+                            <a:schemeClr val="accent4">
+                              <a:lumMod val="75000"/>
+                            </a:schemeClr>
+                          </a:solidFill>
+                          <a:latin typeface="Arial" panose="020B0604020202020204" pitchFamily="34" charset="0"/>
+                          <a:cs typeface="Arial" panose="020B0604020202020204" pitchFamily="34" charset="0"/>
+                        </a:rPr>
+                        <a:t>. . .</a:t>
+                      </a:r>
+                      <a:endParaRPr lang="en-GB" sz="1500" b="0" i="0" u="none" strike="noStrike" dirty="0">
+                        <a:solidFill>
+                          <a:schemeClr val="accent4">
+                            <a:lumMod val="75000"/>
+                          </a:schemeClr>
+                        </a:solidFill>
+                        <a:effectLst/>
                         <a:latin typeface="Arial" panose="020B0604020202020204" pitchFamily="34" charset="0"/>
                         <a:cs typeface="Arial" panose="020B0604020202020204" pitchFamily="34" charset="0"/>
                       </a:endParaRPr>
                     </a:p>
                   </a:txBody>
-                  <a:tcPr>
+                  <a:tcPr marL="9525" marR="9525" marT="9525" marB="0" anchor="ctr">
                     <a:lnL w="3175" cap="flat" cmpd="sng" algn="ctr">
                       <a:solidFill>
                         <a:schemeClr val="tx1"/>
@@ -7726,10 +8438,13 @@
                       <a:pPr algn="ctr"/>
                       <a:r>
                         <a:rPr lang="en-US" sz="1500" dirty="0">
+                          <a:solidFill>
+                            <a:srgbClr val="C00000"/>
+                          </a:solidFill>
                           <a:latin typeface="Arial" panose="020B0604020202020204" pitchFamily="34" charset="0"/>
                           <a:cs typeface="Arial" panose="020B0604020202020204" pitchFamily="34" charset="0"/>
                         </a:rPr>
-                        <a:t>Cell 3</a:t>
+                        <a:t>Person 3</a:t>
                       </a:r>
                     </a:p>
                   </a:txBody>
@@ -7790,13 +8505,21 @@
                     <a:bodyPr/>
                     <a:lstStyle/>
                     <a:p>
-                      <a:endParaRPr lang="en-US" dirty="0">
-                        <a:latin typeface="Arial" panose="020B0604020202020204" pitchFamily="34" charset="0"/>
-                        <a:cs typeface="Arial" panose="020B0604020202020204" pitchFamily="34" charset="0"/>
-                      </a:endParaRPr>
+                      <a:pPr algn="ctr" fontAlgn="b"/>
+                      <a:r>
+                        <a:rPr lang="en-GB" sz="1500" b="0" i="0" u="none" strike="noStrike" dirty="0">
+                          <a:solidFill>
+                            <a:srgbClr val="000000"/>
+                          </a:solidFill>
+                          <a:effectLst/>
+                          <a:latin typeface="Arial" panose="020B0604020202020204" pitchFamily="34" charset="0"/>
+                          <a:cs typeface="Arial" panose="020B0604020202020204" pitchFamily="34" charset="0"/>
+                        </a:rPr>
+                        <a:t>67</a:t>
+                      </a:r>
                     </a:p>
                   </a:txBody>
-                  <a:tcPr>
+                  <a:tcPr marL="9525" marR="9525" marT="9525" marB="0" anchor="ctr">
                     <a:lnL w="19050" cap="flat" cmpd="sng" algn="ctr">
                       <a:solidFill>
                         <a:schemeClr val="tx1"/>
@@ -7824,11 +8547,11 @@
                       <a:headEnd type="none" w="med" len="med"/>
                       <a:tailEnd type="none" w="med" len="med"/>
                     </a:lnT>
-                    <a:lnB w="19050" cap="flat" cmpd="sng" algn="ctr">
-                      <a:solidFill>
-                        <a:schemeClr val="tx1"/>
-                      </a:solidFill>
-                      <a:prstDash val="solid"/>
+                    <a:lnB w="3175" cap="flat" cmpd="sng" algn="ctr">
+                      <a:solidFill>
+                        <a:schemeClr val="tx1"/>
+                      </a:solidFill>
+                      <a:prstDash val="sysDot"/>
                       <a:round/>
                       <a:headEnd type="none" w="med" len="med"/>
                       <a:tailEnd type="none" w="med" len="med"/>
@@ -7849,13 +8572,21 @@
                     <a:bodyPr/>
                     <a:lstStyle/>
                     <a:p>
-                      <a:endParaRPr lang="en-US">
-                        <a:latin typeface="Arial" panose="020B0604020202020204" pitchFamily="34" charset="0"/>
-                        <a:cs typeface="Arial" panose="020B0604020202020204" pitchFamily="34" charset="0"/>
-                      </a:endParaRPr>
+                      <a:pPr algn="ctr" fontAlgn="b"/>
+                      <a:r>
+                        <a:rPr lang="en-GB" sz="1500" b="0" i="0" u="none" strike="noStrike" dirty="0">
+                          <a:solidFill>
+                            <a:srgbClr val="000000"/>
+                          </a:solidFill>
+                          <a:effectLst/>
+                          <a:latin typeface="Arial" panose="020B0604020202020204" pitchFamily="34" charset="0"/>
+                          <a:cs typeface="Arial" panose="020B0604020202020204" pitchFamily="34" charset="0"/>
+                        </a:rPr>
+                        <a:t>180</a:t>
+                      </a:r>
                     </a:p>
                   </a:txBody>
-                  <a:tcPr>
+                  <a:tcPr marL="9525" marR="9525" marT="9525" marB="0" anchor="ctr">
                     <a:lnL w="3175" cap="flat" cmpd="sng" algn="ctr">
                       <a:solidFill>
                         <a:schemeClr val="tx1"/>
@@ -7883,11 +8614,11 @@
                       <a:headEnd type="none" w="med" len="med"/>
                       <a:tailEnd type="none" w="med" len="med"/>
                     </a:lnT>
-                    <a:lnB w="19050" cap="flat" cmpd="sng" algn="ctr">
-                      <a:solidFill>
-                        <a:schemeClr val="tx1"/>
-                      </a:solidFill>
-                      <a:prstDash val="solid"/>
+                    <a:lnB w="3175" cap="flat" cmpd="sng" algn="ctr">
+                      <a:solidFill>
+                        <a:schemeClr val="tx1"/>
+                      </a:solidFill>
+                      <a:prstDash val="sysDot"/>
                       <a:round/>
                       <a:headEnd type="none" w="med" len="med"/>
                       <a:tailEnd type="none" w="med" len="med"/>
@@ -7908,13 +8639,21 @@
                     <a:bodyPr/>
                     <a:lstStyle/>
                     <a:p>
-                      <a:endParaRPr lang="en-US" dirty="0">
-                        <a:latin typeface="Arial" panose="020B0604020202020204" pitchFamily="34" charset="0"/>
-                        <a:cs typeface="Arial" panose="020B0604020202020204" pitchFamily="34" charset="0"/>
-                      </a:endParaRPr>
+                      <a:pPr algn="ctr" fontAlgn="b"/>
+                      <a:r>
+                        <a:rPr lang="en-GB" sz="1500" b="0" i="0" u="none" strike="noStrike" dirty="0">
+                          <a:solidFill>
+                            <a:srgbClr val="000000"/>
+                          </a:solidFill>
+                          <a:effectLst/>
+                          <a:latin typeface="Arial" panose="020B0604020202020204" pitchFamily="34" charset="0"/>
+                          <a:cs typeface="Arial" panose="020B0604020202020204" pitchFamily="34" charset="0"/>
+                        </a:rPr>
+                        <a:t>109</a:t>
+                      </a:r>
                     </a:p>
                   </a:txBody>
-                  <a:tcPr>
+                  <a:tcPr marL="9525" marR="9525" marT="9525" marB="0" anchor="ctr">
                     <a:lnL w="3175" cap="flat" cmpd="sng" algn="ctr">
                       <a:solidFill>
                         <a:schemeClr val="tx1"/>
@@ -7942,11 +8681,11 @@
                       <a:headEnd type="none" w="med" len="med"/>
                       <a:tailEnd type="none" w="med" len="med"/>
                     </a:lnT>
-                    <a:lnB w="19050" cap="flat" cmpd="sng" algn="ctr">
-                      <a:solidFill>
-                        <a:schemeClr val="tx1"/>
-                      </a:solidFill>
-                      <a:prstDash val="solid"/>
+                    <a:lnB w="3175" cap="flat" cmpd="sng" algn="ctr">
+                      <a:solidFill>
+                        <a:schemeClr val="tx1"/>
+                      </a:solidFill>
+                      <a:prstDash val="sysDot"/>
                       <a:round/>
                       <a:headEnd type="none" w="med" len="med"/>
                       <a:tailEnd type="none" w="med" len="med"/>
@@ -7967,13 +8706,21 @@
                     <a:bodyPr/>
                     <a:lstStyle/>
                     <a:p>
-                      <a:endParaRPr lang="en-US" dirty="0">
-                        <a:latin typeface="Arial" panose="020B0604020202020204" pitchFamily="34" charset="0"/>
-                        <a:cs typeface="Arial" panose="020B0604020202020204" pitchFamily="34" charset="0"/>
-                      </a:endParaRPr>
+                      <a:pPr algn="ctr" fontAlgn="b"/>
+                      <a:r>
+                        <a:rPr lang="en-GB" sz="1500" b="0" i="0" u="none" strike="noStrike" dirty="0">
+                          <a:solidFill>
+                            <a:srgbClr val="000000"/>
+                          </a:solidFill>
+                          <a:effectLst/>
+                          <a:latin typeface="Arial" panose="020B0604020202020204" pitchFamily="34" charset="0"/>
+                          <a:cs typeface="Arial" panose="020B0604020202020204" pitchFamily="34" charset="0"/>
+                        </a:rPr>
+                        <a:t>120/80</a:t>
+                      </a:r>
                     </a:p>
                   </a:txBody>
-                  <a:tcPr>
+                  <a:tcPr marL="9525" marR="9525" marT="9525" marB="0" anchor="ctr">
                     <a:lnL w="3175" cap="flat" cmpd="sng" algn="ctr">
                       <a:solidFill>
                         <a:schemeClr val="tx1"/>
@@ -8001,11 +8748,11 @@
                       <a:headEnd type="none" w="med" len="med"/>
                       <a:tailEnd type="none" w="med" len="med"/>
                     </a:lnT>
-                    <a:lnB w="19050" cap="flat" cmpd="sng" algn="ctr">
-                      <a:solidFill>
-                        <a:schemeClr val="tx1"/>
-                      </a:solidFill>
-                      <a:prstDash val="solid"/>
+                    <a:lnB w="3175" cap="flat" cmpd="sng" algn="ctr">
+                      <a:solidFill>
+                        <a:schemeClr val="tx1"/>
+                      </a:solidFill>
+                      <a:prstDash val="sysDot"/>
                       <a:round/>
                       <a:headEnd type="none" w="med" len="med"/>
                       <a:tailEnd type="none" w="med" len="med"/>
@@ -8026,13 +8773,21 @@
                     <a:bodyPr/>
                     <a:lstStyle/>
                     <a:p>
-                      <a:endParaRPr lang="en-US" dirty="0">
-                        <a:latin typeface="Arial" panose="020B0604020202020204" pitchFamily="34" charset="0"/>
-                        <a:cs typeface="Arial" panose="020B0604020202020204" pitchFamily="34" charset="0"/>
-                      </a:endParaRPr>
+                      <a:pPr algn="ctr" fontAlgn="b"/>
+                      <a:r>
+                        <a:rPr lang="en-GB" sz="1500" b="0" i="0" u="none" strike="noStrike" dirty="0">
+                          <a:solidFill>
+                            <a:srgbClr val="000000"/>
+                          </a:solidFill>
+                          <a:effectLst/>
+                          <a:latin typeface="Arial" panose="020B0604020202020204" pitchFamily="34" charset="0"/>
+                          <a:cs typeface="Arial" panose="020B0604020202020204" pitchFamily="34" charset="0"/>
+                        </a:rPr>
+                        <a:t>96</a:t>
+                      </a:r>
                     </a:p>
                   </a:txBody>
-                  <a:tcPr>
+                  <a:tcPr marL="9525" marR="9525" marT="9525" marB="0" anchor="ctr">
                     <a:lnL w="3175" cap="flat" cmpd="sng" algn="ctr">
                       <a:solidFill>
                         <a:schemeClr val="tx1"/>
@@ -8060,11 +8815,11 @@
                       <a:headEnd type="none" w="med" len="med"/>
                       <a:tailEnd type="none" w="med" len="med"/>
                     </a:lnT>
-                    <a:lnB w="19050" cap="flat" cmpd="sng" algn="ctr">
-                      <a:solidFill>
-                        <a:schemeClr val="tx1"/>
-                      </a:solidFill>
-                      <a:prstDash val="solid"/>
+                    <a:lnB w="3175" cap="flat" cmpd="sng" algn="ctr">
+                      <a:solidFill>
+                        <a:schemeClr val="tx1"/>
+                      </a:solidFill>
+                      <a:prstDash val="sysDot"/>
                       <a:round/>
                       <a:headEnd type="none" w="med" len="med"/>
                       <a:tailEnd type="none" w="med" len="med"/>
@@ -8085,13 +8840,32 @@
                     <a:bodyPr/>
                     <a:lstStyle/>
                     <a:p>
-                      <a:endParaRPr lang="en-US" dirty="0">
+                      <a:pPr algn="ctr" fontAlgn="b"/>
+                      <a:r>
+                        <a:rPr lang="en-US" sz="1500" b="1" dirty="0">
+                          <a:solidFill>
+                            <a:schemeClr val="accent4">
+                              <a:lumMod val="75000"/>
+                            </a:schemeClr>
+                          </a:solidFill>
+                          <a:latin typeface="Arial" panose="020B0604020202020204" pitchFamily="34" charset="0"/>
+                          <a:cs typeface="Arial" panose="020B0604020202020204" pitchFamily="34" charset="0"/>
+                        </a:rPr>
+                        <a:t>. . .</a:t>
+                      </a:r>
+                      <a:endParaRPr lang="en-GB" sz="1500" b="0" i="0" u="none" strike="noStrike" dirty="0">
+                        <a:solidFill>
+                          <a:schemeClr val="accent4">
+                            <a:lumMod val="75000"/>
+                          </a:schemeClr>
+                        </a:solidFill>
+                        <a:effectLst/>
                         <a:latin typeface="Arial" panose="020B0604020202020204" pitchFamily="34" charset="0"/>
                         <a:cs typeface="Arial" panose="020B0604020202020204" pitchFamily="34" charset="0"/>
                       </a:endParaRPr>
                     </a:p>
                   </a:txBody>
-                  <a:tcPr>
+                  <a:tcPr marL="9525" marR="9525" marT="9525" marB="0" anchor="ctr">
                     <a:lnL w="3175" cap="flat" cmpd="sng" algn="ctr">
                       <a:solidFill>
                         <a:schemeClr val="tx1"/>
@@ -8119,11 +8893,11 @@
                       <a:headEnd type="none" w="med" len="med"/>
                       <a:tailEnd type="none" w="med" len="med"/>
                     </a:lnT>
-                    <a:lnB w="19050" cap="flat" cmpd="sng" algn="ctr">
-                      <a:solidFill>
-                        <a:schemeClr val="tx1"/>
-                      </a:solidFill>
-                      <a:prstDash val="solid"/>
+                    <a:lnB w="3175" cap="flat" cmpd="sng" algn="ctr">
+                      <a:solidFill>
+                        <a:schemeClr val="tx1"/>
+                      </a:solidFill>
+                      <a:prstDash val="sysDot"/>
                       <a:round/>
                       <a:headEnd type="none" w="med" len="med"/>
                       <a:tailEnd type="none" w="med" len="med"/>
@@ -8142,6 +8916,720 @@
                 <a:extLst>
                   <a:ext uri="{0D108BD9-81ED-4DB2-BD59-A6C34878D82A}">
                     <a16:rowId xmlns:a16="http://schemas.microsoft.com/office/drawing/2014/main" val="2787768747"/>
+                  </a:ext>
+                </a:extLst>
+              </a:tr>
+              <a:tr h="707572">
+                <a:tc>
+                  <a:txBody>
+                    <a:bodyPr/>
+                    <a:lstStyle/>
+                    <a:p>
+                      <a:pPr algn="ctr">
+                        <a:lnSpc>
+                          <a:spcPts val="800"/>
+                        </a:lnSpc>
+                      </a:pPr>
+                      <a:r>
+                        <a:rPr lang="en-US" sz="2500" dirty="0">
+                          <a:solidFill>
+                            <a:srgbClr val="C00000"/>
+                          </a:solidFill>
+                          <a:latin typeface="Arial" panose="020B0604020202020204" pitchFamily="34" charset="0"/>
+                          <a:cs typeface="Arial" panose="020B0604020202020204" pitchFamily="34" charset="0"/>
+                        </a:rPr>
+                        <a:t>.</a:t>
+                      </a:r>
+                    </a:p>
+                    <a:p>
+                      <a:pPr algn="ctr">
+                        <a:lnSpc>
+                          <a:spcPts val="800"/>
+                        </a:lnSpc>
+                      </a:pPr>
+                      <a:r>
+                        <a:rPr lang="en-US" sz="2500" dirty="0">
+                          <a:solidFill>
+                            <a:srgbClr val="C00000"/>
+                          </a:solidFill>
+                          <a:latin typeface="Arial" panose="020B0604020202020204" pitchFamily="34" charset="0"/>
+                          <a:cs typeface="Arial" panose="020B0604020202020204" pitchFamily="34" charset="0"/>
+                        </a:rPr>
+                        <a:t>.</a:t>
+                      </a:r>
+                    </a:p>
+                    <a:p>
+                      <a:pPr algn="ctr">
+                        <a:lnSpc>
+                          <a:spcPts val="800"/>
+                        </a:lnSpc>
+                      </a:pPr>
+                      <a:r>
+                        <a:rPr lang="en-US" sz="2500" dirty="0">
+                          <a:solidFill>
+                            <a:srgbClr val="C00000"/>
+                          </a:solidFill>
+                          <a:latin typeface="Arial" panose="020B0604020202020204" pitchFamily="34" charset="0"/>
+                          <a:cs typeface="Arial" panose="020B0604020202020204" pitchFamily="34" charset="0"/>
+                        </a:rPr>
+                        <a:t>.</a:t>
+                      </a:r>
+                    </a:p>
+                  </a:txBody>
+                  <a:tcPr anchor="ctr">
+                    <a:lnL w="19050" cap="flat" cmpd="sng" algn="ctr">
+                      <a:solidFill>
+                        <a:schemeClr val="tx1"/>
+                      </a:solidFill>
+                      <a:prstDash val="solid"/>
+                      <a:round/>
+                      <a:headEnd type="none" w="med" len="med"/>
+                      <a:tailEnd type="none" w="med" len="med"/>
+                    </a:lnL>
+                    <a:lnR w="19050" cap="flat" cmpd="sng" algn="ctr">
+                      <a:solidFill>
+                        <a:schemeClr val="tx1"/>
+                      </a:solidFill>
+                      <a:prstDash val="solid"/>
+                      <a:round/>
+                      <a:headEnd type="none" w="med" len="med"/>
+                      <a:tailEnd type="none" w="med" len="med"/>
+                    </a:lnR>
+                    <a:lnT w="19050" cap="flat" cmpd="sng" algn="ctr">
+                      <a:solidFill>
+                        <a:schemeClr val="tx1"/>
+                      </a:solidFill>
+                      <a:prstDash val="solid"/>
+                      <a:round/>
+                      <a:headEnd type="none" w="med" len="med"/>
+                      <a:tailEnd type="none" w="med" len="med"/>
+                    </a:lnT>
+                    <a:lnB w="19050" cap="flat" cmpd="sng" algn="ctr">
+                      <a:solidFill>
+                        <a:schemeClr val="tx1"/>
+                      </a:solidFill>
+                      <a:prstDash val="solid"/>
+                      <a:round/>
+                      <a:headEnd type="none" w="med" len="med"/>
+                      <a:tailEnd type="none" w="med" len="med"/>
+                    </a:lnB>
+                    <a:lnTlToBr w="12700" cmpd="sng">
+                      <a:noFill/>
+                      <a:prstDash val="solid"/>
+                    </a:lnTlToBr>
+                    <a:lnBlToTr w="12700" cmpd="sng">
+                      <a:noFill/>
+                      <a:prstDash val="solid"/>
+                    </a:lnBlToTr>
+                    <a:solidFill>
+                      <a:schemeClr val="bg1">
+                        <a:lumMod val="95000"/>
+                      </a:schemeClr>
+                    </a:solidFill>
+                  </a:tcPr>
+                </a:tc>
+                <a:tc>
+                  <a:txBody>
+                    <a:bodyPr/>
+                    <a:lstStyle/>
+                    <a:p>
+                      <a:pPr algn="ctr" fontAlgn="b">
+                        <a:lnSpc>
+                          <a:spcPts val="800"/>
+                        </a:lnSpc>
+                      </a:pPr>
+                      <a:r>
+                        <a:rPr lang="en-GB" sz="1500" b="1" i="0" u="none" strike="noStrike" dirty="0">
+                          <a:solidFill>
+                            <a:srgbClr val="000000"/>
+                          </a:solidFill>
+                          <a:effectLst/>
+                          <a:latin typeface="Arial" panose="020B0604020202020204" pitchFamily="34" charset="0"/>
+                          <a:cs typeface="Arial" panose="020B0604020202020204" pitchFamily="34" charset="0"/>
+                        </a:rPr>
+                        <a:t>.</a:t>
+                      </a:r>
+                    </a:p>
+                    <a:p>
+                      <a:pPr algn="ctr" fontAlgn="b">
+                        <a:lnSpc>
+                          <a:spcPts val="800"/>
+                        </a:lnSpc>
+                      </a:pPr>
+                      <a:r>
+                        <a:rPr lang="en-GB" sz="1500" b="1" i="0" u="none" strike="noStrike" dirty="0">
+                          <a:solidFill>
+                            <a:srgbClr val="000000"/>
+                          </a:solidFill>
+                          <a:effectLst/>
+                          <a:latin typeface="Arial" panose="020B0604020202020204" pitchFamily="34" charset="0"/>
+                          <a:cs typeface="Arial" panose="020B0604020202020204" pitchFamily="34" charset="0"/>
+                        </a:rPr>
+                        <a:t>.</a:t>
+                      </a:r>
+                    </a:p>
+                    <a:p>
+                      <a:pPr algn="ctr" fontAlgn="b">
+                        <a:lnSpc>
+                          <a:spcPts val="800"/>
+                        </a:lnSpc>
+                      </a:pPr>
+                      <a:r>
+                        <a:rPr lang="en-GB" sz="1500" b="1" i="0" u="none" strike="noStrike" dirty="0">
+                          <a:solidFill>
+                            <a:srgbClr val="000000"/>
+                          </a:solidFill>
+                          <a:effectLst/>
+                          <a:latin typeface="Arial" panose="020B0604020202020204" pitchFamily="34" charset="0"/>
+                          <a:cs typeface="Arial" panose="020B0604020202020204" pitchFamily="34" charset="0"/>
+                        </a:rPr>
+                        <a:t>.</a:t>
+                      </a:r>
+                    </a:p>
+                  </a:txBody>
+                  <a:tcPr marL="9525" marR="9525" marT="9525" marB="0" anchor="ctr">
+                    <a:lnL w="19050" cap="flat" cmpd="sng" algn="ctr">
+                      <a:solidFill>
+                        <a:schemeClr val="tx1"/>
+                      </a:solidFill>
+                      <a:prstDash val="solid"/>
+                      <a:round/>
+                      <a:headEnd type="none" w="med" len="med"/>
+                      <a:tailEnd type="none" w="med" len="med"/>
+                    </a:lnL>
+                    <a:lnR w="3175" cap="flat" cmpd="sng" algn="ctr">
+                      <a:solidFill>
+                        <a:schemeClr val="tx1"/>
+                      </a:solidFill>
+                      <a:prstDash val="sysDot"/>
+                      <a:round/>
+                      <a:headEnd type="none" w="med" len="med"/>
+                      <a:tailEnd type="none" w="med" len="med"/>
+                    </a:lnR>
+                    <a:lnT w="3175" cap="flat" cmpd="sng" algn="ctr">
+                      <a:solidFill>
+                        <a:schemeClr val="tx1"/>
+                      </a:solidFill>
+                      <a:prstDash val="sysDot"/>
+                      <a:round/>
+                      <a:headEnd type="none" w="med" len="med"/>
+                      <a:tailEnd type="none" w="med" len="med"/>
+                    </a:lnT>
+                    <a:lnB w="19050" cap="flat" cmpd="sng" algn="ctr">
+                      <a:solidFill>
+                        <a:schemeClr val="tx1"/>
+                      </a:solidFill>
+                      <a:prstDash val="solid"/>
+                      <a:round/>
+                      <a:headEnd type="none" w="med" len="med"/>
+                      <a:tailEnd type="none" w="med" len="med"/>
+                    </a:lnB>
+                    <a:lnTlToBr w="12700" cmpd="sng">
+                      <a:noFill/>
+                      <a:prstDash val="solid"/>
+                    </a:lnTlToBr>
+                    <a:lnBlToTr w="12700" cmpd="sng">
+                      <a:noFill/>
+                      <a:prstDash val="solid"/>
+                    </a:lnBlToTr>
+                    <a:noFill/>
+                  </a:tcPr>
+                </a:tc>
+                <a:tc>
+                  <a:txBody>
+                    <a:bodyPr/>
+                    <a:lstStyle/>
+                    <a:p>
+                      <a:pPr algn="ctr" fontAlgn="b">
+                        <a:lnSpc>
+                          <a:spcPts val="800"/>
+                        </a:lnSpc>
+                      </a:pPr>
+                      <a:r>
+                        <a:rPr lang="en-GB" sz="1500" b="1" i="0" u="none" strike="noStrike" dirty="0">
+                          <a:solidFill>
+                            <a:srgbClr val="000000"/>
+                          </a:solidFill>
+                          <a:effectLst/>
+                          <a:latin typeface="Arial" panose="020B0604020202020204" pitchFamily="34" charset="0"/>
+                          <a:cs typeface="Arial" panose="020B0604020202020204" pitchFamily="34" charset="0"/>
+                        </a:rPr>
+                        <a:t>.</a:t>
+                      </a:r>
+                    </a:p>
+                    <a:p>
+                      <a:pPr algn="ctr" fontAlgn="b">
+                        <a:lnSpc>
+                          <a:spcPts val="800"/>
+                        </a:lnSpc>
+                      </a:pPr>
+                      <a:r>
+                        <a:rPr lang="en-GB" sz="1500" b="1" i="0" u="none" strike="noStrike" dirty="0">
+                          <a:solidFill>
+                            <a:srgbClr val="000000"/>
+                          </a:solidFill>
+                          <a:effectLst/>
+                          <a:latin typeface="Arial" panose="020B0604020202020204" pitchFamily="34" charset="0"/>
+                          <a:cs typeface="Arial" panose="020B0604020202020204" pitchFamily="34" charset="0"/>
+                        </a:rPr>
+                        <a:t>.</a:t>
+                      </a:r>
+                    </a:p>
+                    <a:p>
+                      <a:pPr algn="ctr" fontAlgn="b">
+                        <a:lnSpc>
+                          <a:spcPts val="800"/>
+                        </a:lnSpc>
+                      </a:pPr>
+                      <a:r>
+                        <a:rPr lang="en-GB" sz="1500" b="1" i="0" u="none" strike="noStrike" dirty="0">
+                          <a:solidFill>
+                            <a:srgbClr val="000000"/>
+                          </a:solidFill>
+                          <a:effectLst/>
+                          <a:latin typeface="Arial" panose="020B0604020202020204" pitchFamily="34" charset="0"/>
+                          <a:cs typeface="Arial" panose="020B0604020202020204" pitchFamily="34" charset="0"/>
+                        </a:rPr>
+                        <a:t>.</a:t>
+                      </a:r>
+                    </a:p>
+                  </a:txBody>
+                  <a:tcPr marL="9525" marR="9525" marT="9525" marB="0" anchor="ctr">
+                    <a:lnL w="3175" cap="flat" cmpd="sng" algn="ctr">
+                      <a:solidFill>
+                        <a:schemeClr val="tx1"/>
+                      </a:solidFill>
+                      <a:prstDash val="sysDot"/>
+                      <a:round/>
+                      <a:headEnd type="none" w="med" len="med"/>
+                      <a:tailEnd type="none" w="med" len="med"/>
+                    </a:lnL>
+                    <a:lnR w="3175" cap="flat" cmpd="sng" algn="ctr">
+                      <a:solidFill>
+                        <a:schemeClr val="tx1"/>
+                      </a:solidFill>
+                      <a:prstDash val="sysDot"/>
+                      <a:round/>
+                      <a:headEnd type="none" w="med" len="med"/>
+                      <a:tailEnd type="none" w="med" len="med"/>
+                    </a:lnR>
+                    <a:lnT w="3175" cap="flat" cmpd="sng" algn="ctr">
+                      <a:solidFill>
+                        <a:schemeClr val="tx1"/>
+                      </a:solidFill>
+                      <a:prstDash val="sysDot"/>
+                      <a:round/>
+                      <a:headEnd type="none" w="med" len="med"/>
+                      <a:tailEnd type="none" w="med" len="med"/>
+                    </a:lnT>
+                    <a:lnB w="19050" cap="flat" cmpd="sng" algn="ctr">
+                      <a:solidFill>
+                        <a:schemeClr val="tx1"/>
+                      </a:solidFill>
+                      <a:prstDash val="solid"/>
+                      <a:round/>
+                      <a:headEnd type="none" w="med" len="med"/>
+                      <a:tailEnd type="none" w="med" len="med"/>
+                    </a:lnB>
+                    <a:lnTlToBr w="12700" cmpd="sng">
+                      <a:noFill/>
+                      <a:prstDash val="solid"/>
+                    </a:lnTlToBr>
+                    <a:lnBlToTr w="12700" cmpd="sng">
+                      <a:noFill/>
+                      <a:prstDash val="solid"/>
+                    </a:lnBlToTr>
+                    <a:noFill/>
+                  </a:tcPr>
+                </a:tc>
+                <a:tc>
+                  <a:txBody>
+                    <a:bodyPr/>
+                    <a:lstStyle/>
+                    <a:p>
+                      <a:pPr algn="ctr" fontAlgn="b">
+                        <a:lnSpc>
+                          <a:spcPts val="800"/>
+                        </a:lnSpc>
+                      </a:pPr>
+                      <a:r>
+                        <a:rPr lang="en-GB" sz="1500" b="1" i="0" u="none" strike="noStrike" dirty="0">
+                          <a:solidFill>
+                            <a:srgbClr val="000000"/>
+                          </a:solidFill>
+                          <a:effectLst/>
+                          <a:latin typeface="Arial" panose="020B0604020202020204" pitchFamily="34" charset="0"/>
+                          <a:cs typeface="Arial" panose="020B0604020202020204" pitchFamily="34" charset="0"/>
+                        </a:rPr>
+                        <a:t>.</a:t>
+                      </a:r>
+                    </a:p>
+                    <a:p>
+                      <a:pPr algn="ctr" fontAlgn="b">
+                        <a:lnSpc>
+                          <a:spcPts val="800"/>
+                        </a:lnSpc>
+                      </a:pPr>
+                      <a:r>
+                        <a:rPr lang="en-GB" sz="1500" b="1" i="0" u="none" strike="noStrike" dirty="0">
+                          <a:solidFill>
+                            <a:srgbClr val="000000"/>
+                          </a:solidFill>
+                          <a:effectLst/>
+                          <a:latin typeface="Arial" panose="020B0604020202020204" pitchFamily="34" charset="0"/>
+                          <a:cs typeface="Arial" panose="020B0604020202020204" pitchFamily="34" charset="0"/>
+                        </a:rPr>
+                        <a:t>.</a:t>
+                      </a:r>
+                    </a:p>
+                    <a:p>
+                      <a:pPr algn="ctr" fontAlgn="b">
+                        <a:lnSpc>
+                          <a:spcPts val="800"/>
+                        </a:lnSpc>
+                      </a:pPr>
+                      <a:r>
+                        <a:rPr lang="en-GB" sz="1500" b="1" i="0" u="none" strike="noStrike" dirty="0">
+                          <a:solidFill>
+                            <a:srgbClr val="000000"/>
+                          </a:solidFill>
+                          <a:effectLst/>
+                          <a:latin typeface="Arial" panose="020B0604020202020204" pitchFamily="34" charset="0"/>
+                          <a:cs typeface="Arial" panose="020B0604020202020204" pitchFamily="34" charset="0"/>
+                        </a:rPr>
+                        <a:t>.</a:t>
+                      </a:r>
+                    </a:p>
+                  </a:txBody>
+                  <a:tcPr marL="9525" marR="9525" marT="9525" marB="0" anchor="ctr">
+                    <a:lnL w="3175" cap="flat" cmpd="sng" algn="ctr">
+                      <a:solidFill>
+                        <a:schemeClr val="tx1"/>
+                      </a:solidFill>
+                      <a:prstDash val="sysDot"/>
+                      <a:round/>
+                      <a:headEnd type="none" w="med" len="med"/>
+                      <a:tailEnd type="none" w="med" len="med"/>
+                    </a:lnL>
+                    <a:lnR w="3175" cap="flat" cmpd="sng" algn="ctr">
+                      <a:solidFill>
+                        <a:schemeClr val="tx1"/>
+                      </a:solidFill>
+                      <a:prstDash val="sysDot"/>
+                      <a:round/>
+                      <a:headEnd type="none" w="med" len="med"/>
+                      <a:tailEnd type="none" w="med" len="med"/>
+                    </a:lnR>
+                    <a:lnT w="3175" cap="flat" cmpd="sng" algn="ctr">
+                      <a:solidFill>
+                        <a:schemeClr val="tx1"/>
+                      </a:solidFill>
+                      <a:prstDash val="sysDot"/>
+                      <a:round/>
+                      <a:headEnd type="none" w="med" len="med"/>
+                      <a:tailEnd type="none" w="med" len="med"/>
+                    </a:lnT>
+                    <a:lnB w="19050" cap="flat" cmpd="sng" algn="ctr">
+                      <a:solidFill>
+                        <a:schemeClr val="tx1"/>
+                      </a:solidFill>
+                      <a:prstDash val="solid"/>
+                      <a:round/>
+                      <a:headEnd type="none" w="med" len="med"/>
+                      <a:tailEnd type="none" w="med" len="med"/>
+                    </a:lnB>
+                    <a:lnTlToBr w="12700" cmpd="sng">
+                      <a:noFill/>
+                      <a:prstDash val="solid"/>
+                    </a:lnTlToBr>
+                    <a:lnBlToTr w="12700" cmpd="sng">
+                      <a:noFill/>
+                      <a:prstDash val="solid"/>
+                    </a:lnBlToTr>
+                    <a:noFill/>
+                  </a:tcPr>
+                </a:tc>
+                <a:tc>
+                  <a:txBody>
+                    <a:bodyPr/>
+                    <a:lstStyle/>
+                    <a:p>
+                      <a:pPr algn="ctr" fontAlgn="b">
+                        <a:lnSpc>
+                          <a:spcPts val="800"/>
+                        </a:lnSpc>
+                      </a:pPr>
+                      <a:r>
+                        <a:rPr lang="en-GB" sz="1500" b="1" i="0" u="none" strike="noStrike" dirty="0">
+                          <a:solidFill>
+                            <a:srgbClr val="000000"/>
+                          </a:solidFill>
+                          <a:effectLst/>
+                          <a:latin typeface="Arial" panose="020B0604020202020204" pitchFamily="34" charset="0"/>
+                          <a:cs typeface="Arial" panose="020B0604020202020204" pitchFamily="34" charset="0"/>
+                        </a:rPr>
+                        <a:t>.</a:t>
+                      </a:r>
+                    </a:p>
+                    <a:p>
+                      <a:pPr algn="ctr" fontAlgn="b">
+                        <a:lnSpc>
+                          <a:spcPts val="800"/>
+                        </a:lnSpc>
+                      </a:pPr>
+                      <a:r>
+                        <a:rPr lang="en-GB" sz="1500" b="1" i="0" u="none" strike="noStrike" dirty="0">
+                          <a:solidFill>
+                            <a:srgbClr val="000000"/>
+                          </a:solidFill>
+                          <a:effectLst/>
+                          <a:latin typeface="Arial" panose="020B0604020202020204" pitchFamily="34" charset="0"/>
+                          <a:cs typeface="Arial" panose="020B0604020202020204" pitchFamily="34" charset="0"/>
+                        </a:rPr>
+                        <a:t>.</a:t>
+                      </a:r>
+                    </a:p>
+                    <a:p>
+                      <a:pPr algn="ctr" fontAlgn="b">
+                        <a:lnSpc>
+                          <a:spcPts val="800"/>
+                        </a:lnSpc>
+                      </a:pPr>
+                      <a:r>
+                        <a:rPr lang="en-GB" sz="1500" b="1" i="0" u="none" strike="noStrike" dirty="0">
+                          <a:solidFill>
+                            <a:srgbClr val="000000"/>
+                          </a:solidFill>
+                          <a:effectLst/>
+                          <a:latin typeface="Arial" panose="020B0604020202020204" pitchFamily="34" charset="0"/>
+                          <a:cs typeface="Arial" panose="020B0604020202020204" pitchFamily="34" charset="0"/>
+                        </a:rPr>
+                        <a:t>.</a:t>
+                      </a:r>
+                    </a:p>
+                  </a:txBody>
+                  <a:tcPr marL="9525" marR="9525" marT="9525" marB="0" anchor="ctr">
+                    <a:lnL w="3175" cap="flat" cmpd="sng" algn="ctr">
+                      <a:solidFill>
+                        <a:schemeClr val="tx1"/>
+                      </a:solidFill>
+                      <a:prstDash val="sysDot"/>
+                      <a:round/>
+                      <a:headEnd type="none" w="med" len="med"/>
+                      <a:tailEnd type="none" w="med" len="med"/>
+                    </a:lnL>
+                    <a:lnR w="3175" cap="flat" cmpd="sng" algn="ctr">
+                      <a:solidFill>
+                        <a:schemeClr val="tx1"/>
+                      </a:solidFill>
+                      <a:prstDash val="sysDot"/>
+                      <a:round/>
+                      <a:headEnd type="none" w="med" len="med"/>
+                      <a:tailEnd type="none" w="med" len="med"/>
+                    </a:lnR>
+                    <a:lnT w="3175" cap="flat" cmpd="sng" algn="ctr">
+                      <a:solidFill>
+                        <a:schemeClr val="tx1"/>
+                      </a:solidFill>
+                      <a:prstDash val="sysDot"/>
+                      <a:round/>
+                      <a:headEnd type="none" w="med" len="med"/>
+                      <a:tailEnd type="none" w="med" len="med"/>
+                    </a:lnT>
+                    <a:lnB w="19050" cap="flat" cmpd="sng" algn="ctr">
+                      <a:solidFill>
+                        <a:schemeClr val="tx1"/>
+                      </a:solidFill>
+                      <a:prstDash val="solid"/>
+                      <a:round/>
+                      <a:headEnd type="none" w="med" len="med"/>
+                      <a:tailEnd type="none" w="med" len="med"/>
+                    </a:lnB>
+                    <a:lnTlToBr w="12700" cmpd="sng">
+                      <a:noFill/>
+                      <a:prstDash val="solid"/>
+                    </a:lnTlToBr>
+                    <a:lnBlToTr w="12700" cmpd="sng">
+                      <a:noFill/>
+                      <a:prstDash val="solid"/>
+                    </a:lnBlToTr>
+                    <a:noFill/>
+                  </a:tcPr>
+                </a:tc>
+                <a:tc>
+                  <a:txBody>
+                    <a:bodyPr/>
+                    <a:lstStyle/>
+                    <a:p>
+                      <a:pPr algn="ctr" fontAlgn="b">
+                        <a:lnSpc>
+                          <a:spcPts val="800"/>
+                        </a:lnSpc>
+                      </a:pPr>
+                      <a:r>
+                        <a:rPr lang="en-GB" sz="1500" b="1" i="0" u="none" strike="noStrike" dirty="0">
+                          <a:solidFill>
+                            <a:srgbClr val="000000"/>
+                          </a:solidFill>
+                          <a:effectLst/>
+                          <a:latin typeface="Arial" panose="020B0604020202020204" pitchFamily="34" charset="0"/>
+                          <a:cs typeface="Arial" panose="020B0604020202020204" pitchFamily="34" charset="0"/>
+                        </a:rPr>
+                        <a:t>.</a:t>
+                      </a:r>
+                    </a:p>
+                    <a:p>
+                      <a:pPr algn="ctr" fontAlgn="b">
+                        <a:lnSpc>
+                          <a:spcPts val="800"/>
+                        </a:lnSpc>
+                      </a:pPr>
+                      <a:r>
+                        <a:rPr lang="en-GB" sz="1500" b="1" i="0" u="none" strike="noStrike" dirty="0">
+                          <a:solidFill>
+                            <a:srgbClr val="000000"/>
+                          </a:solidFill>
+                          <a:effectLst/>
+                          <a:latin typeface="Arial" panose="020B0604020202020204" pitchFamily="34" charset="0"/>
+                          <a:cs typeface="Arial" panose="020B0604020202020204" pitchFamily="34" charset="0"/>
+                        </a:rPr>
+                        <a:t>.</a:t>
+                      </a:r>
+                    </a:p>
+                    <a:p>
+                      <a:pPr algn="ctr" fontAlgn="b">
+                        <a:lnSpc>
+                          <a:spcPts val="800"/>
+                        </a:lnSpc>
+                      </a:pPr>
+                      <a:r>
+                        <a:rPr lang="en-GB" sz="1500" b="1" i="0" u="none" strike="noStrike" dirty="0">
+                          <a:solidFill>
+                            <a:srgbClr val="000000"/>
+                          </a:solidFill>
+                          <a:effectLst/>
+                          <a:latin typeface="Arial" panose="020B0604020202020204" pitchFamily="34" charset="0"/>
+                          <a:cs typeface="Arial" panose="020B0604020202020204" pitchFamily="34" charset="0"/>
+                        </a:rPr>
+                        <a:t>.</a:t>
+                      </a:r>
+                    </a:p>
+                  </a:txBody>
+                  <a:tcPr marL="9525" marR="9525" marT="9525" marB="0" anchor="ctr">
+                    <a:lnL w="3175" cap="flat" cmpd="sng" algn="ctr">
+                      <a:solidFill>
+                        <a:schemeClr val="tx1"/>
+                      </a:solidFill>
+                      <a:prstDash val="sysDot"/>
+                      <a:round/>
+                      <a:headEnd type="none" w="med" len="med"/>
+                      <a:tailEnd type="none" w="med" len="med"/>
+                    </a:lnL>
+                    <a:lnR w="3175" cap="flat" cmpd="sng" algn="ctr">
+                      <a:solidFill>
+                        <a:schemeClr val="tx1"/>
+                      </a:solidFill>
+                      <a:prstDash val="sysDot"/>
+                      <a:round/>
+                      <a:headEnd type="none" w="med" len="med"/>
+                      <a:tailEnd type="none" w="med" len="med"/>
+                    </a:lnR>
+                    <a:lnT w="3175" cap="flat" cmpd="sng" algn="ctr">
+                      <a:solidFill>
+                        <a:schemeClr val="tx1"/>
+                      </a:solidFill>
+                      <a:prstDash val="sysDot"/>
+                      <a:round/>
+                      <a:headEnd type="none" w="med" len="med"/>
+                      <a:tailEnd type="none" w="med" len="med"/>
+                    </a:lnT>
+                    <a:lnB w="19050" cap="flat" cmpd="sng" algn="ctr">
+                      <a:solidFill>
+                        <a:schemeClr val="tx1"/>
+                      </a:solidFill>
+                      <a:prstDash val="solid"/>
+                      <a:round/>
+                      <a:headEnd type="none" w="med" len="med"/>
+                      <a:tailEnd type="none" w="med" len="med"/>
+                    </a:lnB>
+                    <a:lnTlToBr w="12700" cmpd="sng">
+                      <a:noFill/>
+                      <a:prstDash val="solid"/>
+                    </a:lnTlToBr>
+                    <a:lnBlToTr w="12700" cmpd="sng">
+                      <a:noFill/>
+                      <a:prstDash val="solid"/>
+                    </a:lnBlToTr>
+                    <a:noFill/>
+                  </a:tcPr>
+                </a:tc>
+                <a:tc>
+                  <a:txBody>
+                    <a:bodyPr/>
+                    <a:lstStyle/>
+                    <a:p>
+                      <a:pPr algn="ctr" fontAlgn="b"/>
+                      <a:endParaRPr lang="en-GB" sz="1500" b="0" i="0" u="none" strike="noStrike" dirty="0">
+                        <a:solidFill>
+                          <a:srgbClr val="000000"/>
+                        </a:solidFill>
+                        <a:effectLst/>
+                        <a:latin typeface="Arial" panose="020B0604020202020204" pitchFamily="34" charset="0"/>
+                        <a:cs typeface="Arial" panose="020B0604020202020204" pitchFamily="34" charset="0"/>
+                      </a:endParaRPr>
+                    </a:p>
+                  </a:txBody>
+                  <a:tcPr marL="9525" marR="9525" marT="9525" marB="0" anchor="ctr">
+                    <a:lnL w="3175" cap="flat" cmpd="sng" algn="ctr">
+                      <a:solidFill>
+                        <a:schemeClr val="tx1"/>
+                      </a:solidFill>
+                      <a:prstDash val="sysDot"/>
+                      <a:round/>
+                      <a:headEnd type="none" w="med" len="med"/>
+                      <a:tailEnd type="none" w="med" len="med"/>
+                    </a:lnL>
+                    <a:lnR w="19050" cap="flat" cmpd="sng" algn="ctr">
+                      <a:solidFill>
+                        <a:schemeClr val="tx1"/>
+                      </a:solidFill>
+                      <a:prstDash val="solid"/>
+                      <a:round/>
+                      <a:headEnd type="none" w="med" len="med"/>
+                      <a:tailEnd type="none" w="med" len="med"/>
+                    </a:lnR>
+                    <a:lnT w="3175" cap="flat" cmpd="sng" algn="ctr">
+                      <a:solidFill>
+                        <a:schemeClr val="tx1"/>
+                      </a:solidFill>
+                      <a:prstDash val="sysDot"/>
+                      <a:round/>
+                      <a:headEnd type="none" w="med" len="med"/>
+                      <a:tailEnd type="none" w="med" len="med"/>
+                    </a:lnT>
+                    <a:lnB w="19050" cap="flat" cmpd="sng" algn="ctr">
+                      <a:solidFill>
+                        <a:schemeClr val="tx1"/>
+                      </a:solidFill>
+                      <a:prstDash val="solid"/>
+                      <a:round/>
+                      <a:headEnd type="none" w="med" len="med"/>
+                      <a:tailEnd type="none" w="med" len="med"/>
+                    </a:lnB>
+                    <a:lnTlToBr w="12700" cmpd="sng">
+                      <a:noFill/>
+                      <a:prstDash val="solid"/>
+                    </a:lnTlToBr>
+                    <a:lnBlToTr w="12700" cmpd="sng">
+                      <a:noFill/>
+                      <a:prstDash val="solid"/>
+                    </a:lnBlToTr>
+                    <a:noFill/>
+                  </a:tcPr>
+                </a:tc>
+                <a:extLst>
+                  <a:ext uri="{0D108BD9-81ED-4DB2-BD59-A6C34878D82A}">
+                    <a16:rowId xmlns:a16="http://schemas.microsoft.com/office/drawing/2014/main" val="3231038714"/>
                   </a:ext>
                 </a:extLst>
               </a:tr>
@@ -8181,10 +9669,12 @@
             <a:r>
               <a:rPr lang="en-US" b="1" dirty="0">
                 <a:solidFill>
-                  <a:srgbClr val="C00000"/>
+                  <a:schemeClr val="accent4">
+                    <a:lumMod val="75000"/>
+                  </a:schemeClr>
                 </a:solidFill>
               </a:rPr>
-              <a:t>Dimensions / Features</a:t>
+              <a:t>Dimensions / Variables / Features</a:t>
             </a:r>
           </a:p>
         </p:txBody>
@@ -8203,8 +9693,8 @@
         </p:nvSpPr>
         <p:spPr>
           <a:xfrm rot="16200000">
-            <a:off x="781960" y="3451165"/>
-            <a:ext cx="2830288" cy="369332"/>
+            <a:off x="428174" y="3804951"/>
+            <a:ext cx="3537860" cy="369332"/>
           </a:xfrm>
           <a:prstGeom prst="rect">
             <a:avLst/>
@@ -8219,7 +9709,3015 @@
           <a:p>
             <a:pPr algn="ctr"/>
             <a:r>
-              <a:rPr lang="en-US" b="1" dirty="0"/>
+              <a:rPr lang="en-US" b="1" dirty="0">
+                <a:solidFill>
+                  <a:srgbClr val="C00000"/>
+                </a:solidFill>
+              </a:rPr>
+              <a:t>Observations</a:t>
+            </a:r>
+          </a:p>
+        </p:txBody>
+      </p:sp>
+    </p:spTree>
+    <p:extLst>
+      <p:ext uri="{BB962C8B-B14F-4D97-AF65-F5344CB8AC3E}">
+        <p14:creationId xmlns:p14="http://schemas.microsoft.com/office/powerpoint/2010/main" val="3205076289"/>
+      </p:ext>
+    </p:extLst>
+  </p:cSld>
+  <p:clrMapOvr>
+    <a:masterClrMapping/>
+  </p:clrMapOvr>
+</p:sld>
+</file>
+
+<file path=ppt/slides/slide3.xml><?xml version="1.0" encoding="utf-8"?>
+<p:sld xmlns:a="http://schemas.openxmlformats.org/drawingml/2006/main" xmlns:r="http://schemas.openxmlformats.org/officeDocument/2006/relationships" xmlns:p="http://schemas.openxmlformats.org/presentationml/2006/main">
+  <p:cSld>
+    <p:spTree>
+      <p:nvGrpSpPr>
+        <p:cNvPr id="1" name=""/>
+        <p:cNvGrpSpPr/>
+        <p:nvPr/>
+      </p:nvGrpSpPr>
+      <p:grpSpPr>
+        <a:xfrm>
+          <a:off x="0" y="0"/>
+          <a:ext cx="0" cy="0"/>
+          <a:chOff x="0" y="0"/>
+          <a:chExt cx="0" cy="0"/>
+        </a:xfrm>
+      </p:grpSpPr>
+      <p:sp>
+        <p:nvSpPr>
+          <p:cNvPr id="2" name="Title 1">
+            <a:extLst>
+              <a:ext uri="{FF2B5EF4-FFF2-40B4-BE49-F238E27FC236}">
+                <a16:creationId xmlns:a16="http://schemas.microsoft.com/office/drawing/2014/main" id="{4DC360E0-94F9-9965-33C1-92FA9F4D517C}"/>
+              </a:ext>
+            </a:extLst>
+          </p:cNvPr>
+          <p:cNvSpPr>
+            <a:spLocks noGrp="1"/>
+          </p:cNvSpPr>
+          <p:nvPr>
+            <p:ph type="title"/>
+          </p:nvPr>
+        </p:nvSpPr>
+        <p:spPr>
+          <a:xfrm>
+            <a:off x="550863" y="147409"/>
+            <a:ext cx="11306175" cy="1325563"/>
+          </a:xfrm>
+        </p:spPr>
+        <p:txBody>
+          <a:bodyPr>
+            <a:normAutofit/>
+          </a:bodyPr>
+          <a:lstStyle/>
+          <a:p>
+            <a:r>
+              <a:rPr lang="en-US" sz="3000" dirty="0">
+                <a:solidFill>
+                  <a:srgbClr val="0070C0"/>
+                </a:solidFill>
+                <a:cs typeface="Arial" panose="020B0604020202020204" pitchFamily="34" charset="0"/>
+              </a:rPr>
+              <a:t>I</a:t>
+            </a:r>
+            <a:r>
+              <a:rPr lang="en-US" sz="3000" b="0" i="0" dirty="0">
+                <a:solidFill>
+                  <a:srgbClr val="0070C0"/>
+                </a:solidFill>
+                <a:effectLst/>
+                <a:cs typeface="Arial" panose="020B0604020202020204" pitchFamily="34" charset="0"/>
+              </a:rPr>
+              <a:t>. Studying </a:t>
+            </a:r>
+            <a:r>
+              <a:rPr lang="en-GB" sz="3000" b="0" i="0" dirty="0">
+                <a:solidFill>
+                  <a:srgbClr val="0070C0"/>
+                </a:solidFill>
+                <a:effectLst/>
+                <a:cs typeface="Arial" panose="020B0604020202020204" pitchFamily="34" charset="0"/>
+              </a:rPr>
+              <a:t>real-world systems often involve complex data with many dimensions or features</a:t>
+            </a:r>
+            <a:endParaRPr lang="en-US" sz="3000" dirty="0">
+              <a:solidFill>
+                <a:srgbClr val="0070C0"/>
+              </a:solidFill>
+              <a:cs typeface="Arial" panose="020B0604020202020204" pitchFamily="34" charset="0"/>
+            </a:endParaRPr>
+          </a:p>
+        </p:txBody>
+      </p:sp>
+      <p:graphicFrame>
+        <p:nvGraphicFramePr>
+          <p:cNvPr id="4" name="Table 4">
+            <a:extLst>
+              <a:ext uri="{FF2B5EF4-FFF2-40B4-BE49-F238E27FC236}">
+                <a16:creationId xmlns:a16="http://schemas.microsoft.com/office/drawing/2014/main" id="{3DDE9E93-6E16-C294-8374-CE05319CE975}"/>
+              </a:ext>
+            </a:extLst>
+          </p:cNvPr>
+          <p:cNvGraphicFramePr>
+            <a:graphicFrameLocks noGrp="1"/>
+          </p:cNvGraphicFramePr>
+          <p:nvPr>
+            <p:extLst>
+              <p:ext uri="{D42A27DB-BD31-4B8C-83A1-F6EECF244321}">
+                <p14:modId xmlns:p14="http://schemas.microsoft.com/office/powerpoint/2010/main" val="4180552090"/>
+              </p:ext>
+            </p:extLst>
+          </p:nvPr>
+        </p:nvGraphicFramePr>
+        <p:xfrm>
+          <a:off x="2423887" y="2220687"/>
+          <a:ext cx="7340599" cy="3537860"/>
+        </p:xfrm>
+        <a:graphic>
+          <a:graphicData uri="http://schemas.openxmlformats.org/drawingml/2006/table">
+            <a:tbl>
+              <a:tblPr firstRow="1" bandRow="1">
+                <a:tableStyleId>{5C22544A-7EE6-4342-B048-85BDC9FD1C3A}</a:tableStyleId>
+              </a:tblPr>
+              <a:tblGrid>
+                <a:gridCol w="1048657">
+                  <a:extLst>
+                    <a:ext uri="{9D8B030D-6E8A-4147-A177-3AD203B41FA5}">
+                      <a16:colId xmlns:a16="http://schemas.microsoft.com/office/drawing/2014/main" val="660837460"/>
+                    </a:ext>
+                  </a:extLst>
+                </a:gridCol>
+                <a:gridCol w="1048657">
+                  <a:extLst>
+                    <a:ext uri="{9D8B030D-6E8A-4147-A177-3AD203B41FA5}">
+                      <a16:colId xmlns:a16="http://schemas.microsoft.com/office/drawing/2014/main" val="1891097030"/>
+                    </a:ext>
+                  </a:extLst>
+                </a:gridCol>
+                <a:gridCol w="1048657">
+                  <a:extLst>
+                    <a:ext uri="{9D8B030D-6E8A-4147-A177-3AD203B41FA5}">
+                      <a16:colId xmlns:a16="http://schemas.microsoft.com/office/drawing/2014/main" val="880809503"/>
+                    </a:ext>
+                  </a:extLst>
+                </a:gridCol>
+                <a:gridCol w="1048657">
+                  <a:extLst>
+                    <a:ext uri="{9D8B030D-6E8A-4147-A177-3AD203B41FA5}">
+                      <a16:colId xmlns:a16="http://schemas.microsoft.com/office/drawing/2014/main" val="1774505418"/>
+                    </a:ext>
+                  </a:extLst>
+                </a:gridCol>
+                <a:gridCol w="1048657">
+                  <a:extLst>
+                    <a:ext uri="{9D8B030D-6E8A-4147-A177-3AD203B41FA5}">
+                      <a16:colId xmlns:a16="http://schemas.microsoft.com/office/drawing/2014/main" val="2420064517"/>
+                    </a:ext>
+                  </a:extLst>
+                </a:gridCol>
+                <a:gridCol w="1048657">
+                  <a:extLst>
+                    <a:ext uri="{9D8B030D-6E8A-4147-A177-3AD203B41FA5}">
+                      <a16:colId xmlns:a16="http://schemas.microsoft.com/office/drawing/2014/main" val="2437366825"/>
+                    </a:ext>
+                  </a:extLst>
+                </a:gridCol>
+                <a:gridCol w="1048657">
+                  <a:extLst>
+                    <a:ext uri="{9D8B030D-6E8A-4147-A177-3AD203B41FA5}">
+                      <a16:colId xmlns:a16="http://schemas.microsoft.com/office/drawing/2014/main" val="2870419587"/>
+                    </a:ext>
+                  </a:extLst>
+                </a:gridCol>
+              </a:tblGrid>
+              <a:tr h="707572">
+                <a:tc>
+                  <a:txBody>
+                    <a:bodyPr/>
+                    <a:lstStyle/>
+                    <a:p>
+                      <a:pPr algn="ctr"/>
+                      <a:endParaRPr lang="en-US" sz="1500" dirty="0">
+                        <a:solidFill>
+                          <a:srgbClr val="C00000"/>
+                        </a:solidFill>
+                        <a:latin typeface="Arial" panose="020B0604020202020204" pitchFamily="34" charset="0"/>
+                        <a:cs typeface="Arial" panose="020B0604020202020204" pitchFamily="34" charset="0"/>
+                      </a:endParaRPr>
+                    </a:p>
+                  </a:txBody>
+                  <a:tcPr anchor="ctr">
+                    <a:lnL w="19050" cap="flat" cmpd="sng" algn="ctr">
+                      <a:solidFill>
+                        <a:schemeClr val="tx1"/>
+                      </a:solidFill>
+                      <a:prstDash val="solid"/>
+                      <a:round/>
+                      <a:headEnd type="none" w="med" len="med"/>
+                      <a:tailEnd type="none" w="med" len="med"/>
+                    </a:lnL>
+                    <a:lnR w="19050" cap="flat" cmpd="sng" algn="ctr">
+                      <a:solidFill>
+                        <a:schemeClr val="tx1"/>
+                      </a:solidFill>
+                      <a:prstDash val="solid"/>
+                      <a:round/>
+                      <a:headEnd type="none" w="med" len="med"/>
+                      <a:tailEnd type="none" w="med" len="med"/>
+                    </a:lnR>
+                    <a:lnT w="19050" cap="flat" cmpd="sng" algn="ctr">
+                      <a:solidFill>
+                        <a:schemeClr val="tx1"/>
+                      </a:solidFill>
+                      <a:prstDash val="solid"/>
+                      <a:round/>
+                      <a:headEnd type="none" w="med" len="med"/>
+                      <a:tailEnd type="none" w="med" len="med"/>
+                    </a:lnT>
+                    <a:lnB w="19050" cap="flat" cmpd="sng" algn="ctr">
+                      <a:solidFill>
+                        <a:schemeClr val="tx1"/>
+                      </a:solidFill>
+                      <a:prstDash val="solid"/>
+                      <a:round/>
+                      <a:headEnd type="none" w="med" len="med"/>
+                      <a:tailEnd type="none" w="med" len="med"/>
+                    </a:lnB>
+                    <a:lnTlToBr w="12700" cmpd="sng">
+                      <a:noFill/>
+                      <a:prstDash val="solid"/>
+                    </a:lnTlToBr>
+                    <a:lnBlToTr w="12700" cmpd="sng">
+                      <a:noFill/>
+                      <a:prstDash val="solid"/>
+                    </a:lnBlToTr>
+                    <a:noFill/>
+                  </a:tcPr>
+                </a:tc>
+                <a:tc>
+                  <a:txBody>
+                    <a:bodyPr/>
+                    <a:lstStyle/>
+                    <a:p>
+                      <a:pPr algn="ctr"/>
+                      <a:r>
+                        <a:rPr lang="en-US" sz="1500" b="0" dirty="0">
+                          <a:solidFill>
+                            <a:schemeClr val="accent4">
+                              <a:lumMod val="75000"/>
+                            </a:schemeClr>
+                          </a:solidFill>
+                          <a:latin typeface="Arial" panose="020B0604020202020204" pitchFamily="34" charset="0"/>
+                          <a:cs typeface="Arial" panose="020B0604020202020204" pitchFamily="34" charset="0"/>
+                        </a:rPr>
+                        <a:t>Gene 1</a:t>
+                      </a:r>
+                    </a:p>
+                  </a:txBody>
+                  <a:tcPr anchor="ctr">
+                    <a:lnL w="19050" cap="flat" cmpd="sng" algn="ctr">
+                      <a:solidFill>
+                        <a:schemeClr val="tx1"/>
+                      </a:solidFill>
+                      <a:prstDash val="solid"/>
+                      <a:round/>
+                      <a:headEnd type="none" w="med" len="med"/>
+                      <a:tailEnd type="none" w="med" len="med"/>
+                    </a:lnL>
+                    <a:lnR w="19050" cap="flat" cmpd="sng" algn="ctr">
+                      <a:solidFill>
+                        <a:schemeClr val="tx1"/>
+                      </a:solidFill>
+                      <a:prstDash val="solid"/>
+                      <a:round/>
+                      <a:headEnd type="none" w="med" len="med"/>
+                      <a:tailEnd type="none" w="med" len="med"/>
+                    </a:lnR>
+                    <a:lnT w="19050" cap="flat" cmpd="sng" algn="ctr">
+                      <a:solidFill>
+                        <a:schemeClr val="tx1"/>
+                      </a:solidFill>
+                      <a:prstDash val="solid"/>
+                      <a:round/>
+                      <a:headEnd type="none" w="med" len="med"/>
+                      <a:tailEnd type="none" w="med" len="med"/>
+                    </a:lnT>
+                    <a:lnB w="19050" cap="flat" cmpd="sng" algn="ctr">
+                      <a:solidFill>
+                        <a:schemeClr val="tx1"/>
+                      </a:solidFill>
+                      <a:prstDash val="solid"/>
+                      <a:round/>
+                      <a:headEnd type="none" w="med" len="med"/>
+                      <a:tailEnd type="none" w="med" len="med"/>
+                    </a:lnB>
+                    <a:lnTlToBr w="12700" cmpd="sng">
+                      <a:noFill/>
+                      <a:prstDash val="solid"/>
+                    </a:lnTlToBr>
+                    <a:lnBlToTr w="12700" cmpd="sng">
+                      <a:noFill/>
+                      <a:prstDash val="solid"/>
+                    </a:lnBlToTr>
+                    <a:solidFill>
+                      <a:schemeClr val="bg1">
+                        <a:lumMod val="95000"/>
+                      </a:schemeClr>
+                    </a:solidFill>
+                  </a:tcPr>
+                </a:tc>
+                <a:tc>
+                  <a:txBody>
+                    <a:bodyPr/>
+                    <a:lstStyle/>
+                    <a:p>
+                      <a:pPr algn="ctr"/>
+                      <a:r>
+                        <a:rPr lang="en-US" sz="1500" b="0" dirty="0">
+                          <a:solidFill>
+                            <a:schemeClr val="accent4">
+                              <a:lumMod val="75000"/>
+                            </a:schemeClr>
+                          </a:solidFill>
+                          <a:latin typeface="Arial" panose="020B0604020202020204" pitchFamily="34" charset="0"/>
+                          <a:cs typeface="Arial" panose="020B0604020202020204" pitchFamily="34" charset="0"/>
+                        </a:rPr>
+                        <a:t>Gene 2</a:t>
+                      </a:r>
+                    </a:p>
+                  </a:txBody>
+                  <a:tcPr anchor="ctr">
+                    <a:lnL w="19050" cap="flat" cmpd="sng" algn="ctr">
+                      <a:solidFill>
+                        <a:schemeClr val="tx1"/>
+                      </a:solidFill>
+                      <a:prstDash val="solid"/>
+                      <a:round/>
+                      <a:headEnd type="none" w="med" len="med"/>
+                      <a:tailEnd type="none" w="med" len="med"/>
+                    </a:lnL>
+                    <a:lnR w="19050" cap="flat" cmpd="sng" algn="ctr">
+                      <a:solidFill>
+                        <a:schemeClr val="tx1"/>
+                      </a:solidFill>
+                      <a:prstDash val="solid"/>
+                      <a:round/>
+                      <a:headEnd type="none" w="med" len="med"/>
+                      <a:tailEnd type="none" w="med" len="med"/>
+                    </a:lnR>
+                    <a:lnT w="19050" cap="flat" cmpd="sng" algn="ctr">
+                      <a:solidFill>
+                        <a:schemeClr val="tx1"/>
+                      </a:solidFill>
+                      <a:prstDash val="solid"/>
+                      <a:round/>
+                      <a:headEnd type="none" w="med" len="med"/>
+                      <a:tailEnd type="none" w="med" len="med"/>
+                    </a:lnT>
+                    <a:lnB w="19050" cap="flat" cmpd="sng" algn="ctr">
+                      <a:solidFill>
+                        <a:schemeClr val="tx1"/>
+                      </a:solidFill>
+                      <a:prstDash val="solid"/>
+                      <a:round/>
+                      <a:headEnd type="none" w="med" len="med"/>
+                      <a:tailEnd type="none" w="med" len="med"/>
+                    </a:lnB>
+                    <a:lnTlToBr w="12700" cmpd="sng">
+                      <a:noFill/>
+                      <a:prstDash val="solid"/>
+                    </a:lnTlToBr>
+                    <a:lnBlToTr w="12700" cmpd="sng">
+                      <a:noFill/>
+                      <a:prstDash val="solid"/>
+                    </a:lnBlToTr>
+                    <a:solidFill>
+                      <a:schemeClr val="bg1">
+                        <a:lumMod val="95000"/>
+                      </a:schemeClr>
+                    </a:solidFill>
+                  </a:tcPr>
+                </a:tc>
+                <a:tc>
+                  <a:txBody>
+                    <a:bodyPr/>
+                    <a:lstStyle/>
+                    <a:p>
+                      <a:pPr algn="ctr"/>
+                      <a:r>
+                        <a:rPr lang="en-US" sz="1500" b="0" dirty="0">
+                          <a:solidFill>
+                            <a:schemeClr val="accent4">
+                              <a:lumMod val="75000"/>
+                            </a:schemeClr>
+                          </a:solidFill>
+                          <a:latin typeface="Arial" panose="020B0604020202020204" pitchFamily="34" charset="0"/>
+                          <a:cs typeface="Arial" panose="020B0604020202020204" pitchFamily="34" charset="0"/>
+                        </a:rPr>
+                        <a:t>Gene 3</a:t>
+                      </a:r>
+                    </a:p>
+                  </a:txBody>
+                  <a:tcPr anchor="ctr">
+                    <a:lnL w="19050" cap="flat" cmpd="sng" algn="ctr">
+                      <a:solidFill>
+                        <a:schemeClr val="tx1"/>
+                      </a:solidFill>
+                      <a:prstDash val="solid"/>
+                      <a:round/>
+                      <a:headEnd type="none" w="med" len="med"/>
+                      <a:tailEnd type="none" w="med" len="med"/>
+                    </a:lnL>
+                    <a:lnR w="19050" cap="flat" cmpd="sng" algn="ctr">
+                      <a:solidFill>
+                        <a:schemeClr val="tx1"/>
+                      </a:solidFill>
+                      <a:prstDash val="solid"/>
+                      <a:round/>
+                      <a:headEnd type="none" w="med" len="med"/>
+                      <a:tailEnd type="none" w="med" len="med"/>
+                    </a:lnR>
+                    <a:lnT w="19050" cap="flat" cmpd="sng" algn="ctr">
+                      <a:solidFill>
+                        <a:schemeClr val="tx1"/>
+                      </a:solidFill>
+                      <a:prstDash val="solid"/>
+                      <a:round/>
+                      <a:headEnd type="none" w="med" len="med"/>
+                      <a:tailEnd type="none" w="med" len="med"/>
+                    </a:lnT>
+                    <a:lnB w="19050" cap="flat" cmpd="sng" algn="ctr">
+                      <a:solidFill>
+                        <a:schemeClr val="tx1"/>
+                      </a:solidFill>
+                      <a:prstDash val="solid"/>
+                      <a:round/>
+                      <a:headEnd type="none" w="med" len="med"/>
+                      <a:tailEnd type="none" w="med" len="med"/>
+                    </a:lnB>
+                    <a:lnTlToBr w="12700" cmpd="sng">
+                      <a:noFill/>
+                      <a:prstDash val="solid"/>
+                    </a:lnTlToBr>
+                    <a:lnBlToTr w="12700" cmpd="sng">
+                      <a:noFill/>
+                      <a:prstDash val="solid"/>
+                    </a:lnBlToTr>
+                    <a:solidFill>
+                      <a:schemeClr val="bg1">
+                        <a:lumMod val="95000"/>
+                      </a:schemeClr>
+                    </a:solidFill>
+                  </a:tcPr>
+                </a:tc>
+                <a:tc>
+                  <a:txBody>
+                    <a:bodyPr/>
+                    <a:lstStyle/>
+                    <a:p>
+                      <a:pPr marL="0" marR="0" lvl="0" indent="0" algn="ctr" defTabSz="914400" rtl="0" eaLnBrk="1" fontAlgn="auto" latinLnBrk="0" hangingPunct="1">
+                        <a:lnSpc>
+                          <a:spcPct val="100000"/>
+                        </a:lnSpc>
+                        <a:spcBef>
+                          <a:spcPts val="0"/>
+                        </a:spcBef>
+                        <a:spcAft>
+                          <a:spcPts val="0"/>
+                        </a:spcAft>
+                        <a:buClrTx/>
+                        <a:buSzTx/>
+                        <a:buFontTx/>
+                        <a:buNone/>
+                        <a:tabLst/>
+                        <a:defRPr/>
+                      </a:pPr>
+                      <a:r>
+                        <a:rPr lang="en-US" sz="1500" b="0" dirty="0">
+                          <a:solidFill>
+                            <a:schemeClr val="accent4">
+                              <a:lumMod val="75000"/>
+                            </a:schemeClr>
+                          </a:solidFill>
+                          <a:latin typeface="Arial" panose="020B0604020202020204" pitchFamily="34" charset="0"/>
+                          <a:cs typeface="Arial" panose="020B0604020202020204" pitchFamily="34" charset="0"/>
+                        </a:rPr>
+                        <a:t>Gene 4</a:t>
+                      </a:r>
+                    </a:p>
+                  </a:txBody>
+                  <a:tcPr anchor="ctr">
+                    <a:lnL w="19050" cap="flat" cmpd="sng" algn="ctr">
+                      <a:solidFill>
+                        <a:schemeClr val="tx1"/>
+                      </a:solidFill>
+                      <a:prstDash val="solid"/>
+                      <a:round/>
+                      <a:headEnd type="none" w="med" len="med"/>
+                      <a:tailEnd type="none" w="med" len="med"/>
+                    </a:lnL>
+                    <a:lnR w="19050" cap="flat" cmpd="sng" algn="ctr">
+                      <a:solidFill>
+                        <a:schemeClr val="tx1"/>
+                      </a:solidFill>
+                      <a:prstDash val="solid"/>
+                      <a:round/>
+                      <a:headEnd type="none" w="med" len="med"/>
+                      <a:tailEnd type="none" w="med" len="med"/>
+                    </a:lnR>
+                    <a:lnT w="19050" cap="flat" cmpd="sng" algn="ctr">
+                      <a:solidFill>
+                        <a:schemeClr val="tx1"/>
+                      </a:solidFill>
+                      <a:prstDash val="solid"/>
+                      <a:round/>
+                      <a:headEnd type="none" w="med" len="med"/>
+                      <a:tailEnd type="none" w="med" len="med"/>
+                    </a:lnT>
+                    <a:lnB w="19050" cap="flat" cmpd="sng" algn="ctr">
+                      <a:solidFill>
+                        <a:schemeClr val="tx1"/>
+                      </a:solidFill>
+                      <a:prstDash val="solid"/>
+                      <a:round/>
+                      <a:headEnd type="none" w="med" len="med"/>
+                      <a:tailEnd type="none" w="med" len="med"/>
+                    </a:lnB>
+                    <a:lnTlToBr w="12700" cmpd="sng">
+                      <a:noFill/>
+                      <a:prstDash val="solid"/>
+                    </a:lnTlToBr>
+                    <a:lnBlToTr w="12700" cmpd="sng">
+                      <a:noFill/>
+                      <a:prstDash val="solid"/>
+                    </a:lnBlToTr>
+                    <a:solidFill>
+                      <a:schemeClr val="bg1">
+                        <a:lumMod val="95000"/>
+                      </a:schemeClr>
+                    </a:solidFill>
+                  </a:tcPr>
+                </a:tc>
+                <a:tc>
+                  <a:txBody>
+                    <a:bodyPr/>
+                    <a:lstStyle/>
+                    <a:p>
+                      <a:pPr marL="0" marR="0" lvl="0" indent="0" algn="ctr" defTabSz="914400" rtl="0" eaLnBrk="1" fontAlgn="auto" latinLnBrk="0" hangingPunct="1">
+                        <a:lnSpc>
+                          <a:spcPct val="100000"/>
+                        </a:lnSpc>
+                        <a:spcBef>
+                          <a:spcPts val="0"/>
+                        </a:spcBef>
+                        <a:spcAft>
+                          <a:spcPts val="0"/>
+                        </a:spcAft>
+                        <a:buClrTx/>
+                        <a:buSzTx/>
+                        <a:buFontTx/>
+                        <a:buNone/>
+                        <a:tabLst/>
+                        <a:defRPr/>
+                      </a:pPr>
+                      <a:r>
+                        <a:rPr lang="en-US" sz="1500" b="0" dirty="0">
+                          <a:solidFill>
+                            <a:schemeClr val="accent4">
+                              <a:lumMod val="75000"/>
+                            </a:schemeClr>
+                          </a:solidFill>
+                          <a:latin typeface="Arial" panose="020B0604020202020204" pitchFamily="34" charset="0"/>
+                          <a:cs typeface="Arial" panose="020B0604020202020204" pitchFamily="34" charset="0"/>
+                        </a:rPr>
+                        <a:t>Gene 5</a:t>
+                      </a:r>
+                    </a:p>
+                  </a:txBody>
+                  <a:tcPr anchor="ctr">
+                    <a:lnL w="19050" cap="flat" cmpd="sng" algn="ctr">
+                      <a:solidFill>
+                        <a:schemeClr val="tx1"/>
+                      </a:solidFill>
+                      <a:prstDash val="solid"/>
+                      <a:round/>
+                      <a:headEnd type="none" w="med" len="med"/>
+                      <a:tailEnd type="none" w="med" len="med"/>
+                    </a:lnL>
+                    <a:lnR w="19050" cap="flat" cmpd="sng" algn="ctr">
+                      <a:solidFill>
+                        <a:schemeClr val="tx1"/>
+                      </a:solidFill>
+                      <a:prstDash val="solid"/>
+                      <a:round/>
+                      <a:headEnd type="none" w="med" len="med"/>
+                      <a:tailEnd type="none" w="med" len="med"/>
+                    </a:lnR>
+                    <a:lnT w="19050" cap="flat" cmpd="sng" algn="ctr">
+                      <a:solidFill>
+                        <a:schemeClr val="tx1"/>
+                      </a:solidFill>
+                      <a:prstDash val="solid"/>
+                      <a:round/>
+                      <a:headEnd type="none" w="med" len="med"/>
+                      <a:tailEnd type="none" w="med" len="med"/>
+                    </a:lnT>
+                    <a:lnB w="19050" cap="flat" cmpd="sng" algn="ctr">
+                      <a:solidFill>
+                        <a:schemeClr val="tx1"/>
+                      </a:solidFill>
+                      <a:prstDash val="solid"/>
+                      <a:round/>
+                      <a:headEnd type="none" w="med" len="med"/>
+                      <a:tailEnd type="none" w="med" len="med"/>
+                    </a:lnB>
+                    <a:lnTlToBr w="12700" cmpd="sng">
+                      <a:noFill/>
+                      <a:prstDash val="solid"/>
+                    </a:lnTlToBr>
+                    <a:lnBlToTr w="12700" cmpd="sng">
+                      <a:noFill/>
+                      <a:prstDash val="solid"/>
+                    </a:lnBlToTr>
+                    <a:solidFill>
+                      <a:schemeClr val="bg1">
+                        <a:lumMod val="95000"/>
+                      </a:schemeClr>
+                    </a:solidFill>
+                  </a:tcPr>
+                </a:tc>
+                <a:tc>
+                  <a:txBody>
+                    <a:bodyPr/>
+                    <a:lstStyle/>
+                    <a:p>
+                      <a:pPr marL="0" marR="0" lvl="0" indent="0" algn="ctr" defTabSz="914400" rtl="0" eaLnBrk="1" fontAlgn="auto" latinLnBrk="0" hangingPunct="1">
+                        <a:lnSpc>
+                          <a:spcPct val="100000"/>
+                        </a:lnSpc>
+                        <a:spcBef>
+                          <a:spcPts val="0"/>
+                        </a:spcBef>
+                        <a:spcAft>
+                          <a:spcPts val="0"/>
+                        </a:spcAft>
+                        <a:buClrTx/>
+                        <a:buSzTx/>
+                        <a:buFontTx/>
+                        <a:buNone/>
+                        <a:tabLst/>
+                        <a:defRPr/>
+                      </a:pPr>
+                      <a:r>
+                        <a:rPr kumimoji="0" lang="en-US" sz="2500" b="0" i="0" u="none" strike="noStrike" kern="1200" cap="none" spc="0" normalizeH="0" baseline="0" noProof="0" dirty="0">
+                          <a:ln>
+                            <a:noFill/>
+                          </a:ln>
+                          <a:solidFill>
+                            <a:schemeClr val="accent4">
+                              <a:lumMod val="75000"/>
+                            </a:schemeClr>
+                          </a:solidFill>
+                          <a:effectLst/>
+                          <a:uLnTx/>
+                          <a:uFillTx/>
+                          <a:latin typeface="Arial" panose="020B0604020202020204" pitchFamily="34" charset="0"/>
+                          <a:ea typeface="+mn-ea"/>
+                          <a:cs typeface="Arial" panose="020B0604020202020204" pitchFamily="34" charset="0"/>
+                        </a:rPr>
+                        <a:t>…</a:t>
+                      </a:r>
+                    </a:p>
+                  </a:txBody>
+                  <a:tcPr anchor="ctr">
+                    <a:lnL w="19050" cap="flat" cmpd="sng" algn="ctr">
+                      <a:solidFill>
+                        <a:schemeClr val="tx1"/>
+                      </a:solidFill>
+                      <a:prstDash val="solid"/>
+                      <a:round/>
+                      <a:headEnd type="none" w="med" len="med"/>
+                      <a:tailEnd type="none" w="med" len="med"/>
+                    </a:lnL>
+                    <a:lnR w="19050" cap="flat" cmpd="sng" algn="ctr">
+                      <a:solidFill>
+                        <a:schemeClr val="tx1"/>
+                      </a:solidFill>
+                      <a:prstDash val="solid"/>
+                      <a:round/>
+                      <a:headEnd type="none" w="med" len="med"/>
+                      <a:tailEnd type="none" w="med" len="med"/>
+                    </a:lnR>
+                    <a:lnT w="19050" cap="flat" cmpd="sng" algn="ctr">
+                      <a:solidFill>
+                        <a:schemeClr val="tx1"/>
+                      </a:solidFill>
+                      <a:prstDash val="solid"/>
+                      <a:round/>
+                      <a:headEnd type="none" w="med" len="med"/>
+                      <a:tailEnd type="none" w="med" len="med"/>
+                    </a:lnT>
+                    <a:lnB w="19050" cap="flat" cmpd="sng" algn="ctr">
+                      <a:solidFill>
+                        <a:schemeClr val="tx1"/>
+                      </a:solidFill>
+                      <a:prstDash val="solid"/>
+                      <a:round/>
+                      <a:headEnd type="none" w="med" len="med"/>
+                      <a:tailEnd type="none" w="med" len="med"/>
+                    </a:lnB>
+                    <a:lnTlToBr w="12700" cmpd="sng">
+                      <a:noFill/>
+                      <a:prstDash val="solid"/>
+                    </a:lnTlToBr>
+                    <a:lnBlToTr w="12700" cmpd="sng">
+                      <a:noFill/>
+                      <a:prstDash val="solid"/>
+                    </a:lnBlToTr>
+                    <a:solidFill>
+                      <a:schemeClr val="bg1">
+                        <a:lumMod val="95000"/>
+                      </a:schemeClr>
+                    </a:solidFill>
+                  </a:tcPr>
+                </a:tc>
+                <a:extLst>
+                  <a:ext uri="{0D108BD9-81ED-4DB2-BD59-A6C34878D82A}">
+                    <a16:rowId xmlns:a16="http://schemas.microsoft.com/office/drawing/2014/main" val="1416969448"/>
+                  </a:ext>
+                </a:extLst>
+              </a:tr>
+              <a:tr h="707572">
+                <a:tc>
+                  <a:txBody>
+                    <a:bodyPr/>
+                    <a:lstStyle/>
+                    <a:p>
+                      <a:pPr algn="ctr"/>
+                      <a:r>
+                        <a:rPr lang="en-US" sz="1500" dirty="0">
+                          <a:solidFill>
+                            <a:srgbClr val="C00000"/>
+                          </a:solidFill>
+                          <a:latin typeface="Arial" panose="020B0604020202020204" pitchFamily="34" charset="0"/>
+                          <a:cs typeface="Arial" panose="020B0604020202020204" pitchFamily="34" charset="0"/>
+                        </a:rPr>
+                        <a:t>Cell 1</a:t>
+                      </a:r>
+                    </a:p>
+                  </a:txBody>
+                  <a:tcPr anchor="ctr">
+                    <a:lnL w="19050" cap="flat" cmpd="sng" algn="ctr">
+                      <a:solidFill>
+                        <a:schemeClr val="tx1"/>
+                      </a:solidFill>
+                      <a:prstDash val="solid"/>
+                      <a:round/>
+                      <a:headEnd type="none" w="med" len="med"/>
+                      <a:tailEnd type="none" w="med" len="med"/>
+                    </a:lnL>
+                    <a:lnR w="19050" cap="flat" cmpd="sng" algn="ctr">
+                      <a:solidFill>
+                        <a:schemeClr val="tx1"/>
+                      </a:solidFill>
+                      <a:prstDash val="solid"/>
+                      <a:round/>
+                      <a:headEnd type="none" w="med" len="med"/>
+                      <a:tailEnd type="none" w="med" len="med"/>
+                    </a:lnR>
+                    <a:lnT w="19050" cap="flat" cmpd="sng" algn="ctr">
+                      <a:solidFill>
+                        <a:schemeClr val="tx1"/>
+                      </a:solidFill>
+                      <a:prstDash val="solid"/>
+                      <a:round/>
+                      <a:headEnd type="none" w="med" len="med"/>
+                      <a:tailEnd type="none" w="med" len="med"/>
+                    </a:lnT>
+                    <a:lnB w="19050" cap="flat" cmpd="sng" algn="ctr">
+                      <a:solidFill>
+                        <a:schemeClr val="tx1"/>
+                      </a:solidFill>
+                      <a:prstDash val="solid"/>
+                      <a:round/>
+                      <a:headEnd type="none" w="med" len="med"/>
+                      <a:tailEnd type="none" w="med" len="med"/>
+                    </a:lnB>
+                    <a:lnTlToBr w="12700" cmpd="sng">
+                      <a:noFill/>
+                      <a:prstDash val="solid"/>
+                    </a:lnTlToBr>
+                    <a:lnBlToTr w="12700" cmpd="sng">
+                      <a:noFill/>
+                      <a:prstDash val="solid"/>
+                    </a:lnBlToTr>
+                    <a:solidFill>
+                      <a:schemeClr val="bg1">
+                        <a:lumMod val="95000"/>
+                      </a:schemeClr>
+                    </a:solidFill>
+                  </a:tcPr>
+                </a:tc>
+                <a:tc>
+                  <a:txBody>
+                    <a:bodyPr/>
+                    <a:lstStyle/>
+                    <a:p>
+                      <a:pPr algn="ctr" fontAlgn="b"/>
+                      <a:r>
+                        <a:rPr lang="en-GB" sz="1500" b="0" i="0" u="none" strike="noStrike" dirty="0">
+                          <a:solidFill>
+                            <a:srgbClr val="000000"/>
+                          </a:solidFill>
+                          <a:effectLst/>
+                          <a:latin typeface="Arial" panose="020B0604020202020204" pitchFamily="34" charset="0"/>
+                          <a:cs typeface="Arial" panose="020B0604020202020204" pitchFamily="34" charset="0"/>
+                        </a:rPr>
+                        <a:t>158</a:t>
+                      </a:r>
+                    </a:p>
+                  </a:txBody>
+                  <a:tcPr marL="9525" marR="9525" marT="9525" marB="0" anchor="ctr">
+                    <a:lnL w="19050" cap="flat" cmpd="sng" algn="ctr">
+                      <a:solidFill>
+                        <a:schemeClr val="tx1"/>
+                      </a:solidFill>
+                      <a:prstDash val="solid"/>
+                      <a:round/>
+                      <a:headEnd type="none" w="med" len="med"/>
+                      <a:tailEnd type="none" w="med" len="med"/>
+                    </a:lnL>
+                    <a:lnR w="3175" cap="flat" cmpd="sng" algn="ctr">
+                      <a:solidFill>
+                        <a:schemeClr val="tx1"/>
+                      </a:solidFill>
+                      <a:prstDash val="sysDot"/>
+                      <a:round/>
+                      <a:headEnd type="none" w="med" len="med"/>
+                      <a:tailEnd type="none" w="med" len="med"/>
+                    </a:lnR>
+                    <a:lnT w="19050" cap="flat" cmpd="sng" algn="ctr">
+                      <a:solidFill>
+                        <a:schemeClr val="tx1"/>
+                      </a:solidFill>
+                      <a:prstDash val="solid"/>
+                      <a:round/>
+                      <a:headEnd type="none" w="med" len="med"/>
+                      <a:tailEnd type="none" w="med" len="med"/>
+                    </a:lnT>
+                    <a:lnB w="3175" cap="flat" cmpd="sng" algn="ctr">
+                      <a:solidFill>
+                        <a:schemeClr val="tx1"/>
+                      </a:solidFill>
+                      <a:prstDash val="sysDot"/>
+                      <a:round/>
+                      <a:headEnd type="none" w="med" len="med"/>
+                      <a:tailEnd type="none" w="med" len="med"/>
+                    </a:lnB>
+                    <a:lnTlToBr w="12700" cmpd="sng">
+                      <a:noFill/>
+                      <a:prstDash val="solid"/>
+                    </a:lnTlToBr>
+                    <a:lnBlToTr w="12700" cmpd="sng">
+                      <a:noFill/>
+                      <a:prstDash val="solid"/>
+                    </a:lnBlToTr>
+                    <a:noFill/>
+                  </a:tcPr>
+                </a:tc>
+                <a:tc>
+                  <a:txBody>
+                    <a:bodyPr/>
+                    <a:lstStyle/>
+                    <a:p>
+                      <a:pPr algn="ctr" fontAlgn="b"/>
+                      <a:r>
+                        <a:rPr lang="en-GB" sz="1500" b="0" i="0" u="none" strike="noStrike" dirty="0">
+                          <a:solidFill>
+                            <a:srgbClr val="000000"/>
+                          </a:solidFill>
+                          <a:effectLst/>
+                          <a:latin typeface="Arial" panose="020B0604020202020204" pitchFamily="34" charset="0"/>
+                          <a:cs typeface="Arial" panose="020B0604020202020204" pitchFamily="34" charset="0"/>
+                        </a:rPr>
+                        <a:t>43</a:t>
+                      </a:r>
+                    </a:p>
+                  </a:txBody>
+                  <a:tcPr marL="9525" marR="9525" marT="9525" marB="0" anchor="ctr">
+                    <a:lnL w="3175" cap="flat" cmpd="sng" algn="ctr">
+                      <a:solidFill>
+                        <a:schemeClr val="tx1"/>
+                      </a:solidFill>
+                      <a:prstDash val="sysDot"/>
+                      <a:round/>
+                      <a:headEnd type="none" w="med" len="med"/>
+                      <a:tailEnd type="none" w="med" len="med"/>
+                    </a:lnL>
+                    <a:lnR w="3175" cap="flat" cmpd="sng" algn="ctr">
+                      <a:solidFill>
+                        <a:schemeClr val="tx1"/>
+                      </a:solidFill>
+                      <a:prstDash val="sysDot"/>
+                      <a:round/>
+                      <a:headEnd type="none" w="med" len="med"/>
+                      <a:tailEnd type="none" w="med" len="med"/>
+                    </a:lnR>
+                    <a:lnT w="19050" cap="flat" cmpd="sng" algn="ctr">
+                      <a:solidFill>
+                        <a:schemeClr val="tx1"/>
+                      </a:solidFill>
+                      <a:prstDash val="solid"/>
+                      <a:round/>
+                      <a:headEnd type="none" w="med" len="med"/>
+                      <a:tailEnd type="none" w="med" len="med"/>
+                    </a:lnT>
+                    <a:lnB w="3175" cap="flat" cmpd="sng" algn="ctr">
+                      <a:solidFill>
+                        <a:schemeClr val="tx1"/>
+                      </a:solidFill>
+                      <a:prstDash val="sysDot"/>
+                      <a:round/>
+                      <a:headEnd type="none" w="med" len="med"/>
+                      <a:tailEnd type="none" w="med" len="med"/>
+                    </a:lnB>
+                    <a:lnTlToBr w="12700" cmpd="sng">
+                      <a:noFill/>
+                      <a:prstDash val="solid"/>
+                    </a:lnTlToBr>
+                    <a:lnBlToTr w="12700" cmpd="sng">
+                      <a:noFill/>
+                      <a:prstDash val="solid"/>
+                    </a:lnBlToTr>
+                    <a:noFill/>
+                  </a:tcPr>
+                </a:tc>
+                <a:tc>
+                  <a:txBody>
+                    <a:bodyPr/>
+                    <a:lstStyle/>
+                    <a:p>
+                      <a:pPr algn="ctr" fontAlgn="b"/>
+                      <a:r>
+                        <a:rPr lang="en-GB" sz="1500" b="0" i="0" u="none" strike="noStrike">
+                          <a:solidFill>
+                            <a:srgbClr val="000000"/>
+                          </a:solidFill>
+                          <a:effectLst/>
+                          <a:latin typeface="Arial" panose="020B0604020202020204" pitchFamily="34" charset="0"/>
+                          <a:cs typeface="Arial" panose="020B0604020202020204" pitchFamily="34" charset="0"/>
+                        </a:rPr>
+                        <a:t>805</a:t>
+                      </a:r>
+                    </a:p>
+                  </a:txBody>
+                  <a:tcPr marL="9525" marR="9525" marT="9525" marB="0" anchor="ctr">
+                    <a:lnL w="3175" cap="flat" cmpd="sng" algn="ctr">
+                      <a:solidFill>
+                        <a:schemeClr val="tx1"/>
+                      </a:solidFill>
+                      <a:prstDash val="sysDot"/>
+                      <a:round/>
+                      <a:headEnd type="none" w="med" len="med"/>
+                      <a:tailEnd type="none" w="med" len="med"/>
+                    </a:lnL>
+                    <a:lnR w="3175" cap="flat" cmpd="sng" algn="ctr">
+                      <a:solidFill>
+                        <a:schemeClr val="tx1"/>
+                      </a:solidFill>
+                      <a:prstDash val="sysDot"/>
+                      <a:round/>
+                      <a:headEnd type="none" w="med" len="med"/>
+                      <a:tailEnd type="none" w="med" len="med"/>
+                    </a:lnR>
+                    <a:lnT w="19050" cap="flat" cmpd="sng" algn="ctr">
+                      <a:solidFill>
+                        <a:schemeClr val="tx1"/>
+                      </a:solidFill>
+                      <a:prstDash val="solid"/>
+                      <a:round/>
+                      <a:headEnd type="none" w="med" len="med"/>
+                      <a:tailEnd type="none" w="med" len="med"/>
+                    </a:lnT>
+                    <a:lnB w="3175" cap="flat" cmpd="sng" algn="ctr">
+                      <a:solidFill>
+                        <a:schemeClr val="tx1"/>
+                      </a:solidFill>
+                      <a:prstDash val="sysDot"/>
+                      <a:round/>
+                      <a:headEnd type="none" w="med" len="med"/>
+                      <a:tailEnd type="none" w="med" len="med"/>
+                    </a:lnB>
+                    <a:lnTlToBr w="12700" cmpd="sng">
+                      <a:noFill/>
+                      <a:prstDash val="solid"/>
+                    </a:lnTlToBr>
+                    <a:lnBlToTr w="12700" cmpd="sng">
+                      <a:noFill/>
+                      <a:prstDash val="solid"/>
+                    </a:lnBlToTr>
+                    <a:noFill/>
+                  </a:tcPr>
+                </a:tc>
+                <a:tc>
+                  <a:txBody>
+                    <a:bodyPr/>
+                    <a:lstStyle/>
+                    <a:p>
+                      <a:pPr algn="ctr" fontAlgn="b"/>
+                      <a:r>
+                        <a:rPr lang="en-GB" sz="1500" b="0" i="0" u="none" strike="noStrike">
+                          <a:solidFill>
+                            <a:srgbClr val="000000"/>
+                          </a:solidFill>
+                          <a:effectLst/>
+                          <a:latin typeface="Arial" panose="020B0604020202020204" pitchFamily="34" charset="0"/>
+                          <a:cs typeface="Arial" panose="020B0604020202020204" pitchFamily="34" charset="0"/>
+                        </a:rPr>
+                        <a:t>941</a:t>
+                      </a:r>
+                    </a:p>
+                  </a:txBody>
+                  <a:tcPr marL="9525" marR="9525" marT="9525" marB="0" anchor="ctr">
+                    <a:lnL w="3175" cap="flat" cmpd="sng" algn="ctr">
+                      <a:solidFill>
+                        <a:schemeClr val="tx1"/>
+                      </a:solidFill>
+                      <a:prstDash val="sysDot"/>
+                      <a:round/>
+                      <a:headEnd type="none" w="med" len="med"/>
+                      <a:tailEnd type="none" w="med" len="med"/>
+                    </a:lnL>
+                    <a:lnR w="3175" cap="flat" cmpd="sng" algn="ctr">
+                      <a:solidFill>
+                        <a:schemeClr val="tx1"/>
+                      </a:solidFill>
+                      <a:prstDash val="sysDot"/>
+                      <a:round/>
+                      <a:headEnd type="none" w="med" len="med"/>
+                      <a:tailEnd type="none" w="med" len="med"/>
+                    </a:lnR>
+                    <a:lnT w="19050" cap="flat" cmpd="sng" algn="ctr">
+                      <a:solidFill>
+                        <a:schemeClr val="tx1"/>
+                      </a:solidFill>
+                      <a:prstDash val="solid"/>
+                      <a:round/>
+                      <a:headEnd type="none" w="med" len="med"/>
+                      <a:tailEnd type="none" w="med" len="med"/>
+                    </a:lnT>
+                    <a:lnB w="3175" cap="flat" cmpd="sng" algn="ctr">
+                      <a:solidFill>
+                        <a:schemeClr val="tx1"/>
+                      </a:solidFill>
+                      <a:prstDash val="sysDot"/>
+                      <a:round/>
+                      <a:headEnd type="none" w="med" len="med"/>
+                      <a:tailEnd type="none" w="med" len="med"/>
+                    </a:lnB>
+                    <a:lnTlToBr w="12700" cmpd="sng">
+                      <a:noFill/>
+                      <a:prstDash val="solid"/>
+                    </a:lnTlToBr>
+                    <a:lnBlToTr w="12700" cmpd="sng">
+                      <a:noFill/>
+                      <a:prstDash val="solid"/>
+                    </a:lnBlToTr>
+                    <a:noFill/>
+                  </a:tcPr>
+                </a:tc>
+                <a:tc>
+                  <a:txBody>
+                    <a:bodyPr/>
+                    <a:lstStyle/>
+                    <a:p>
+                      <a:pPr algn="ctr" fontAlgn="b"/>
+                      <a:r>
+                        <a:rPr lang="en-GB" sz="1500" b="0" i="0" u="none" strike="noStrike">
+                          <a:solidFill>
+                            <a:srgbClr val="000000"/>
+                          </a:solidFill>
+                          <a:effectLst/>
+                          <a:latin typeface="Arial" panose="020B0604020202020204" pitchFamily="34" charset="0"/>
+                          <a:cs typeface="Arial" panose="020B0604020202020204" pitchFamily="34" charset="0"/>
+                        </a:rPr>
+                        <a:t>230</a:t>
+                      </a:r>
+                    </a:p>
+                  </a:txBody>
+                  <a:tcPr marL="9525" marR="9525" marT="9525" marB="0" anchor="ctr">
+                    <a:lnL w="3175" cap="flat" cmpd="sng" algn="ctr">
+                      <a:solidFill>
+                        <a:schemeClr val="tx1"/>
+                      </a:solidFill>
+                      <a:prstDash val="sysDot"/>
+                      <a:round/>
+                      <a:headEnd type="none" w="med" len="med"/>
+                      <a:tailEnd type="none" w="med" len="med"/>
+                    </a:lnL>
+                    <a:lnR w="3175" cap="flat" cmpd="sng" algn="ctr">
+                      <a:solidFill>
+                        <a:schemeClr val="tx1"/>
+                      </a:solidFill>
+                      <a:prstDash val="sysDot"/>
+                      <a:round/>
+                      <a:headEnd type="none" w="med" len="med"/>
+                      <a:tailEnd type="none" w="med" len="med"/>
+                    </a:lnR>
+                    <a:lnT w="19050" cap="flat" cmpd="sng" algn="ctr">
+                      <a:solidFill>
+                        <a:schemeClr val="tx1"/>
+                      </a:solidFill>
+                      <a:prstDash val="solid"/>
+                      <a:round/>
+                      <a:headEnd type="none" w="med" len="med"/>
+                      <a:tailEnd type="none" w="med" len="med"/>
+                    </a:lnT>
+                    <a:lnB w="3175" cap="flat" cmpd="sng" algn="ctr">
+                      <a:solidFill>
+                        <a:schemeClr val="tx1"/>
+                      </a:solidFill>
+                      <a:prstDash val="sysDot"/>
+                      <a:round/>
+                      <a:headEnd type="none" w="med" len="med"/>
+                      <a:tailEnd type="none" w="med" len="med"/>
+                    </a:lnB>
+                    <a:lnTlToBr w="12700" cmpd="sng">
+                      <a:noFill/>
+                      <a:prstDash val="solid"/>
+                    </a:lnTlToBr>
+                    <a:lnBlToTr w="12700" cmpd="sng">
+                      <a:noFill/>
+                      <a:prstDash val="solid"/>
+                    </a:lnBlToTr>
+                    <a:noFill/>
+                  </a:tcPr>
+                </a:tc>
+                <a:tc>
+                  <a:txBody>
+                    <a:bodyPr/>
+                    <a:lstStyle/>
+                    <a:p>
+                      <a:pPr algn="ctr" fontAlgn="b"/>
+                      <a:r>
+                        <a:rPr lang="en-US" sz="1500" b="1" dirty="0">
+                          <a:solidFill>
+                            <a:schemeClr val="accent4">
+                              <a:lumMod val="75000"/>
+                            </a:schemeClr>
+                          </a:solidFill>
+                          <a:latin typeface="Arial" panose="020B0604020202020204" pitchFamily="34" charset="0"/>
+                          <a:cs typeface="Arial" panose="020B0604020202020204" pitchFamily="34" charset="0"/>
+                        </a:rPr>
+                        <a:t>. . .</a:t>
+                      </a:r>
+                      <a:endParaRPr lang="en-GB" sz="1500" b="0" i="0" u="none" strike="noStrike" dirty="0">
+                        <a:solidFill>
+                          <a:schemeClr val="accent4">
+                            <a:lumMod val="75000"/>
+                          </a:schemeClr>
+                        </a:solidFill>
+                        <a:effectLst/>
+                        <a:latin typeface="Arial" panose="020B0604020202020204" pitchFamily="34" charset="0"/>
+                        <a:cs typeface="Arial" panose="020B0604020202020204" pitchFamily="34" charset="0"/>
+                      </a:endParaRPr>
+                    </a:p>
+                  </a:txBody>
+                  <a:tcPr marL="9525" marR="9525" marT="9525" marB="0" anchor="ctr">
+                    <a:lnL w="3175" cap="flat" cmpd="sng" algn="ctr">
+                      <a:solidFill>
+                        <a:schemeClr val="tx1"/>
+                      </a:solidFill>
+                      <a:prstDash val="sysDot"/>
+                      <a:round/>
+                      <a:headEnd type="none" w="med" len="med"/>
+                      <a:tailEnd type="none" w="med" len="med"/>
+                    </a:lnL>
+                    <a:lnR w="19050" cap="flat" cmpd="sng" algn="ctr">
+                      <a:solidFill>
+                        <a:schemeClr val="tx1"/>
+                      </a:solidFill>
+                      <a:prstDash val="solid"/>
+                      <a:round/>
+                      <a:headEnd type="none" w="med" len="med"/>
+                      <a:tailEnd type="none" w="med" len="med"/>
+                    </a:lnR>
+                    <a:lnT w="19050" cap="flat" cmpd="sng" algn="ctr">
+                      <a:solidFill>
+                        <a:schemeClr val="tx1"/>
+                      </a:solidFill>
+                      <a:prstDash val="solid"/>
+                      <a:round/>
+                      <a:headEnd type="none" w="med" len="med"/>
+                      <a:tailEnd type="none" w="med" len="med"/>
+                    </a:lnT>
+                    <a:lnB w="3175" cap="flat" cmpd="sng" algn="ctr">
+                      <a:solidFill>
+                        <a:schemeClr val="tx1"/>
+                      </a:solidFill>
+                      <a:prstDash val="sysDot"/>
+                      <a:round/>
+                      <a:headEnd type="none" w="med" len="med"/>
+                      <a:tailEnd type="none" w="med" len="med"/>
+                    </a:lnB>
+                    <a:lnTlToBr w="12700" cmpd="sng">
+                      <a:noFill/>
+                      <a:prstDash val="solid"/>
+                    </a:lnTlToBr>
+                    <a:lnBlToTr w="12700" cmpd="sng">
+                      <a:noFill/>
+                      <a:prstDash val="solid"/>
+                    </a:lnBlToTr>
+                    <a:noFill/>
+                  </a:tcPr>
+                </a:tc>
+                <a:extLst>
+                  <a:ext uri="{0D108BD9-81ED-4DB2-BD59-A6C34878D82A}">
+                    <a16:rowId xmlns:a16="http://schemas.microsoft.com/office/drawing/2014/main" val="815123946"/>
+                  </a:ext>
+                </a:extLst>
+              </a:tr>
+              <a:tr h="707572">
+                <a:tc>
+                  <a:txBody>
+                    <a:bodyPr/>
+                    <a:lstStyle/>
+                    <a:p>
+                      <a:pPr algn="ctr"/>
+                      <a:r>
+                        <a:rPr lang="en-US" sz="1500" dirty="0">
+                          <a:solidFill>
+                            <a:srgbClr val="C00000"/>
+                          </a:solidFill>
+                          <a:latin typeface="Arial" panose="020B0604020202020204" pitchFamily="34" charset="0"/>
+                          <a:cs typeface="Arial" panose="020B0604020202020204" pitchFamily="34" charset="0"/>
+                        </a:rPr>
+                        <a:t>Cell 2</a:t>
+                      </a:r>
+                    </a:p>
+                  </a:txBody>
+                  <a:tcPr anchor="ctr">
+                    <a:lnL w="19050" cap="flat" cmpd="sng" algn="ctr">
+                      <a:solidFill>
+                        <a:schemeClr val="tx1"/>
+                      </a:solidFill>
+                      <a:prstDash val="solid"/>
+                      <a:round/>
+                      <a:headEnd type="none" w="med" len="med"/>
+                      <a:tailEnd type="none" w="med" len="med"/>
+                    </a:lnL>
+                    <a:lnR w="19050" cap="flat" cmpd="sng" algn="ctr">
+                      <a:solidFill>
+                        <a:schemeClr val="tx1"/>
+                      </a:solidFill>
+                      <a:prstDash val="solid"/>
+                      <a:round/>
+                      <a:headEnd type="none" w="med" len="med"/>
+                      <a:tailEnd type="none" w="med" len="med"/>
+                    </a:lnR>
+                    <a:lnT w="19050" cap="flat" cmpd="sng" algn="ctr">
+                      <a:solidFill>
+                        <a:schemeClr val="tx1"/>
+                      </a:solidFill>
+                      <a:prstDash val="solid"/>
+                      <a:round/>
+                      <a:headEnd type="none" w="med" len="med"/>
+                      <a:tailEnd type="none" w="med" len="med"/>
+                    </a:lnT>
+                    <a:lnB w="19050" cap="flat" cmpd="sng" algn="ctr">
+                      <a:solidFill>
+                        <a:schemeClr val="tx1"/>
+                      </a:solidFill>
+                      <a:prstDash val="solid"/>
+                      <a:round/>
+                      <a:headEnd type="none" w="med" len="med"/>
+                      <a:tailEnd type="none" w="med" len="med"/>
+                    </a:lnB>
+                    <a:lnTlToBr w="12700" cmpd="sng">
+                      <a:noFill/>
+                      <a:prstDash val="solid"/>
+                    </a:lnTlToBr>
+                    <a:lnBlToTr w="12700" cmpd="sng">
+                      <a:noFill/>
+                      <a:prstDash val="solid"/>
+                    </a:lnBlToTr>
+                    <a:solidFill>
+                      <a:schemeClr val="bg1">
+                        <a:lumMod val="95000"/>
+                      </a:schemeClr>
+                    </a:solidFill>
+                  </a:tcPr>
+                </a:tc>
+                <a:tc>
+                  <a:txBody>
+                    <a:bodyPr/>
+                    <a:lstStyle/>
+                    <a:p>
+                      <a:pPr algn="ctr" fontAlgn="b"/>
+                      <a:r>
+                        <a:rPr lang="en-GB" sz="1500" b="0" i="0" u="none" strike="noStrike">
+                          <a:solidFill>
+                            <a:srgbClr val="000000"/>
+                          </a:solidFill>
+                          <a:effectLst/>
+                          <a:latin typeface="Arial" panose="020B0604020202020204" pitchFamily="34" charset="0"/>
+                          <a:cs typeface="Arial" panose="020B0604020202020204" pitchFamily="34" charset="0"/>
+                        </a:rPr>
+                        <a:t>134</a:t>
+                      </a:r>
+                    </a:p>
+                  </a:txBody>
+                  <a:tcPr marL="9525" marR="9525" marT="9525" marB="0" anchor="ctr">
+                    <a:lnL w="19050" cap="flat" cmpd="sng" algn="ctr">
+                      <a:solidFill>
+                        <a:schemeClr val="tx1"/>
+                      </a:solidFill>
+                      <a:prstDash val="solid"/>
+                      <a:round/>
+                      <a:headEnd type="none" w="med" len="med"/>
+                      <a:tailEnd type="none" w="med" len="med"/>
+                    </a:lnL>
+                    <a:lnR w="3175" cap="flat" cmpd="sng" algn="ctr">
+                      <a:solidFill>
+                        <a:schemeClr val="tx1"/>
+                      </a:solidFill>
+                      <a:prstDash val="sysDot"/>
+                      <a:round/>
+                      <a:headEnd type="none" w="med" len="med"/>
+                      <a:tailEnd type="none" w="med" len="med"/>
+                    </a:lnR>
+                    <a:lnT w="3175" cap="flat" cmpd="sng" algn="ctr">
+                      <a:solidFill>
+                        <a:schemeClr val="tx1"/>
+                      </a:solidFill>
+                      <a:prstDash val="sysDot"/>
+                      <a:round/>
+                      <a:headEnd type="none" w="med" len="med"/>
+                      <a:tailEnd type="none" w="med" len="med"/>
+                    </a:lnT>
+                    <a:lnB w="3175" cap="flat" cmpd="sng" algn="ctr">
+                      <a:solidFill>
+                        <a:schemeClr val="tx1"/>
+                      </a:solidFill>
+                      <a:prstDash val="sysDot"/>
+                      <a:round/>
+                      <a:headEnd type="none" w="med" len="med"/>
+                      <a:tailEnd type="none" w="med" len="med"/>
+                    </a:lnB>
+                    <a:lnTlToBr w="12700" cmpd="sng">
+                      <a:noFill/>
+                      <a:prstDash val="solid"/>
+                    </a:lnTlToBr>
+                    <a:lnBlToTr w="12700" cmpd="sng">
+                      <a:noFill/>
+                      <a:prstDash val="solid"/>
+                    </a:lnBlToTr>
+                    <a:noFill/>
+                  </a:tcPr>
+                </a:tc>
+                <a:tc>
+                  <a:txBody>
+                    <a:bodyPr/>
+                    <a:lstStyle/>
+                    <a:p>
+                      <a:pPr algn="ctr" fontAlgn="b"/>
+                      <a:r>
+                        <a:rPr lang="en-GB" sz="1500" b="0" i="0" u="none" strike="noStrike" dirty="0">
+                          <a:solidFill>
+                            <a:srgbClr val="000000"/>
+                          </a:solidFill>
+                          <a:effectLst/>
+                          <a:latin typeface="Arial" panose="020B0604020202020204" pitchFamily="34" charset="0"/>
+                          <a:cs typeface="Arial" panose="020B0604020202020204" pitchFamily="34" charset="0"/>
+                        </a:rPr>
+                        <a:t>36</a:t>
+                      </a:r>
+                    </a:p>
+                  </a:txBody>
+                  <a:tcPr marL="9525" marR="9525" marT="9525" marB="0" anchor="ctr">
+                    <a:lnL w="3175" cap="flat" cmpd="sng" algn="ctr">
+                      <a:solidFill>
+                        <a:schemeClr val="tx1"/>
+                      </a:solidFill>
+                      <a:prstDash val="sysDot"/>
+                      <a:round/>
+                      <a:headEnd type="none" w="med" len="med"/>
+                      <a:tailEnd type="none" w="med" len="med"/>
+                    </a:lnL>
+                    <a:lnR w="3175" cap="flat" cmpd="sng" algn="ctr">
+                      <a:solidFill>
+                        <a:schemeClr val="tx1"/>
+                      </a:solidFill>
+                      <a:prstDash val="sysDot"/>
+                      <a:round/>
+                      <a:headEnd type="none" w="med" len="med"/>
+                      <a:tailEnd type="none" w="med" len="med"/>
+                    </a:lnR>
+                    <a:lnT w="3175" cap="flat" cmpd="sng" algn="ctr">
+                      <a:solidFill>
+                        <a:schemeClr val="tx1"/>
+                      </a:solidFill>
+                      <a:prstDash val="sysDot"/>
+                      <a:round/>
+                      <a:headEnd type="none" w="med" len="med"/>
+                      <a:tailEnd type="none" w="med" len="med"/>
+                    </a:lnT>
+                    <a:lnB w="3175" cap="flat" cmpd="sng" algn="ctr">
+                      <a:solidFill>
+                        <a:schemeClr val="tx1"/>
+                      </a:solidFill>
+                      <a:prstDash val="sysDot"/>
+                      <a:round/>
+                      <a:headEnd type="none" w="med" len="med"/>
+                      <a:tailEnd type="none" w="med" len="med"/>
+                    </a:lnB>
+                    <a:lnTlToBr w="12700" cmpd="sng">
+                      <a:noFill/>
+                      <a:prstDash val="solid"/>
+                    </a:lnTlToBr>
+                    <a:lnBlToTr w="12700" cmpd="sng">
+                      <a:noFill/>
+                      <a:prstDash val="solid"/>
+                    </a:lnBlToTr>
+                    <a:noFill/>
+                  </a:tcPr>
+                </a:tc>
+                <a:tc>
+                  <a:txBody>
+                    <a:bodyPr/>
+                    <a:lstStyle/>
+                    <a:p>
+                      <a:pPr algn="ctr" fontAlgn="b"/>
+                      <a:r>
+                        <a:rPr lang="en-GB" sz="1500" b="0" i="0" u="none" strike="noStrike" dirty="0">
+                          <a:solidFill>
+                            <a:srgbClr val="000000"/>
+                          </a:solidFill>
+                          <a:effectLst/>
+                          <a:latin typeface="Arial" panose="020B0604020202020204" pitchFamily="34" charset="0"/>
+                          <a:cs typeface="Arial" panose="020B0604020202020204" pitchFamily="34" charset="0"/>
+                        </a:rPr>
+                        <a:t>819</a:t>
+                      </a:r>
+                    </a:p>
+                  </a:txBody>
+                  <a:tcPr marL="9525" marR="9525" marT="9525" marB="0" anchor="ctr">
+                    <a:lnL w="3175" cap="flat" cmpd="sng" algn="ctr">
+                      <a:solidFill>
+                        <a:schemeClr val="tx1"/>
+                      </a:solidFill>
+                      <a:prstDash val="sysDot"/>
+                      <a:round/>
+                      <a:headEnd type="none" w="med" len="med"/>
+                      <a:tailEnd type="none" w="med" len="med"/>
+                    </a:lnL>
+                    <a:lnR w="3175" cap="flat" cmpd="sng" algn="ctr">
+                      <a:solidFill>
+                        <a:schemeClr val="tx1"/>
+                      </a:solidFill>
+                      <a:prstDash val="sysDot"/>
+                      <a:round/>
+                      <a:headEnd type="none" w="med" len="med"/>
+                      <a:tailEnd type="none" w="med" len="med"/>
+                    </a:lnR>
+                    <a:lnT w="3175" cap="flat" cmpd="sng" algn="ctr">
+                      <a:solidFill>
+                        <a:schemeClr val="tx1"/>
+                      </a:solidFill>
+                      <a:prstDash val="sysDot"/>
+                      <a:round/>
+                      <a:headEnd type="none" w="med" len="med"/>
+                      <a:tailEnd type="none" w="med" len="med"/>
+                    </a:lnT>
+                    <a:lnB w="3175" cap="flat" cmpd="sng" algn="ctr">
+                      <a:solidFill>
+                        <a:schemeClr val="tx1"/>
+                      </a:solidFill>
+                      <a:prstDash val="sysDot"/>
+                      <a:round/>
+                      <a:headEnd type="none" w="med" len="med"/>
+                      <a:tailEnd type="none" w="med" len="med"/>
+                    </a:lnB>
+                    <a:lnTlToBr w="12700" cmpd="sng">
+                      <a:noFill/>
+                      <a:prstDash val="solid"/>
+                    </a:lnTlToBr>
+                    <a:lnBlToTr w="12700" cmpd="sng">
+                      <a:noFill/>
+                      <a:prstDash val="solid"/>
+                    </a:lnBlToTr>
+                    <a:noFill/>
+                  </a:tcPr>
+                </a:tc>
+                <a:tc>
+                  <a:txBody>
+                    <a:bodyPr/>
+                    <a:lstStyle/>
+                    <a:p>
+                      <a:pPr algn="ctr" fontAlgn="b"/>
+                      <a:r>
+                        <a:rPr lang="en-GB" sz="1500" b="0" i="0" u="none" strike="noStrike" dirty="0">
+                          <a:solidFill>
+                            <a:srgbClr val="000000"/>
+                          </a:solidFill>
+                          <a:effectLst/>
+                          <a:latin typeface="Arial" panose="020B0604020202020204" pitchFamily="34" charset="0"/>
+                          <a:cs typeface="Arial" panose="020B0604020202020204" pitchFamily="34" charset="0"/>
+                        </a:rPr>
+                        <a:t>963</a:t>
+                      </a:r>
+                    </a:p>
+                  </a:txBody>
+                  <a:tcPr marL="9525" marR="9525" marT="9525" marB="0" anchor="ctr">
+                    <a:lnL w="3175" cap="flat" cmpd="sng" algn="ctr">
+                      <a:solidFill>
+                        <a:schemeClr val="tx1"/>
+                      </a:solidFill>
+                      <a:prstDash val="sysDot"/>
+                      <a:round/>
+                      <a:headEnd type="none" w="med" len="med"/>
+                      <a:tailEnd type="none" w="med" len="med"/>
+                    </a:lnL>
+                    <a:lnR w="3175" cap="flat" cmpd="sng" algn="ctr">
+                      <a:solidFill>
+                        <a:schemeClr val="tx1"/>
+                      </a:solidFill>
+                      <a:prstDash val="sysDot"/>
+                      <a:round/>
+                      <a:headEnd type="none" w="med" len="med"/>
+                      <a:tailEnd type="none" w="med" len="med"/>
+                    </a:lnR>
+                    <a:lnT w="3175" cap="flat" cmpd="sng" algn="ctr">
+                      <a:solidFill>
+                        <a:schemeClr val="tx1"/>
+                      </a:solidFill>
+                      <a:prstDash val="sysDot"/>
+                      <a:round/>
+                      <a:headEnd type="none" w="med" len="med"/>
+                      <a:tailEnd type="none" w="med" len="med"/>
+                    </a:lnT>
+                    <a:lnB w="3175" cap="flat" cmpd="sng" algn="ctr">
+                      <a:solidFill>
+                        <a:schemeClr val="tx1"/>
+                      </a:solidFill>
+                      <a:prstDash val="sysDot"/>
+                      <a:round/>
+                      <a:headEnd type="none" w="med" len="med"/>
+                      <a:tailEnd type="none" w="med" len="med"/>
+                    </a:lnB>
+                    <a:lnTlToBr w="12700" cmpd="sng">
+                      <a:noFill/>
+                      <a:prstDash val="solid"/>
+                    </a:lnTlToBr>
+                    <a:lnBlToTr w="12700" cmpd="sng">
+                      <a:noFill/>
+                      <a:prstDash val="solid"/>
+                    </a:lnBlToTr>
+                    <a:noFill/>
+                  </a:tcPr>
+                </a:tc>
+                <a:tc>
+                  <a:txBody>
+                    <a:bodyPr/>
+                    <a:lstStyle/>
+                    <a:p>
+                      <a:pPr algn="ctr" fontAlgn="b"/>
+                      <a:r>
+                        <a:rPr lang="en-GB" sz="1500" b="0" i="0" u="none" strike="noStrike">
+                          <a:solidFill>
+                            <a:srgbClr val="000000"/>
+                          </a:solidFill>
+                          <a:effectLst/>
+                          <a:latin typeface="Arial" panose="020B0604020202020204" pitchFamily="34" charset="0"/>
+                          <a:cs typeface="Arial" panose="020B0604020202020204" pitchFamily="34" charset="0"/>
+                        </a:rPr>
+                        <a:t>216</a:t>
+                      </a:r>
+                    </a:p>
+                  </a:txBody>
+                  <a:tcPr marL="9525" marR="9525" marT="9525" marB="0" anchor="ctr">
+                    <a:lnL w="3175" cap="flat" cmpd="sng" algn="ctr">
+                      <a:solidFill>
+                        <a:schemeClr val="tx1"/>
+                      </a:solidFill>
+                      <a:prstDash val="sysDot"/>
+                      <a:round/>
+                      <a:headEnd type="none" w="med" len="med"/>
+                      <a:tailEnd type="none" w="med" len="med"/>
+                    </a:lnL>
+                    <a:lnR w="3175" cap="flat" cmpd="sng" algn="ctr">
+                      <a:solidFill>
+                        <a:schemeClr val="tx1"/>
+                      </a:solidFill>
+                      <a:prstDash val="sysDot"/>
+                      <a:round/>
+                      <a:headEnd type="none" w="med" len="med"/>
+                      <a:tailEnd type="none" w="med" len="med"/>
+                    </a:lnR>
+                    <a:lnT w="3175" cap="flat" cmpd="sng" algn="ctr">
+                      <a:solidFill>
+                        <a:schemeClr val="tx1"/>
+                      </a:solidFill>
+                      <a:prstDash val="sysDot"/>
+                      <a:round/>
+                      <a:headEnd type="none" w="med" len="med"/>
+                      <a:tailEnd type="none" w="med" len="med"/>
+                    </a:lnT>
+                    <a:lnB w="3175" cap="flat" cmpd="sng" algn="ctr">
+                      <a:solidFill>
+                        <a:schemeClr val="tx1"/>
+                      </a:solidFill>
+                      <a:prstDash val="sysDot"/>
+                      <a:round/>
+                      <a:headEnd type="none" w="med" len="med"/>
+                      <a:tailEnd type="none" w="med" len="med"/>
+                    </a:lnB>
+                    <a:lnTlToBr w="12700" cmpd="sng">
+                      <a:noFill/>
+                      <a:prstDash val="solid"/>
+                    </a:lnTlToBr>
+                    <a:lnBlToTr w="12700" cmpd="sng">
+                      <a:noFill/>
+                      <a:prstDash val="solid"/>
+                    </a:lnBlToTr>
+                    <a:noFill/>
+                  </a:tcPr>
+                </a:tc>
+                <a:tc>
+                  <a:txBody>
+                    <a:bodyPr/>
+                    <a:lstStyle/>
+                    <a:p>
+                      <a:pPr algn="ctr" fontAlgn="b"/>
+                      <a:r>
+                        <a:rPr lang="en-US" sz="1500" b="1" dirty="0">
+                          <a:solidFill>
+                            <a:schemeClr val="accent4">
+                              <a:lumMod val="75000"/>
+                            </a:schemeClr>
+                          </a:solidFill>
+                          <a:latin typeface="Arial" panose="020B0604020202020204" pitchFamily="34" charset="0"/>
+                          <a:cs typeface="Arial" panose="020B0604020202020204" pitchFamily="34" charset="0"/>
+                        </a:rPr>
+                        <a:t>. . .</a:t>
+                      </a:r>
+                      <a:endParaRPr lang="en-GB" sz="1500" b="0" i="0" u="none" strike="noStrike" dirty="0">
+                        <a:solidFill>
+                          <a:schemeClr val="accent4">
+                            <a:lumMod val="75000"/>
+                          </a:schemeClr>
+                        </a:solidFill>
+                        <a:effectLst/>
+                        <a:latin typeface="Arial" panose="020B0604020202020204" pitchFamily="34" charset="0"/>
+                        <a:cs typeface="Arial" panose="020B0604020202020204" pitchFamily="34" charset="0"/>
+                      </a:endParaRPr>
+                    </a:p>
+                  </a:txBody>
+                  <a:tcPr marL="9525" marR="9525" marT="9525" marB="0" anchor="ctr">
+                    <a:lnL w="3175" cap="flat" cmpd="sng" algn="ctr">
+                      <a:solidFill>
+                        <a:schemeClr val="tx1"/>
+                      </a:solidFill>
+                      <a:prstDash val="sysDot"/>
+                      <a:round/>
+                      <a:headEnd type="none" w="med" len="med"/>
+                      <a:tailEnd type="none" w="med" len="med"/>
+                    </a:lnL>
+                    <a:lnR w="19050" cap="flat" cmpd="sng" algn="ctr">
+                      <a:solidFill>
+                        <a:schemeClr val="tx1"/>
+                      </a:solidFill>
+                      <a:prstDash val="solid"/>
+                      <a:round/>
+                      <a:headEnd type="none" w="med" len="med"/>
+                      <a:tailEnd type="none" w="med" len="med"/>
+                    </a:lnR>
+                    <a:lnT w="3175" cap="flat" cmpd="sng" algn="ctr">
+                      <a:solidFill>
+                        <a:schemeClr val="tx1"/>
+                      </a:solidFill>
+                      <a:prstDash val="sysDot"/>
+                      <a:round/>
+                      <a:headEnd type="none" w="med" len="med"/>
+                      <a:tailEnd type="none" w="med" len="med"/>
+                    </a:lnT>
+                    <a:lnB w="3175" cap="flat" cmpd="sng" algn="ctr">
+                      <a:solidFill>
+                        <a:schemeClr val="tx1"/>
+                      </a:solidFill>
+                      <a:prstDash val="sysDot"/>
+                      <a:round/>
+                      <a:headEnd type="none" w="med" len="med"/>
+                      <a:tailEnd type="none" w="med" len="med"/>
+                    </a:lnB>
+                    <a:lnTlToBr w="12700" cmpd="sng">
+                      <a:noFill/>
+                      <a:prstDash val="solid"/>
+                    </a:lnTlToBr>
+                    <a:lnBlToTr w="12700" cmpd="sng">
+                      <a:noFill/>
+                      <a:prstDash val="solid"/>
+                    </a:lnBlToTr>
+                    <a:noFill/>
+                  </a:tcPr>
+                </a:tc>
+                <a:extLst>
+                  <a:ext uri="{0D108BD9-81ED-4DB2-BD59-A6C34878D82A}">
+                    <a16:rowId xmlns:a16="http://schemas.microsoft.com/office/drawing/2014/main" val="4289117434"/>
+                  </a:ext>
+                </a:extLst>
+              </a:tr>
+              <a:tr h="707572">
+                <a:tc>
+                  <a:txBody>
+                    <a:bodyPr/>
+                    <a:lstStyle/>
+                    <a:p>
+                      <a:pPr algn="ctr"/>
+                      <a:r>
+                        <a:rPr lang="en-US" sz="1500" dirty="0">
+                          <a:solidFill>
+                            <a:srgbClr val="C00000"/>
+                          </a:solidFill>
+                          <a:latin typeface="Arial" panose="020B0604020202020204" pitchFamily="34" charset="0"/>
+                          <a:cs typeface="Arial" panose="020B0604020202020204" pitchFamily="34" charset="0"/>
+                        </a:rPr>
+                        <a:t>Cell 3</a:t>
+                      </a:r>
+                    </a:p>
+                  </a:txBody>
+                  <a:tcPr anchor="ctr">
+                    <a:lnL w="19050" cap="flat" cmpd="sng" algn="ctr">
+                      <a:solidFill>
+                        <a:schemeClr val="tx1"/>
+                      </a:solidFill>
+                      <a:prstDash val="solid"/>
+                      <a:round/>
+                      <a:headEnd type="none" w="med" len="med"/>
+                      <a:tailEnd type="none" w="med" len="med"/>
+                    </a:lnL>
+                    <a:lnR w="19050" cap="flat" cmpd="sng" algn="ctr">
+                      <a:solidFill>
+                        <a:schemeClr val="tx1"/>
+                      </a:solidFill>
+                      <a:prstDash val="solid"/>
+                      <a:round/>
+                      <a:headEnd type="none" w="med" len="med"/>
+                      <a:tailEnd type="none" w="med" len="med"/>
+                    </a:lnR>
+                    <a:lnT w="19050" cap="flat" cmpd="sng" algn="ctr">
+                      <a:solidFill>
+                        <a:schemeClr val="tx1"/>
+                      </a:solidFill>
+                      <a:prstDash val="solid"/>
+                      <a:round/>
+                      <a:headEnd type="none" w="med" len="med"/>
+                      <a:tailEnd type="none" w="med" len="med"/>
+                    </a:lnT>
+                    <a:lnB w="19050" cap="flat" cmpd="sng" algn="ctr">
+                      <a:solidFill>
+                        <a:schemeClr val="tx1"/>
+                      </a:solidFill>
+                      <a:prstDash val="solid"/>
+                      <a:round/>
+                      <a:headEnd type="none" w="med" len="med"/>
+                      <a:tailEnd type="none" w="med" len="med"/>
+                    </a:lnB>
+                    <a:lnTlToBr w="12700" cmpd="sng">
+                      <a:noFill/>
+                      <a:prstDash val="solid"/>
+                    </a:lnTlToBr>
+                    <a:lnBlToTr w="12700" cmpd="sng">
+                      <a:noFill/>
+                      <a:prstDash val="solid"/>
+                    </a:lnBlToTr>
+                    <a:solidFill>
+                      <a:schemeClr val="bg1">
+                        <a:lumMod val="95000"/>
+                      </a:schemeClr>
+                    </a:solidFill>
+                  </a:tcPr>
+                </a:tc>
+                <a:tc>
+                  <a:txBody>
+                    <a:bodyPr/>
+                    <a:lstStyle/>
+                    <a:p>
+                      <a:pPr algn="ctr" fontAlgn="b"/>
+                      <a:r>
+                        <a:rPr lang="en-GB" sz="1500" b="0" i="0" u="none" strike="noStrike" dirty="0">
+                          <a:solidFill>
+                            <a:srgbClr val="000000"/>
+                          </a:solidFill>
+                          <a:effectLst/>
+                          <a:latin typeface="Arial" panose="020B0604020202020204" pitchFamily="34" charset="0"/>
+                          <a:cs typeface="Arial" panose="020B0604020202020204" pitchFamily="34" charset="0"/>
+                        </a:rPr>
+                        <a:t>145</a:t>
+                      </a:r>
+                    </a:p>
+                  </a:txBody>
+                  <a:tcPr marL="9525" marR="9525" marT="9525" marB="0" anchor="ctr">
+                    <a:lnL w="19050" cap="flat" cmpd="sng" algn="ctr">
+                      <a:solidFill>
+                        <a:schemeClr val="tx1"/>
+                      </a:solidFill>
+                      <a:prstDash val="solid"/>
+                      <a:round/>
+                      <a:headEnd type="none" w="med" len="med"/>
+                      <a:tailEnd type="none" w="med" len="med"/>
+                    </a:lnL>
+                    <a:lnR w="3175" cap="flat" cmpd="sng" algn="ctr">
+                      <a:solidFill>
+                        <a:schemeClr val="tx1"/>
+                      </a:solidFill>
+                      <a:prstDash val="sysDot"/>
+                      <a:round/>
+                      <a:headEnd type="none" w="med" len="med"/>
+                      <a:tailEnd type="none" w="med" len="med"/>
+                    </a:lnR>
+                    <a:lnT w="3175" cap="flat" cmpd="sng" algn="ctr">
+                      <a:solidFill>
+                        <a:schemeClr val="tx1"/>
+                      </a:solidFill>
+                      <a:prstDash val="sysDot"/>
+                      <a:round/>
+                      <a:headEnd type="none" w="med" len="med"/>
+                      <a:tailEnd type="none" w="med" len="med"/>
+                    </a:lnT>
+                    <a:lnB w="3175" cap="flat" cmpd="sng" algn="ctr">
+                      <a:solidFill>
+                        <a:schemeClr val="tx1"/>
+                      </a:solidFill>
+                      <a:prstDash val="sysDot"/>
+                      <a:round/>
+                      <a:headEnd type="none" w="med" len="med"/>
+                      <a:tailEnd type="none" w="med" len="med"/>
+                    </a:lnB>
+                    <a:lnTlToBr w="12700" cmpd="sng">
+                      <a:noFill/>
+                      <a:prstDash val="solid"/>
+                    </a:lnTlToBr>
+                    <a:lnBlToTr w="12700" cmpd="sng">
+                      <a:noFill/>
+                      <a:prstDash val="solid"/>
+                    </a:lnBlToTr>
+                    <a:noFill/>
+                  </a:tcPr>
+                </a:tc>
+                <a:tc>
+                  <a:txBody>
+                    <a:bodyPr/>
+                    <a:lstStyle/>
+                    <a:p>
+                      <a:pPr algn="ctr" fontAlgn="b"/>
+                      <a:r>
+                        <a:rPr lang="en-GB" sz="1500" b="0" i="0" u="none" strike="noStrike" dirty="0">
+                          <a:solidFill>
+                            <a:srgbClr val="000000"/>
+                          </a:solidFill>
+                          <a:effectLst/>
+                          <a:latin typeface="Arial" panose="020B0604020202020204" pitchFamily="34" charset="0"/>
+                          <a:cs typeface="Arial" panose="020B0604020202020204" pitchFamily="34" charset="0"/>
+                        </a:rPr>
+                        <a:t>44</a:t>
+                      </a:r>
+                    </a:p>
+                  </a:txBody>
+                  <a:tcPr marL="9525" marR="9525" marT="9525" marB="0" anchor="ctr">
+                    <a:lnL w="3175" cap="flat" cmpd="sng" algn="ctr">
+                      <a:solidFill>
+                        <a:schemeClr val="tx1"/>
+                      </a:solidFill>
+                      <a:prstDash val="sysDot"/>
+                      <a:round/>
+                      <a:headEnd type="none" w="med" len="med"/>
+                      <a:tailEnd type="none" w="med" len="med"/>
+                    </a:lnL>
+                    <a:lnR w="3175" cap="flat" cmpd="sng" algn="ctr">
+                      <a:solidFill>
+                        <a:schemeClr val="tx1"/>
+                      </a:solidFill>
+                      <a:prstDash val="sysDot"/>
+                      <a:round/>
+                      <a:headEnd type="none" w="med" len="med"/>
+                      <a:tailEnd type="none" w="med" len="med"/>
+                    </a:lnR>
+                    <a:lnT w="3175" cap="flat" cmpd="sng" algn="ctr">
+                      <a:solidFill>
+                        <a:schemeClr val="tx1"/>
+                      </a:solidFill>
+                      <a:prstDash val="sysDot"/>
+                      <a:round/>
+                      <a:headEnd type="none" w="med" len="med"/>
+                      <a:tailEnd type="none" w="med" len="med"/>
+                    </a:lnT>
+                    <a:lnB w="3175" cap="flat" cmpd="sng" algn="ctr">
+                      <a:solidFill>
+                        <a:schemeClr val="tx1"/>
+                      </a:solidFill>
+                      <a:prstDash val="sysDot"/>
+                      <a:round/>
+                      <a:headEnd type="none" w="med" len="med"/>
+                      <a:tailEnd type="none" w="med" len="med"/>
+                    </a:lnB>
+                    <a:lnTlToBr w="12700" cmpd="sng">
+                      <a:noFill/>
+                      <a:prstDash val="solid"/>
+                    </a:lnTlToBr>
+                    <a:lnBlToTr w="12700" cmpd="sng">
+                      <a:noFill/>
+                      <a:prstDash val="solid"/>
+                    </a:lnBlToTr>
+                    <a:noFill/>
+                  </a:tcPr>
+                </a:tc>
+                <a:tc>
+                  <a:txBody>
+                    <a:bodyPr/>
+                    <a:lstStyle/>
+                    <a:p>
+                      <a:pPr algn="ctr" fontAlgn="b"/>
+                      <a:r>
+                        <a:rPr lang="en-GB" sz="1500" b="0" i="0" u="none" strike="noStrike" dirty="0">
+                          <a:solidFill>
+                            <a:srgbClr val="000000"/>
+                          </a:solidFill>
+                          <a:effectLst/>
+                          <a:latin typeface="Arial" panose="020B0604020202020204" pitchFamily="34" charset="0"/>
+                          <a:cs typeface="Arial" panose="020B0604020202020204" pitchFamily="34" charset="0"/>
+                        </a:rPr>
+                        <a:t>782</a:t>
+                      </a:r>
+                    </a:p>
+                  </a:txBody>
+                  <a:tcPr marL="9525" marR="9525" marT="9525" marB="0" anchor="ctr">
+                    <a:lnL w="3175" cap="flat" cmpd="sng" algn="ctr">
+                      <a:solidFill>
+                        <a:schemeClr val="tx1"/>
+                      </a:solidFill>
+                      <a:prstDash val="sysDot"/>
+                      <a:round/>
+                      <a:headEnd type="none" w="med" len="med"/>
+                      <a:tailEnd type="none" w="med" len="med"/>
+                    </a:lnL>
+                    <a:lnR w="3175" cap="flat" cmpd="sng" algn="ctr">
+                      <a:solidFill>
+                        <a:schemeClr val="tx1"/>
+                      </a:solidFill>
+                      <a:prstDash val="sysDot"/>
+                      <a:round/>
+                      <a:headEnd type="none" w="med" len="med"/>
+                      <a:tailEnd type="none" w="med" len="med"/>
+                    </a:lnR>
+                    <a:lnT w="3175" cap="flat" cmpd="sng" algn="ctr">
+                      <a:solidFill>
+                        <a:schemeClr val="tx1"/>
+                      </a:solidFill>
+                      <a:prstDash val="sysDot"/>
+                      <a:round/>
+                      <a:headEnd type="none" w="med" len="med"/>
+                      <a:tailEnd type="none" w="med" len="med"/>
+                    </a:lnT>
+                    <a:lnB w="3175" cap="flat" cmpd="sng" algn="ctr">
+                      <a:solidFill>
+                        <a:schemeClr val="tx1"/>
+                      </a:solidFill>
+                      <a:prstDash val="sysDot"/>
+                      <a:round/>
+                      <a:headEnd type="none" w="med" len="med"/>
+                      <a:tailEnd type="none" w="med" len="med"/>
+                    </a:lnB>
+                    <a:lnTlToBr w="12700" cmpd="sng">
+                      <a:noFill/>
+                      <a:prstDash val="solid"/>
+                    </a:lnTlToBr>
+                    <a:lnBlToTr w="12700" cmpd="sng">
+                      <a:noFill/>
+                      <a:prstDash val="solid"/>
+                    </a:lnBlToTr>
+                    <a:noFill/>
+                  </a:tcPr>
+                </a:tc>
+                <a:tc>
+                  <a:txBody>
+                    <a:bodyPr/>
+                    <a:lstStyle/>
+                    <a:p>
+                      <a:pPr algn="ctr" fontAlgn="b"/>
+                      <a:r>
+                        <a:rPr lang="en-GB" sz="1500" b="0" i="0" u="none" strike="noStrike" dirty="0">
+                          <a:solidFill>
+                            <a:srgbClr val="000000"/>
+                          </a:solidFill>
+                          <a:effectLst/>
+                          <a:latin typeface="Arial" panose="020B0604020202020204" pitchFamily="34" charset="0"/>
+                          <a:cs typeface="Arial" panose="020B0604020202020204" pitchFamily="34" charset="0"/>
+                        </a:rPr>
+                        <a:t>974</a:t>
+                      </a:r>
+                    </a:p>
+                  </a:txBody>
+                  <a:tcPr marL="9525" marR="9525" marT="9525" marB="0" anchor="ctr">
+                    <a:lnL w="3175" cap="flat" cmpd="sng" algn="ctr">
+                      <a:solidFill>
+                        <a:schemeClr val="tx1"/>
+                      </a:solidFill>
+                      <a:prstDash val="sysDot"/>
+                      <a:round/>
+                      <a:headEnd type="none" w="med" len="med"/>
+                      <a:tailEnd type="none" w="med" len="med"/>
+                    </a:lnL>
+                    <a:lnR w="3175" cap="flat" cmpd="sng" algn="ctr">
+                      <a:solidFill>
+                        <a:schemeClr val="tx1"/>
+                      </a:solidFill>
+                      <a:prstDash val="sysDot"/>
+                      <a:round/>
+                      <a:headEnd type="none" w="med" len="med"/>
+                      <a:tailEnd type="none" w="med" len="med"/>
+                    </a:lnR>
+                    <a:lnT w="3175" cap="flat" cmpd="sng" algn="ctr">
+                      <a:solidFill>
+                        <a:schemeClr val="tx1"/>
+                      </a:solidFill>
+                      <a:prstDash val="sysDot"/>
+                      <a:round/>
+                      <a:headEnd type="none" w="med" len="med"/>
+                      <a:tailEnd type="none" w="med" len="med"/>
+                    </a:lnT>
+                    <a:lnB w="3175" cap="flat" cmpd="sng" algn="ctr">
+                      <a:solidFill>
+                        <a:schemeClr val="tx1"/>
+                      </a:solidFill>
+                      <a:prstDash val="sysDot"/>
+                      <a:round/>
+                      <a:headEnd type="none" w="med" len="med"/>
+                      <a:tailEnd type="none" w="med" len="med"/>
+                    </a:lnB>
+                    <a:lnTlToBr w="12700" cmpd="sng">
+                      <a:noFill/>
+                      <a:prstDash val="solid"/>
+                    </a:lnTlToBr>
+                    <a:lnBlToTr w="12700" cmpd="sng">
+                      <a:noFill/>
+                      <a:prstDash val="solid"/>
+                    </a:lnBlToTr>
+                    <a:noFill/>
+                  </a:tcPr>
+                </a:tc>
+                <a:tc>
+                  <a:txBody>
+                    <a:bodyPr/>
+                    <a:lstStyle/>
+                    <a:p>
+                      <a:pPr algn="ctr" fontAlgn="b"/>
+                      <a:r>
+                        <a:rPr lang="en-GB" sz="1500" b="0" i="0" u="none" strike="noStrike" dirty="0">
+                          <a:solidFill>
+                            <a:srgbClr val="000000"/>
+                          </a:solidFill>
+                          <a:effectLst/>
+                          <a:latin typeface="Arial" panose="020B0604020202020204" pitchFamily="34" charset="0"/>
+                          <a:cs typeface="Arial" panose="020B0604020202020204" pitchFamily="34" charset="0"/>
+                        </a:rPr>
+                        <a:t>226</a:t>
+                      </a:r>
+                    </a:p>
+                  </a:txBody>
+                  <a:tcPr marL="9525" marR="9525" marT="9525" marB="0" anchor="ctr">
+                    <a:lnL w="3175" cap="flat" cmpd="sng" algn="ctr">
+                      <a:solidFill>
+                        <a:schemeClr val="tx1"/>
+                      </a:solidFill>
+                      <a:prstDash val="sysDot"/>
+                      <a:round/>
+                      <a:headEnd type="none" w="med" len="med"/>
+                      <a:tailEnd type="none" w="med" len="med"/>
+                    </a:lnL>
+                    <a:lnR w="3175" cap="flat" cmpd="sng" algn="ctr">
+                      <a:solidFill>
+                        <a:schemeClr val="tx1"/>
+                      </a:solidFill>
+                      <a:prstDash val="sysDot"/>
+                      <a:round/>
+                      <a:headEnd type="none" w="med" len="med"/>
+                      <a:tailEnd type="none" w="med" len="med"/>
+                    </a:lnR>
+                    <a:lnT w="3175" cap="flat" cmpd="sng" algn="ctr">
+                      <a:solidFill>
+                        <a:schemeClr val="tx1"/>
+                      </a:solidFill>
+                      <a:prstDash val="sysDot"/>
+                      <a:round/>
+                      <a:headEnd type="none" w="med" len="med"/>
+                      <a:tailEnd type="none" w="med" len="med"/>
+                    </a:lnT>
+                    <a:lnB w="3175" cap="flat" cmpd="sng" algn="ctr">
+                      <a:solidFill>
+                        <a:schemeClr val="tx1"/>
+                      </a:solidFill>
+                      <a:prstDash val="sysDot"/>
+                      <a:round/>
+                      <a:headEnd type="none" w="med" len="med"/>
+                      <a:tailEnd type="none" w="med" len="med"/>
+                    </a:lnB>
+                    <a:lnTlToBr w="12700" cmpd="sng">
+                      <a:noFill/>
+                      <a:prstDash val="solid"/>
+                    </a:lnTlToBr>
+                    <a:lnBlToTr w="12700" cmpd="sng">
+                      <a:noFill/>
+                      <a:prstDash val="solid"/>
+                    </a:lnBlToTr>
+                    <a:noFill/>
+                  </a:tcPr>
+                </a:tc>
+                <a:tc>
+                  <a:txBody>
+                    <a:bodyPr/>
+                    <a:lstStyle/>
+                    <a:p>
+                      <a:pPr algn="ctr" fontAlgn="b"/>
+                      <a:r>
+                        <a:rPr lang="en-US" sz="1500" b="1" dirty="0">
+                          <a:solidFill>
+                            <a:schemeClr val="accent4">
+                              <a:lumMod val="75000"/>
+                            </a:schemeClr>
+                          </a:solidFill>
+                          <a:latin typeface="Arial" panose="020B0604020202020204" pitchFamily="34" charset="0"/>
+                          <a:cs typeface="Arial" panose="020B0604020202020204" pitchFamily="34" charset="0"/>
+                        </a:rPr>
+                        <a:t>. . .</a:t>
+                      </a:r>
+                      <a:endParaRPr lang="en-GB" sz="1500" b="0" i="0" u="none" strike="noStrike" dirty="0">
+                        <a:solidFill>
+                          <a:schemeClr val="accent4">
+                            <a:lumMod val="75000"/>
+                          </a:schemeClr>
+                        </a:solidFill>
+                        <a:effectLst/>
+                        <a:latin typeface="Arial" panose="020B0604020202020204" pitchFamily="34" charset="0"/>
+                        <a:cs typeface="Arial" panose="020B0604020202020204" pitchFamily="34" charset="0"/>
+                      </a:endParaRPr>
+                    </a:p>
+                  </a:txBody>
+                  <a:tcPr marL="9525" marR="9525" marT="9525" marB="0" anchor="ctr">
+                    <a:lnL w="3175" cap="flat" cmpd="sng" algn="ctr">
+                      <a:solidFill>
+                        <a:schemeClr val="tx1"/>
+                      </a:solidFill>
+                      <a:prstDash val="sysDot"/>
+                      <a:round/>
+                      <a:headEnd type="none" w="med" len="med"/>
+                      <a:tailEnd type="none" w="med" len="med"/>
+                    </a:lnL>
+                    <a:lnR w="19050" cap="flat" cmpd="sng" algn="ctr">
+                      <a:solidFill>
+                        <a:schemeClr val="tx1"/>
+                      </a:solidFill>
+                      <a:prstDash val="solid"/>
+                      <a:round/>
+                      <a:headEnd type="none" w="med" len="med"/>
+                      <a:tailEnd type="none" w="med" len="med"/>
+                    </a:lnR>
+                    <a:lnT w="3175" cap="flat" cmpd="sng" algn="ctr">
+                      <a:solidFill>
+                        <a:schemeClr val="tx1"/>
+                      </a:solidFill>
+                      <a:prstDash val="sysDot"/>
+                      <a:round/>
+                      <a:headEnd type="none" w="med" len="med"/>
+                      <a:tailEnd type="none" w="med" len="med"/>
+                    </a:lnT>
+                    <a:lnB w="3175" cap="flat" cmpd="sng" algn="ctr">
+                      <a:solidFill>
+                        <a:schemeClr val="tx1"/>
+                      </a:solidFill>
+                      <a:prstDash val="sysDot"/>
+                      <a:round/>
+                      <a:headEnd type="none" w="med" len="med"/>
+                      <a:tailEnd type="none" w="med" len="med"/>
+                    </a:lnB>
+                    <a:lnTlToBr w="12700" cmpd="sng">
+                      <a:noFill/>
+                      <a:prstDash val="solid"/>
+                    </a:lnTlToBr>
+                    <a:lnBlToTr w="12700" cmpd="sng">
+                      <a:noFill/>
+                      <a:prstDash val="solid"/>
+                    </a:lnBlToTr>
+                    <a:noFill/>
+                  </a:tcPr>
+                </a:tc>
+                <a:extLst>
+                  <a:ext uri="{0D108BD9-81ED-4DB2-BD59-A6C34878D82A}">
+                    <a16:rowId xmlns:a16="http://schemas.microsoft.com/office/drawing/2014/main" val="2787768747"/>
+                  </a:ext>
+                </a:extLst>
+              </a:tr>
+              <a:tr h="707572">
+                <a:tc>
+                  <a:txBody>
+                    <a:bodyPr/>
+                    <a:lstStyle/>
+                    <a:p>
+                      <a:pPr algn="ctr">
+                        <a:lnSpc>
+                          <a:spcPts val="800"/>
+                        </a:lnSpc>
+                      </a:pPr>
+                      <a:r>
+                        <a:rPr lang="en-US" sz="2500" b="0" dirty="0">
+                          <a:solidFill>
+                            <a:srgbClr val="C00000"/>
+                          </a:solidFill>
+                          <a:latin typeface="Arial" panose="020B0604020202020204" pitchFamily="34" charset="0"/>
+                          <a:cs typeface="Arial" panose="020B0604020202020204" pitchFamily="34" charset="0"/>
+                        </a:rPr>
+                        <a:t>.</a:t>
+                      </a:r>
+                    </a:p>
+                    <a:p>
+                      <a:pPr algn="ctr">
+                        <a:lnSpc>
+                          <a:spcPts val="800"/>
+                        </a:lnSpc>
+                      </a:pPr>
+                      <a:r>
+                        <a:rPr lang="en-US" sz="2500" b="0" dirty="0">
+                          <a:solidFill>
+                            <a:srgbClr val="C00000"/>
+                          </a:solidFill>
+                          <a:latin typeface="Arial" panose="020B0604020202020204" pitchFamily="34" charset="0"/>
+                          <a:cs typeface="Arial" panose="020B0604020202020204" pitchFamily="34" charset="0"/>
+                        </a:rPr>
+                        <a:t>.</a:t>
+                      </a:r>
+                    </a:p>
+                    <a:p>
+                      <a:pPr algn="ctr">
+                        <a:lnSpc>
+                          <a:spcPts val="800"/>
+                        </a:lnSpc>
+                      </a:pPr>
+                      <a:r>
+                        <a:rPr lang="en-US" sz="2500" b="0" dirty="0">
+                          <a:solidFill>
+                            <a:srgbClr val="C00000"/>
+                          </a:solidFill>
+                          <a:latin typeface="Arial" panose="020B0604020202020204" pitchFamily="34" charset="0"/>
+                          <a:cs typeface="Arial" panose="020B0604020202020204" pitchFamily="34" charset="0"/>
+                        </a:rPr>
+                        <a:t>.</a:t>
+                      </a:r>
+                    </a:p>
+                  </a:txBody>
+                  <a:tcPr anchor="ctr">
+                    <a:lnL w="19050" cap="flat" cmpd="sng" algn="ctr">
+                      <a:solidFill>
+                        <a:schemeClr val="tx1"/>
+                      </a:solidFill>
+                      <a:prstDash val="solid"/>
+                      <a:round/>
+                      <a:headEnd type="none" w="med" len="med"/>
+                      <a:tailEnd type="none" w="med" len="med"/>
+                    </a:lnL>
+                    <a:lnR w="19050" cap="flat" cmpd="sng" algn="ctr">
+                      <a:solidFill>
+                        <a:schemeClr val="tx1"/>
+                      </a:solidFill>
+                      <a:prstDash val="solid"/>
+                      <a:round/>
+                      <a:headEnd type="none" w="med" len="med"/>
+                      <a:tailEnd type="none" w="med" len="med"/>
+                    </a:lnR>
+                    <a:lnT w="19050" cap="flat" cmpd="sng" algn="ctr">
+                      <a:solidFill>
+                        <a:schemeClr val="tx1"/>
+                      </a:solidFill>
+                      <a:prstDash val="solid"/>
+                      <a:round/>
+                      <a:headEnd type="none" w="med" len="med"/>
+                      <a:tailEnd type="none" w="med" len="med"/>
+                    </a:lnT>
+                    <a:lnB w="19050" cap="flat" cmpd="sng" algn="ctr">
+                      <a:solidFill>
+                        <a:schemeClr val="tx1"/>
+                      </a:solidFill>
+                      <a:prstDash val="solid"/>
+                      <a:round/>
+                      <a:headEnd type="none" w="med" len="med"/>
+                      <a:tailEnd type="none" w="med" len="med"/>
+                    </a:lnB>
+                    <a:lnTlToBr w="12700" cmpd="sng">
+                      <a:noFill/>
+                      <a:prstDash val="solid"/>
+                    </a:lnTlToBr>
+                    <a:lnBlToTr w="12700" cmpd="sng">
+                      <a:noFill/>
+                      <a:prstDash val="solid"/>
+                    </a:lnBlToTr>
+                    <a:solidFill>
+                      <a:schemeClr val="bg1">
+                        <a:lumMod val="95000"/>
+                      </a:schemeClr>
+                    </a:solidFill>
+                  </a:tcPr>
+                </a:tc>
+                <a:tc>
+                  <a:txBody>
+                    <a:bodyPr/>
+                    <a:lstStyle/>
+                    <a:p>
+                      <a:pPr algn="ctr" fontAlgn="b">
+                        <a:lnSpc>
+                          <a:spcPts val="800"/>
+                        </a:lnSpc>
+                      </a:pPr>
+                      <a:r>
+                        <a:rPr lang="en-GB" sz="1500" b="1" i="0" u="none" strike="noStrike" dirty="0">
+                          <a:solidFill>
+                            <a:srgbClr val="000000"/>
+                          </a:solidFill>
+                          <a:effectLst/>
+                          <a:latin typeface="Arial" panose="020B0604020202020204" pitchFamily="34" charset="0"/>
+                          <a:cs typeface="Arial" panose="020B0604020202020204" pitchFamily="34" charset="0"/>
+                        </a:rPr>
+                        <a:t>.</a:t>
+                      </a:r>
+                    </a:p>
+                    <a:p>
+                      <a:pPr algn="ctr" fontAlgn="b">
+                        <a:lnSpc>
+                          <a:spcPts val="800"/>
+                        </a:lnSpc>
+                      </a:pPr>
+                      <a:r>
+                        <a:rPr lang="en-GB" sz="1500" b="1" i="0" u="none" strike="noStrike" dirty="0">
+                          <a:solidFill>
+                            <a:srgbClr val="000000"/>
+                          </a:solidFill>
+                          <a:effectLst/>
+                          <a:latin typeface="Arial" panose="020B0604020202020204" pitchFamily="34" charset="0"/>
+                          <a:cs typeface="Arial" panose="020B0604020202020204" pitchFamily="34" charset="0"/>
+                        </a:rPr>
+                        <a:t>.</a:t>
+                      </a:r>
+                    </a:p>
+                    <a:p>
+                      <a:pPr algn="ctr" fontAlgn="b">
+                        <a:lnSpc>
+                          <a:spcPts val="800"/>
+                        </a:lnSpc>
+                      </a:pPr>
+                      <a:r>
+                        <a:rPr lang="en-GB" sz="1500" b="1" i="0" u="none" strike="noStrike" dirty="0">
+                          <a:solidFill>
+                            <a:srgbClr val="000000"/>
+                          </a:solidFill>
+                          <a:effectLst/>
+                          <a:latin typeface="Arial" panose="020B0604020202020204" pitchFamily="34" charset="0"/>
+                          <a:cs typeface="Arial" panose="020B0604020202020204" pitchFamily="34" charset="0"/>
+                        </a:rPr>
+                        <a:t>.</a:t>
+                      </a:r>
+                    </a:p>
+                  </a:txBody>
+                  <a:tcPr marL="9525" marR="9525" marT="9525" marB="0" anchor="ctr">
+                    <a:lnL w="19050" cap="flat" cmpd="sng" algn="ctr">
+                      <a:solidFill>
+                        <a:schemeClr val="tx1"/>
+                      </a:solidFill>
+                      <a:prstDash val="solid"/>
+                      <a:round/>
+                      <a:headEnd type="none" w="med" len="med"/>
+                      <a:tailEnd type="none" w="med" len="med"/>
+                    </a:lnL>
+                    <a:lnR w="3175" cap="flat" cmpd="sng" algn="ctr">
+                      <a:solidFill>
+                        <a:schemeClr val="tx1"/>
+                      </a:solidFill>
+                      <a:prstDash val="sysDot"/>
+                      <a:round/>
+                      <a:headEnd type="none" w="med" len="med"/>
+                      <a:tailEnd type="none" w="med" len="med"/>
+                    </a:lnR>
+                    <a:lnT w="3175" cap="flat" cmpd="sng" algn="ctr">
+                      <a:solidFill>
+                        <a:schemeClr val="tx1"/>
+                      </a:solidFill>
+                      <a:prstDash val="sysDot"/>
+                      <a:round/>
+                      <a:headEnd type="none" w="med" len="med"/>
+                      <a:tailEnd type="none" w="med" len="med"/>
+                    </a:lnT>
+                    <a:lnB w="19050" cap="flat" cmpd="sng" algn="ctr">
+                      <a:solidFill>
+                        <a:schemeClr val="tx1"/>
+                      </a:solidFill>
+                      <a:prstDash val="solid"/>
+                      <a:round/>
+                      <a:headEnd type="none" w="med" len="med"/>
+                      <a:tailEnd type="none" w="med" len="med"/>
+                    </a:lnB>
+                    <a:lnTlToBr w="12700" cmpd="sng">
+                      <a:noFill/>
+                      <a:prstDash val="solid"/>
+                    </a:lnTlToBr>
+                    <a:lnBlToTr w="12700" cmpd="sng">
+                      <a:noFill/>
+                      <a:prstDash val="solid"/>
+                    </a:lnBlToTr>
+                    <a:noFill/>
+                  </a:tcPr>
+                </a:tc>
+                <a:tc>
+                  <a:txBody>
+                    <a:bodyPr/>
+                    <a:lstStyle/>
+                    <a:p>
+                      <a:pPr algn="ctr" fontAlgn="b">
+                        <a:lnSpc>
+                          <a:spcPts val="800"/>
+                        </a:lnSpc>
+                      </a:pPr>
+                      <a:r>
+                        <a:rPr lang="en-GB" sz="1500" b="1" i="0" u="none" strike="noStrike" dirty="0">
+                          <a:solidFill>
+                            <a:srgbClr val="000000"/>
+                          </a:solidFill>
+                          <a:effectLst/>
+                          <a:latin typeface="Arial" panose="020B0604020202020204" pitchFamily="34" charset="0"/>
+                          <a:cs typeface="Arial" panose="020B0604020202020204" pitchFamily="34" charset="0"/>
+                        </a:rPr>
+                        <a:t>.</a:t>
+                      </a:r>
+                    </a:p>
+                    <a:p>
+                      <a:pPr algn="ctr" fontAlgn="b">
+                        <a:lnSpc>
+                          <a:spcPts val="800"/>
+                        </a:lnSpc>
+                      </a:pPr>
+                      <a:r>
+                        <a:rPr lang="en-GB" sz="1500" b="1" i="0" u="none" strike="noStrike" dirty="0">
+                          <a:solidFill>
+                            <a:srgbClr val="000000"/>
+                          </a:solidFill>
+                          <a:effectLst/>
+                          <a:latin typeface="Arial" panose="020B0604020202020204" pitchFamily="34" charset="0"/>
+                          <a:cs typeface="Arial" panose="020B0604020202020204" pitchFamily="34" charset="0"/>
+                        </a:rPr>
+                        <a:t>.</a:t>
+                      </a:r>
+                    </a:p>
+                    <a:p>
+                      <a:pPr algn="ctr" fontAlgn="b">
+                        <a:lnSpc>
+                          <a:spcPts val="800"/>
+                        </a:lnSpc>
+                      </a:pPr>
+                      <a:r>
+                        <a:rPr lang="en-GB" sz="1500" b="1" i="0" u="none" strike="noStrike" dirty="0">
+                          <a:solidFill>
+                            <a:srgbClr val="000000"/>
+                          </a:solidFill>
+                          <a:effectLst/>
+                          <a:latin typeface="Arial" panose="020B0604020202020204" pitchFamily="34" charset="0"/>
+                          <a:cs typeface="Arial" panose="020B0604020202020204" pitchFamily="34" charset="0"/>
+                        </a:rPr>
+                        <a:t>.</a:t>
+                      </a:r>
+                    </a:p>
+                  </a:txBody>
+                  <a:tcPr marL="9525" marR="9525" marT="9525" marB="0" anchor="ctr">
+                    <a:lnL w="3175" cap="flat" cmpd="sng" algn="ctr">
+                      <a:solidFill>
+                        <a:schemeClr val="tx1"/>
+                      </a:solidFill>
+                      <a:prstDash val="sysDot"/>
+                      <a:round/>
+                      <a:headEnd type="none" w="med" len="med"/>
+                      <a:tailEnd type="none" w="med" len="med"/>
+                    </a:lnL>
+                    <a:lnR w="3175" cap="flat" cmpd="sng" algn="ctr">
+                      <a:solidFill>
+                        <a:schemeClr val="tx1"/>
+                      </a:solidFill>
+                      <a:prstDash val="sysDot"/>
+                      <a:round/>
+                      <a:headEnd type="none" w="med" len="med"/>
+                      <a:tailEnd type="none" w="med" len="med"/>
+                    </a:lnR>
+                    <a:lnT w="3175" cap="flat" cmpd="sng" algn="ctr">
+                      <a:solidFill>
+                        <a:schemeClr val="tx1"/>
+                      </a:solidFill>
+                      <a:prstDash val="sysDot"/>
+                      <a:round/>
+                      <a:headEnd type="none" w="med" len="med"/>
+                      <a:tailEnd type="none" w="med" len="med"/>
+                    </a:lnT>
+                    <a:lnB w="19050" cap="flat" cmpd="sng" algn="ctr">
+                      <a:solidFill>
+                        <a:schemeClr val="tx1"/>
+                      </a:solidFill>
+                      <a:prstDash val="solid"/>
+                      <a:round/>
+                      <a:headEnd type="none" w="med" len="med"/>
+                      <a:tailEnd type="none" w="med" len="med"/>
+                    </a:lnB>
+                    <a:lnTlToBr w="12700" cmpd="sng">
+                      <a:noFill/>
+                      <a:prstDash val="solid"/>
+                    </a:lnTlToBr>
+                    <a:lnBlToTr w="12700" cmpd="sng">
+                      <a:noFill/>
+                      <a:prstDash val="solid"/>
+                    </a:lnBlToTr>
+                    <a:noFill/>
+                  </a:tcPr>
+                </a:tc>
+                <a:tc>
+                  <a:txBody>
+                    <a:bodyPr/>
+                    <a:lstStyle/>
+                    <a:p>
+                      <a:pPr algn="ctr" fontAlgn="b">
+                        <a:lnSpc>
+                          <a:spcPts val="800"/>
+                        </a:lnSpc>
+                      </a:pPr>
+                      <a:r>
+                        <a:rPr lang="en-GB" sz="1500" b="1" i="0" u="none" strike="noStrike" dirty="0">
+                          <a:solidFill>
+                            <a:srgbClr val="000000"/>
+                          </a:solidFill>
+                          <a:effectLst/>
+                          <a:latin typeface="Arial" panose="020B0604020202020204" pitchFamily="34" charset="0"/>
+                          <a:cs typeface="Arial" panose="020B0604020202020204" pitchFamily="34" charset="0"/>
+                        </a:rPr>
+                        <a:t>.</a:t>
+                      </a:r>
+                    </a:p>
+                    <a:p>
+                      <a:pPr algn="ctr" fontAlgn="b">
+                        <a:lnSpc>
+                          <a:spcPts val="800"/>
+                        </a:lnSpc>
+                      </a:pPr>
+                      <a:r>
+                        <a:rPr lang="en-GB" sz="1500" b="1" i="0" u="none" strike="noStrike" dirty="0">
+                          <a:solidFill>
+                            <a:srgbClr val="000000"/>
+                          </a:solidFill>
+                          <a:effectLst/>
+                          <a:latin typeface="Arial" panose="020B0604020202020204" pitchFamily="34" charset="0"/>
+                          <a:cs typeface="Arial" panose="020B0604020202020204" pitchFamily="34" charset="0"/>
+                        </a:rPr>
+                        <a:t>.</a:t>
+                      </a:r>
+                    </a:p>
+                    <a:p>
+                      <a:pPr algn="ctr" fontAlgn="b">
+                        <a:lnSpc>
+                          <a:spcPts val="800"/>
+                        </a:lnSpc>
+                      </a:pPr>
+                      <a:r>
+                        <a:rPr lang="en-GB" sz="1500" b="1" i="0" u="none" strike="noStrike" dirty="0">
+                          <a:solidFill>
+                            <a:srgbClr val="000000"/>
+                          </a:solidFill>
+                          <a:effectLst/>
+                          <a:latin typeface="Arial" panose="020B0604020202020204" pitchFamily="34" charset="0"/>
+                          <a:cs typeface="Arial" panose="020B0604020202020204" pitchFamily="34" charset="0"/>
+                        </a:rPr>
+                        <a:t>.</a:t>
+                      </a:r>
+                    </a:p>
+                  </a:txBody>
+                  <a:tcPr marL="9525" marR="9525" marT="9525" marB="0" anchor="ctr">
+                    <a:lnL w="3175" cap="flat" cmpd="sng" algn="ctr">
+                      <a:solidFill>
+                        <a:schemeClr val="tx1"/>
+                      </a:solidFill>
+                      <a:prstDash val="sysDot"/>
+                      <a:round/>
+                      <a:headEnd type="none" w="med" len="med"/>
+                      <a:tailEnd type="none" w="med" len="med"/>
+                    </a:lnL>
+                    <a:lnR w="3175" cap="flat" cmpd="sng" algn="ctr">
+                      <a:solidFill>
+                        <a:schemeClr val="tx1"/>
+                      </a:solidFill>
+                      <a:prstDash val="sysDot"/>
+                      <a:round/>
+                      <a:headEnd type="none" w="med" len="med"/>
+                      <a:tailEnd type="none" w="med" len="med"/>
+                    </a:lnR>
+                    <a:lnT w="3175" cap="flat" cmpd="sng" algn="ctr">
+                      <a:solidFill>
+                        <a:schemeClr val="tx1"/>
+                      </a:solidFill>
+                      <a:prstDash val="sysDot"/>
+                      <a:round/>
+                      <a:headEnd type="none" w="med" len="med"/>
+                      <a:tailEnd type="none" w="med" len="med"/>
+                    </a:lnT>
+                    <a:lnB w="19050" cap="flat" cmpd="sng" algn="ctr">
+                      <a:solidFill>
+                        <a:schemeClr val="tx1"/>
+                      </a:solidFill>
+                      <a:prstDash val="solid"/>
+                      <a:round/>
+                      <a:headEnd type="none" w="med" len="med"/>
+                      <a:tailEnd type="none" w="med" len="med"/>
+                    </a:lnB>
+                    <a:lnTlToBr w="12700" cmpd="sng">
+                      <a:noFill/>
+                      <a:prstDash val="solid"/>
+                    </a:lnTlToBr>
+                    <a:lnBlToTr w="12700" cmpd="sng">
+                      <a:noFill/>
+                      <a:prstDash val="solid"/>
+                    </a:lnBlToTr>
+                    <a:noFill/>
+                  </a:tcPr>
+                </a:tc>
+                <a:tc>
+                  <a:txBody>
+                    <a:bodyPr/>
+                    <a:lstStyle/>
+                    <a:p>
+                      <a:pPr algn="ctr" fontAlgn="b">
+                        <a:lnSpc>
+                          <a:spcPts val="800"/>
+                        </a:lnSpc>
+                      </a:pPr>
+                      <a:r>
+                        <a:rPr lang="en-GB" sz="1500" b="1" i="0" u="none" strike="noStrike" dirty="0">
+                          <a:solidFill>
+                            <a:srgbClr val="000000"/>
+                          </a:solidFill>
+                          <a:effectLst/>
+                          <a:latin typeface="Arial" panose="020B0604020202020204" pitchFamily="34" charset="0"/>
+                          <a:cs typeface="Arial" panose="020B0604020202020204" pitchFamily="34" charset="0"/>
+                        </a:rPr>
+                        <a:t>.</a:t>
+                      </a:r>
+                    </a:p>
+                    <a:p>
+                      <a:pPr algn="ctr" fontAlgn="b">
+                        <a:lnSpc>
+                          <a:spcPts val="800"/>
+                        </a:lnSpc>
+                      </a:pPr>
+                      <a:r>
+                        <a:rPr lang="en-GB" sz="1500" b="1" i="0" u="none" strike="noStrike" dirty="0">
+                          <a:solidFill>
+                            <a:srgbClr val="000000"/>
+                          </a:solidFill>
+                          <a:effectLst/>
+                          <a:latin typeface="Arial" panose="020B0604020202020204" pitchFamily="34" charset="0"/>
+                          <a:cs typeface="Arial" panose="020B0604020202020204" pitchFamily="34" charset="0"/>
+                        </a:rPr>
+                        <a:t>.</a:t>
+                      </a:r>
+                    </a:p>
+                    <a:p>
+                      <a:pPr algn="ctr" fontAlgn="b">
+                        <a:lnSpc>
+                          <a:spcPts val="800"/>
+                        </a:lnSpc>
+                      </a:pPr>
+                      <a:r>
+                        <a:rPr lang="en-GB" sz="1500" b="1" i="0" u="none" strike="noStrike" dirty="0">
+                          <a:solidFill>
+                            <a:srgbClr val="000000"/>
+                          </a:solidFill>
+                          <a:effectLst/>
+                          <a:latin typeface="Arial" panose="020B0604020202020204" pitchFamily="34" charset="0"/>
+                          <a:cs typeface="Arial" panose="020B0604020202020204" pitchFamily="34" charset="0"/>
+                        </a:rPr>
+                        <a:t>.</a:t>
+                      </a:r>
+                    </a:p>
+                  </a:txBody>
+                  <a:tcPr marL="9525" marR="9525" marT="9525" marB="0" anchor="ctr">
+                    <a:lnL w="3175" cap="flat" cmpd="sng" algn="ctr">
+                      <a:solidFill>
+                        <a:schemeClr val="tx1"/>
+                      </a:solidFill>
+                      <a:prstDash val="sysDot"/>
+                      <a:round/>
+                      <a:headEnd type="none" w="med" len="med"/>
+                      <a:tailEnd type="none" w="med" len="med"/>
+                    </a:lnL>
+                    <a:lnR w="3175" cap="flat" cmpd="sng" algn="ctr">
+                      <a:solidFill>
+                        <a:schemeClr val="tx1"/>
+                      </a:solidFill>
+                      <a:prstDash val="sysDot"/>
+                      <a:round/>
+                      <a:headEnd type="none" w="med" len="med"/>
+                      <a:tailEnd type="none" w="med" len="med"/>
+                    </a:lnR>
+                    <a:lnT w="3175" cap="flat" cmpd="sng" algn="ctr">
+                      <a:solidFill>
+                        <a:schemeClr val="tx1"/>
+                      </a:solidFill>
+                      <a:prstDash val="sysDot"/>
+                      <a:round/>
+                      <a:headEnd type="none" w="med" len="med"/>
+                      <a:tailEnd type="none" w="med" len="med"/>
+                    </a:lnT>
+                    <a:lnB w="19050" cap="flat" cmpd="sng" algn="ctr">
+                      <a:solidFill>
+                        <a:schemeClr val="tx1"/>
+                      </a:solidFill>
+                      <a:prstDash val="solid"/>
+                      <a:round/>
+                      <a:headEnd type="none" w="med" len="med"/>
+                      <a:tailEnd type="none" w="med" len="med"/>
+                    </a:lnB>
+                    <a:lnTlToBr w="12700" cmpd="sng">
+                      <a:noFill/>
+                      <a:prstDash val="solid"/>
+                    </a:lnTlToBr>
+                    <a:lnBlToTr w="12700" cmpd="sng">
+                      <a:noFill/>
+                      <a:prstDash val="solid"/>
+                    </a:lnBlToTr>
+                    <a:noFill/>
+                  </a:tcPr>
+                </a:tc>
+                <a:tc>
+                  <a:txBody>
+                    <a:bodyPr/>
+                    <a:lstStyle/>
+                    <a:p>
+                      <a:pPr algn="ctr" fontAlgn="b">
+                        <a:lnSpc>
+                          <a:spcPts val="800"/>
+                        </a:lnSpc>
+                      </a:pPr>
+                      <a:r>
+                        <a:rPr lang="en-GB" sz="1500" b="1" i="0" u="none" strike="noStrike" dirty="0">
+                          <a:solidFill>
+                            <a:srgbClr val="000000"/>
+                          </a:solidFill>
+                          <a:effectLst/>
+                          <a:latin typeface="Arial" panose="020B0604020202020204" pitchFamily="34" charset="0"/>
+                          <a:cs typeface="Arial" panose="020B0604020202020204" pitchFamily="34" charset="0"/>
+                        </a:rPr>
+                        <a:t>.</a:t>
+                      </a:r>
+                    </a:p>
+                    <a:p>
+                      <a:pPr algn="ctr" fontAlgn="b">
+                        <a:lnSpc>
+                          <a:spcPts val="800"/>
+                        </a:lnSpc>
+                      </a:pPr>
+                      <a:r>
+                        <a:rPr lang="en-GB" sz="1500" b="1" i="0" u="none" strike="noStrike" dirty="0">
+                          <a:solidFill>
+                            <a:srgbClr val="000000"/>
+                          </a:solidFill>
+                          <a:effectLst/>
+                          <a:latin typeface="Arial" panose="020B0604020202020204" pitchFamily="34" charset="0"/>
+                          <a:cs typeface="Arial" panose="020B0604020202020204" pitchFamily="34" charset="0"/>
+                        </a:rPr>
+                        <a:t>.</a:t>
+                      </a:r>
+                    </a:p>
+                    <a:p>
+                      <a:pPr algn="ctr" fontAlgn="b">
+                        <a:lnSpc>
+                          <a:spcPts val="800"/>
+                        </a:lnSpc>
+                      </a:pPr>
+                      <a:r>
+                        <a:rPr lang="en-GB" sz="1500" b="1" i="0" u="none" strike="noStrike" dirty="0">
+                          <a:solidFill>
+                            <a:srgbClr val="000000"/>
+                          </a:solidFill>
+                          <a:effectLst/>
+                          <a:latin typeface="Arial" panose="020B0604020202020204" pitchFamily="34" charset="0"/>
+                          <a:cs typeface="Arial" panose="020B0604020202020204" pitchFamily="34" charset="0"/>
+                        </a:rPr>
+                        <a:t>.</a:t>
+                      </a:r>
+                    </a:p>
+                  </a:txBody>
+                  <a:tcPr marL="9525" marR="9525" marT="9525" marB="0" anchor="ctr">
+                    <a:lnL w="3175" cap="flat" cmpd="sng" algn="ctr">
+                      <a:solidFill>
+                        <a:schemeClr val="tx1"/>
+                      </a:solidFill>
+                      <a:prstDash val="sysDot"/>
+                      <a:round/>
+                      <a:headEnd type="none" w="med" len="med"/>
+                      <a:tailEnd type="none" w="med" len="med"/>
+                    </a:lnL>
+                    <a:lnR w="3175" cap="flat" cmpd="sng" algn="ctr">
+                      <a:solidFill>
+                        <a:schemeClr val="tx1"/>
+                      </a:solidFill>
+                      <a:prstDash val="sysDot"/>
+                      <a:round/>
+                      <a:headEnd type="none" w="med" len="med"/>
+                      <a:tailEnd type="none" w="med" len="med"/>
+                    </a:lnR>
+                    <a:lnT w="3175" cap="flat" cmpd="sng" algn="ctr">
+                      <a:solidFill>
+                        <a:schemeClr val="tx1"/>
+                      </a:solidFill>
+                      <a:prstDash val="sysDot"/>
+                      <a:round/>
+                      <a:headEnd type="none" w="med" len="med"/>
+                      <a:tailEnd type="none" w="med" len="med"/>
+                    </a:lnT>
+                    <a:lnB w="19050" cap="flat" cmpd="sng" algn="ctr">
+                      <a:solidFill>
+                        <a:schemeClr val="tx1"/>
+                      </a:solidFill>
+                      <a:prstDash val="solid"/>
+                      <a:round/>
+                      <a:headEnd type="none" w="med" len="med"/>
+                      <a:tailEnd type="none" w="med" len="med"/>
+                    </a:lnB>
+                    <a:lnTlToBr w="12700" cmpd="sng">
+                      <a:noFill/>
+                      <a:prstDash val="solid"/>
+                    </a:lnTlToBr>
+                    <a:lnBlToTr w="12700" cmpd="sng">
+                      <a:noFill/>
+                      <a:prstDash val="solid"/>
+                    </a:lnBlToTr>
+                    <a:noFill/>
+                  </a:tcPr>
+                </a:tc>
+                <a:tc>
+                  <a:txBody>
+                    <a:bodyPr/>
+                    <a:lstStyle/>
+                    <a:p>
+                      <a:pPr algn="ctr" fontAlgn="b"/>
+                      <a:endParaRPr lang="en-GB" sz="1500" b="0" i="0" u="none" strike="noStrike" dirty="0">
+                        <a:solidFill>
+                          <a:srgbClr val="000000"/>
+                        </a:solidFill>
+                        <a:effectLst/>
+                        <a:latin typeface="Arial" panose="020B0604020202020204" pitchFamily="34" charset="0"/>
+                        <a:cs typeface="Arial" panose="020B0604020202020204" pitchFamily="34" charset="0"/>
+                      </a:endParaRPr>
+                    </a:p>
+                  </a:txBody>
+                  <a:tcPr marL="9525" marR="9525" marT="9525" marB="0" anchor="ctr">
+                    <a:lnL w="3175" cap="flat" cmpd="sng" algn="ctr">
+                      <a:solidFill>
+                        <a:schemeClr val="tx1"/>
+                      </a:solidFill>
+                      <a:prstDash val="sysDot"/>
+                      <a:round/>
+                      <a:headEnd type="none" w="med" len="med"/>
+                      <a:tailEnd type="none" w="med" len="med"/>
+                    </a:lnL>
+                    <a:lnR w="19050" cap="flat" cmpd="sng" algn="ctr">
+                      <a:solidFill>
+                        <a:schemeClr val="tx1"/>
+                      </a:solidFill>
+                      <a:prstDash val="solid"/>
+                      <a:round/>
+                      <a:headEnd type="none" w="med" len="med"/>
+                      <a:tailEnd type="none" w="med" len="med"/>
+                    </a:lnR>
+                    <a:lnT w="3175" cap="flat" cmpd="sng" algn="ctr">
+                      <a:solidFill>
+                        <a:schemeClr val="tx1"/>
+                      </a:solidFill>
+                      <a:prstDash val="sysDot"/>
+                      <a:round/>
+                      <a:headEnd type="none" w="med" len="med"/>
+                      <a:tailEnd type="none" w="med" len="med"/>
+                    </a:lnT>
+                    <a:lnB w="19050" cap="flat" cmpd="sng" algn="ctr">
+                      <a:solidFill>
+                        <a:schemeClr val="tx1"/>
+                      </a:solidFill>
+                      <a:prstDash val="solid"/>
+                      <a:round/>
+                      <a:headEnd type="none" w="med" len="med"/>
+                      <a:tailEnd type="none" w="med" len="med"/>
+                    </a:lnB>
+                    <a:lnTlToBr w="12700" cmpd="sng">
+                      <a:noFill/>
+                      <a:prstDash val="solid"/>
+                    </a:lnTlToBr>
+                    <a:lnBlToTr w="12700" cmpd="sng">
+                      <a:noFill/>
+                      <a:prstDash val="solid"/>
+                    </a:lnBlToTr>
+                    <a:noFill/>
+                  </a:tcPr>
+                </a:tc>
+                <a:extLst>
+                  <a:ext uri="{0D108BD9-81ED-4DB2-BD59-A6C34878D82A}">
+                    <a16:rowId xmlns:a16="http://schemas.microsoft.com/office/drawing/2014/main" val="3231038714"/>
+                  </a:ext>
+                </a:extLst>
+              </a:tr>
+            </a:tbl>
+          </a:graphicData>
+        </a:graphic>
+      </p:graphicFrame>
+      <p:sp>
+        <p:nvSpPr>
+          <p:cNvPr id="5" name="TextBox 4">
+            <a:extLst>
+              <a:ext uri="{FF2B5EF4-FFF2-40B4-BE49-F238E27FC236}">
+                <a16:creationId xmlns:a16="http://schemas.microsoft.com/office/drawing/2014/main" id="{551D16BB-50F6-637D-C1A7-994F7F45C2DB}"/>
+              </a:ext>
+            </a:extLst>
+          </p:cNvPr>
+          <p:cNvSpPr txBox="1"/>
+          <p:nvPr/>
+        </p:nvSpPr>
+        <p:spPr>
+          <a:xfrm>
+            <a:off x="2423887" y="1796143"/>
+            <a:ext cx="7340599" cy="369332"/>
+          </a:xfrm>
+          <a:prstGeom prst="rect">
+            <a:avLst/>
+          </a:prstGeom>
+          <a:noFill/>
+        </p:spPr>
+        <p:txBody>
+          <a:bodyPr wrap="square" rtlCol="0">
+            <a:spAutoFit/>
+          </a:bodyPr>
+          <a:lstStyle/>
+          <a:p>
+            <a:pPr algn="ctr"/>
+            <a:r>
+              <a:rPr lang="en-US" b="1" dirty="0">
+                <a:solidFill>
+                  <a:schemeClr val="accent4">
+                    <a:lumMod val="75000"/>
+                  </a:schemeClr>
+                </a:solidFill>
+              </a:rPr>
+              <a:t>Dimensions / Variables / Features</a:t>
+            </a:r>
+          </a:p>
+        </p:txBody>
+      </p:sp>
+      <p:sp>
+        <p:nvSpPr>
+          <p:cNvPr id="6" name="TextBox 5">
+            <a:extLst>
+              <a:ext uri="{FF2B5EF4-FFF2-40B4-BE49-F238E27FC236}">
+                <a16:creationId xmlns:a16="http://schemas.microsoft.com/office/drawing/2014/main" id="{0F0C1855-6B7A-68B3-697B-873E679A751F}"/>
+              </a:ext>
+            </a:extLst>
+          </p:cNvPr>
+          <p:cNvSpPr txBox="1"/>
+          <p:nvPr/>
+        </p:nvSpPr>
+        <p:spPr>
+          <a:xfrm rot="16200000">
+            <a:off x="428174" y="3804951"/>
+            <a:ext cx="3537860" cy="369332"/>
+          </a:xfrm>
+          <a:prstGeom prst="rect">
+            <a:avLst/>
+          </a:prstGeom>
+          <a:noFill/>
+        </p:spPr>
+        <p:txBody>
+          <a:bodyPr wrap="square" rtlCol="0">
+            <a:spAutoFit/>
+          </a:bodyPr>
+          <a:lstStyle/>
+          <a:p>
+            <a:pPr algn="ctr"/>
+            <a:r>
+              <a:rPr lang="en-US" b="1" dirty="0">
+                <a:solidFill>
+                  <a:srgbClr val="C00000"/>
+                </a:solidFill>
+              </a:rPr>
               <a:t>Observations</a:t>
             </a:r>
           </a:p>
@@ -8238,7 +12736,7 @@
 </p:sld>
 </file>
 
-<file path=ppt/slides/slide3.xml><?xml version="1.0" encoding="utf-8"?>
+<file path=ppt/slides/slide4.xml><?xml version="1.0" encoding="utf-8"?>
 <p:sld xmlns:a="http://schemas.openxmlformats.org/drawingml/2006/main" xmlns:r="http://schemas.openxmlformats.org/officeDocument/2006/relationships" xmlns:p="http://schemas.openxmlformats.org/presentationml/2006/main">
   <p:cSld>
     <p:spTree>
@@ -8511,155 +13009,6 @@
     <p:extLst>
       <p:ext uri="{BB962C8B-B14F-4D97-AF65-F5344CB8AC3E}">
         <p14:creationId xmlns:p14="http://schemas.microsoft.com/office/powerpoint/2010/main" val="3538737990"/>
-      </p:ext>
-    </p:extLst>
-  </p:cSld>
-  <p:clrMapOvr>
-    <a:masterClrMapping/>
-  </p:clrMapOvr>
-</p:sld>
-</file>
-
-<file path=ppt/slides/slide4.xml><?xml version="1.0" encoding="utf-8"?>
-<p:sld xmlns:a="http://schemas.openxmlformats.org/drawingml/2006/main" xmlns:r="http://schemas.openxmlformats.org/officeDocument/2006/relationships" xmlns:p="http://schemas.openxmlformats.org/presentationml/2006/main">
-  <p:cSld>
-    <p:spTree>
-      <p:nvGrpSpPr>
-        <p:cNvPr id="1" name=""/>
-        <p:cNvGrpSpPr/>
-        <p:nvPr/>
-      </p:nvGrpSpPr>
-      <p:grpSpPr>
-        <a:xfrm>
-          <a:off x="0" y="0"/>
-          <a:ext cx="0" cy="0"/>
-          <a:chOff x="0" y="0"/>
-          <a:chExt cx="0" cy="0"/>
-        </a:xfrm>
-      </p:grpSpPr>
-      <p:sp>
-        <p:nvSpPr>
-          <p:cNvPr id="2" name="Title 1">
-            <a:extLst>
-              <a:ext uri="{FF2B5EF4-FFF2-40B4-BE49-F238E27FC236}">
-                <a16:creationId xmlns:a16="http://schemas.microsoft.com/office/drawing/2014/main" id="{CC730899-CD32-3874-BE52-43EA6F6CF3CC}"/>
-              </a:ext>
-            </a:extLst>
-          </p:cNvPr>
-          <p:cNvSpPr>
-            <a:spLocks noGrp="1"/>
-          </p:cNvSpPr>
-          <p:nvPr>
-            <p:ph type="title"/>
-          </p:nvPr>
-        </p:nvSpPr>
-        <p:spPr>
-          <a:xfrm>
-            <a:off x="550863" y="-48532"/>
-            <a:ext cx="11306175" cy="1325563"/>
-          </a:xfrm>
-        </p:spPr>
-        <p:txBody>
-          <a:bodyPr>
-            <a:normAutofit/>
-          </a:bodyPr>
-          <a:lstStyle/>
-          <a:p>
-            <a:r>
-              <a:rPr lang="en-US" sz="3000" dirty="0">
-                <a:solidFill>
-                  <a:srgbClr val="0070C0"/>
-                </a:solidFill>
-              </a:rPr>
-              <a:t>II. Principal Component Analysis (PCA)</a:t>
-            </a:r>
-          </a:p>
-        </p:txBody>
-      </p:sp>
-      <p:sp>
-        <p:nvSpPr>
-          <p:cNvPr id="3" name="Content Placeholder 2">
-            <a:extLst>
-              <a:ext uri="{FF2B5EF4-FFF2-40B4-BE49-F238E27FC236}">
-                <a16:creationId xmlns:a16="http://schemas.microsoft.com/office/drawing/2014/main" id="{C7F67CAF-8BC3-D495-476C-09316CDA937B}"/>
-              </a:ext>
-            </a:extLst>
-          </p:cNvPr>
-          <p:cNvSpPr>
-            <a:spLocks noGrp="1"/>
-          </p:cNvSpPr>
-          <p:nvPr>
-            <p:ph idx="1"/>
-          </p:nvPr>
-        </p:nvSpPr>
-        <p:spPr>
-          <a:xfrm>
-            <a:off x="550863" y="1281336"/>
-            <a:ext cx="11306175" cy="4351338"/>
-          </a:xfrm>
-        </p:spPr>
-        <p:txBody>
-          <a:bodyPr>
-            <a:normAutofit/>
-          </a:bodyPr>
-          <a:lstStyle/>
-          <a:p>
-            <a:r>
-              <a:rPr lang="en-US" sz="2000" dirty="0"/>
-              <a:t>Strives to capture the most information or variation in the data in the least number of PCs, which are new features derived from combinations of original features</a:t>
-            </a:r>
-          </a:p>
-          <a:p>
-            <a:pPr marL="0" indent="0">
-              <a:buNone/>
-            </a:pPr>
-            <a:endParaRPr lang="en-US" sz="2000" dirty="0"/>
-          </a:p>
-        </p:txBody>
-      </p:sp>
-      <p:sp>
-        <p:nvSpPr>
-          <p:cNvPr id="4" name="TextBox 3">
-            <a:extLst>
-              <a:ext uri="{FF2B5EF4-FFF2-40B4-BE49-F238E27FC236}">
-                <a16:creationId xmlns:a16="http://schemas.microsoft.com/office/drawing/2014/main" id="{96923E82-0DB2-75DA-12C6-31C7B1C8B977}"/>
-              </a:ext>
-            </a:extLst>
-          </p:cNvPr>
-          <p:cNvSpPr txBox="1"/>
-          <p:nvPr/>
-        </p:nvSpPr>
-        <p:spPr>
-          <a:xfrm>
-            <a:off x="3407227" y="4408714"/>
-            <a:ext cx="5421086" cy="369332"/>
-          </a:xfrm>
-          <a:prstGeom prst="rect">
-            <a:avLst/>
-          </a:prstGeom>
-          <a:noFill/>
-        </p:spPr>
-        <p:txBody>
-          <a:bodyPr wrap="square" rtlCol="0">
-            <a:spAutoFit/>
-          </a:bodyPr>
-          <a:lstStyle/>
-          <a:p>
-            <a:r>
-              <a:rPr lang="en-US" dirty="0">
-                <a:highlight>
-                  <a:srgbClr val="FFFF00"/>
-                </a:highlight>
-              </a:rPr>
-              <a:t>INSERT original table -&gt; PCA plot</a:t>
-            </a:r>
-          </a:p>
-        </p:txBody>
-      </p:sp>
-    </p:spTree>
-    <p:extLst>
-      <p:ext uri="{BB962C8B-B14F-4D97-AF65-F5344CB8AC3E}">
-        <p14:creationId xmlns:p14="http://schemas.microsoft.com/office/powerpoint/2010/main" val="1264212887"/>
       </p:ext>
     </p:extLst>
   </p:cSld>
@@ -8704,7 +13053,7 @@
         </p:nvSpPr>
         <p:spPr>
           <a:xfrm>
-            <a:off x="550863" y="-48532"/>
+            <a:off x="550863" y="-248572"/>
             <a:ext cx="11306175" cy="1325563"/>
           </a:xfrm>
         </p:spPr>
@@ -8720,141 +13069,3498 @@
                   <a:srgbClr val="0070C0"/>
                 </a:solidFill>
               </a:rPr>
-              <a:t>III. Performing PCA in R</a:t>
+              <a:t>II. Principal Component Analysis (PCA)</a:t>
+            </a:r>
+          </a:p>
+        </p:txBody>
+      </p:sp>
+      <p:grpSp>
+        <p:nvGrpSpPr>
+          <p:cNvPr id="47" name="Group 46">
+            <a:extLst>
+              <a:ext uri="{FF2B5EF4-FFF2-40B4-BE49-F238E27FC236}">
+                <a16:creationId xmlns:a16="http://schemas.microsoft.com/office/drawing/2014/main" id="{96DBFC4F-B70A-6243-899F-67B50136D8A5}"/>
+              </a:ext>
+            </a:extLst>
+          </p:cNvPr>
+          <p:cNvGrpSpPr/>
+          <p:nvPr/>
+        </p:nvGrpSpPr>
+        <p:grpSpPr>
+          <a:xfrm>
+            <a:off x="1647131" y="3347852"/>
+            <a:ext cx="4856242" cy="2287379"/>
+            <a:chOff x="1239758" y="3848444"/>
+            <a:chExt cx="5677199" cy="2674065"/>
+          </a:xfrm>
+        </p:grpSpPr>
+        <p:pic>
+          <p:nvPicPr>
+            <p:cNvPr id="14" name="Picture 13">
+              <a:extLst>
+                <a:ext uri="{FF2B5EF4-FFF2-40B4-BE49-F238E27FC236}">
+                  <a16:creationId xmlns:a16="http://schemas.microsoft.com/office/drawing/2014/main" id="{8EDF29BF-8086-6FDB-525C-0FF7B51E9E2C}"/>
+                </a:ext>
+              </a:extLst>
+            </p:cNvPr>
+            <p:cNvPicPr>
+              <a:picLocks noChangeAspect="1"/>
+            </p:cNvPicPr>
+            <p:nvPr/>
+          </p:nvPicPr>
+          <p:blipFill rotWithShape="1">
+            <a:blip r:embed="rId3"/>
+            <a:srcRect l="4389" b="10422"/>
+            <a:stretch/>
+          </p:blipFill>
+          <p:spPr>
+            <a:xfrm>
+              <a:off x="1575194" y="3848444"/>
+              <a:ext cx="5341763" cy="2323622"/>
+            </a:xfrm>
+            <a:prstGeom prst="rect">
+              <a:avLst/>
+            </a:prstGeom>
+          </p:spPr>
+        </p:pic>
+        <p:sp>
+          <p:nvSpPr>
+            <p:cNvPr id="39" name="TextBox 38">
+              <a:extLst>
+                <a:ext uri="{FF2B5EF4-FFF2-40B4-BE49-F238E27FC236}">
+                  <a16:creationId xmlns:a16="http://schemas.microsoft.com/office/drawing/2014/main" id="{0A712CDB-39CF-B59D-36F2-DB099EF7E11B}"/>
+                </a:ext>
+              </a:extLst>
+            </p:cNvPr>
+            <p:cNvSpPr txBox="1"/>
+            <p:nvPr/>
+          </p:nvSpPr>
+          <p:spPr>
+            <a:xfrm>
+              <a:off x="1836234" y="6199344"/>
+              <a:ext cx="5017647" cy="323165"/>
+            </a:xfrm>
+            <a:prstGeom prst="rect">
+              <a:avLst/>
+            </a:prstGeom>
+            <a:noFill/>
+          </p:spPr>
+          <p:txBody>
+            <a:bodyPr wrap="square" rtlCol="0">
+              <a:spAutoFit/>
+            </a:bodyPr>
+            <a:lstStyle/>
+            <a:p>
+              <a:pPr algn="ctr"/>
+              <a:r>
+                <a:rPr lang="en-US" sz="1500" b="1" dirty="0">
+                  <a:latin typeface="Arial" panose="020B0604020202020204" pitchFamily="34" charset="0"/>
+                  <a:cs typeface="Arial" panose="020B0604020202020204" pitchFamily="34" charset="0"/>
+                </a:rPr>
+                <a:t>PC1</a:t>
+              </a:r>
+            </a:p>
+          </p:txBody>
+        </p:sp>
+        <p:sp>
+          <p:nvSpPr>
+            <p:cNvPr id="40" name="TextBox 39">
+              <a:extLst>
+                <a:ext uri="{FF2B5EF4-FFF2-40B4-BE49-F238E27FC236}">
+                  <a16:creationId xmlns:a16="http://schemas.microsoft.com/office/drawing/2014/main" id="{4F28710F-0E86-193D-B4E3-25F6BCD35A19}"/>
+                </a:ext>
+              </a:extLst>
+            </p:cNvPr>
+            <p:cNvSpPr txBox="1"/>
+            <p:nvPr/>
+          </p:nvSpPr>
+          <p:spPr>
+            <a:xfrm rot="16200000">
+              <a:off x="385241" y="4791937"/>
+              <a:ext cx="2032200" cy="323165"/>
+            </a:xfrm>
+            <a:prstGeom prst="rect">
+              <a:avLst/>
+            </a:prstGeom>
+            <a:noFill/>
+          </p:spPr>
+          <p:txBody>
+            <a:bodyPr wrap="square" rtlCol="0">
+              <a:spAutoFit/>
+            </a:bodyPr>
+            <a:lstStyle/>
+            <a:p>
+              <a:pPr algn="ctr"/>
+              <a:r>
+                <a:rPr lang="en-US" sz="1500" b="1" dirty="0">
+                  <a:latin typeface="Arial" panose="020B0604020202020204" pitchFamily="34" charset="0"/>
+                  <a:cs typeface="Arial" panose="020B0604020202020204" pitchFamily="34" charset="0"/>
+                </a:rPr>
+                <a:t>PC2</a:t>
+              </a:r>
+            </a:p>
+          </p:txBody>
+        </p:sp>
+      </p:grpSp>
+      <p:pic>
+        <p:nvPicPr>
+          <p:cNvPr id="3" name="Picture 2">
+            <a:extLst>
+              <a:ext uri="{FF2B5EF4-FFF2-40B4-BE49-F238E27FC236}">
+                <a16:creationId xmlns:a16="http://schemas.microsoft.com/office/drawing/2014/main" id="{5C7DFABC-EBCF-8FDC-1B76-F96FFE17FEF1}"/>
+              </a:ext>
+            </a:extLst>
+          </p:cNvPr>
+          <p:cNvPicPr>
+            <a:picLocks noChangeAspect="1"/>
+          </p:cNvPicPr>
+          <p:nvPr/>
+        </p:nvPicPr>
+        <p:blipFill>
+          <a:blip r:embed="rId4"/>
+          <a:stretch>
+            <a:fillRect/>
+          </a:stretch>
+        </p:blipFill>
+        <p:spPr>
+          <a:xfrm>
+            <a:off x="4661837" y="1407944"/>
+            <a:ext cx="2883113" cy="2059366"/>
+          </a:xfrm>
+          <a:prstGeom prst="rect">
+            <a:avLst/>
+          </a:prstGeom>
+        </p:spPr>
+      </p:pic>
+      <p:sp>
+        <p:nvSpPr>
+          <p:cNvPr id="4" name="TextBox 3">
+            <a:extLst>
+              <a:ext uri="{FF2B5EF4-FFF2-40B4-BE49-F238E27FC236}">
+                <a16:creationId xmlns:a16="http://schemas.microsoft.com/office/drawing/2014/main" id="{0A83CA26-BB35-6C38-5F1A-0D66C4C84A5C}"/>
+              </a:ext>
+            </a:extLst>
+          </p:cNvPr>
+          <p:cNvSpPr txBox="1"/>
+          <p:nvPr/>
+        </p:nvSpPr>
+        <p:spPr>
+          <a:xfrm>
+            <a:off x="4527395" y="1746426"/>
+            <a:ext cx="319949" cy="276999"/>
+          </a:xfrm>
+          <a:prstGeom prst="rect">
+            <a:avLst/>
+          </a:prstGeom>
+          <a:noFill/>
+        </p:spPr>
+        <p:txBody>
+          <a:bodyPr wrap="square" rtlCol="0">
+            <a:spAutoFit/>
+          </a:bodyPr>
+          <a:lstStyle/>
+          <a:p>
+            <a:pPr algn="r"/>
+            <a:r>
+              <a:rPr lang="en-US" sz="1200" b="1" dirty="0">
+                <a:latin typeface="Arial" panose="020B0604020202020204" pitchFamily="34" charset="0"/>
+                <a:cs typeface="Arial" panose="020B0604020202020204" pitchFamily="34" charset="0"/>
+              </a:rPr>
+              <a:t>2</a:t>
             </a:r>
           </a:p>
         </p:txBody>
       </p:sp>
       <p:sp>
         <p:nvSpPr>
-          <p:cNvPr id="3" name="Content Placeholder 2">
+          <p:cNvPr id="5" name="TextBox 4">
             <a:extLst>
               <a:ext uri="{FF2B5EF4-FFF2-40B4-BE49-F238E27FC236}">
-                <a16:creationId xmlns:a16="http://schemas.microsoft.com/office/drawing/2014/main" id="{C7F67CAF-8BC3-D495-476C-09316CDA937B}"/>
+                <a16:creationId xmlns:a16="http://schemas.microsoft.com/office/drawing/2014/main" id="{47FA6987-69EC-A315-7751-C494FDDE7033}"/>
               </a:ext>
             </a:extLst>
           </p:cNvPr>
-          <p:cNvSpPr>
-            <a:spLocks noGrp="1"/>
-          </p:cNvSpPr>
-          <p:nvPr>
-            <p:ph idx="1"/>
-          </p:nvPr>
+          <p:cNvSpPr txBox="1"/>
+          <p:nvPr/>
         </p:nvSpPr>
         <p:spPr>
           <a:xfrm>
-            <a:off x="550863" y="1281336"/>
-            <a:ext cx="11306175" cy="4351338"/>
+            <a:off x="4527395" y="2088002"/>
+            <a:ext cx="319949" cy="276999"/>
           </a:xfrm>
+          <a:prstGeom prst="rect">
+            <a:avLst/>
+          </a:prstGeom>
+          <a:noFill/>
         </p:spPr>
         <p:txBody>
-          <a:bodyPr>
-            <a:normAutofit/>
+          <a:bodyPr wrap="square" rtlCol="0">
+            <a:spAutoFit/>
           </a:bodyPr>
           <a:lstStyle/>
           <a:p>
-            <a:pPr marL="0" indent="0">
-              <a:buNone/>
-            </a:pPr>
+            <a:pPr algn="r"/>
             <a:r>
-              <a:rPr lang="en-US" sz="2000" dirty="0">
+              <a:rPr lang="en-US" sz="1200" b="1" dirty="0">
+                <a:latin typeface="Arial" panose="020B0604020202020204" pitchFamily="34" charset="0"/>
+                <a:cs typeface="Arial" panose="020B0604020202020204" pitchFamily="34" charset="0"/>
+              </a:rPr>
+              <a:t>3</a:t>
+            </a:r>
+          </a:p>
+        </p:txBody>
+      </p:sp>
+      <p:sp>
+        <p:nvSpPr>
+          <p:cNvPr id="6" name="TextBox 5">
+            <a:extLst>
+              <a:ext uri="{FF2B5EF4-FFF2-40B4-BE49-F238E27FC236}">
+                <a16:creationId xmlns:a16="http://schemas.microsoft.com/office/drawing/2014/main" id="{33337E8E-69E0-4905-23C7-4C81C14FE3C1}"/>
+              </a:ext>
+            </a:extLst>
+          </p:cNvPr>
+          <p:cNvSpPr txBox="1"/>
+          <p:nvPr/>
+        </p:nvSpPr>
+        <p:spPr>
+          <a:xfrm>
+            <a:off x="4527395" y="2436608"/>
+            <a:ext cx="319949" cy="276999"/>
+          </a:xfrm>
+          <a:prstGeom prst="rect">
+            <a:avLst/>
+          </a:prstGeom>
+          <a:noFill/>
+        </p:spPr>
+        <p:txBody>
+          <a:bodyPr wrap="square" rtlCol="0">
+            <a:spAutoFit/>
+          </a:bodyPr>
+          <a:lstStyle/>
+          <a:p>
+            <a:pPr algn="r"/>
+            <a:r>
+              <a:rPr lang="en-US" sz="1200" b="1" dirty="0">
+                <a:latin typeface="Arial" panose="020B0604020202020204" pitchFamily="34" charset="0"/>
+                <a:cs typeface="Arial" panose="020B0604020202020204" pitchFamily="34" charset="0"/>
+              </a:rPr>
+              <a:t>4</a:t>
+            </a:r>
+          </a:p>
+        </p:txBody>
+      </p:sp>
+      <p:sp>
+        <p:nvSpPr>
+          <p:cNvPr id="7" name="TextBox 6">
+            <a:extLst>
+              <a:ext uri="{FF2B5EF4-FFF2-40B4-BE49-F238E27FC236}">
+                <a16:creationId xmlns:a16="http://schemas.microsoft.com/office/drawing/2014/main" id="{8AB2EE52-2DB4-A865-F973-383A308E38A4}"/>
+              </a:ext>
+            </a:extLst>
+          </p:cNvPr>
+          <p:cNvSpPr txBox="1"/>
+          <p:nvPr/>
+        </p:nvSpPr>
+        <p:spPr>
+          <a:xfrm>
+            <a:off x="4527395" y="2774036"/>
+            <a:ext cx="319949" cy="276999"/>
+          </a:xfrm>
+          <a:prstGeom prst="rect">
+            <a:avLst/>
+          </a:prstGeom>
+          <a:noFill/>
+        </p:spPr>
+        <p:txBody>
+          <a:bodyPr wrap="square" rtlCol="0">
+            <a:spAutoFit/>
+          </a:bodyPr>
+          <a:lstStyle/>
+          <a:p>
+            <a:pPr algn="r"/>
+            <a:r>
+              <a:rPr lang="en-US" sz="1200" b="1" dirty="0">
+                <a:latin typeface="Arial" panose="020B0604020202020204" pitchFamily="34" charset="0"/>
+                <a:cs typeface="Arial" panose="020B0604020202020204" pitchFamily="34" charset="0"/>
+              </a:rPr>
+              <a:t>5</a:t>
+            </a:r>
+          </a:p>
+        </p:txBody>
+      </p:sp>
+      <p:sp>
+        <p:nvSpPr>
+          <p:cNvPr id="8" name="TextBox 7">
+            <a:extLst>
+              <a:ext uri="{FF2B5EF4-FFF2-40B4-BE49-F238E27FC236}">
+                <a16:creationId xmlns:a16="http://schemas.microsoft.com/office/drawing/2014/main" id="{0136863B-7BCB-5DD8-7F65-EA163F8AAB8F}"/>
+              </a:ext>
+            </a:extLst>
+          </p:cNvPr>
+          <p:cNvSpPr txBox="1"/>
+          <p:nvPr/>
+        </p:nvSpPr>
+        <p:spPr>
+          <a:xfrm>
+            <a:off x="4527395" y="3118472"/>
+            <a:ext cx="319949" cy="276999"/>
+          </a:xfrm>
+          <a:prstGeom prst="rect">
+            <a:avLst/>
+          </a:prstGeom>
+          <a:noFill/>
+        </p:spPr>
+        <p:txBody>
+          <a:bodyPr wrap="square" rtlCol="0">
+            <a:spAutoFit/>
+          </a:bodyPr>
+          <a:lstStyle/>
+          <a:p>
+            <a:pPr algn="r"/>
+            <a:r>
+              <a:rPr lang="en-US" sz="1200" b="1" dirty="0">
+                <a:latin typeface="Arial" panose="020B0604020202020204" pitchFamily="34" charset="0"/>
+                <a:cs typeface="Arial" panose="020B0604020202020204" pitchFamily="34" charset="0"/>
+              </a:rPr>
+              <a:t>6</a:t>
+            </a:r>
+          </a:p>
+        </p:txBody>
+      </p:sp>
+      <p:graphicFrame>
+        <p:nvGraphicFramePr>
+          <p:cNvPr id="9" name="Table 4">
+            <a:extLst>
+              <a:ext uri="{FF2B5EF4-FFF2-40B4-BE49-F238E27FC236}">
+                <a16:creationId xmlns:a16="http://schemas.microsoft.com/office/drawing/2014/main" id="{13070C19-A4ED-1E9B-A354-E62C3416091C}"/>
+              </a:ext>
+            </a:extLst>
+          </p:cNvPr>
+          <p:cNvGraphicFramePr>
+            <a:graphicFrameLocks noGrp="1"/>
+          </p:cNvGraphicFramePr>
+          <p:nvPr/>
+        </p:nvGraphicFramePr>
+        <p:xfrm>
+          <a:off x="595927" y="1536043"/>
+          <a:ext cx="3536925" cy="1687945"/>
+        </p:xfrm>
+        <a:graphic>
+          <a:graphicData uri="http://schemas.openxmlformats.org/drawingml/2006/table">
+            <a:tbl>
+              <a:tblPr firstRow="1" bandRow="1">
+                <a:tableStyleId>{5C22544A-7EE6-4342-B048-85BDC9FD1C3A}</a:tableStyleId>
+              </a:tblPr>
+              <a:tblGrid>
+                <a:gridCol w="505275">
+                  <a:extLst>
+                    <a:ext uri="{9D8B030D-6E8A-4147-A177-3AD203B41FA5}">
+                      <a16:colId xmlns:a16="http://schemas.microsoft.com/office/drawing/2014/main" val="660837460"/>
+                    </a:ext>
+                  </a:extLst>
+                </a:gridCol>
+                <a:gridCol w="505275">
+                  <a:extLst>
+                    <a:ext uri="{9D8B030D-6E8A-4147-A177-3AD203B41FA5}">
+                      <a16:colId xmlns:a16="http://schemas.microsoft.com/office/drawing/2014/main" val="1891097030"/>
+                    </a:ext>
+                  </a:extLst>
+                </a:gridCol>
+                <a:gridCol w="505275">
+                  <a:extLst>
+                    <a:ext uri="{9D8B030D-6E8A-4147-A177-3AD203B41FA5}">
+                      <a16:colId xmlns:a16="http://schemas.microsoft.com/office/drawing/2014/main" val="880809503"/>
+                    </a:ext>
+                  </a:extLst>
+                </a:gridCol>
+                <a:gridCol w="505275">
+                  <a:extLst>
+                    <a:ext uri="{9D8B030D-6E8A-4147-A177-3AD203B41FA5}">
+                      <a16:colId xmlns:a16="http://schemas.microsoft.com/office/drawing/2014/main" val="1774505418"/>
+                    </a:ext>
+                  </a:extLst>
+                </a:gridCol>
+                <a:gridCol w="505275">
+                  <a:extLst>
+                    <a:ext uri="{9D8B030D-6E8A-4147-A177-3AD203B41FA5}">
+                      <a16:colId xmlns:a16="http://schemas.microsoft.com/office/drawing/2014/main" val="2420064517"/>
+                    </a:ext>
+                  </a:extLst>
+                </a:gridCol>
+                <a:gridCol w="505275">
+                  <a:extLst>
+                    <a:ext uri="{9D8B030D-6E8A-4147-A177-3AD203B41FA5}">
+                      <a16:colId xmlns:a16="http://schemas.microsoft.com/office/drawing/2014/main" val="2437366825"/>
+                    </a:ext>
+                  </a:extLst>
+                </a:gridCol>
+                <a:gridCol w="505275">
+                  <a:extLst>
+                    <a:ext uri="{9D8B030D-6E8A-4147-A177-3AD203B41FA5}">
+                      <a16:colId xmlns:a16="http://schemas.microsoft.com/office/drawing/2014/main" val="2870419587"/>
+                    </a:ext>
+                  </a:extLst>
+                </a:gridCol>
+              </a:tblGrid>
+              <a:tr h="337589">
+                <a:tc>
+                  <a:txBody>
+                    <a:bodyPr/>
+                    <a:lstStyle/>
+                    <a:p>
+                      <a:pPr algn="ctr"/>
+                      <a:endParaRPr lang="en-US" sz="900" dirty="0">
+                        <a:solidFill>
+                          <a:srgbClr val="C00000"/>
+                        </a:solidFill>
+                        <a:latin typeface="Arial" panose="020B0604020202020204" pitchFamily="34" charset="0"/>
+                        <a:cs typeface="Arial" panose="020B0604020202020204" pitchFamily="34" charset="0"/>
+                      </a:endParaRPr>
+                    </a:p>
+                  </a:txBody>
+                  <a:tcPr marL="52825" marR="52825" marT="26413" marB="26413" anchor="ctr">
+                    <a:lnL w="19050" cap="flat" cmpd="sng" algn="ctr">
+                      <a:solidFill>
+                        <a:schemeClr val="tx1"/>
+                      </a:solidFill>
+                      <a:prstDash val="solid"/>
+                      <a:round/>
+                      <a:headEnd type="none" w="med" len="med"/>
+                      <a:tailEnd type="none" w="med" len="med"/>
+                    </a:lnL>
+                    <a:lnR w="19050" cap="flat" cmpd="sng" algn="ctr">
+                      <a:solidFill>
+                        <a:schemeClr val="tx1"/>
+                      </a:solidFill>
+                      <a:prstDash val="solid"/>
+                      <a:round/>
+                      <a:headEnd type="none" w="med" len="med"/>
+                      <a:tailEnd type="none" w="med" len="med"/>
+                    </a:lnR>
+                    <a:lnT w="19050" cap="flat" cmpd="sng" algn="ctr">
+                      <a:solidFill>
+                        <a:schemeClr val="tx1"/>
+                      </a:solidFill>
+                      <a:prstDash val="solid"/>
+                      <a:round/>
+                      <a:headEnd type="none" w="med" len="med"/>
+                      <a:tailEnd type="none" w="med" len="med"/>
+                    </a:lnT>
+                    <a:lnB w="19050" cap="flat" cmpd="sng" algn="ctr">
+                      <a:solidFill>
+                        <a:schemeClr val="tx1"/>
+                      </a:solidFill>
+                      <a:prstDash val="solid"/>
+                      <a:round/>
+                      <a:headEnd type="none" w="med" len="med"/>
+                      <a:tailEnd type="none" w="med" len="med"/>
+                    </a:lnB>
+                    <a:lnTlToBr w="12700" cmpd="sng">
+                      <a:noFill/>
+                      <a:prstDash val="solid"/>
+                    </a:lnTlToBr>
+                    <a:lnBlToTr w="12700" cmpd="sng">
+                      <a:noFill/>
+                      <a:prstDash val="solid"/>
+                    </a:lnBlToTr>
+                    <a:noFill/>
+                  </a:tcPr>
+                </a:tc>
+                <a:tc>
+                  <a:txBody>
+                    <a:bodyPr/>
+                    <a:lstStyle/>
+                    <a:p>
+                      <a:pPr algn="ctr"/>
+                      <a:r>
+                        <a:rPr lang="en-US" sz="900" b="0" dirty="0">
+                          <a:solidFill>
+                            <a:schemeClr val="accent4">
+                              <a:lumMod val="75000"/>
+                            </a:schemeClr>
+                          </a:solidFill>
+                          <a:latin typeface="Arial" panose="020B0604020202020204" pitchFamily="34" charset="0"/>
+                          <a:cs typeface="Arial" panose="020B0604020202020204" pitchFamily="34" charset="0"/>
+                        </a:rPr>
+                        <a:t>Gene 1</a:t>
+                      </a:r>
+                    </a:p>
+                  </a:txBody>
+                  <a:tcPr marL="52825" marR="52825" marT="26413" marB="26413" anchor="ctr">
+                    <a:lnL w="19050" cap="flat" cmpd="sng" algn="ctr">
+                      <a:solidFill>
+                        <a:schemeClr val="tx1"/>
+                      </a:solidFill>
+                      <a:prstDash val="solid"/>
+                      <a:round/>
+                      <a:headEnd type="none" w="med" len="med"/>
+                      <a:tailEnd type="none" w="med" len="med"/>
+                    </a:lnL>
+                    <a:lnR w="19050" cap="flat" cmpd="sng" algn="ctr">
+                      <a:solidFill>
+                        <a:schemeClr val="tx1"/>
+                      </a:solidFill>
+                      <a:prstDash val="solid"/>
+                      <a:round/>
+                      <a:headEnd type="none" w="med" len="med"/>
+                      <a:tailEnd type="none" w="med" len="med"/>
+                    </a:lnR>
+                    <a:lnT w="19050" cap="flat" cmpd="sng" algn="ctr">
+                      <a:solidFill>
+                        <a:schemeClr val="tx1"/>
+                      </a:solidFill>
+                      <a:prstDash val="solid"/>
+                      <a:round/>
+                      <a:headEnd type="none" w="med" len="med"/>
+                      <a:tailEnd type="none" w="med" len="med"/>
+                    </a:lnT>
+                    <a:lnB w="19050" cap="flat" cmpd="sng" algn="ctr">
+                      <a:solidFill>
+                        <a:schemeClr val="tx1"/>
+                      </a:solidFill>
+                      <a:prstDash val="solid"/>
+                      <a:round/>
+                      <a:headEnd type="none" w="med" len="med"/>
+                      <a:tailEnd type="none" w="med" len="med"/>
+                    </a:lnB>
+                    <a:lnTlToBr w="12700" cmpd="sng">
+                      <a:noFill/>
+                      <a:prstDash val="solid"/>
+                    </a:lnTlToBr>
+                    <a:lnBlToTr w="12700" cmpd="sng">
+                      <a:noFill/>
+                      <a:prstDash val="solid"/>
+                    </a:lnBlToTr>
+                    <a:solidFill>
+                      <a:schemeClr val="bg1">
+                        <a:lumMod val="95000"/>
+                      </a:schemeClr>
+                    </a:solidFill>
+                  </a:tcPr>
+                </a:tc>
+                <a:tc>
+                  <a:txBody>
+                    <a:bodyPr/>
+                    <a:lstStyle/>
+                    <a:p>
+                      <a:pPr algn="ctr"/>
+                      <a:r>
+                        <a:rPr lang="en-US" sz="900" b="0" dirty="0">
+                          <a:solidFill>
+                            <a:schemeClr val="accent4">
+                              <a:lumMod val="75000"/>
+                            </a:schemeClr>
+                          </a:solidFill>
+                          <a:latin typeface="Arial" panose="020B0604020202020204" pitchFamily="34" charset="0"/>
+                          <a:cs typeface="Arial" panose="020B0604020202020204" pitchFamily="34" charset="0"/>
+                        </a:rPr>
+                        <a:t>Gene 2</a:t>
+                      </a:r>
+                    </a:p>
+                  </a:txBody>
+                  <a:tcPr marL="52825" marR="52825" marT="26413" marB="26413" anchor="ctr">
+                    <a:lnL w="19050" cap="flat" cmpd="sng" algn="ctr">
+                      <a:solidFill>
+                        <a:schemeClr val="tx1"/>
+                      </a:solidFill>
+                      <a:prstDash val="solid"/>
+                      <a:round/>
+                      <a:headEnd type="none" w="med" len="med"/>
+                      <a:tailEnd type="none" w="med" len="med"/>
+                    </a:lnL>
+                    <a:lnR w="19050" cap="flat" cmpd="sng" algn="ctr">
+                      <a:solidFill>
+                        <a:schemeClr val="tx1"/>
+                      </a:solidFill>
+                      <a:prstDash val="solid"/>
+                      <a:round/>
+                      <a:headEnd type="none" w="med" len="med"/>
+                      <a:tailEnd type="none" w="med" len="med"/>
+                    </a:lnR>
+                    <a:lnT w="19050" cap="flat" cmpd="sng" algn="ctr">
+                      <a:solidFill>
+                        <a:schemeClr val="tx1"/>
+                      </a:solidFill>
+                      <a:prstDash val="solid"/>
+                      <a:round/>
+                      <a:headEnd type="none" w="med" len="med"/>
+                      <a:tailEnd type="none" w="med" len="med"/>
+                    </a:lnT>
+                    <a:lnB w="19050" cap="flat" cmpd="sng" algn="ctr">
+                      <a:solidFill>
+                        <a:schemeClr val="tx1"/>
+                      </a:solidFill>
+                      <a:prstDash val="solid"/>
+                      <a:round/>
+                      <a:headEnd type="none" w="med" len="med"/>
+                      <a:tailEnd type="none" w="med" len="med"/>
+                    </a:lnB>
+                    <a:lnTlToBr w="12700" cmpd="sng">
+                      <a:noFill/>
+                      <a:prstDash val="solid"/>
+                    </a:lnTlToBr>
+                    <a:lnBlToTr w="12700" cmpd="sng">
+                      <a:noFill/>
+                      <a:prstDash val="solid"/>
+                    </a:lnBlToTr>
+                    <a:solidFill>
+                      <a:schemeClr val="bg1">
+                        <a:lumMod val="95000"/>
+                      </a:schemeClr>
+                    </a:solidFill>
+                  </a:tcPr>
+                </a:tc>
+                <a:tc>
+                  <a:txBody>
+                    <a:bodyPr/>
+                    <a:lstStyle/>
+                    <a:p>
+                      <a:pPr algn="ctr"/>
+                      <a:r>
+                        <a:rPr lang="en-US" sz="900" b="0" dirty="0">
+                          <a:solidFill>
+                            <a:schemeClr val="accent4">
+                              <a:lumMod val="75000"/>
+                            </a:schemeClr>
+                          </a:solidFill>
+                          <a:latin typeface="Arial" panose="020B0604020202020204" pitchFamily="34" charset="0"/>
+                          <a:cs typeface="Arial" panose="020B0604020202020204" pitchFamily="34" charset="0"/>
+                        </a:rPr>
+                        <a:t>Gene 3</a:t>
+                      </a:r>
+                    </a:p>
+                  </a:txBody>
+                  <a:tcPr marL="52825" marR="52825" marT="26413" marB="26413" anchor="ctr">
+                    <a:lnL w="19050" cap="flat" cmpd="sng" algn="ctr">
+                      <a:solidFill>
+                        <a:schemeClr val="tx1"/>
+                      </a:solidFill>
+                      <a:prstDash val="solid"/>
+                      <a:round/>
+                      <a:headEnd type="none" w="med" len="med"/>
+                      <a:tailEnd type="none" w="med" len="med"/>
+                    </a:lnL>
+                    <a:lnR w="19050" cap="flat" cmpd="sng" algn="ctr">
+                      <a:solidFill>
+                        <a:schemeClr val="tx1"/>
+                      </a:solidFill>
+                      <a:prstDash val="solid"/>
+                      <a:round/>
+                      <a:headEnd type="none" w="med" len="med"/>
+                      <a:tailEnd type="none" w="med" len="med"/>
+                    </a:lnR>
+                    <a:lnT w="19050" cap="flat" cmpd="sng" algn="ctr">
+                      <a:solidFill>
+                        <a:schemeClr val="tx1"/>
+                      </a:solidFill>
+                      <a:prstDash val="solid"/>
+                      <a:round/>
+                      <a:headEnd type="none" w="med" len="med"/>
+                      <a:tailEnd type="none" w="med" len="med"/>
+                    </a:lnT>
+                    <a:lnB w="19050" cap="flat" cmpd="sng" algn="ctr">
+                      <a:solidFill>
+                        <a:schemeClr val="tx1"/>
+                      </a:solidFill>
+                      <a:prstDash val="solid"/>
+                      <a:round/>
+                      <a:headEnd type="none" w="med" len="med"/>
+                      <a:tailEnd type="none" w="med" len="med"/>
+                    </a:lnB>
+                    <a:lnTlToBr w="12700" cmpd="sng">
+                      <a:noFill/>
+                      <a:prstDash val="solid"/>
+                    </a:lnTlToBr>
+                    <a:lnBlToTr w="12700" cmpd="sng">
+                      <a:noFill/>
+                      <a:prstDash val="solid"/>
+                    </a:lnBlToTr>
+                    <a:solidFill>
+                      <a:schemeClr val="bg1">
+                        <a:lumMod val="95000"/>
+                      </a:schemeClr>
+                    </a:solidFill>
+                  </a:tcPr>
+                </a:tc>
+                <a:tc>
+                  <a:txBody>
+                    <a:bodyPr/>
+                    <a:lstStyle/>
+                    <a:p>
+                      <a:pPr marL="0" marR="0" lvl="0" indent="0" algn="ctr" defTabSz="914400" rtl="0" eaLnBrk="1" fontAlgn="auto" latinLnBrk="0" hangingPunct="1">
+                        <a:lnSpc>
+                          <a:spcPct val="100000"/>
+                        </a:lnSpc>
+                        <a:spcBef>
+                          <a:spcPts val="0"/>
+                        </a:spcBef>
+                        <a:spcAft>
+                          <a:spcPts val="0"/>
+                        </a:spcAft>
+                        <a:buClrTx/>
+                        <a:buSzTx/>
+                        <a:buFontTx/>
+                        <a:buNone/>
+                        <a:tabLst/>
+                        <a:defRPr/>
+                      </a:pPr>
+                      <a:r>
+                        <a:rPr lang="en-US" sz="900" b="0" dirty="0">
+                          <a:solidFill>
+                            <a:schemeClr val="accent4">
+                              <a:lumMod val="75000"/>
+                            </a:schemeClr>
+                          </a:solidFill>
+                          <a:latin typeface="Arial" panose="020B0604020202020204" pitchFamily="34" charset="0"/>
+                          <a:cs typeface="Arial" panose="020B0604020202020204" pitchFamily="34" charset="0"/>
+                        </a:rPr>
+                        <a:t>Gene 4</a:t>
+                      </a:r>
+                    </a:p>
+                  </a:txBody>
+                  <a:tcPr marL="52825" marR="52825" marT="26413" marB="26413" anchor="ctr">
+                    <a:lnL w="19050" cap="flat" cmpd="sng" algn="ctr">
+                      <a:solidFill>
+                        <a:schemeClr val="tx1"/>
+                      </a:solidFill>
+                      <a:prstDash val="solid"/>
+                      <a:round/>
+                      <a:headEnd type="none" w="med" len="med"/>
+                      <a:tailEnd type="none" w="med" len="med"/>
+                    </a:lnL>
+                    <a:lnR w="19050" cap="flat" cmpd="sng" algn="ctr">
+                      <a:solidFill>
+                        <a:schemeClr val="tx1"/>
+                      </a:solidFill>
+                      <a:prstDash val="solid"/>
+                      <a:round/>
+                      <a:headEnd type="none" w="med" len="med"/>
+                      <a:tailEnd type="none" w="med" len="med"/>
+                    </a:lnR>
+                    <a:lnT w="19050" cap="flat" cmpd="sng" algn="ctr">
+                      <a:solidFill>
+                        <a:schemeClr val="tx1"/>
+                      </a:solidFill>
+                      <a:prstDash val="solid"/>
+                      <a:round/>
+                      <a:headEnd type="none" w="med" len="med"/>
+                      <a:tailEnd type="none" w="med" len="med"/>
+                    </a:lnT>
+                    <a:lnB w="19050" cap="flat" cmpd="sng" algn="ctr">
+                      <a:solidFill>
+                        <a:schemeClr val="tx1"/>
+                      </a:solidFill>
+                      <a:prstDash val="solid"/>
+                      <a:round/>
+                      <a:headEnd type="none" w="med" len="med"/>
+                      <a:tailEnd type="none" w="med" len="med"/>
+                    </a:lnB>
+                    <a:lnTlToBr w="12700" cmpd="sng">
+                      <a:noFill/>
+                      <a:prstDash val="solid"/>
+                    </a:lnTlToBr>
+                    <a:lnBlToTr w="12700" cmpd="sng">
+                      <a:noFill/>
+                      <a:prstDash val="solid"/>
+                    </a:lnBlToTr>
+                    <a:solidFill>
+                      <a:schemeClr val="bg1">
+                        <a:lumMod val="95000"/>
+                      </a:schemeClr>
+                    </a:solidFill>
+                  </a:tcPr>
+                </a:tc>
+                <a:tc>
+                  <a:txBody>
+                    <a:bodyPr/>
+                    <a:lstStyle/>
+                    <a:p>
+                      <a:pPr marL="0" marR="0" lvl="0" indent="0" algn="ctr" defTabSz="914400" rtl="0" eaLnBrk="1" fontAlgn="auto" latinLnBrk="0" hangingPunct="1">
+                        <a:lnSpc>
+                          <a:spcPct val="100000"/>
+                        </a:lnSpc>
+                        <a:spcBef>
+                          <a:spcPts val="0"/>
+                        </a:spcBef>
+                        <a:spcAft>
+                          <a:spcPts val="0"/>
+                        </a:spcAft>
+                        <a:buClrTx/>
+                        <a:buSzTx/>
+                        <a:buFontTx/>
+                        <a:buNone/>
+                        <a:tabLst/>
+                        <a:defRPr/>
+                      </a:pPr>
+                      <a:r>
+                        <a:rPr lang="en-US" sz="900" b="0" dirty="0">
+                          <a:solidFill>
+                            <a:schemeClr val="accent4">
+                              <a:lumMod val="75000"/>
+                            </a:schemeClr>
+                          </a:solidFill>
+                          <a:latin typeface="Arial" panose="020B0604020202020204" pitchFamily="34" charset="0"/>
+                          <a:cs typeface="Arial" panose="020B0604020202020204" pitchFamily="34" charset="0"/>
+                        </a:rPr>
+                        <a:t>Gene 5</a:t>
+                      </a:r>
+                    </a:p>
+                  </a:txBody>
+                  <a:tcPr marL="52825" marR="52825" marT="26413" marB="26413" anchor="ctr">
+                    <a:lnL w="19050" cap="flat" cmpd="sng" algn="ctr">
+                      <a:solidFill>
+                        <a:schemeClr val="tx1"/>
+                      </a:solidFill>
+                      <a:prstDash val="solid"/>
+                      <a:round/>
+                      <a:headEnd type="none" w="med" len="med"/>
+                      <a:tailEnd type="none" w="med" len="med"/>
+                    </a:lnL>
+                    <a:lnR w="19050" cap="flat" cmpd="sng" algn="ctr">
+                      <a:solidFill>
+                        <a:schemeClr val="tx1"/>
+                      </a:solidFill>
+                      <a:prstDash val="solid"/>
+                      <a:round/>
+                      <a:headEnd type="none" w="med" len="med"/>
+                      <a:tailEnd type="none" w="med" len="med"/>
+                    </a:lnR>
+                    <a:lnT w="19050" cap="flat" cmpd="sng" algn="ctr">
+                      <a:solidFill>
+                        <a:schemeClr val="tx1"/>
+                      </a:solidFill>
+                      <a:prstDash val="solid"/>
+                      <a:round/>
+                      <a:headEnd type="none" w="med" len="med"/>
+                      <a:tailEnd type="none" w="med" len="med"/>
+                    </a:lnT>
+                    <a:lnB w="19050" cap="flat" cmpd="sng" algn="ctr">
+                      <a:solidFill>
+                        <a:schemeClr val="tx1"/>
+                      </a:solidFill>
+                      <a:prstDash val="solid"/>
+                      <a:round/>
+                      <a:headEnd type="none" w="med" len="med"/>
+                      <a:tailEnd type="none" w="med" len="med"/>
+                    </a:lnB>
+                    <a:lnTlToBr w="12700" cmpd="sng">
+                      <a:noFill/>
+                      <a:prstDash val="solid"/>
+                    </a:lnTlToBr>
+                    <a:lnBlToTr w="12700" cmpd="sng">
+                      <a:noFill/>
+                      <a:prstDash val="solid"/>
+                    </a:lnBlToTr>
+                    <a:solidFill>
+                      <a:schemeClr val="bg1">
+                        <a:lumMod val="95000"/>
+                      </a:schemeClr>
+                    </a:solidFill>
+                  </a:tcPr>
+                </a:tc>
+                <a:tc>
+                  <a:txBody>
+                    <a:bodyPr/>
+                    <a:lstStyle/>
+                    <a:p>
+                      <a:pPr marL="0" marR="0" lvl="0" indent="0" algn="ctr" defTabSz="914400" rtl="0" eaLnBrk="1" fontAlgn="auto" latinLnBrk="0" hangingPunct="1">
+                        <a:lnSpc>
+                          <a:spcPct val="100000"/>
+                        </a:lnSpc>
+                        <a:spcBef>
+                          <a:spcPts val="0"/>
+                        </a:spcBef>
+                        <a:spcAft>
+                          <a:spcPts val="0"/>
+                        </a:spcAft>
+                        <a:buClrTx/>
+                        <a:buSzTx/>
+                        <a:buFontTx/>
+                        <a:buNone/>
+                        <a:tabLst/>
+                        <a:defRPr/>
+                      </a:pPr>
+                      <a:r>
+                        <a:rPr kumimoji="0" lang="en-US" sz="1500" b="0" i="0" u="none" strike="noStrike" kern="1200" cap="none" spc="0" normalizeH="0" baseline="0" noProof="0" dirty="0">
+                          <a:ln>
+                            <a:noFill/>
+                          </a:ln>
+                          <a:solidFill>
+                            <a:schemeClr val="accent4">
+                              <a:lumMod val="75000"/>
+                            </a:schemeClr>
+                          </a:solidFill>
+                          <a:effectLst/>
+                          <a:uLnTx/>
+                          <a:uFillTx/>
+                          <a:latin typeface="Arial" panose="020B0604020202020204" pitchFamily="34" charset="0"/>
+                          <a:ea typeface="+mn-ea"/>
+                          <a:cs typeface="Arial" panose="020B0604020202020204" pitchFamily="34" charset="0"/>
+                        </a:rPr>
+                        <a:t>…</a:t>
+                      </a:r>
+                    </a:p>
+                  </a:txBody>
+                  <a:tcPr marL="52825" marR="52825" marT="26413" marB="26413" anchor="ctr">
+                    <a:lnL w="19050" cap="flat" cmpd="sng" algn="ctr">
+                      <a:solidFill>
+                        <a:schemeClr val="tx1"/>
+                      </a:solidFill>
+                      <a:prstDash val="solid"/>
+                      <a:round/>
+                      <a:headEnd type="none" w="med" len="med"/>
+                      <a:tailEnd type="none" w="med" len="med"/>
+                    </a:lnL>
+                    <a:lnR w="19050" cap="flat" cmpd="sng" algn="ctr">
+                      <a:solidFill>
+                        <a:schemeClr val="tx1"/>
+                      </a:solidFill>
+                      <a:prstDash val="solid"/>
+                      <a:round/>
+                      <a:headEnd type="none" w="med" len="med"/>
+                      <a:tailEnd type="none" w="med" len="med"/>
+                    </a:lnR>
+                    <a:lnT w="19050" cap="flat" cmpd="sng" algn="ctr">
+                      <a:solidFill>
+                        <a:schemeClr val="tx1"/>
+                      </a:solidFill>
+                      <a:prstDash val="solid"/>
+                      <a:round/>
+                      <a:headEnd type="none" w="med" len="med"/>
+                      <a:tailEnd type="none" w="med" len="med"/>
+                    </a:lnT>
+                    <a:lnB w="19050" cap="flat" cmpd="sng" algn="ctr">
+                      <a:solidFill>
+                        <a:schemeClr val="tx1"/>
+                      </a:solidFill>
+                      <a:prstDash val="solid"/>
+                      <a:round/>
+                      <a:headEnd type="none" w="med" len="med"/>
+                      <a:tailEnd type="none" w="med" len="med"/>
+                    </a:lnB>
+                    <a:lnTlToBr w="12700" cmpd="sng">
+                      <a:noFill/>
+                      <a:prstDash val="solid"/>
+                    </a:lnTlToBr>
+                    <a:lnBlToTr w="12700" cmpd="sng">
+                      <a:noFill/>
+                      <a:prstDash val="solid"/>
+                    </a:lnBlToTr>
+                    <a:solidFill>
+                      <a:schemeClr val="bg1">
+                        <a:lumMod val="95000"/>
+                      </a:schemeClr>
+                    </a:solidFill>
+                  </a:tcPr>
+                </a:tc>
+                <a:extLst>
+                  <a:ext uri="{0D108BD9-81ED-4DB2-BD59-A6C34878D82A}">
+                    <a16:rowId xmlns:a16="http://schemas.microsoft.com/office/drawing/2014/main" val="1416969448"/>
+                  </a:ext>
+                </a:extLst>
+              </a:tr>
+              <a:tr h="337589">
+                <a:tc>
+                  <a:txBody>
+                    <a:bodyPr/>
+                    <a:lstStyle/>
+                    <a:p>
+                      <a:pPr algn="ctr"/>
+                      <a:r>
+                        <a:rPr lang="en-US" sz="900" dirty="0">
+                          <a:solidFill>
+                            <a:srgbClr val="C00000"/>
+                          </a:solidFill>
+                          <a:latin typeface="Arial" panose="020B0604020202020204" pitchFamily="34" charset="0"/>
+                          <a:cs typeface="Arial" panose="020B0604020202020204" pitchFamily="34" charset="0"/>
+                        </a:rPr>
+                        <a:t>Cell 1</a:t>
+                      </a:r>
+                    </a:p>
+                  </a:txBody>
+                  <a:tcPr marL="52825" marR="52825" marT="26413" marB="26413" anchor="ctr">
+                    <a:lnL w="19050" cap="flat" cmpd="sng" algn="ctr">
+                      <a:solidFill>
+                        <a:schemeClr val="tx1"/>
+                      </a:solidFill>
+                      <a:prstDash val="solid"/>
+                      <a:round/>
+                      <a:headEnd type="none" w="med" len="med"/>
+                      <a:tailEnd type="none" w="med" len="med"/>
+                    </a:lnL>
+                    <a:lnR w="19050" cap="flat" cmpd="sng" algn="ctr">
+                      <a:solidFill>
+                        <a:schemeClr val="tx1"/>
+                      </a:solidFill>
+                      <a:prstDash val="solid"/>
+                      <a:round/>
+                      <a:headEnd type="none" w="med" len="med"/>
+                      <a:tailEnd type="none" w="med" len="med"/>
+                    </a:lnR>
+                    <a:lnT w="19050" cap="flat" cmpd="sng" algn="ctr">
+                      <a:solidFill>
+                        <a:schemeClr val="tx1"/>
+                      </a:solidFill>
+                      <a:prstDash val="solid"/>
+                      <a:round/>
+                      <a:headEnd type="none" w="med" len="med"/>
+                      <a:tailEnd type="none" w="med" len="med"/>
+                    </a:lnT>
+                    <a:lnB w="19050" cap="flat" cmpd="sng" algn="ctr">
+                      <a:solidFill>
+                        <a:schemeClr val="tx1"/>
+                      </a:solidFill>
+                      <a:prstDash val="solid"/>
+                      <a:round/>
+                      <a:headEnd type="none" w="med" len="med"/>
+                      <a:tailEnd type="none" w="med" len="med"/>
+                    </a:lnB>
+                    <a:lnTlToBr w="12700" cmpd="sng">
+                      <a:noFill/>
+                      <a:prstDash val="solid"/>
+                    </a:lnTlToBr>
+                    <a:lnBlToTr w="12700" cmpd="sng">
+                      <a:noFill/>
+                      <a:prstDash val="solid"/>
+                    </a:lnBlToTr>
+                    <a:solidFill>
+                      <a:schemeClr val="bg1">
+                        <a:lumMod val="95000"/>
+                      </a:schemeClr>
+                    </a:solidFill>
+                  </a:tcPr>
+                </a:tc>
+                <a:tc>
+                  <a:txBody>
+                    <a:bodyPr/>
+                    <a:lstStyle/>
+                    <a:p>
+                      <a:pPr algn="ctr" fontAlgn="b"/>
+                      <a:r>
+                        <a:rPr lang="en-GB" sz="900" b="0" i="0" u="none" strike="noStrike" dirty="0">
+                          <a:solidFill>
+                            <a:srgbClr val="000000"/>
+                          </a:solidFill>
+                          <a:effectLst/>
+                          <a:latin typeface="Arial" panose="020B0604020202020204" pitchFamily="34" charset="0"/>
+                          <a:cs typeface="Arial" panose="020B0604020202020204" pitchFamily="34" charset="0"/>
+                        </a:rPr>
+                        <a:t>158</a:t>
+                      </a:r>
+                    </a:p>
+                  </a:txBody>
+                  <a:tcPr marL="5503" marR="5503" marT="5503" marB="0" anchor="ctr">
+                    <a:lnL w="19050" cap="flat" cmpd="sng" algn="ctr">
+                      <a:solidFill>
+                        <a:schemeClr val="tx1"/>
+                      </a:solidFill>
+                      <a:prstDash val="solid"/>
+                      <a:round/>
+                      <a:headEnd type="none" w="med" len="med"/>
+                      <a:tailEnd type="none" w="med" len="med"/>
+                    </a:lnL>
+                    <a:lnR w="3175" cap="flat" cmpd="sng" algn="ctr">
+                      <a:solidFill>
+                        <a:schemeClr val="tx1"/>
+                      </a:solidFill>
+                      <a:prstDash val="sysDot"/>
+                      <a:round/>
+                      <a:headEnd type="none" w="med" len="med"/>
+                      <a:tailEnd type="none" w="med" len="med"/>
+                    </a:lnR>
+                    <a:lnT w="19050" cap="flat" cmpd="sng" algn="ctr">
+                      <a:solidFill>
+                        <a:schemeClr val="tx1"/>
+                      </a:solidFill>
+                      <a:prstDash val="solid"/>
+                      <a:round/>
+                      <a:headEnd type="none" w="med" len="med"/>
+                      <a:tailEnd type="none" w="med" len="med"/>
+                    </a:lnT>
+                    <a:lnB w="3175" cap="flat" cmpd="sng" algn="ctr">
+                      <a:solidFill>
+                        <a:schemeClr val="tx1"/>
+                      </a:solidFill>
+                      <a:prstDash val="sysDot"/>
+                      <a:round/>
+                      <a:headEnd type="none" w="med" len="med"/>
+                      <a:tailEnd type="none" w="med" len="med"/>
+                    </a:lnB>
+                    <a:lnTlToBr w="12700" cmpd="sng">
+                      <a:noFill/>
+                      <a:prstDash val="solid"/>
+                    </a:lnTlToBr>
+                    <a:lnBlToTr w="12700" cmpd="sng">
+                      <a:noFill/>
+                      <a:prstDash val="solid"/>
+                    </a:lnBlToTr>
+                    <a:noFill/>
+                  </a:tcPr>
+                </a:tc>
+                <a:tc>
+                  <a:txBody>
+                    <a:bodyPr/>
+                    <a:lstStyle/>
+                    <a:p>
+                      <a:pPr algn="ctr" fontAlgn="b"/>
+                      <a:r>
+                        <a:rPr lang="en-GB" sz="900" b="0" i="0" u="none" strike="noStrike" dirty="0">
+                          <a:solidFill>
+                            <a:srgbClr val="000000"/>
+                          </a:solidFill>
+                          <a:effectLst/>
+                          <a:latin typeface="Arial" panose="020B0604020202020204" pitchFamily="34" charset="0"/>
+                          <a:cs typeface="Arial" panose="020B0604020202020204" pitchFamily="34" charset="0"/>
+                        </a:rPr>
+                        <a:t>43</a:t>
+                      </a:r>
+                    </a:p>
+                  </a:txBody>
+                  <a:tcPr marL="5503" marR="5503" marT="5503" marB="0" anchor="ctr">
+                    <a:lnL w="3175" cap="flat" cmpd="sng" algn="ctr">
+                      <a:solidFill>
+                        <a:schemeClr val="tx1"/>
+                      </a:solidFill>
+                      <a:prstDash val="sysDot"/>
+                      <a:round/>
+                      <a:headEnd type="none" w="med" len="med"/>
+                      <a:tailEnd type="none" w="med" len="med"/>
+                    </a:lnL>
+                    <a:lnR w="3175" cap="flat" cmpd="sng" algn="ctr">
+                      <a:solidFill>
+                        <a:schemeClr val="tx1"/>
+                      </a:solidFill>
+                      <a:prstDash val="sysDot"/>
+                      <a:round/>
+                      <a:headEnd type="none" w="med" len="med"/>
+                      <a:tailEnd type="none" w="med" len="med"/>
+                    </a:lnR>
+                    <a:lnT w="19050" cap="flat" cmpd="sng" algn="ctr">
+                      <a:solidFill>
+                        <a:schemeClr val="tx1"/>
+                      </a:solidFill>
+                      <a:prstDash val="solid"/>
+                      <a:round/>
+                      <a:headEnd type="none" w="med" len="med"/>
+                      <a:tailEnd type="none" w="med" len="med"/>
+                    </a:lnT>
+                    <a:lnB w="3175" cap="flat" cmpd="sng" algn="ctr">
+                      <a:solidFill>
+                        <a:schemeClr val="tx1"/>
+                      </a:solidFill>
+                      <a:prstDash val="sysDot"/>
+                      <a:round/>
+                      <a:headEnd type="none" w="med" len="med"/>
+                      <a:tailEnd type="none" w="med" len="med"/>
+                    </a:lnB>
+                    <a:lnTlToBr w="12700" cmpd="sng">
+                      <a:noFill/>
+                      <a:prstDash val="solid"/>
+                    </a:lnTlToBr>
+                    <a:lnBlToTr w="12700" cmpd="sng">
+                      <a:noFill/>
+                      <a:prstDash val="solid"/>
+                    </a:lnBlToTr>
+                    <a:noFill/>
+                  </a:tcPr>
+                </a:tc>
+                <a:tc>
+                  <a:txBody>
+                    <a:bodyPr/>
+                    <a:lstStyle/>
+                    <a:p>
+                      <a:pPr algn="ctr" fontAlgn="b"/>
+                      <a:r>
+                        <a:rPr lang="en-GB" sz="900" b="0" i="0" u="none" strike="noStrike">
+                          <a:solidFill>
+                            <a:srgbClr val="000000"/>
+                          </a:solidFill>
+                          <a:effectLst/>
+                          <a:latin typeface="Arial" panose="020B0604020202020204" pitchFamily="34" charset="0"/>
+                          <a:cs typeface="Arial" panose="020B0604020202020204" pitchFamily="34" charset="0"/>
+                        </a:rPr>
+                        <a:t>805</a:t>
+                      </a:r>
+                    </a:p>
+                  </a:txBody>
+                  <a:tcPr marL="5503" marR="5503" marT="5503" marB="0" anchor="ctr">
+                    <a:lnL w="3175" cap="flat" cmpd="sng" algn="ctr">
+                      <a:solidFill>
+                        <a:schemeClr val="tx1"/>
+                      </a:solidFill>
+                      <a:prstDash val="sysDot"/>
+                      <a:round/>
+                      <a:headEnd type="none" w="med" len="med"/>
+                      <a:tailEnd type="none" w="med" len="med"/>
+                    </a:lnL>
+                    <a:lnR w="3175" cap="flat" cmpd="sng" algn="ctr">
+                      <a:solidFill>
+                        <a:schemeClr val="tx1"/>
+                      </a:solidFill>
+                      <a:prstDash val="sysDot"/>
+                      <a:round/>
+                      <a:headEnd type="none" w="med" len="med"/>
+                      <a:tailEnd type="none" w="med" len="med"/>
+                    </a:lnR>
+                    <a:lnT w="19050" cap="flat" cmpd="sng" algn="ctr">
+                      <a:solidFill>
+                        <a:schemeClr val="tx1"/>
+                      </a:solidFill>
+                      <a:prstDash val="solid"/>
+                      <a:round/>
+                      <a:headEnd type="none" w="med" len="med"/>
+                      <a:tailEnd type="none" w="med" len="med"/>
+                    </a:lnT>
+                    <a:lnB w="3175" cap="flat" cmpd="sng" algn="ctr">
+                      <a:solidFill>
+                        <a:schemeClr val="tx1"/>
+                      </a:solidFill>
+                      <a:prstDash val="sysDot"/>
+                      <a:round/>
+                      <a:headEnd type="none" w="med" len="med"/>
+                      <a:tailEnd type="none" w="med" len="med"/>
+                    </a:lnB>
+                    <a:lnTlToBr w="12700" cmpd="sng">
+                      <a:noFill/>
+                      <a:prstDash val="solid"/>
+                    </a:lnTlToBr>
+                    <a:lnBlToTr w="12700" cmpd="sng">
+                      <a:noFill/>
+                      <a:prstDash val="solid"/>
+                    </a:lnBlToTr>
+                    <a:noFill/>
+                  </a:tcPr>
+                </a:tc>
+                <a:tc>
+                  <a:txBody>
+                    <a:bodyPr/>
+                    <a:lstStyle/>
+                    <a:p>
+                      <a:pPr algn="ctr" fontAlgn="b"/>
+                      <a:r>
+                        <a:rPr lang="en-GB" sz="900" b="0" i="0" u="none" strike="noStrike">
+                          <a:solidFill>
+                            <a:srgbClr val="000000"/>
+                          </a:solidFill>
+                          <a:effectLst/>
+                          <a:latin typeface="Arial" panose="020B0604020202020204" pitchFamily="34" charset="0"/>
+                          <a:cs typeface="Arial" panose="020B0604020202020204" pitchFamily="34" charset="0"/>
+                        </a:rPr>
+                        <a:t>941</a:t>
+                      </a:r>
+                    </a:p>
+                  </a:txBody>
+                  <a:tcPr marL="5503" marR="5503" marT="5503" marB="0" anchor="ctr">
+                    <a:lnL w="3175" cap="flat" cmpd="sng" algn="ctr">
+                      <a:solidFill>
+                        <a:schemeClr val="tx1"/>
+                      </a:solidFill>
+                      <a:prstDash val="sysDot"/>
+                      <a:round/>
+                      <a:headEnd type="none" w="med" len="med"/>
+                      <a:tailEnd type="none" w="med" len="med"/>
+                    </a:lnL>
+                    <a:lnR w="3175" cap="flat" cmpd="sng" algn="ctr">
+                      <a:solidFill>
+                        <a:schemeClr val="tx1"/>
+                      </a:solidFill>
+                      <a:prstDash val="sysDot"/>
+                      <a:round/>
+                      <a:headEnd type="none" w="med" len="med"/>
+                      <a:tailEnd type="none" w="med" len="med"/>
+                    </a:lnR>
+                    <a:lnT w="19050" cap="flat" cmpd="sng" algn="ctr">
+                      <a:solidFill>
+                        <a:schemeClr val="tx1"/>
+                      </a:solidFill>
+                      <a:prstDash val="solid"/>
+                      <a:round/>
+                      <a:headEnd type="none" w="med" len="med"/>
+                      <a:tailEnd type="none" w="med" len="med"/>
+                    </a:lnT>
+                    <a:lnB w="3175" cap="flat" cmpd="sng" algn="ctr">
+                      <a:solidFill>
+                        <a:schemeClr val="tx1"/>
+                      </a:solidFill>
+                      <a:prstDash val="sysDot"/>
+                      <a:round/>
+                      <a:headEnd type="none" w="med" len="med"/>
+                      <a:tailEnd type="none" w="med" len="med"/>
+                    </a:lnB>
+                    <a:lnTlToBr w="12700" cmpd="sng">
+                      <a:noFill/>
+                      <a:prstDash val="solid"/>
+                    </a:lnTlToBr>
+                    <a:lnBlToTr w="12700" cmpd="sng">
+                      <a:noFill/>
+                      <a:prstDash val="solid"/>
+                    </a:lnBlToTr>
+                    <a:noFill/>
+                  </a:tcPr>
+                </a:tc>
+                <a:tc>
+                  <a:txBody>
+                    <a:bodyPr/>
+                    <a:lstStyle/>
+                    <a:p>
+                      <a:pPr algn="ctr" fontAlgn="b"/>
+                      <a:r>
+                        <a:rPr lang="en-GB" sz="900" b="0" i="0" u="none" strike="noStrike">
+                          <a:solidFill>
+                            <a:srgbClr val="000000"/>
+                          </a:solidFill>
+                          <a:effectLst/>
+                          <a:latin typeface="Arial" panose="020B0604020202020204" pitchFamily="34" charset="0"/>
+                          <a:cs typeface="Arial" panose="020B0604020202020204" pitchFamily="34" charset="0"/>
+                        </a:rPr>
+                        <a:t>230</a:t>
+                      </a:r>
+                    </a:p>
+                  </a:txBody>
+                  <a:tcPr marL="5503" marR="5503" marT="5503" marB="0" anchor="ctr">
+                    <a:lnL w="3175" cap="flat" cmpd="sng" algn="ctr">
+                      <a:solidFill>
+                        <a:schemeClr val="tx1"/>
+                      </a:solidFill>
+                      <a:prstDash val="sysDot"/>
+                      <a:round/>
+                      <a:headEnd type="none" w="med" len="med"/>
+                      <a:tailEnd type="none" w="med" len="med"/>
+                    </a:lnL>
+                    <a:lnR w="3175" cap="flat" cmpd="sng" algn="ctr">
+                      <a:solidFill>
+                        <a:schemeClr val="tx1"/>
+                      </a:solidFill>
+                      <a:prstDash val="sysDot"/>
+                      <a:round/>
+                      <a:headEnd type="none" w="med" len="med"/>
+                      <a:tailEnd type="none" w="med" len="med"/>
+                    </a:lnR>
+                    <a:lnT w="19050" cap="flat" cmpd="sng" algn="ctr">
+                      <a:solidFill>
+                        <a:schemeClr val="tx1"/>
+                      </a:solidFill>
+                      <a:prstDash val="solid"/>
+                      <a:round/>
+                      <a:headEnd type="none" w="med" len="med"/>
+                      <a:tailEnd type="none" w="med" len="med"/>
+                    </a:lnT>
+                    <a:lnB w="3175" cap="flat" cmpd="sng" algn="ctr">
+                      <a:solidFill>
+                        <a:schemeClr val="tx1"/>
+                      </a:solidFill>
+                      <a:prstDash val="sysDot"/>
+                      <a:round/>
+                      <a:headEnd type="none" w="med" len="med"/>
+                      <a:tailEnd type="none" w="med" len="med"/>
+                    </a:lnB>
+                    <a:lnTlToBr w="12700" cmpd="sng">
+                      <a:noFill/>
+                      <a:prstDash val="solid"/>
+                    </a:lnTlToBr>
+                    <a:lnBlToTr w="12700" cmpd="sng">
+                      <a:noFill/>
+                      <a:prstDash val="solid"/>
+                    </a:lnBlToTr>
+                    <a:noFill/>
+                  </a:tcPr>
+                </a:tc>
+                <a:tc>
+                  <a:txBody>
+                    <a:bodyPr/>
+                    <a:lstStyle/>
+                    <a:p>
+                      <a:pPr algn="ctr" fontAlgn="b"/>
+                      <a:r>
+                        <a:rPr lang="en-US" sz="900" b="1" dirty="0">
+                          <a:solidFill>
+                            <a:schemeClr val="accent4">
+                              <a:lumMod val="75000"/>
+                            </a:schemeClr>
+                          </a:solidFill>
+                          <a:latin typeface="Arial" panose="020B0604020202020204" pitchFamily="34" charset="0"/>
+                          <a:cs typeface="Arial" panose="020B0604020202020204" pitchFamily="34" charset="0"/>
+                        </a:rPr>
+                        <a:t>. . .</a:t>
+                      </a:r>
+                      <a:endParaRPr lang="en-GB" sz="900" b="0" i="0" u="none" strike="noStrike" dirty="0">
+                        <a:solidFill>
+                          <a:schemeClr val="accent4">
+                            <a:lumMod val="75000"/>
+                          </a:schemeClr>
+                        </a:solidFill>
+                        <a:effectLst/>
+                        <a:latin typeface="Arial" panose="020B0604020202020204" pitchFamily="34" charset="0"/>
+                        <a:cs typeface="Arial" panose="020B0604020202020204" pitchFamily="34" charset="0"/>
+                      </a:endParaRPr>
+                    </a:p>
+                  </a:txBody>
+                  <a:tcPr marL="5503" marR="5503" marT="5503" marB="0" anchor="ctr">
+                    <a:lnL w="3175" cap="flat" cmpd="sng" algn="ctr">
+                      <a:solidFill>
+                        <a:schemeClr val="tx1"/>
+                      </a:solidFill>
+                      <a:prstDash val="sysDot"/>
+                      <a:round/>
+                      <a:headEnd type="none" w="med" len="med"/>
+                      <a:tailEnd type="none" w="med" len="med"/>
+                    </a:lnL>
+                    <a:lnR w="19050" cap="flat" cmpd="sng" algn="ctr">
+                      <a:solidFill>
+                        <a:schemeClr val="tx1"/>
+                      </a:solidFill>
+                      <a:prstDash val="solid"/>
+                      <a:round/>
+                      <a:headEnd type="none" w="med" len="med"/>
+                      <a:tailEnd type="none" w="med" len="med"/>
+                    </a:lnR>
+                    <a:lnT w="19050" cap="flat" cmpd="sng" algn="ctr">
+                      <a:solidFill>
+                        <a:schemeClr val="tx1"/>
+                      </a:solidFill>
+                      <a:prstDash val="solid"/>
+                      <a:round/>
+                      <a:headEnd type="none" w="med" len="med"/>
+                      <a:tailEnd type="none" w="med" len="med"/>
+                    </a:lnT>
+                    <a:lnB w="3175" cap="flat" cmpd="sng" algn="ctr">
+                      <a:solidFill>
+                        <a:schemeClr val="tx1"/>
+                      </a:solidFill>
+                      <a:prstDash val="sysDot"/>
+                      <a:round/>
+                      <a:headEnd type="none" w="med" len="med"/>
+                      <a:tailEnd type="none" w="med" len="med"/>
+                    </a:lnB>
+                    <a:lnTlToBr w="12700" cmpd="sng">
+                      <a:noFill/>
+                      <a:prstDash val="solid"/>
+                    </a:lnTlToBr>
+                    <a:lnBlToTr w="12700" cmpd="sng">
+                      <a:noFill/>
+                      <a:prstDash val="solid"/>
+                    </a:lnBlToTr>
+                    <a:noFill/>
+                  </a:tcPr>
+                </a:tc>
+                <a:extLst>
+                  <a:ext uri="{0D108BD9-81ED-4DB2-BD59-A6C34878D82A}">
+                    <a16:rowId xmlns:a16="http://schemas.microsoft.com/office/drawing/2014/main" val="815123946"/>
+                  </a:ext>
+                </a:extLst>
+              </a:tr>
+              <a:tr h="337589">
+                <a:tc>
+                  <a:txBody>
+                    <a:bodyPr/>
+                    <a:lstStyle/>
+                    <a:p>
+                      <a:pPr algn="ctr"/>
+                      <a:r>
+                        <a:rPr lang="en-US" sz="900" dirty="0">
+                          <a:solidFill>
+                            <a:srgbClr val="C00000"/>
+                          </a:solidFill>
+                          <a:latin typeface="Arial" panose="020B0604020202020204" pitchFamily="34" charset="0"/>
+                          <a:cs typeface="Arial" panose="020B0604020202020204" pitchFamily="34" charset="0"/>
+                        </a:rPr>
+                        <a:t>Cell 2</a:t>
+                      </a:r>
+                    </a:p>
+                  </a:txBody>
+                  <a:tcPr marL="52825" marR="52825" marT="26413" marB="26413" anchor="ctr">
+                    <a:lnL w="19050" cap="flat" cmpd="sng" algn="ctr">
+                      <a:solidFill>
+                        <a:schemeClr val="tx1"/>
+                      </a:solidFill>
+                      <a:prstDash val="solid"/>
+                      <a:round/>
+                      <a:headEnd type="none" w="med" len="med"/>
+                      <a:tailEnd type="none" w="med" len="med"/>
+                    </a:lnL>
+                    <a:lnR w="19050" cap="flat" cmpd="sng" algn="ctr">
+                      <a:solidFill>
+                        <a:schemeClr val="tx1"/>
+                      </a:solidFill>
+                      <a:prstDash val="solid"/>
+                      <a:round/>
+                      <a:headEnd type="none" w="med" len="med"/>
+                      <a:tailEnd type="none" w="med" len="med"/>
+                    </a:lnR>
+                    <a:lnT w="19050" cap="flat" cmpd="sng" algn="ctr">
+                      <a:solidFill>
+                        <a:schemeClr val="tx1"/>
+                      </a:solidFill>
+                      <a:prstDash val="solid"/>
+                      <a:round/>
+                      <a:headEnd type="none" w="med" len="med"/>
+                      <a:tailEnd type="none" w="med" len="med"/>
+                    </a:lnT>
+                    <a:lnB w="19050" cap="flat" cmpd="sng" algn="ctr">
+                      <a:solidFill>
+                        <a:schemeClr val="tx1"/>
+                      </a:solidFill>
+                      <a:prstDash val="solid"/>
+                      <a:round/>
+                      <a:headEnd type="none" w="med" len="med"/>
+                      <a:tailEnd type="none" w="med" len="med"/>
+                    </a:lnB>
+                    <a:lnTlToBr w="12700" cmpd="sng">
+                      <a:noFill/>
+                      <a:prstDash val="solid"/>
+                    </a:lnTlToBr>
+                    <a:lnBlToTr w="12700" cmpd="sng">
+                      <a:noFill/>
+                      <a:prstDash val="solid"/>
+                    </a:lnBlToTr>
+                    <a:solidFill>
+                      <a:schemeClr val="bg1">
+                        <a:lumMod val="95000"/>
+                      </a:schemeClr>
+                    </a:solidFill>
+                  </a:tcPr>
+                </a:tc>
+                <a:tc>
+                  <a:txBody>
+                    <a:bodyPr/>
+                    <a:lstStyle/>
+                    <a:p>
+                      <a:pPr algn="ctr" fontAlgn="b"/>
+                      <a:r>
+                        <a:rPr lang="en-GB" sz="900" b="0" i="0" u="none" strike="noStrike">
+                          <a:solidFill>
+                            <a:srgbClr val="000000"/>
+                          </a:solidFill>
+                          <a:effectLst/>
+                          <a:latin typeface="Arial" panose="020B0604020202020204" pitchFamily="34" charset="0"/>
+                          <a:cs typeface="Arial" panose="020B0604020202020204" pitchFamily="34" charset="0"/>
+                        </a:rPr>
+                        <a:t>134</a:t>
+                      </a:r>
+                    </a:p>
+                  </a:txBody>
+                  <a:tcPr marL="5503" marR="5503" marT="5503" marB="0" anchor="ctr">
+                    <a:lnL w="19050" cap="flat" cmpd="sng" algn="ctr">
+                      <a:solidFill>
+                        <a:schemeClr val="tx1"/>
+                      </a:solidFill>
+                      <a:prstDash val="solid"/>
+                      <a:round/>
+                      <a:headEnd type="none" w="med" len="med"/>
+                      <a:tailEnd type="none" w="med" len="med"/>
+                    </a:lnL>
+                    <a:lnR w="3175" cap="flat" cmpd="sng" algn="ctr">
+                      <a:solidFill>
+                        <a:schemeClr val="tx1"/>
+                      </a:solidFill>
+                      <a:prstDash val="sysDot"/>
+                      <a:round/>
+                      <a:headEnd type="none" w="med" len="med"/>
+                      <a:tailEnd type="none" w="med" len="med"/>
+                    </a:lnR>
+                    <a:lnT w="3175" cap="flat" cmpd="sng" algn="ctr">
+                      <a:solidFill>
+                        <a:schemeClr val="tx1"/>
+                      </a:solidFill>
+                      <a:prstDash val="sysDot"/>
+                      <a:round/>
+                      <a:headEnd type="none" w="med" len="med"/>
+                      <a:tailEnd type="none" w="med" len="med"/>
+                    </a:lnT>
+                    <a:lnB w="3175" cap="flat" cmpd="sng" algn="ctr">
+                      <a:solidFill>
+                        <a:schemeClr val="tx1"/>
+                      </a:solidFill>
+                      <a:prstDash val="sysDot"/>
+                      <a:round/>
+                      <a:headEnd type="none" w="med" len="med"/>
+                      <a:tailEnd type="none" w="med" len="med"/>
+                    </a:lnB>
+                    <a:lnTlToBr w="12700" cmpd="sng">
+                      <a:noFill/>
+                      <a:prstDash val="solid"/>
+                    </a:lnTlToBr>
+                    <a:lnBlToTr w="12700" cmpd="sng">
+                      <a:noFill/>
+                      <a:prstDash val="solid"/>
+                    </a:lnBlToTr>
+                    <a:noFill/>
+                  </a:tcPr>
+                </a:tc>
+                <a:tc>
+                  <a:txBody>
+                    <a:bodyPr/>
+                    <a:lstStyle/>
+                    <a:p>
+                      <a:pPr algn="ctr" fontAlgn="b"/>
+                      <a:r>
+                        <a:rPr lang="en-GB" sz="900" b="0" i="0" u="none" strike="noStrike" dirty="0">
+                          <a:solidFill>
+                            <a:srgbClr val="000000"/>
+                          </a:solidFill>
+                          <a:effectLst/>
+                          <a:latin typeface="Arial" panose="020B0604020202020204" pitchFamily="34" charset="0"/>
+                          <a:cs typeface="Arial" panose="020B0604020202020204" pitchFamily="34" charset="0"/>
+                        </a:rPr>
+                        <a:t>36</a:t>
+                      </a:r>
+                    </a:p>
+                  </a:txBody>
+                  <a:tcPr marL="5503" marR="5503" marT="5503" marB="0" anchor="ctr">
+                    <a:lnL w="3175" cap="flat" cmpd="sng" algn="ctr">
+                      <a:solidFill>
+                        <a:schemeClr val="tx1"/>
+                      </a:solidFill>
+                      <a:prstDash val="sysDot"/>
+                      <a:round/>
+                      <a:headEnd type="none" w="med" len="med"/>
+                      <a:tailEnd type="none" w="med" len="med"/>
+                    </a:lnL>
+                    <a:lnR w="3175" cap="flat" cmpd="sng" algn="ctr">
+                      <a:solidFill>
+                        <a:schemeClr val="tx1"/>
+                      </a:solidFill>
+                      <a:prstDash val="sysDot"/>
+                      <a:round/>
+                      <a:headEnd type="none" w="med" len="med"/>
+                      <a:tailEnd type="none" w="med" len="med"/>
+                    </a:lnR>
+                    <a:lnT w="3175" cap="flat" cmpd="sng" algn="ctr">
+                      <a:solidFill>
+                        <a:schemeClr val="tx1"/>
+                      </a:solidFill>
+                      <a:prstDash val="sysDot"/>
+                      <a:round/>
+                      <a:headEnd type="none" w="med" len="med"/>
+                      <a:tailEnd type="none" w="med" len="med"/>
+                    </a:lnT>
+                    <a:lnB w="3175" cap="flat" cmpd="sng" algn="ctr">
+                      <a:solidFill>
+                        <a:schemeClr val="tx1"/>
+                      </a:solidFill>
+                      <a:prstDash val="sysDot"/>
+                      <a:round/>
+                      <a:headEnd type="none" w="med" len="med"/>
+                      <a:tailEnd type="none" w="med" len="med"/>
+                    </a:lnB>
+                    <a:lnTlToBr w="12700" cmpd="sng">
+                      <a:noFill/>
+                      <a:prstDash val="solid"/>
+                    </a:lnTlToBr>
+                    <a:lnBlToTr w="12700" cmpd="sng">
+                      <a:noFill/>
+                      <a:prstDash val="solid"/>
+                    </a:lnBlToTr>
+                    <a:noFill/>
+                  </a:tcPr>
+                </a:tc>
+                <a:tc>
+                  <a:txBody>
+                    <a:bodyPr/>
+                    <a:lstStyle/>
+                    <a:p>
+                      <a:pPr algn="ctr" fontAlgn="b"/>
+                      <a:r>
+                        <a:rPr lang="en-GB" sz="900" b="0" i="0" u="none" strike="noStrike" dirty="0">
+                          <a:solidFill>
+                            <a:srgbClr val="000000"/>
+                          </a:solidFill>
+                          <a:effectLst/>
+                          <a:latin typeface="Arial" panose="020B0604020202020204" pitchFamily="34" charset="0"/>
+                          <a:cs typeface="Arial" panose="020B0604020202020204" pitchFamily="34" charset="0"/>
+                        </a:rPr>
+                        <a:t>819</a:t>
+                      </a:r>
+                    </a:p>
+                  </a:txBody>
+                  <a:tcPr marL="5503" marR="5503" marT="5503" marB="0" anchor="ctr">
+                    <a:lnL w="3175" cap="flat" cmpd="sng" algn="ctr">
+                      <a:solidFill>
+                        <a:schemeClr val="tx1"/>
+                      </a:solidFill>
+                      <a:prstDash val="sysDot"/>
+                      <a:round/>
+                      <a:headEnd type="none" w="med" len="med"/>
+                      <a:tailEnd type="none" w="med" len="med"/>
+                    </a:lnL>
+                    <a:lnR w="3175" cap="flat" cmpd="sng" algn="ctr">
+                      <a:solidFill>
+                        <a:schemeClr val="tx1"/>
+                      </a:solidFill>
+                      <a:prstDash val="sysDot"/>
+                      <a:round/>
+                      <a:headEnd type="none" w="med" len="med"/>
+                      <a:tailEnd type="none" w="med" len="med"/>
+                    </a:lnR>
+                    <a:lnT w="3175" cap="flat" cmpd="sng" algn="ctr">
+                      <a:solidFill>
+                        <a:schemeClr val="tx1"/>
+                      </a:solidFill>
+                      <a:prstDash val="sysDot"/>
+                      <a:round/>
+                      <a:headEnd type="none" w="med" len="med"/>
+                      <a:tailEnd type="none" w="med" len="med"/>
+                    </a:lnT>
+                    <a:lnB w="3175" cap="flat" cmpd="sng" algn="ctr">
+                      <a:solidFill>
+                        <a:schemeClr val="tx1"/>
+                      </a:solidFill>
+                      <a:prstDash val="sysDot"/>
+                      <a:round/>
+                      <a:headEnd type="none" w="med" len="med"/>
+                      <a:tailEnd type="none" w="med" len="med"/>
+                    </a:lnB>
+                    <a:lnTlToBr w="12700" cmpd="sng">
+                      <a:noFill/>
+                      <a:prstDash val="solid"/>
+                    </a:lnTlToBr>
+                    <a:lnBlToTr w="12700" cmpd="sng">
+                      <a:noFill/>
+                      <a:prstDash val="solid"/>
+                    </a:lnBlToTr>
+                    <a:noFill/>
+                  </a:tcPr>
+                </a:tc>
+                <a:tc>
+                  <a:txBody>
+                    <a:bodyPr/>
+                    <a:lstStyle/>
+                    <a:p>
+                      <a:pPr algn="ctr" fontAlgn="b"/>
+                      <a:r>
+                        <a:rPr lang="en-GB" sz="900" b="0" i="0" u="none" strike="noStrike" dirty="0">
+                          <a:solidFill>
+                            <a:srgbClr val="000000"/>
+                          </a:solidFill>
+                          <a:effectLst/>
+                          <a:latin typeface="Arial" panose="020B0604020202020204" pitchFamily="34" charset="0"/>
+                          <a:cs typeface="Arial" panose="020B0604020202020204" pitchFamily="34" charset="0"/>
+                        </a:rPr>
+                        <a:t>963</a:t>
+                      </a:r>
+                    </a:p>
+                  </a:txBody>
+                  <a:tcPr marL="5503" marR="5503" marT="5503" marB="0" anchor="ctr">
+                    <a:lnL w="3175" cap="flat" cmpd="sng" algn="ctr">
+                      <a:solidFill>
+                        <a:schemeClr val="tx1"/>
+                      </a:solidFill>
+                      <a:prstDash val="sysDot"/>
+                      <a:round/>
+                      <a:headEnd type="none" w="med" len="med"/>
+                      <a:tailEnd type="none" w="med" len="med"/>
+                    </a:lnL>
+                    <a:lnR w="3175" cap="flat" cmpd="sng" algn="ctr">
+                      <a:solidFill>
+                        <a:schemeClr val="tx1"/>
+                      </a:solidFill>
+                      <a:prstDash val="sysDot"/>
+                      <a:round/>
+                      <a:headEnd type="none" w="med" len="med"/>
+                      <a:tailEnd type="none" w="med" len="med"/>
+                    </a:lnR>
+                    <a:lnT w="3175" cap="flat" cmpd="sng" algn="ctr">
+                      <a:solidFill>
+                        <a:schemeClr val="tx1"/>
+                      </a:solidFill>
+                      <a:prstDash val="sysDot"/>
+                      <a:round/>
+                      <a:headEnd type="none" w="med" len="med"/>
+                      <a:tailEnd type="none" w="med" len="med"/>
+                    </a:lnT>
+                    <a:lnB w="3175" cap="flat" cmpd="sng" algn="ctr">
+                      <a:solidFill>
+                        <a:schemeClr val="tx1"/>
+                      </a:solidFill>
+                      <a:prstDash val="sysDot"/>
+                      <a:round/>
+                      <a:headEnd type="none" w="med" len="med"/>
+                      <a:tailEnd type="none" w="med" len="med"/>
+                    </a:lnB>
+                    <a:lnTlToBr w="12700" cmpd="sng">
+                      <a:noFill/>
+                      <a:prstDash val="solid"/>
+                    </a:lnTlToBr>
+                    <a:lnBlToTr w="12700" cmpd="sng">
+                      <a:noFill/>
+                      <a:prstDash val="solid"/>
+                    </a:lnBlToTr>
+                    <a:noFill/>
+                  </a:tcPr>
+                </a:tc>
+                <a:tc>
+                  <a:txBody>
+                    <a:bodyPr/>
+                    <a:lstStyle/>
+                    <a:p>
+                      <a:pPr algn="ctr" fontAlgn="b"/>
+                      <a:r>
+                        <a:rPr lang="en-GB" sz="900" b="0" i="0" u="none" strike="noStrike" dirty="0">
+                          <a:solidFill>
+                            <a:srgbClr val="000000"/>
+                          </a:solidFill>
+                          <a:effectLst/>
+                          <a:latin typeface="Arial" panose="020B0604020202020204" pitchFamily="34" charset="0"/>
+                          <a:cs typeface="Arial" panose="020B0604020202020204" pitchFamily="34" charset="0"/>
+                        </a:rPr>
+                        <a:t>216</a:t>
+                      </a:r>
+                    </a:p>
+                  </a:txBody>
+                  <a:tcPr marL="5503" marR="5503" marT="5503" marB="0" anchor="ctr">
+                    <a:lnL w="3175" cap="flat" cmpd="sng" algn="ctr">
+                      <a:solidFill>
+                        <a:schemeClr val="tx1"/>
+                      </a:solidFill>
+                      <a:prstDash val="sysDot"/>
+                      <a:round/>
+                      <a:headEnd type="none" w="med" len="med"/>
+                      <a:tailEnd type="none" w="med" len="med"/>
+                    </a:lnL>
+                    <a:lnR w="3175" cap="flat" cmpd="sng" algn="ctr">
+                      <a:solidFill>
+                        <a:schemeClr val="tx1"/>
+                      </a:solidFill>
+                      <a:prstDash val="sysDot"/>
+                      <a:round/>
+                      <a:headEnd type="none" w="med" len="med"/>
+                      <a:tailEnd type="none" w="med" len="med"/>
+                    </a:lnR>
+                    <a:lnT w="3175" cap="flat" cmpd="sng" algn="ctr">
+                      <a:solidFill>
+                        <a:schemeClr val="tx1"/>
+                      </a:solidFill>
+                      <a:prstDash val="sysDot"/>
+                      <a:round/>
+                      <a:headEnd type="none" w="med" len="med"/>
+                      <a:tailEnd type="none" w="med" len="med"/>
+                    </a:lnT>
+                    <a:lnB w="3175" cap="flat" cmpd="sng" algn="ctr">
+                      <a:solidFill>
+                        <a:schemeClr val="tx1"/>
+                      </a:solidFill>
+                      <a:prstDash val="sysDot"/>
+                      <a:round/>
+                      <a:headEnd type="none" w="med" len="med"/>
+                      <a:tailEnd type="none" w="med" len="med"/>
+                    </a:lnB>
+                    <a:lnTlToBr w="12700" cmpd="sng">
+                      <a:noFill/>
+                      <a:prstDash val="solid"/>
+                    </a:lnTlToBr>
+                    <a:lnBlToTr w="12700" cmpd="sng">
+                      <a:noFill/>
+                      <a:prstDash val="solid"/>
+                    </a:lnBlToTr>
+                    <a:noFill/>
+                  </a:tcPr>
+                </a:tc>
+                <a:tc>
+                  <a:txBody>
+                    <a:bodyPr/>
+                    <a:lstStyle/>
+                    <a:p>
+                      <a:pPr algn="ctr" fontAlgn="b"/>
+                      <a:r>
+                        <a:rPr lang="en-US" sz="900" b="1" dirty="0">
+                          <a:solidFill>
+                            <a:schemeClr val="accent4">
+                              <a:lumMod val="75000"/>
+                            </a:schemeClr>
+                          </a:solidFill>
+                          <a:latin typeface="Arial" panose="020B0604020202020204" pitchFamily="34" charset="0"/>
+                          <a:cs typeface="Arial" panose="020B0604020202020204" pitchFamily="34" charset="0"/>
+                        </a:rPr>
+                        <a:t>. . .</a:t>
+                      </a:r>
+                      <a:endParaRPr lang="en-GB" sz="900" b="0" i="0" u="none" strike="noStrike" dirty="0">
+                        <a:solidFill>
+                          <a:schemeClr val="accent4">
+                            <a:lumMod val="75000"/>
+                          </a:schemeClr>
+                        </a:solidFill>
+                        <a:effectLst/>
+                        <a:latin typeface="Arial" panose="020B0604020202020204" pitchFamily="34" charset="0"/>
+                        <a:cs typeface="Arial" panose="020B0604020202020204" pitchFamily="34" charset="0"/>
+                      </a:endParaRPr>
+                    </a:p>
+                  </a:txBody>
+                  <a:tcPr marL="5503" marR="5503" marT="5503" marB="0" anchor="ctr">
+                    <a:lnL w="3175" cap="flat" cmpd="sng" algn="ctr">
+                      <a:solidFill>
+                        <a:schemeClr val="tx1"/>
+                      </a:solidFill>
+                      <a:prstDash val="sysDot"/>
+                      <a:round/>
+                      <a:headEnd type="none" w="med" len="med"/>
+                      <a:tailEnd type="none" w="med" len="med"/>
+                    </a:lnL>
+                    <a:lnR w="19050" cap="flat" cmpd="sng" algn="ctr">
+                      <a:solidFill>
+                        <a:schemeClr val="tx1"/>
+                      </a:solidFill>
+                      <a:prstDash val="solid"/>
+                      <a:round/>
+                      <a:headEnd type="none" w="med" len="med"/>
+                      <a:tailEnd type="none" w="med" len="med"/>
+                    </a:lnR>
+                    <a:lnT w="3175" cap="flat" cmpd="sng" algn="ctr">
+                      <a:solidFill>
+                        <a:schemeClr val="tx1"/>
+                      </a:solidFill>
+                      <a:prstDash val="sysDot"/>
+                      <a:round/>
+                      <a:headEnd type="none" w="med" len="med"/>
+                      <a:tailEnd type="none" w="med" len="med"/>
+                    </a:lnT>
+                    <a:lnB w="3175" cap="flat" cmpd="sng" algn="ctr">
+                      <a:solidFill>
+                        <a:schemeClr val="tx1"/>
+                      </a:solidFill>
+                      <a:prstDash val="sysDot"/>
+                      <a:round/>
+                      <a:headEnd type="none" w="med" len="med"/>
+                      <a:tailEnd type="none" w="med" len="med"/>
+                    </a:lnB>
+                    <a:lnTlToBr w="12700" cmpd="sng">
+                      <a:noFill/>
+                      <a:prstDash val="solid"/>
+                    </a:lnTlToBr>
+                    <a:lnBlToTr w="12700" cmpd="sng">
+                      <a:noFill/>
+                      <a:prstDash val="solid"/>
+                    </a:lnBlToTr>
+                    <a:noFill/>
+                  </a:tcPr>
+                </a:tc>
+                <a:extLst>
+                  <a:ext uri="{0D108BD9-81ED-4DB2-BD59-A6C34878D82A}">
+                    <a16:rowId xmlns:a16="http://schemas.microsoft.com/office/drawing/2014/main" val="4289117434"/>
+                  </a:ext>
+                </a:extLst>
+              </a:tr>
+              <a:tr h="337589">
+                <a:tc>
+                  <a:txBody>
+                    <a:bodyPr/>
+                    <a:lstStyle/>
+                    <a:p>
+                      <a:pPr algn="ctr"/>
+                      <a:r>
+                        <a:rPr lang="en-US" sz="900" dirty="0">
+                          <a:solidFill>
+                            <a:srgbClr val="C00000"/>
+                          </a:solidFill>
+                          <a:latin typeface="Arial" panose="020B0604020202020204" pitchFamily="34" charset="0"/>
+                          <a:cs typeface="Arial" panose="020B0604020202020204" pitchFamily="34" charset="0"/>
+                        </a:rPr>
+                        <a:t>Cell 3</a:t>
+                      </a:r>
+                    </a:p>
+                  </a:txBody>
+                  <a:tcPr marL="52825" marR="52825" marT="26413" marB="26413" anchor="ctr">
+                    <a:lnL w="19050" cap="flat" cmpd="sng" algn="ctr">
+                      <a:solidFill>
+                        <a:schemeClr val="tx1"/>
+                      </a:solidFill>
+                      <a:prstDash val="solid"/>
+                      <a:round/>
+                      <a:headEnd type="none" w="med" len="med"/>
+                      <a:tailEnd type="none" w="med" len="med"/>
+                    </a:lnL>
+                    <a:lnR w="19050" cap="flat" cmpd="sng" algn="ctr">
+                      <a:solidFill>
+                        <a:schemeClr val="tx1"/>
+                      </a:solidFill>
+                      <a:prstDash val="solid"/>
+                      <a:round/>
+                      <a:headEnd type="none" w="med" len="med"/>
+                      <a:tailEnd type="none" w="med" len="med"/>
+                    </a:lnR>
+                    <a:lnT w="19050" cap="flat" cmpd="sng" algn="ctr">
+                      <a:solidFill>
+                        <a:schemeClr val="tx1"/>
+                      </a:solidFill>
+                      <a:prstDash val="solid"/>
+                      <a:round/>
+                      <a:headEnd type="none" w="med" len="med"/>
+                      <a:tailEnd type="none" w="med" len="med"/>
+                    </a:lnT>
+                    <a:lnB w="19050" cap="flat" cmpd="sng" algn="ctr">
+                      <a:solidFill>
+                        <a:schemeClr val="tx1"/>
+                      </a:solidFill>
+                      <a:prstDash val="solid"/>
+                      <a:round/>
+                      <a:headEnd type="none" w="med" len="med"/>
+                      <a:tailEnd type="none" w="med" len="med"/>
+                    </a:lnB>
+                    <a:lnTlToBr w="12700" cmpd="sng">
+                      <a:noFill/>
+                      <a:prstDash val="solid"/>
+                    </a:lnTlToBr>
+                    <a:lnBlToTr w="12700" cmpd="sng">
+                      <a:noFill/>
+                      <a:prstDash val="solid"/>
+                    </a:lnBlToTr>
+                    <a:solidFill>
+                      <a:schemeClr val="bg1">
+                        <a:lumMod val="95000"/>
+                      </a:schemeClr>
+                    </a:solidFill>
+                  </a:tcPr>
+                </a:tc>
+                <a:tc>
+                  <a:txBody>
+                    <a:bodyPr/>
+                    <a:lstStyle/>
+                    <a:p>
+                      <a:pPr algn="ctr" fontAlgn="b"/>
+                      <a:r>
+                        <a:rPr lang="en-GB" sz="900" b="0" i="0" u="none" strike="noStrike" dirty="0">
+                          <a:solidFill>
+                            <a:srgbClr val="000000"/>
+                          </a:solidFill>
+                          <a:effectLst/>
+                          <a:latin typeface="Arial" panose="020B0604020202020204" pitchFamily="34" charset="0"/>
+                          <a:cs typeface="Arial" panose="020B0604020202020204" pitchFamily="34" charset="0"/>
+                        </a:rPr>
+                        <a:t>145</a:t>
+                      </a:r>
+                    </a:p>
+                  </a:txBody>
+                  <a:tcPr marL="5503" marR="5503" marT="5503" marB="0" anchor="ctr">
+                    <a:lnL w="19050" cap="flat" cmpd="sng" algn="ctr">
+                      <a:solidFill>
+                        <a:schemeClr val="tx1"/>
+                      </a:solidFill>
+                      <a:prstDash val="solid"/>
+                      <a:round/>
+                      <a:headEnd type="none" w="med" len="med"/>
+                      <a:tailEnd type="none" w="med" len="med"/>
+                    </a:lnL>
+                    <a:lnR w="3175" cap="flat" cmpd="sng" algn="ctr">
+                      <a:solidFill>
+                        <a:schemeClr val="tx1"/>
+                      </a:solidFill>
+                      <a:prstDash val="sysDot"/>
+                      <a:round/>
+                      <a:headEnd type="none" w="med" len="med"/>
+                      <a:tailEnd type="none" w="med" len="med"/>
+                    </a:lnR>
+                    <a:lnT w="3175" cap="flat" cmpd="sng" algn="ctr">
+                      <a:solidFill>
+                        <a:schemeClr val="tx1"/>
+                      </a:solidFill>
+                      <a:prstDash val="sysDot"/>
+                      <a:round/>
+                      <a:headEnd type="none" w="med" len="med"/>
+                      <a:tailEnd type="none" w="med" len="med"/>
+                    </a:lnT>
+                    <a:lnB w="3175" cap="flat" cmpd="sng" algn="ctr">
+                      <a:solidFill>
+                        <a:schemeClr val="tx1"/>
+                      </a:solidFill>
+                      <a:prstDash val="sysDot"/>
+                      <a:round/>
+                      <a:headEnd type="none" w="med" len="med"/>
+                      <a:tailEnd type="none" w="med" len="med"/>
+                    </a:lnB>
+                    <a:lnTlToBr w="12700" cmpd="sng">
+                      <a:noFill/>
+                      <a:prstDash val="solid"/>
+                    </a:lnTlToBr>
+                    <a:lnBlToTr w="12700" cmpd="sng">
+                      <a:noFill/>
+                      <a:prstDash val="solid"/>
+                    </a:lnBlToTr>
+                    <a:noFill/>
+                  </a:tcPr>
+                </a:tc>
+                <a:tc>
+                  <a:txBody>
+                    <a:bodyPr/>
+                    <a:lstStyle/>
+                    <a:p>
+                      <a:pPr algn="ctr" fontAlgn="b"/>
+                      <a:r>
+                        <a:rPr lang="en-GB" sz="900" b="0" i="0" u="none" strike="noStrike" dirty="0">
+                          <a:solidFill>
+                            <a:srgbClr val="000000"/>
+                          </a:solidFill>
+                          <a:effectLst/>
+                          <a:latin typeface="Arial" panose="020B0604020202020204" pitchFamily="34" charset="0"/>
+                          <a:cs typeface="Arial" panose="020B0604020202020204" pitchFamily="34" charset="0"/>
+                        </a:rPr>
+                        <a:t>44</a:t>
+                      </a:r>
+                    </a:p>
+                  </a:txBody>
+                  <a:tcPr marL="5503" marR="5503" marT="5503" marB="0" anchor="ctr">
+                    <a:lnL w="3175" cap="flat" cmpd="sng" algn="ctr">
+                      <a:solidFill>
+                        <a:schemeClr val="tx1"/>
+                      </a:solidFill>
+                      <a:prstDash val="sysDot"/>
+                      <a:round/>
+                      <a:headEnd type="none" w="med" len="med"/>
+                      <a:tailEnd type="none" w="med" len="med"/>
+                    </a:lnL>
+                    <a:lnR w="3175" cap="flat" cmpd="sng" algn="ctr">
+                      <a:solidFill>
+                        <a:schemeClr val="tx1"/>
+                      </a:solidFill>
+                      <a:prstDash val="sysDot"/>
+                      <a:round/>
+                      <a:headEnd type="none" w="med" len="med"/>
+                      <a:tailEnd type="none" w="med" len="med"/>
+                    </a:lnR>
+                    <a:lnT w="3175" cap="flat" cmpd="sng" algn="ctr">
+                      <a:solidFill>
+                        <a:schemeClr val="tx1"/>
+                      </a:solidFill>
+                      <a:prstDash val="sysDot"/>
+                      <a:round/>
+                      <a:headEnd type="none" w="med" len="med"/>
+                      <a:tailEnd type="none" w="med" len="med"/>
+                    </a:lnT>
+                    <a:lnB w="3175" cap="flat" cmpd="sng" algn="ctr">
+                      <a:solidFill>
+                        <a:schemeClr val="tx1"/>
+                      </a:solidFill>
+                      <a:prstDash val="sysDot"/>
+                      <a:round/>
+                      <a:headEnd type="none" w="med" len="med"/>
+                      <a:tailEnd type="none" w="med" len="med"/>
+                    </a:lnB>
+                    <a:lnTlToBr w="12700" cmpd="sng">
+                      <a:noFill/>
+                      <a:prstDash val="solid"/>
+                    </a:lnTlToBr>
+                    <a:lnBlToTr w="12700" cmpd="sng">
+                      <a:noFill/>
+                      <a:prstDash val="solid"/>
+                    </a:lnBlToTr>
+                    <a:noFill/>
+                  </a:tcPr>
+                </a:tc>
+                <a:tc>
+                  <a:txBody>
+                    <a:bodyPr/>
+                    <a:lstStyle/>
+                    <a:p>
+                      <a:pPr algn="ctr" fontAlgn="b"/>
+                      <a:r>
+                        <a:rPr lang="en-GB" sz="900" b="0" i="0" u="none" strike="noStrike" dirty="0">
+                          <a:solidFill>
+                            <a:srgbClr val="000000"/>
+                          </a:solidFill>
+                          <a:effectLst/>
+                          <a:latin typeface="Arial" panose="020B0604020202020204" pitchFamily="34" charset="0"/>
+                          <a:cs typeface="Arial" panose="020B0604020202020204" pitchFamily="34" charset="0"/>
+                        </a:rPr>
+                        <a:t>782</a:t>
+                      </a:r>
+                    </a:p>
+                  </a:txBody>
+                  <a:tcPr marL="5503" marR="5503" marT="5503" marB="0" anchor="ctr">
+                    <a:lnL w="3175" cap="flat" cmpd="sng" algn="ctr">
+                      <a:solidFill>
+                        <a:schemeClr val="tx1"/>
+                      </a:solidFill>
+                      <a:prstDash val="sysDot"/>
+                      <a:round/>
+                      <a:headEnd type="none" w="med" len="med"/>
+                      <a:tailEnd type="none" w="med" len="med"/>
+                    </a:lnL>
+                    <a:lnR w="3175" cap="flat" cmpd="sng" algn="ctr">
+                      <a:solidFill>
+                        <a:schemeClr val="tx1"/>
+                      </a:solidFill>
+                      <a:prstDash val="sysDot"/>
+                      <a:round/>
+                      <a:headEnd type="none" w="med" len="med"/>
+                      <a:tailEnd type="none" w="med" len="med"/>
+                    </a:lnR>
+                    <a:lnT w="3175" cap="flat" cmpd="sng" algn="ctr">
+                      <a:solidFill>
+                        <a:schemeClr val="tx1"/>
+                      </a:solidFill>
+                      <a:prstDash val="sysDot"/>
+                      <a:round/>
+                      <a:headEnd type="none" w="med" len="med"/>
+                      <a:tailEnd type="none" w="med" len="med"/>
+                    </a:lnT>
+                    <a:lnB w="3175" cap="flat" cmpd="sng" algn="ctr">
+                      <a:solidFill>
+                        <a:schemeClr val="tx1"/>
+                      </a:solidFill>
+                      <a:prstDash val="sysDot"/>
+                      <a:round/>
+                      <a:headEnd type="none" w="med" len="med"/>
+                      <a:tailEnd type="none" w="med" len="med"/>
+                    </a:lnB>
+                    <a:lnTlToBr w="12700" cmpd="sng">
+                      <a:noFill/>
+                      <a:prstDash val="solid"/>
+                    </a:lnTlToBr>
+                    <a:lnBlToTr w="12700" cmpd="sng">
+                      <a:noFill/>
+                      <a:prstDash val="solid"/>
+                    </a:lnBlToTr>
+                    <a:noFill/>
+                  </a:tcPr>
+                </a:tc>
+                <a:tc>
+                  <a:txBody>
+                    <a:bodyPr/>
+                    <a:lstStyle/>
+                    <a:p>
+                      <a:pPr algn="ctr" fontAlgn="b"/>
+                      <a:r>
+                        <a:rPr lang="en-GB" sz="900" b="0" i="0" u="none" strike="noStrike" dirty="0">
+                          <a:solidFill>
+                            <a:srgbClr val="000000"/>
+                          </a:solidFill>
+                          <a:effectLst/>
+                          <a:latin typeface="Arial" panose="020B0604020202020204" pitchFamily="34" charset="0"/>
+                          <a:cs typeface="Arial" panose="020B0604020202020204" pitchFamily="34" charset="0"/>
+                        </a:rPr>
+                        <a:t>974</a:t>
+                      </a:r>
+                    </a:p>
+                  </a:txBody>
+                  <a:tcPr marL="5503" marR="5503" marT="5503" marB="0" anchor="ctr">
+                    <a:lnL w="3175" cap="flat" cmpd="sng" algn="ctr">
+                      <a:solidFill>
+                        <a:schemeClr val="tx1"/>
+                      </a:solidFill>
+                      <a:prstDash val="sysDot"/>
+                      <a:round/>
+                      <a:headEnd type="none" w="med" len="med"/>
+                      <a:tailEnd type="none" w="med" len="med"/>
+                    </a:lnL>
+                    <a:lnR w="3175" cap="flat" cmpd="sng" algn="ctr">
+                      <a:solidFill>
+                        <a:schemeClr val="tx1"/>
+                      </a:solidFill>
+                      <a:prstDash val="sysDot"/>
+                      <a:round/>
+                      <a:headEnd type="none" w="med" len="med"/>
+                      <a:tailEnd type="none" w="med" len="med"/>
+                    </a:lnR>
+                    <a:lnT w="3175" cap="flat" cmpd="sng" algn="ctr">
+                      <a:solidFill>
+                        <a:schemeClr val="tx1"/>
+                      </a:solidFill>
+                      <a:prstDash val="sysDot"/>
+                      <a:round/>
+                      <a:headEnd type="none" w="med" len="med"/>
+                      <a:tailEnd type="none" w="med" len="med"/>
+                    </a:lnT>
+                    <a:lnB w="3175" cap="flat" cmpd="sng" algn="ctr">
+                      <a:solidFill>
+                        <a:schemeClr val="tx1"/>
+                      </a:solidFill>
+                      <a:prstDash val="sysDot"/>
+                      <a:round/>
+                      <a:headEnd type="none" w="med" len="med"/>
+                      <a:tailEnd type="none" w="med" len="med"/>
+                    </a:lnB>
+                    <a:lnTlToBr w="12700" cmpd="sng">
+                      <a:noFill/>
+                      <a:prstDash val="solid"/>
+                    </a:lnTlToBr>
+                    <a:lnBlToTr w="12700" cmpd="sng">
+                      <a:noFill/>
+                      <a:prstDash val="solid"/>
+                    </a:lnBlToTr>
+                    <a:noFill/>
+                  </a:tcPr>
+                </a:tc>
+                <a:tc>
+                  <a:txBody>
+                    <a:bodyPr/>
+                    <a:lstStyle/>
+                    <a:p>
+                      <a:pPr algn="ctr" fontAlgn="b"/>
+                      <a:r>
+                        <a:rPr lang="en-GB" sz="900" b="0" i="0" u="none" strike="noStrike" dirty="0">
+                          <a:solidFill>
+                            <a:srgbClr val="000000"/>
+                          </a:solidFill>
+                          <a:effectLst/>
+                          <a:latin typeface="Arial" panose="020B0604020202020204" pitchFamily="34" charset="0"/>
+                          <a:cs typeface="Arial" panose="020B0604020202020204" pitchFamily="34" charset="0"/>
+                        </a:rPr>
+                        <a:t>226</a:t>
+                      </a:r>
+                    </a:p>
+                  </a:txBody>
+                  <a:tcPr marL="5503" marR="5503" marT="5503" marB="0" anchor="ctr">
+                    <a:lnL w="3175" cap="flat" cmpd="sng" algn="ctr">
+                      <a:solidFill>
+                        <a:schemeClr val="tx1"/>
+                      </a:solidFill>
+                      <a:prstDash val="sysDot"/>
+                      <a:round/>
+                      <a:headEnd type="none" w="med" len="med"/>
+                      <a:tailEnd type="none" w="med" len="med"/>
+                    </a:lnL>
+                    <a:lnR w="3175" cap="flat" cmpd="sng" algn="ctr">
+                      <a:solidFill>
+                        <a:schemeClr val="tx1"/>
+                      </a:solidFill>
+                      <a:prstDash val="sysDot"/>
+                      <a:round/>
+                      <a:headEnd type="none" w="med" len="med"/>
+                      <a:tailEnd type="none" w="med" len="med"/>
+                    </a:lnR>
+                    <a:lnT w="3175" cap="flat" cmpd="sng" algn="ctr">
+                      <a:solidFill>
+                        <a:schemeClr val="tx1"/>
+                      </a:solidFill>
+                      <a:prstDash val="sysDot"/>
+                      <a:round/>
+                      <a:headEnd type="none" w="med" len="med"/>
+                      <a:tailEnd type="none" w="med" len="med"/>
+                    </a:lnT>
+                    <a:lnB w="3175" cap="flat" cmpd="sng" algn="ctr">
+                      <a:solidFill>
+                        <a:schemeClr val="tx1"/>
+                      </a:solidFill>
+                      <a:prstDash val="sysDot"/>
+                      <a:round/>
+                      <a:headEnd type="none" w="med" len="med"/>
+                      <a:tailEnd type="none" w="med" len="med"/>
+                    </a:lnB>
+                    <a:lnTlToBr w="12700" cmpd="sng">
+                      <a:noFill/>
+                      <a:prstDash val="solid"/>
+                    </a:lnTlToBr>
+                    <a:lnBlToTr w="12700" cmpd="sng">
+                      <a:noFill/>
+                      <a:prstDash val="solid"/>
+                    </a:lnBlToTr>
+                    <a:noFill/>
+                  </a:tcPr>
+                </a:tc>
+                <a:tc>
+                  <a:txBody>
+                    <a:bodyPr/>
+                    <a:lstStyle/>
+                    <a:p>
+                      <a:pPr algn="ctr" fontAlgn="b"/>
+                      <a:r>
+                        <a:rPr lang="en-US" sz="900" b="1" dirty="0">
+                          <a:solidFill>
+                            <a:schemeClr val="accent4">
+                              <a:lumMod val="75000"/>
+                            </a:schemeClr>
+                          </a:solidFill>
+                          <a:latin typeface="Arial" panose="020B0604020202020204" pitchFamily="34" charset="0"/>
+                          <a:cs typeface="Arial" panose="020B0604020202020204" pitchFamily="34" charset="0"/>
+                        </a:rPr>
+                        <a:t>. . .</a:t>
+                      </a:r>
+                      <a:endParaRPr lang="en-GB" sz="900" b="0" i="0" u="none" strike="noStrike" dirty="0">
+                        <a:solidFill>
+                          <a:schemeClr val="accent4">
+                            <a:lumMod val="75000"/>
+                          </a:schemeClr>
+                        </a:solidFill>
+                        <a:effectLst/>
+                        <a:latin typeface="Arial" panose="020B0604020202020204" pitchFamily="34" charset="0"/>
+                        <a:cs typeface="Arial" panose="020B0604020202020204" pitchFamily="34" charset="0"/>
+                      </a:endParaRPr>
+                    </a:p>
+                  </a:txBody>
+                  <a:tcPr marL="5503" marR="5503" marT="5503" marB="0" anchor="ctr">
+                    <a:lnL w="3175" cap="flat" cmpd="sng" algn="ctr">
+                      <a:solidFill>
+                        <a:schemeClr val="tx1"/>
+                      </a:solidFill>
+                      <a:prstDash val="sysDot"/>
+                      <a:round/>
+                      <a:headEnd type="none" w="med" len="med"/>
+                      <a:tailEnd type="none" w="med" len="med"/>
+                    </a:lnL>
+                    <a:lnR w="19050" cap="flat" cmpd="sng" algn="ctr">
+                      <a:solidFill>
+                        <a:schemeClr val="tx1"/>
+                      </a:solidFill>
+                      <a:prstDash val="solid"/>
+                      <a:round/>
+                      <a:headEnd type="none" w="med" len="med"/>
+                      <a:tailEnd type="none" w="med" len="med"/>
+                    </a:lnR>
+                    <a:lnT w="3175" cap="flat" cmpd="sng" algn="ctr">
+                      <a:solidFill>
+                        <a:schemeClr val="tx1"/>
+                      </a:solidFill>
+                      <a:prstDash val="sysDot"/>
+                      <a:round/>
+                      <a:headEnd type="none" w="med" len="med"/>
+                      <a:tailEnd type="none" w="med" len="med"/>
+                    </a:lnT>
+                    <a:lnB w="3175" cap="flat" cmpd="sng" algn="ctr">
+                      <a:solidFill>
+                        <a:schemeClr val="tx1"/>
+                      </a:solidFill>
+                      <a:prstDash val="sysDot"/>
+                      <a:round/>
+                      <a:headEnd type="none" w="med" len="med"/>
+                      <a:tailEnd type="none" w="med" len="med"/>
+                    </a:lnB>
+                    <a:lnTlToBr w="12700" cmpd="sng">
+                      <a:noFill/>
+                      <a:prstDash val="solid"/>
+                    </a:lnTlToBr>
+                    <a:lnBlToTr w="12700" cmpd="sng">
+                      <a:noFill/>
+                      <a:prstDash val="solid"/>
+                    </a:lnBlToTr>
+                    <a:noFill/>
+                  </a:tcPr>
+                </a:tc>
+                <a:extLst>
+                  <a:ext uri="{0D108BD9-81ED-4DB2-BD59-A6C34878D82A}">
+                    <a16:rowId xmlns:a16="http://schemas.microsoft.com/office/drawing/2014/main" val="2787768747"/>
+                  </a:ext>
+                </a:extLst>
+              </a:tr>
+              <a:tr h="337589">
+                <a:tc>
+                  <a:txBody>
+                    <a:bodyPr/>
+                    <a:lstStyle/>
+                    <a:p>
+                      <a:pPr algn="ctr">
+                        <a:lnSpc>
+                          <a:spcPts val="500"/>
+                        </a:lnSpc>
+                      </a:pPr>
+                      <a:r>
+                        <a:rPr lang="en-US" sz="1500" b="0" dirty="0">
+                          <a:solidFill>
+                            <a:srgbClr val="C00000"/>
+                          </a:solidFill>
+                          <a:latin typeface="Arial" panose="020B0604020202020204" pitchFamily="34" charset="0"/>
+                          <a:cs typeface="Arial" panose="020B0604020202020204" pitchFamily="34" charset="0"/>
+                        </a:rPr>
+                        <a:t>.</a:t>
+                      </a:r>
+                    </a:p>
+                    <a:p>
+                      <a:pPr algn="ctr">
+                        <a:lnSpc>
+                          <a:spcPts val="500"/>
+                        </a:lnSpc>
+                      </a:pPr>
+                      <a:r>
+                        <a:rPr lang="en-US" sz="1500" b="0" dirty="0">
+                          <a:solidFill>
+                            <a:srgbClr val="C00000"/>
+                          </a:solidFill>
+                          <a:latin typeface="Arial" panose="020B0604020202020204" pitchFamily="34" charset="0"/>
+                          <a:cs typeface="Arial" panose="020B0604020202020204" pitchFamily="34" charset="0"/>
+                        </a:rPr>
+                        <a:t>.</a:t>
+                      </a:r>
+                    </a:p>
+                    <a:p>
+                      <a:pPr algn="ctr">
+                        <a:lnSpc>
+                          <a:spcPts val="500"/>
+                        </a:lnSpc>
+                      </a:pPr>
+                      <a:r>
+                        <a:rPr lang="en-US" sz="1500" b="0" dirty="0">
+                          <a:solidFill>
+                            <a:srgbClr val="C00000"/>
+                          </a:solidFill>
+                          <a:latin typeface="Arial" panose="020B0604020202020204" pitchFamily="34" charset="0"/>
+                          <a:cs typeface="Arial" panose="020B0604020202020204" pitchFamily="34" charset="0"/>
+                        </a:rPr>
+                        <a:t>.</a:t>
+                      </a:r>
+                    </a:p>
+                  </a:txBody>
+                  <a:tcPr marL="52825" marR="52825" marT="26413" marB="26413" anchor="ctr">
+                    <a:lnL w="19050" cap="flat" cmpd="sng" algn="ctr">
+                      <a:solidFill>
+                        <a:schemeClr val="tx1"/>
+                      </a:solidFill>
+                      <a:prstDash val="solid"/>
+                      <a:round/>
+                      <a:headEnd type="none" w="med" len="med"/>
+                      <a:tailEnd type="none" w="med" len="med"/>
+                    </a:lnL>
+                    <a:lnR w="19050" cap="flat" cmpd="sng" algn="ctr">
+                      <a:solidFill>
+                        <a:schemeClr val="tx1"/>
+                      </a:solidFill>
+                      <a:prstDash val="solid"/>
+                      <a:round/>
+                      <a:headEnd type="none" w="med" len="med"/>
+                      <a:tailEnd type="none" w="med" len="med"/>
+                    </a:lnR>
+                    <a:lnT w="19050" cap="flat" cmpd="sng" algn="ctr">
+                      <a:solidFill>
+                        <a:schemeClr val="tx1"/>
+                      </a:solidFill>
+                      <a:prstDash val="solid"/>
+                      <a:round/>
+                      <a:headEnd type="none" w="med" len="med"/>
+                      <a:tailEnd type="none" w="med" len="med"/>
+                    </a:lnT>
+                    <a:lnB w="19050" cap="flat" cmpd="sng" algn="ctr">
+                      <a:solidFill>
+                        <a:schemeClr val="tx1"/>
+                      </a:solidFill>
+                      <a:prstDash val="solid"/>
+                      <a:round/>
+                      <a:headEnd type="none" w="med" len="med"/>
+                      <a:tailEnd type="none" w="med" len="med"/>
+                    </a:lnB>
+                    <a:lnTlToBr w="12700" cmpd="sng">
+                      <a:noFill/>
+                      <a:prstDash val="solid"/>
+                    </a:lnTlToBr>
+                    <a:lnBlToTr w="12700" cmpd="sng">
+                      <a:noFill/>
+                      <a:prstDash val="solid"/>
+                    </a:lnBlToTr>
+                    <a:solidFill>
+                      <a:schemeClr val="bg1">
+                        <a:lumMod val="95000"/>
+                      </a:schemeClr>
+                    </a:solidFill>
+                  </a:tcPr>
+                </a:tc>
+                <a:tc>
+                  <a:txBody>
+                    <a:bodyPr/>
+                    <a:lstStyle/>
+                    <a:p>
+                      <a:pPr algn="ctr" fontAlgn="b">
+                        <a:lnSpc>
+                          <a:spcPts val="500"/>
+                        </a:lnSpc>
+                      </a:pPr>
+                      <a:r>
+                        <a:rPr lang="en-GB" sz="900" b="1" i="0" u="none" strike="noStrike" dirty="0">
+                          <a:solidFill>
+                            <a:srgbClr val="000000"/>
+                          </a:solidFill>
+                          <a:effectLst/>
+                          <a:latin typeface="Arial" panose="020B0604020202020204" pitchFamily="34" charset="0"/>
+                          <a:cs typeface="Arial" panose="020B0604020202020204" pitchFamily="34" charset="0"/>
+                        </a:rPr>
+                        <a:t>.</a:t>
+                      </a:r>
+                    </a:p>
+                    <a:p>
+                      <a:pPr algn="ctr" fontAlgn="b">
+                        <a:lnSpc>
+                          <a:spcPts val="500"/>
+                        </a:lnSpc>
+                      </a:pPr>
+                      <a:r>
+                        <a:rPr lang="en-GB" sz="900" b="1" i="0" u="none" strike="noStrike" dirty="0">
+                          <a:solidFill>
+                            <a:srgbClr val="000000"/>
+                          </a:solidFill>
+                          <a:effectLst/>
+                          <a:latin typeface="Arial" panose="020B0604020202020204" pitchFamily="34" charset="0"/>
+                          <a:cs typeface="Arial" panose="020B0604020202020204" pitchFamily="34" charset="0"/>
+                        </a:rPr>
+                        <a:t>.</a:t>
+                      </a:r>
+                    </a:p>
+                    <a:p>
+                      <a:pPr algn="ctr" fontAlgn="b">
+                        <a:lnSpc>
+                          <a:spcPts val="500"/>
+                        </a:lnSpc>
+                      </a:pPr>
+                      <a:r>
+                        <a:rPr lang="en-GB" sz="900" b="1" i="0" u="none" strike="noStrike" dirty="0">
+                          <a:solidFill>
+                            <a:srgbClr val="000000"/>
+                          </a:solidFill>
+                          <a:effectLst/>
+                          <a:latin typeface="Arial" panose="020B0604020202020204" pitchFamily="34" charset="0"/>
+                          <a:cs typeface="Arial" panose="020B0604020202020204" pitchFamily="34" charset="0"/>
+                        </a:rPr>
+                        <a:t>.</a:t>
+                      </a:r>
+                    </a:p>
+                  </a:txBody>
+                  <a:tcPr marL="5503" marR="5503" marT="5503" marB="0" anchor="ctr">
+                    <a:lnL w="19050" cap="flat" cmpd="sng" algn="ctr">
+                      <a:solidFill>
+                        <a:schemeClr val="tx1"/>
+                      </a:solidFill>
+                      <a:prstDash val="solid"/>
+                      <a:round/>
+                      <a:headEnd type="none" w="med" len="med"/>
+                      <a:tailEnd type="none" w="med" len="med"/>
+                    </a:lnL>
+                    <a:lnR w="3175" cap="flat" cmpd="sng" algn="ctr">
+                      <a:solidFill>
+                        <a:schemeClr val="tx1"/>
+                      </a:solidFill>
+                      <a:prstDash val="sysDot"/>
+                      <a:round/>
+                      <a:headEnd type="none" w="med" len="med"/>
+                      <a:tailEnd type="none" w="med" len="med"/>
+                    </a:lnR>
+                    <a:lnT w="3175" cap="flat" cmpd="sng" algn="ctr">
+                      <a:solidFill>
+                        <a:schemeClr val="tx1"/>
+                      </a:solidFill>
+                      <a:prstDash val="sysDot"/>
+                      <a:round/>
+                      <a:headEnd type="none" w="med" len="med"/>
+                      <a:tailEnd type="none" w="med" len="med"/>
+                    </a:lnT>
+                    <a:lnB w="19050" cap="flat" cmpd="sng" algn="ctr">
+                      <a:solidFill>
+                        <a:schemeClr val="tx1"/>
+                      </a:solidFill>
+                      <a:prstDash val="solid"/>
+                      <a:round/>
+                      <a:headEnd type="none" w="med" len="med"/>
+                      <a:tailEnd type="none" w="med" len="med"/>
+                    </a:lnB>
+                    <a:lnTlToBr w="12700" cmpd="sng">
+                      <a:noFill/>
+                      <a:prstDash val="solid"/>
+                    </a:lnTlToBr>
+                    <a:lnBlToTr w="12700" cmpd="sng">
+                      <a:noFill/>
+                      <a:prstDash val="solid"/>
+                    </a:lnBlToTr>
+                    <a:noFill/>
+                  </a:tcPr>
+                </a:tc>
+                <a:tc>
+                  <a:txBody>
+                    <a:bodyPr/>
+                    <a:lstStyle/>
+                    <a:p>
+                      <a:pPr algn="ctr" fontAlgn="b">
+                        <a:lnSpc>
+                          <a:spcPts val="500"/>
+                        </a:lnSpc>
+                      </a:pPr>
+                      <a:r>
+                        <a:rPr lang="en-GB" sz="900" b="1" i="0" u="none" strike="noStrike" dirty="0">
+                          <a:solidFill>
+                            <a:srgbClr val="000000"/>
+                          </a:solidFill>
+                          <a:effectLst/>
+                          <a:latin typeface="Arial" panose="020B0604020202020204" pitchFamily="34" charset="0"/>
+                          <a:cs typeface="Arial" panose="020B0604020202020204" pitchFamily="34" charset="0"/>
+                        </a:rPr>
+                        <a:t>.</a:t>
+                      </a:r>
+                    </a:p>
+                    <a:p>
+                      <a:pPr algn="ctr" fontAlgn="b">
+                        <a:lnSpc>
+                          <a:spcPts val="500"/>
+                        </a:lnSpc>
+                      </a:pPr>
+                      <a:r>
+                        <a:rPr lang="en-GB" sz="900" b="1" i="0" u="none" strike="noStrike" dirty="0">
+                          <a:solidFill>
+                            <a:srgbClr val="000000"/>
+                          </a:solidFill>
+                          <a:effectLst/>
+                          <a:latin typeface="Arial" panose="020B0604020202020204" pitchFamily="34" charset="0"/>
+                          <a:cs typeface="Arial" panose="020B0604020202020204" pitchFamily="34" charset="0"/>
+                        </a:rPr>
+                        <a:t>.</a:t>
+                      </a:r>
+                    </a:p>
+                    <a:p>
+                      <a:pPr algn="ctr" fontAlgn="b">
+                        <a:lnSpc>
+                          <a:spcPts val="500"/>
+                        </a:lnSpc>
+                      </a:pPr>
+                      <a:r>
+                        <a:rPr lang="en-GB" sz="900" b="1" i="0" u="none" strike="noStrike" dirty="0">
+                          <a:solidFill>
+                            <a:srgbClr val="000000"/>
+                          </a:solidFill>
+                          <a:effectLst/>
+                          <a:latin typeface="Arial" panose="020B0604020202020204" pitchFamily="34" charset="0"/>
+                          <a:cs typeface="Arial" panose="020B0604020202020204" pitchFamily="34" charset="0"/>
+                        </a:rPr>
+                        <a:t>.</a:t>
+                      </a:r>
+                    </a:p>
+                  </a:txBody>
+                  <a:tcPr marL="5503" marR="5503" marT="5503" marB="0" anchor="ctr">
+                    <a:lnL w="3175" cap="flat" cmpd="sng" algn="ctr">
+                      <a:solidFill>
+                        <a:schemeClr val="tx1"/>
+                      </a:solidFill>
+                      <a:prstDash val="sysDot"/>
+                      <a:round/>
+                      <a:headEnd type="none" w="med" len="med"/>
+                      <a:tailEnd type="none" w="med" len="med"/>
+                    </a:lnL>
+                    <a:lnR w="3175" cap="flat" cmpd="sng" algn="ctr">
+                      <a:solidFill>
+                        <a:schemeClr val="tx1"/>
+                      </a:solidFill>
+                      <a:prstDash val="sysDot"/>
+                      <a:round/>
+                      <a:headEnd type="none" w="med" len="med"/>
+                      <a:tailEnd type="none" w="med" len="med"/>
+                    </a:lnR>
+                    <a:lnT w="3175" cap="flat" cmpd="sng" algn="ctr">
+                      <a:solidFill>
+                        <a:schemeClr val="tx1"/>
+                      </a:solidFill>
+                      <a:prstDash val="sysDot"/>
+                      <a:round/>
+                      <a:headEnd type="none" w="med" len="med"/>
+                      <a:tailEnd type="none" w="med" len="med"/>
+                    </a:lnT>
+                    <a:lnB w="19050" cap="flat" cmpd="sng" algn="ctr">
+                      <a:solidFill>
+                        <a:schemeClr val="tx1"/>
+                      </a:solidFill>
+                      <a:prstDash val="solid"/>
+                      <a:round/>
+                      <a:headEnd type="none" w="med" len="med"/>
+                      <a:tailEnd type="none" w="med" len="med"/>
+                    </a:lnB>
+                    <a:lnTlToBr w="12700" cmpd="sng">
+                      <a:noFill/>
+                      <a:prstDash val="solid"/>
+                    </a:lnTlToBr>
+                    <a:lnBlToTr w="12700" cmpd="sng">
+                      <a:noFill/>
+                      <a:prstDash val="solid"/>
+                    </a:lnBlToTr>
+                    <a:noFill/>
+                  </a:tcPr>
+                </a:tc>
+                <a:tc>
+                  <a:txBody>
+                    <a:bodyPr/>
+                    <a:lstStyle/>
+                    <a:p>
+                      <a:pPr algn="ctr" fontAlgn="b">
+                        <a:lnSpc>
+                          <a:spcPts val="500"/>
+                        </a:lnSpc>
+                      </a:pPr>
+                      <a:r>
+                        <a:rPr lang="en-GB" sz="900" b="1" i="0" u="none" strike="noStrike" dirty="0">
+                          <a:solidFill>
+                            <a:srgbClr val="000000"/>
+                          </a:solidFill>
+                          <a:effectLst/>
+                          <a:latin typeface="Arial" panose="020B0604020202020204" pitchFamily="34" charset="0"/>
+                          <a:cs typeface="Arial" panose="020B0604020202020204" pitchFamily="34" charset="0"/>
+                        </a:rPr>
+                        <a:t>.</a:t>
+                      </a:r>
+                    </a:p>
+                    <a:p>
+                      <a:pPr algn="ctr" fontAlgn="b">
+                        <a:lnSpc>
+                          <a:spcPts val="500"/>
+                        </a:lnSpc>
+                      </a:pPr>
+                      <a:r>
+                        <a:rPr lang="en-GB" sz="900" b="1" i="0" u="none" strike="noStrike" dirty="0">
+                          <a:solidFill>
+                            <a:srgbClr val="000000"/>
+                          </a:solidFill>
+                          <a:effectLst/>
+                          <a:latin typeface="Arial" panose="020B0604020202020204" pitchFamily="34" charset="0"/>
+                          <a:cs typeface="Arial" panose="020B0604020202020204" pitchFamily="34" charset="0"/>
+                        </a:rPr>
+                        <a:t>.</a:t>
+                      </a:r>
+                    </a:p>
+                    <a:p>
+                      <a:pPr algn="ctr" fontAlgn="b">
+                        <a:lnSpc>
+                          <a:spcPts val="500"/>
+                        </a:lnSpc>
+                      </a:pPr>
+                      <a:r>
+                        <a:rPr lang="en-GB" sz="900" b="1" i="0" u="none" strike="noStrike" dirty="0">
+                          <a:solidFill>
+                            <a:srgbClr val="000000"/>
+                          </a:solidFill>
+                          <a:effectLst/>
+                          <a:latin typeface="Arial" panose="020B0604020202020204" pitchFamily="34" charset="0"/>
+                          <a:cs typeface="Arial" panose="020B0604020202020204" pitchFamily="34" charset="0"/>
+                        </a:rPr>
+                        <a:t>.</a:t>
+                      </a:r>
+                    </a:p>
+                  </a:txBody>
+                  <a:tcPr marL="5503" marR="5503" marT="5503" marB="0" anchor="ctr">
+                    <a:lnL w="3175" cap="flat" cmpd="sng" algn="ctr">
+                      <a:solidFill>
+                        <a:schemeClr val="tx1"/>
+                      </a:solidFill>
+                      <a:prstDash val="sysDot"/>
+                      <a:round/>
+                      <a:headEnd type="none" w="med" len="med"/>
+                      <a:tailEnd type="none" w="med" len="med"/>
+                    </a:lnL>
+                    <a:lnR w="3175" cap="flat" cmpd="sng" algn="ctr">
+                      <a:solidFill>
+                        <a:schemeClr val="tx1"/>
+                      </a:solidFill>
+                      <a:prstDash val="sysDot"/>
+                      <a:round/>
+                      <a:headEnd type="none" w="med" len="med"/>
+                      <a:tailEnd type="none" w="med" len="med"/>
+                    </a:lnR>
+                    <a:lnT w="3175" cap="flat" cmpd="sng" algn="ctr">
+                      <a:solidFill>
+                        <a:schemeClr val="tx1"/>
+                      </a:solidFill>
+                      <a:prstDash val="sysDot"/>
+                      <a:round/>
+                      <a:headEnd type="none" w="med" len="med"/>
+                      <a:tailEnd type="none" w="med" len="med"/>
+                    </a:lnT>
+                    <a:lnB w="19050" cap="flat" cmpd="sng" algn="ctr">
+                      <a:solidFill>
+                        <a:schemeClr val="tx1"/>
+                      </a:solidFill>
+                      <a:prstDash val="solid"/>
+                      <a:round/>
+                      <a:headEnd type="none" w="med" len="med"/>
+                      <a:tailEnd type="none" w="med" len="med"/>
+                    </a:lnB>
+                    <a:lnTlToBr w="12700" cmpd="sng">
+                      <a:noFill/>
+                      <a:prstDash val="solid"/>
+                    </a:lnTlToBr>
+                    <a:lnBlToTr w="12700" cmpd="sng">
+                      <a:noFill/>
+                      <a:prstDash val="solid"/>
+                    </a:lnBlToTr>
+                    <a:noFill/>
+                  </a:tcPr>
+                </a:tc>
+                <a:tc>
+                  <a:txBody>
+                    <a:bodyPr/>
+                    <a:lstStyle/>
+                    <a:p>
+                      <a:pPr algn="ctr" fontAlgn="b">
+                        <a:lnSpc>
+                          <a:spcPts val="500"/>
+                        </a:lnSpc>
+                      </a:pPr>
+                      <a:r>
+                        <a:rPr lang="en-GB" sz="900" b="1" i="0" u="none" strike="noStrike" dirty="0">
+                          <a:solidFill>
+                            <a:srgbClr val="000000"/>
+                          </a:solidFill>
+                          <a:effectLst/>
+                          <a:latin typeface="Arial" panose="020B0604020202020204" pitchFamily="34" charset="0"/>
+                          <a:cs typeface="Arial" panose="020B0604020202020204" pitchFamily="34" charset="0"/>
+                        </a:rPr>
+                        <a:t>.</a:t>
+                      </a:r>
+                    </a:p>
+                    <a:p>
+                      <a:pPr algn="ctr" fontAlgn="b">
+                        <a:lnSpc>
+                          <a:spcPts val="500"/>
+                        </a:lnSpc>
+                      </a:pPr>
+                      <a:r>
+                        <a:rPr lang="en-GB" sz="900" b="1" i="0" u="none" strike="noStrike" dirty="0">
+                          <a:solidFill>
+                            <a:srgbClr val="000000"/>
+                          </a:solidFill>
+                          <a:effectLst/>
+                          <a:latin typeface="Arial" panose="020B0604020202020204" pitchFamily="34" charset="0"/>
+                          <a:cs typeface="Arial" panose="020B0604020202020204" pitchFamily="34" charset="0"/>
+                        </a:rPr>
+                        <a:t>.</a:t>
+                      </a:r>
+                    </a:p>
+                    <a:p>
+                      <a:pPr algn="ctr" fontAlgn="b">
+                        <a:lnSpc>
+                          <a:spcPts val="500"/>
+                        </a:lnSpc>
+                      </a:pPr>
+                      <a:r>
+                        <a:rPr lang="en-GB" sz="900" b="1" i="0" u="none" strike="noStrike" dirty="0">
+                          <a:solidFill>
+                            <a:srgbClr val="000000"/>
+                          </a:solidFill>
+                          <a:effectLst/>
+                          <a:latin typeface="Arial" panose="020B0604020202020204" pitchFamily="34" charset="0"/>
+                          <a:cs typeface="Arial" panose="020B0604020202020204" pitchFamily="34" charset="0"/>
+                        </a:rPr>
+                        <a:t>.</a:t>
+                      </a:r>
+                    </a:p>
+                  </a:txBody>
+                  <a:tcPr marL="5503" marR="5503" marT="5503" marB="0" anchor="ctr">
+                    <a:lnL w="3175" cap="flat" cmpd="sng" algn="ctr">
+                      <a:solidFill>
+                        <a:schemeClr val="tx1"/>
+                      </a:solidFill>
+                      <a:prstDash val="sysDot"/>
+                      <a:round/>
+                      <a:headEnd type="none" w="med" len="med"/>
+                      <a:tailEnd type="none" w="med" len="med"/>
+                    </a:lnL>
+                    <a:lnR w="3175" cap="flat" cmpd="sng" algn="ctr">
+                      <a:solidFill>
+                        <a:schemeClr val="tx1"/>
+                      </a:solidFill>
+                      <a:prstDash val="sysDot"/>
+                      <a:round/>
+                      <a:headEnd type="none" w="med" len="med"/>
+                      <a:tailEnd type="none" w="med" len="med"/>
+                    </a:lnR>
+                    <a:lnT w="3175" cap="flat" cmpd="sng" algn="ctr">
+                      <a:solidFill>
+                        <a:schemeClr val="tx1"/>
+                      </a:solidFill>
+                      <a:prstDash val="sysDot"/>
+                      <a:round/>
+                      <a:headEnd type="none" w="med" len="med"/>
+                      <a:tailEnd type="none" w="med" len="med"/>
+                    </a:lnT>
+                    <a:lnB w="19050" cap="flat" cmpd="sng" algn="ctr">
+                      <a:solidFill>
+                        <a:schemeClr val="tx1"/>
+                      </a:solidFill>
+                      <a:prstDash val="solid"/>
+                      <a:round/>
+                      <a:headEnd type="none" w="med" len="med"/>
+                      <a:tailEnd type="none" w="med" len="med"/>
+                    </a:lnB>
+                    <a:lnTlToBr w="12700" cmpd="sng">
+                      <a:noFill/>
+                      <a:prstDash val="solid"/>
+                    </a:lnTlToBr>
+                    <a:lnBlToTr w="12700" cmpd="sng">
+                      <a:noFill/>
+                      <a:prstDash val="solid"/>
+                    </a:lnBlToTr>
+                    <a:noFill/>
+                  </a:tcPr>
+                </a:tc>
+                <a:tc>
+                  <a:txBody>
+                    <a:bodyPr/>
+                    <a:lstStyle/>
+                    <a:p>
+                      <a:pPr algn="ctr" fontAlgn="b">
+                        <a:lnSpc>
+                          <a:spcPts val="500"/>
+                        </a:lnSpc>
+                      </a:pPr>
+                      <a:r>
+                        <a:rPr lang="en-GB" sz="900" b="1" i="0" u="none" strike="noStrike" dirty="0">
+                          <a:solidFill>
+                            <a:srgbClr val="000000"/>
+                          </a:solidFill>
+                          <a:effectLst/>
+                          <a:latin typeface="Arial" panose="020B0604020202020204" pitchFamily="34" charset="0"/>
+                          <a:cs typeface="Arial" panose="020B0604020202020204" pitchFamily="34" charset="0"/>
+                        </a:rPr>
+                        <a:t>.</a:t>
+                      </a:r>
+                    </a:p>
+                    <a:p>
+                      <a:pPr algn="ctr" fontAlgn="b">
+                        <a:lnSpc>
+                          <a:spcPts val="500"/>
+                        </a:lnSpc>
+                      </a:pPr>
+                      <a:r>
+                        <a:rPr lang="en-GB" sz="900" b="1" i="0" u="none" strike="noStrike" dirty="0">
+                          <a:solidFill>
+                            <a:srgbClr val="000000"/>
+                          </a:solidFill>
+                          <a:effectLst/>
+                          <a:latin typeface="Arial" panose="020B0604020202020204" pitchFamily="34" charset="0"/>
+                          <a:cs typeface="Arial" panose="020B0604020202020204" pitchFamily="34" charset="0"/>
+                        </a:rPr>
+                        <a:t>.</a:t>
+                      </a:r>
+                    </a:p>
+                    <a:p>
+                      <a:pPr algn="ctr" fontAlgn="b">
+                        <a:lnSpc>
+                          <a:spcPts val="500"/>
+                        </a:lnSpc>
+                      </a:pPr>
+                      <a:r>
+                        <a:rPr lang="en-GB" sz="900" b="1" i="0" u="none" strike="noStrike" dirty="0">
+                          <a:solidFill>
+                            <a:srgbClr val="000000"/>
+                          </a:solidFill>
+                          <a:effectLst/>
+                          <a:latin typeface="Arial" panose="020B0604020202020204" pitchFamily="34" charset="0"/>
+                          <a:cs typeface="Arial" panose="020B0604020202020204" pitchFamily="34" charset="0"/>
+                        </a:rPr>
+                        <a:t>.</a:t>
+                      </a:r>
+                    </a:p>
+                  </a:txBody>
+                  <a:tcPr marL="5503" marR="5503" marT="5503" marB="0" anchor="ctr">
+                    <a:lnL w="3175" cap="flat" cmpd="sng" algn="ctr">
+                      <a:solidFill>
+                        <a:schemeClr val="tx1"/>
+                      </a:solidFill>
+                      <a:prstDash val="sysDot"/>
+                      <a:round/>
+                      <a:headEnd type="none" w="med" len="med"/>
+                      <a:tailEnd type="none" w="med" len="med"/>
+                    </a:lnL>
+                    <a:lnR w="3175" cap="flat" cmpd="sng" algn="ctr">
+                      <a:solidFill>
+                        <a:schemeClr val="tx1"/>
+                      </a:solidFill>
+                      <a:prstDash val="sysDot"/>
+                      <a:round/>
+                      <a:headEnd type="none" w="med" len="med"/>
+                      <a:tailEnd type="none" w="med" len="med"/>
+                    </a:lnR>
+                    <a:lnT w="3175" cap="flat" cmpd="sng" algn="ctr">
+                      <a:solidFill>
+                        <a:schemeClr val="tx1"/>
+                      </a:solidFill>
+                      <a:prstDash val="sysDot"/>
+                      <a:round/>
+                      <a:headEnd type="none" w="med" len="med"/>
+                      <a:tailEnd type="none" w="med" len="med"/>
+                    </a:lnT>
+                    <a:lnB w="19050" cap="flat" cmpd="sng" algn="ctr">
+                      <a:solidFill>
+                        <a:schemeClr val="tx1"/>
+                      </a:solidFill>
+                      <a:prstDash val="solid"/>
+                      <a:round/>
+                      <a:headEnd type="none" w="med" len="med"/>
+                      <a:tailEnd type="none" w="med" len="med"/>
+                    </a:lnB>
+                    <a:lnTlToBr w="12700" cmpd="sng">
+                      <a:noFill/>
+                      <a:prstDash val="solid"/>
+                    </a:lnTlToBr>
+                    <a:lnBlToTr w="12700" cmpd="sng">
+                      <a:noFill/>
+                      <a:prstDash val="solid"/>
+                    </a:lnBlToTr>
+                    <a:noFill/>
+                  </a:tcPr>
+                </a:tc>
+                <a:tc>
+                  <a:txBody>
+                    <a:bodyPr/>
+                    <a:lstStyle/>
+                    <a:p>
+                      <a:pPr algn="ctr" fontAlgn="b">
+                        <a:lnSpc>
+                          <a:spcPts val="500"/>
+                        </a:lnSpc>
+                      </a:pPr>
+                      <a:endParaRPr lang="en-GB" sz="900" b="0" i="0" u="none" strike="noStrike" dirty="0">
+                        <a:solidFill>
+                          <a:srgbClr val="000000"/>
+                        </a:solidFill>
+                        <a:effectLst/>
+                        <a:latin typeface="Arial" panose="020B0604020202020204" pitchFamily="34" charset="0"/>
+                        <a:cs typeface="Arial" panose="020B0604020202020204" pitchFamily="34" charset="0"/>
+                      </a:endParaRPr>
+                    </a:p>
+                  </a:txBody>
+                  <a:tcPr marL="5503" marR="5503" marT="5503" marB="0" anchor="ctr">
+                    <a:lnL w="3175" cap="flat" cmpd="sng" algn="ctr">
+                      <a:solidFill>
+                        <a:schemeClr val="tx1"/>
+                      </a:solidFill>
+                      <a:prstDash val="sysDot"/>
+                      <a:round/>
+                      <a:headEnd type="none" w="med" len="med"/>
+                      <a:tailEnd type="none" w="med" len="med"/>
+                    </a:lnL>
+                    <a:lnR w="19050" cap="flat" cmpd="sng" algn="ctr">
+                      <a:solidFill>
+                        <a:schemeClr val="tx1"/>
+                      </a:solidFill>
+                      <a:prstDash val="solid"/>
+                      <a:round/>
+                      <a:headEnd type="none" w="med" len="med"/>
+                      <a:tailEnd type="none" w="med" len="med"/>
+                    </a:lnR>
+                    <a:lnT w="3175" cap="flat" cmpd="sng" algn="ctr">
+                      <a:solidFill>
+                        <a:schemeClr val="tx1"/>
+                      </a:solidFill>
+                      <a:prstDash val="sysDot"/>
+                      <a:round/>
+                      <a:headEnd type="none" w="med" len="med"/>
+                      <a:tailEnd type="none" w="med" len="med"/>
+                    </a:lnT>
+                    <a:lnB w="19050" cap="flat" cmpd="sng" algn="ctr">
+                      <a:solidFill>
+                        <a:schemeClr val="tx1"/>
+                      </a:solidFill>
+                      <a:prstDash val="solid"/>
+                      <a:round/>
+                      <a:headEnd type="none" w="med" len="med"/>
+                      <a:tailEnd type="none" w="med" len="med"/>
+                    </a:lnB>
+                    <a:lnTlToBr w="12700" cmpd="sng">
+                      <a:noFill/>
+                      <a:prstDash val="solid"/>
+                    </a:lnTlToBr>
+                    <a:lnBlToTr w="12700" cmpd="sng">
+                      <a:noFill/>
+                      <a:prstDash val="solid"/>
+                    </a:lnBlToTr>
+                    <a:noFill/>
+                  </a:tcPr>
+                </a:tc>
+                <a:extLst>
+                  <a:ext uri="{0D108BD9-81ED-4DB2-BD59-A6C34878D82A}">
+                    <a16:rowId xmlns:a16="http://schemas.microsoft.com/office/drawing/2014/main" val="3231038714"/>
+                  </a:ext>
+                </a:extLst>
+              </a:tr>
+            </a:tbl>
+          </a:graphicData>
+        </a:graphic>
+      </p:graphicFrame>
+      <p:sp>
+        <p:nvSpPr>
+          <p:cNvPr id="10" name="TextBox 9">
+            <a:extLst>
+              <a:ext uri="{FF2B5EF4-FFF2-40B4-BE49-F238E27FC236}">
+                <a16:creationId xmlns:a16="http://schemas.microsoft.com/office/drawing/2014/main" id="{16DA1FCF-CFCF-0ACC-EF68-E1A981E0FC8C}"/>
+              </a:ext>
+            </a:extLst>
+          </p:cNvPr>
+          <p:cNvSpPr txBox="1"/>
+          <p:nvPr/>
+        </p:nvSpPr>
+        <p:spPr>
+          <a:xfrm>
+            <a:off x="4308831" y="1402679"/>
+            <a:ext cx="538513" cy="276999"/>
+          </a:xfrm>
+          <a:prstGeom prst="rect">
+            <a:avLst/>
+          </a:prstGeom>
+          <a:noFill/>
+        </p:spPr>
+        <p:txBody>
+          <a:bodyPr wrap="square" rtlCol="0">
+            <a:spAutoFit/>
+          </a:bodyPr>
+          <a:lstStyle/>
+          <a:p>
+            <a:pPr algn="r"/>
+            <a:r>
+              <a:rPr lang="en-US" sz="1200" b="1" dirty="0">
+                <a:latin typeface="Arial" panose="020B0604020202020204" pitchFamily="34" charset="0"/>
+                <a:cs typeface="Arial" panose="020B0604020202020204" pitchFamily="34" charset="0"/>
+              </a:rPr>
+              <a:t>PC1</a:t>
+            </a:r>
+          </a:p>
+        </p:txBody>
+      </p:sp>
+      <p:sp>
+        <p:nvSpPr>
+          <p:cNvPr id="11" name="Right Brace 10">
+            <a:extLst>
+              <a:ext uri="{FF2B5EF4-FFF2-40B4-BE49-F238E27FC236}">
+                <a16:creationId xmlns:a16="http://schemas.microsoft.com/office/drawing/2014/main" id="{9C7774B9-5B2D-398F-5AF7-8266BC69F97D}"/>
+              </a:ext>
+            </a:extLst>
+          </p:cNvPr>
+          <p:cNvSpPr/>
+          <p:nvPr/>
+        </p:nvSpPr>
+        <p:spPr>
+          <a:xfrm>
+            <a:off x="7611759" y="1466335"/>
+            <a:ext cx="103230" cy="486033"/>
+          </a:xfrm>
+          <a:prstGeom prst="rightBrace">
+            <a:avLst/>
+          </a:prstGeom>
+          <a:ln w="12700">
+            <a:solidFill>
+              <a:schemeClr val="tx1"/>
+            </a:solidFill>
+          </a:ln>
+        </p:spPr>
+        <p:style>
+          <a:lnRef idx="1">
+            <a:schemeClr val="dk1"/>
+          </a:lnRef>
+          <a:fillRef idx="0">
+            <a:schemeClr val="dk1"/>
+          </a:fillRef>
+          <a:effectRef idx="0">
+            <a:schemeClr val="dk1"/>
+          </a:effectRef>
+          <a:fontRef idx="minor">
+            <a:schemeClr val="tx1"/>
+          </a:fontRef>
+        </p:style>
+        <p:txBody>
+          <a:bodyPr rtlCol="0" anchor="ctr"/>
+          <a:lstStyle/>
+          <a:p>
+            <a:pPr algn="ctr"/>
+            <a:endParaRPr lang="en-US"/>
+          </a:p>
+        </p:txBody>
+      </p:sp>
+      <p:sp>
+        <p:nvSpPr>
+          <p:cNvPr id="13" name="TextBox 12">
+            <a:extLst>
+              <a:ext uri="{FF2B5EF4-FFF2-40B4-BE49-F238E27FC236}">
+                <a16:creationId xmlns:a16="http://schemas.microsoft.com/office/drawing/2014/main" id="{36B540F0-2D86-1635-9FD1-DFE9ACE0CC92}"/>
+              </a:ext>
+            </a:extLst>
+          </p:cNvPr>
+          <p:cNvSpPr txBox="1"/>
+          <p:nvPr/>
+        </p:nvSpPr>
+        <p:spPr>
+          <a:xfrm>
+            <a:off x="7674704" y="1474573"/>
+            <a:ext cx="538513" cy="461665"/>
+          </a:xfrm>
+          <a:prstGeom prst="rect">
+            <a:avLst/>
+          </a:prstGeom>
+          <a:noFill/>
+        </p:spPr>
+        <p:txBody>
+          <a:bodyPr wrap="square" rtlCol="0">
+            <a:spAutoFit/>
+          </a:bodyPr>
+          <a:lstStyle/>
+          <a:p>
+            <a:r>
+              <a:rPr lang="en-US" sz="1200" dirty="0">
+                <a:latin typeface="Arial" panose="020B0604020202020204" pitchFamily="34" charset="0"/>
+                <a:cs typeface="Arial" panose="020B0604020202020204" pitchFamily="34" charset="0"/>
+              </a:rPr>
+              <a:t>95 % var.</a:t>
+            </a:r>
+          </a:p>
+        </p:txBody>
+      </p:sp>
+      <p:sp>
+        <p:nvSpPr>
+          <p:cNvPr id="15" name="TextBox 14">
+            <a:extLst>
+              <a:ext uri="{FF2B5EF4-FFF2-40B4-BE49-F238E27FC236}">
+                <a16:creationId xmlns:a16="http://schemas.microsoft.com/office/drawing/2014/main" id="{9A1BC682-4D32-D923-9DE6-49CB3D05B03E}"/>
+              </a:ext>
+            </a:extLst>
+          </p:cNvPr>
+          <p:cNvSpPr txBox="1"/>
+          <p:nvPr/>
+        </p:nvSpPr>
+        <p:spPr>
+          <a:xfrm>
+            <a:off x="4362321" y="983374"/>
+            <a:ext cx="3960014" cy="292388"/>
+          </a:xfrm>
+          <a:prstGeom prst="rect">
+            <a:avLst/>
+          </a:prstGeom>
+          <a:noFill/>
+        </p:spPr>
+        <p:txBody>
+          <a:bodyPr wrap="square" rtlCol="0">
+            <a:spAutoFit/>
+          </a:bodyPr>
+          <a:lstStyle/>
+          <a:p>
+            <a:r>
+              <a:rPr lang="en-US" sz="1300" b="1" dirty="0">
+                <a:latin typeface="Arial" panose="020B0604020202020204" pitchFamily="34" charset="0"/>
+                <a:cs typeface="Arial" panose="020B0604020202020204" pitchFamily="34" charset="0"/>
+              </a:rPr>
+              <a:t>NEW features = Principal Components </a:t>
+            </a:r>
+          </a:p>
+        </p:txBody>
+      </p:sp>
+      <p:sp>
+        <p:nvSpPr>
+          <p:cNvPr id="16" name="TextBox 15">
+            <a:extLst>
+              <a:ext uri="{FF2B5EF4-FFF2-40B4-BE49-F238E27FC236}">
+                <a16:creationId xmlns:a16="http://schemas.microsoft.com/office/drawing/2014/main" id="{EF3F78E1-807C-8FD4-E6C5-6037D6E45FD1}"/>
+              </a:ext>
+            </a:extLst>
+          </p:cNvPr>
+          <p:cNvSpPr txBox="1"/>
+          <p:nvPr/>
+        </p:nvSpPr>
+        <p:spPr>
+          <a:xfrm>
+            <a:off x="490499" y="978335"/>
+            <a:ext cx="3536926" cy="292388"/>
+          </a:xfrm>
+          <a:prstGeom prst="rect">
+            <a:avLst/>
+          </a:prstGeom>
+          <a:noFill/>
+        </p:spPr>
+        <p:txBody>
+          <a:bodyPr wrap="square" rtlCol="0">
+            <a:spAutoFit/>
+          </a:bodyPr>
+          <a:lstStyle/>
+          <a:p>
+            <a:r>
+              <a:rPr lang="en-US" sz="1300" b="1" dirty="0">
                 <a:solidFill>
-                  <a:schemeClr val="accent6">
-                    <a:lumMod val="50000"/>
+                  <a:schemeClr val="accent4">
+                    <a:lumMod val="75000"/>
                   </a:schemeClr>
                 </a:solidFill>
+                <a:latin typeface="Arial" panose="020B0604020202020204" pitchFamily="34" charset="0"/>
+                <a:cs typeface="Arial" panose="020B0604020202020204" pitchFamily="34" charset="0"/>
               </a:rPr>
-              <a:t>1. Apply PCA using R base function </a:t>
+              <a:t>EXISTING features = Genes</a:t>
             </a:r>
-            <a:r>
-              <a:rPr lang="en-US" sz="2000" b="1" dirty="0" err="1">
-                <a:solidFill>
-                  <a:schemeClr val="accent6">
-                    <a:lumMod val="50000"/>
-                  </a:schemeClr>
-                </a:solidFill>
-              </a:rPr>
-              <a:t>prcomp</a:t>
-            </a:r>
-            <a:r>
-              <a:rPr lang="en-US" sz="2000" b="1" dirty="0">
-                <a:solidFill>
-                  <a:schemeClr val="accent6">
-                    <a:lumMod val="50000"/>
-                  </a:schemeClr>
-                </a:solidFill>
-              </a:rPr>
-              <a:t>()</a:t>
-            </a:r>
-            <a:endParaRPr lang="en-US" sz="2000" dirty="0">
+          </a:p>
+        </p:txBody>
+      </p:sp>
+      <p:sp>
+        <p:nvSpPr>
+          <p:cNvPr id="17" name="Right Arrow 16">
+            <a:extLst>
+              <a:ext uri="{FF2B5EF4-FFF2-40B4-BE49-F238E27FC236}">
+                <a16:creationId xmlns:a16="http://schemas.microsoft.com/office/drawing/2014/main" id="{C0BA8ECD-0A89-60B7-420A-D19D4A834F6C}"/>
+              </a:ext>
+            </a:extLst>
+          </p:cNvPr>
+          <p:cNvSpPr/>
+          <p:nvPr/>
+        </p:nvSpPr>
+        <p:spPr>
+          <a:xfrm>
+            <a:off x="3648194" y="1042240"/>
+            <a:ext cx="453081" cy="189470"/>
+          </a:xfrm>
+          <a:prstGeom prst="rightArrow">
+            <a:avLst/>
+          </a:prstGeom>
+          <a:noFill/>
+          <a:ln w="38100">
+            <a:solidFill>
+              <a:schemeClr val="tx1"/>
+            </a:solidFill>
+          </a:ln>
+        </p:spPr>
+        <p:style>
+          <a:lnRef idx="2">
+            <a:schemeClr val="accent1">
+              <a:shade val="50000"/>
+            </a:schemeClr>
+          </a:lnRef>
+          <a:fillRef idx="1">
+            <a:schemeClr val="accent1"/>
+          </a:fillRef>
+          <a:effectRef idx="0">
+            <a:schemeClr val="accent1"/>
+          </a:effectRef>
+          <a:fontRef idx="minor">
+            <a:schemeClr val="lt1"/>
+          </a:fontRef>
+        </p:style>
+        <p:txBody>
+          <a:bodyPr rtlCol="0" anchor="ctr"/>
+          <a:lstStyle/>
+          <a:p>
+            <a:pPr algn="ctr"/>
+            <a:endParaRPr lang="en-US"/>
+          </a:p>
+        </p:txBody>
+      </p:sp>
+      <p:sp>
+        <p:nvSpPr>
+          <p:cNvPr id="12" name="Bent Arrow 11">
+            <a:extLst>
+              <a:ext uri="{FF2B5EF4-FFF2-40B4-BE49-F238E27FC236}">
+                <a16:creationId xmlns:a16="http://schemas.microsoft.com/office/drawing/2014/main" id="{2DBFDA62-ADDD-1F77-56FB-C24A1E89930F}"/>
+              </a:ext>
+            </a:extLst>
+          </p:cNvPr>
+          <p:cNvSpPr/>
+          <p:nvPr/>
+        </p:nvSpPr>
+        <p:spPr>
+          <a:xfrm rot="10800000" flipH="1">
+            <a:off x="1073936" y="3423960"/>
+            <a:ext cx="397812" cy="410961"/>
+          </a:xfrm>
+          <a:prstGeom prst="bentArrow">
+            <a:avLst/>
+          </a:prstGeom>
+          <a:noFill/>
+          <a:ln w="38100">
+            <a:solidFill>
+              <a:schemeClr val="tx1"/>
+            </a:solidFill>
+          </a:ln>
+        </p:spPr>
+        <p:style>
+          <a:lnRef idx="2">
+            <a:schemeClr val="accent1">
+              <a:shade val="50000"/>
+            </a:schemeClr>
+          </a:lnRef>
+          <a:fillRef idx="1">
+            <a:schemeClr val="accent1"/>
+          </a:fillRef>
+          <a:effectRef idx="0">
+            <a:schemeClr val="accent1"/>
+          </a:effectRef>
+          <a:fontRef idx="minor">
+            <a:schemeClr val="lt1"/>
+          </a:fontRef>
+        </p:style>
+        <p:txBody>
+          <a:bodyPr rtlCol="0" anchor="ctr"/>
+          <a:lstStyle/>
+          <a:p>
+            <a:pPr algn="ctr"/>
+            <a:endParaRPr lang="en-US">
               <a:solidFill>
-                <a:schemeClr val="accent6">
-                  <a:lumMod val="50000"/>
-                </a:schemeClr>
-              </a:solidFill>
-            </a:endParaRPr>
-          </a:p>
-          <a:p>
-            <a:pPr marL="0" indent="0">
-              <a:buNone/>
-            </a:pPr>
-            <a:r>
-              <a:rPr lang="en-US" sz="2000" dirty="0">
-                <a:solidFill>
-                  <a:schemeClr val="accent6">
-                    <a:lumMod val="50000"/>
-                  </a:schemeClr>
-                </a:solidFill>
-              </a:rPr>
-              <a:t>2. Determine the proportion of variation in the data accounted for by the PCs</a:t>
-            </a:r>
-          </a:p>
-          <a:p>
-            <a:pPr marL="0" indent="0">
-              <a:buNone/>
-            </a:pPr>
-            <a:r>
-              <a:rPr lang="en-US" sz="2000" dirty="0">
-                <a:solidFill>
-                  <a:schemeClr val="accent6">
-                    <a:lumMod val="50000"/>
-                  </a:schemeClr>
-                </a:solidFill>
-              </a:rPr>
-              <a:t>3. Make PCA plot </a:t>
-            </a:r>
-          </a:p>
-          <a:p>
-            <a:pPr marL="0" indent="0">
-              <a:buNone/>
-            </a:pPr>
-            <a:r>
-              <a:rPr lang="en-US" sz="2000" dirty="0">
-                <a:solidFill>
-                  <a:schemeClr val="accent6">
-                    <a:lumMod val="50000"/>
-                  </a:schemeClr>
-                </a:solidFill>
-              </a:rPr>
-              <a:t>4. Examine contribution of original features to PCs (i.e. to data) using PC loading values</a:t>
-            </a:r>
-            <a:endParaRPr lang="en-US" sz="1600" dirty="0">
-              <a:solidFill>
-                <a:schemeClr val="accent6">
-                  <a:lumMod val="50000"/>
-                </a:schemeClr>
-              </a:solidFill>
-            </a:endParaRPr>
-          </a:p>
-          <a:p>
-            <a:pPr marL="0" indent="0">
-              <a:buNone/>
-            </a:pPr>
-            <a:endParaRPr lang="en-US" sz="2000" dirty="0">
-              <a:solidFill>
-                <a:schemeClr val="accent6">
-                  <a:lumMod val="50000"/>
-                </a:schemeClr>
+                <a:schemeClr val="tx1"/>
               </a:solidFill>
             </a:endParaRPr>
           </a:p>
@@ -8863,7 +16569,7 @@
     </p:spTree>
     <p:extLst>
       <p:ext uri="{BB962C8B-B14F-4D97-AF65-F5344CB8AC3E}">
-        <p14:creationId xmlns:p14="http://schemas.microsoft.com/office/powerpoint/2010/main" val="2669442679"/>
+        <p14:creationId xmlns:p14="http://schemas.microsoft.com/office/powerpoint/2010/main" val="1264212887"/>
       </p:ext>
     </p:extLst>
   </p:cSld>
@@ -8921,38 +16627,11 @@
             <a:r>
               <a:rPr lang="en-US" sz="3000" dirty="0">
                 <a:solidFill>
-                  <a:schemeClr val="accent6">
-                    <a:lumMod val="50000"/>
-                  </a:schemeClr>
+                  <a:srgbClr val="0070C0"/>
                 </a:solidFill>
               </a:rPr>
-              <a:t>1. Apply PCA using R base function </a:t>
+              <a:t>III. Performing PCA in R</a:t>
             </a:r>
-            <a:r>
-              <a:rPr lang="en-US" sz="3000" b="1" dirty="0" err="1">
-                <a:solidFill>
-                  <a:schemeClr val="accent6">
-                    <a:lumMod val="50000"/>
-                  </a:schemeClr>
-                </a:solidFill>
-              </a:rPr>
-              <a:t>prcomp</a:t>
-            </a:r>
-            <a:r>
-              <a:rPr lang="en-US" sz="3000" b="1" dirty="0">
-                <a:solidFill>
-                  <a:schemeClr val="accent6">
-                    <a:lumMod val="50000"/>
-                  </a:schemeClr>
-                </a:solidFill>
-              </a:rPr>
-              <a:t>()</a:t>
-            </a:r>
-            <a:endParaRPr lang="en-US" sz="3000" dirty="0">
-              <a:solidFill>
-                <a:srgbClr val="0070C0"/>
-              </a:solidFill>
-            </a:endParaRPr>
           </a:p>
         </p:txBody>
       </p:sp>
@@ -8984,65 +16663,117 @@
           </a:bodyPr>
           <a:lstStyle/>
           <a:p>
-            <a:pPr marL="457200" indent="-457200">
-              <a:buFont typeface="+mj-lt"/>
-              <a:buAutoNum type="alphaLcPeriod"/>
+            <a:pPr marL="0" indent="0">
+              <a:buNone/>
             </a:pPr>
             <a:r>
-              <a:rPr lang="en-US" sz="2000" dirty="0"/>
-              <a:t>Load and view dataset</a:t>
-            </a:r>
-          </a:p>
-          <a:p>
-            <a:pPr marL="457200" indent="-457200">
-              <a:buFont typeface="+mj-lt"/>
-              <a:buAutoNum type="alphaLcPeriod"/>
-            </a:pPr>
-            <a:r>
-              <a:rPr lang="en-US" sz="2000" dirty="0"/>
-              <a:t>Check dataset</a:t>
-            </a:r>
-          </a:p>
-          <a:p>
-            <a:pPr marL="457200" indent="-457200">
-              <a:buFont typeface="+mj-lt"/>
-              <a:buAutoNum type="alphaLcPeriod"/>
-            </a:pPr>
-            <a:r>
-              <a:rPr lang="en-US" sz="2000" dirty="0"/>
-              <a:t>Apply PCA on data using </a:t>
+              <a:rPr lang="en-US" sz="2000" dirty="0">
+                <a:solidFill>
+                  <a:schemeClr val="accent6">
+                    <a:lumMod val="50000"/>
+                  </a:schemeClr>
+                </a:solidFill>
+              </a:rPr>
+              <a:t>1. Apply PCA using R base function </a:t>
             </a:r>
             <a:r>
-              <a:rPr lang="en-US" sz="2000" dirty="0" err="1"/>
+              <a:rPr lang="en-US" sz="2000" b="1" dirty="0" err="1">
+                <a:solidFill>
+                  <a:schemeClr val="accent6">
+                    <a:lumMod val="50000"/>
+                  </a:schemeClr>
+                </a:solidFill>
+              </a:rPr>
               <a:t>prcomp</a:t>
             </a:r>
             <a:r>
-              <a:rPr lang="en-US" sz="2000" dirty="0"/>
+              <a:rPr lang="en-US" sz="2000" b="1" dirty="0">
+                <a:solidFill>
+                  <a:schemeClr val="accent6">
+                    <a:lumMod val="50000"/>
+                  </a:schemeClr>
+                </a:solidFill>
+              </a:rPr>
               <a:t>()</a:t>
             </a:r>
-          </a:p>
-          <a:p>
-            <a:pPr marL="457200" indent="-457200">
-              <a:buFont typeface="+mj-lt"/>
-              <a:buAutoNum type="alphaLcPeriod"/>
-            </a:pPr>
-            <a:r>
-              <a:rPr lang="en-US" sz="2000" dirty="0"/>
-              <a:t>View PCA output</a:t>
-            </a:r>
+            <a:endParaRPr lang="en-US" sz="2000" dirty="0">
+              <a:solidFill>
+                <a:schemeClr val="accent6">
+                  <a:lumMod val="50000"/>
+                </a:schemeClr>
+              </a:solidFill>
+            </a:endParaRPr>
           </a:p>
           <a:p>
             <a:pPr marL="0" indent="0">
               <a:buNone/>
             </a:pPr>
-            <a:endParaRPr lang="en-US" sz="2000" dirty="0"/>
+            <a:r>
+              <a:rPr lang="en-US" sz="2000" dirty="0">
+                <a:solidFill>
+                  <a:schemeClr val="accent6">
+                    <a:lumMod val="50000"/>
+                  </a:schemeClr>
+                </a:solidFill>
+              </a:rPr>
+              <a:t>2. Determine the proportion of variation in the data accounted for by the PCs</a:t>
+            </a:r>
+          </a:p>
+          <a:p>
+            <a:pPr marL="0" indent="0">
+              <a:buNone/>
+            </a:pPr>
+            <a:r>
+              <a:rPr lang="en-US" sz="2000" dirty="0">
+                <a:solidFill>
+                  <a:schemeClr val="accent6">
+                    <a:lumMod val="50000"/>
+                  </a:schemeClr>
+                </a:solidFill>
+              </a:rPr>
+              <a:t>3. Make PCA plot </a:t>
+            </a:r>
+          </a:p>
+          <a:p>
+            <a:pPr marL="0" indent="0">
+              <a:buNone/>
+            </a:pPr>
+            <a:r>
+              <a:rPr lang="en-US" sz="2000" dirty="0">
+                <a:solidFill>
+                  <a:schemeClr val="accent6">
+                    <a:lumMod val="50000"/>
+                  </a:schemeClr>
+                </a:solidFill>
+              </a:rPr>
+              <a:t>4. Examine contribution of original features to PCs (i.e. to data) using PC loading values</a:t>
+            </a:r>
+            <a:endParaRPr lang="en-US" sz="1600" dirty="0">
+              <a:solidFill>
+                <a:schemeClr val="accent6">
+                  <a:lumMod val="50000"/>
+                </a:schemeClr>
+              </a:solidFill>
+            </a:endParaRPr>
+          </a:p>
+          <a:p>
+            <a:pPr marL="0" indent="0">
+              <a:buNone/>
+            </a:pPr>
+            <a:endParaRPr lang="en-US" sz="2000" dirty="0">
+              <a:solidFill>
+                <a:schemeClr val="accent6">
+                  <a:lumMod val="50000"/>
+                </a:schemeClr>
+              </a:solidFill>
+            </a:endParaRPr>
           </a:p>
         </p:txBody>
       </p:sp>
     </p:spTree>
     <p:extLst>
       <p:ext uri="{BB962C8B-B14F-4D97-AF65-F5344CB8AC3E}">
-        <p14:creationId xmlns:p14="http://schemas.microsoft.com/office/powerpoint/2010/main" val="1696172755"/>
+        <p14:creationId xmlns:p14="http://schemas.microsoft.com/office/powerpoint/2010/main" val="2669442679"/>
       </p:ext>
     </p:extLst>
   </p:cSld>
@@ -9087,7 +16818,7 @@
         </p:nvSpPr>
         <p:spPr>
           <a:xfrm>
-            <a:off x="550863" y="158296"/>
+            <a:off x="550863" y="-48532"/>
             <a:ext cx="11306175" cy="1325563"/>
           </a:xfrm>
         </p:spPr>
@@ -9105,17 +16836,27 @@
                   </a:schemeClr>
                 </a:solidFill>
               </a:rPr>
-              <a:t>2. </a:t>
+              <a:t>1. Apply PCA using R base function </a:t>
             </a:r>
             <a:r>
-              <a:rPr lang="en-US" sz="3200" dirty="0">
+              <a:rPr lang="en-US" sz="3000" b="1" dirty="0" err="1">
                 <a:solidFill>
                   <a:schemeClr val="accent6">
                     <a:lumMod val="50000"/>
                   </a:schemeClr>
                 </a:solidFill>
               </a:rPr>
-              <a:t>Determine the proportion of variation in the data accounted for by the PCs</a:t>
+              <a:t>prcomp</a:t>
+            </a:r>
+            <a:r>
+              <a:rPr lang="en-US" sz="3000" b="1" dirty="0">
+                <a:solidFill>
+                  <a:schemeClr val="accent6">
+                    <a:lumMod val="50000"/>
+                  </a:schemeClr>
+                </a:solidFill>
+              </a:rPr>
+              <a:t>()</a:t>
             </a:r>
             <a:endParaRPr lang="en-US" sz="3000" dirty="0">
               <a:solidFill>
@@ -9143,8 +16884,8 @@
         </p:nvSpPr>
         <p:spPr>
           <a:xfrm>
-            <a:off x="550863" y="1484312"/>
-            <a:ext cx="11306175" cy="4148361"/>
+            <a:off x="550863" y="1281336"/>
+            <a:ext cx="11306175" cy="4351338"/>
           </a:xfrm>
         </p:spPr>
         <p:txBody>
@@ -9157,7 +16898,10 @@
               <a:buFont typeface="+mj-lt"/>
               <a:buAutoNum type="alphaLcPeriod"/>
             </a:pPr>
-            <a:endParaRPr lang="en-US" sz="2000" dirty="0"/>
+            <a:r>
+              <a:rPr lang="en-US" sz="2000" dirty="0"/>
+              <a:t>Load and view dataset</a:t>
+            </a:r>
           </a:p>
           <a:p>
             <a:pPr marL="457200" indent="-457200">
@@ -9166,7 +16910,7 @@
             </a:pPr>
             <a:r>
               <a:rPr lang="en-US" sz="2000" dirty="0"/>
-              <a:t>Compute % variation explained by each PC</a:t>
+              <a:t>Check dataset</a:t>
             </a:r>
           </a:p>
           <a:p>
@@ -9176,7 +16920,25 @@
             </a:pPr>
             <a:r>
               <a:rPr lang="en-US" sz="2000" dirty="0"/>
-              <a:t>Make scree plot showing % variation per PC</a:t>
+              <a:t>Apply PCA on data using </a:t>
+            </a:r>
+            <a:r>
+              <a:rPr lang="en-US" sz="2000" dirty="0" err="1"/>
+              <a:t>prcomp</a:t>
+            </a:r>
+            <a:r>
+              <a:rPr lang="en-US" sz="2000" dirty="0"/>
+              <a:t>()</a:t>
+            </a:r>
+          </a:p>
+          <a:p>
+            <a:pPr marL="457200" indent="-457200">
+              <a:buFont typeface="+mj-lt"/>
+              <a:buAutoNum type="alphaLcPeriod"/>
+            </a:pPr>
+            <a:r>
+              <a:rPr lang="en-US" sz="2000" dirty="0"/>
+              <a:t>View PCA output</a:t>
             </a:r>
           </a:p>
           <a:p>
@@ -9190,7 +16952,7 @@
     </p:spTree>
     <p:extLst>
       <p:ext uri="{BB962C8B-B14F-4D97-AF65-F5344CB8AC3E}">
-        <p14:creationId xmlns:p14="http://schemas.microsoft.com/office/powerpoint/2010/main" val="1384861956"/>
+        <p14:creationId xmlns:p14="http://schemas.microsoft.com/office/powerpoint/2010/main" val="1696172755"/>
       </p:ext>
     </p:extLst>
   </p:cSld>
@@ -9235,7 +16997,7 @@
         </p:nvSpPr>
         <p:spPr>
           <a:xfrm>
-            <a:off x="550863" y="-48532"/>
+            <a:off x="550863" y="158296"/>
             <a:ext cx="11306175" cy="1325563"/>
           </a:xfrm>
         </p:spPr>
@@ -9253,7 +17015,7 @@
                   </a:schemeClr>
                 </a:solidFill>
               </a:rPr>
-              <a:t>3. </a:t>
+              <a:t>2. </a:t>
             </a:r>
             <a:r>
               <a:rPr lang="en-US" sz="3200" dirty="0">
@@ -9263,7 +17025,7 @@
                   </a:schemeClr>
                 </a:solidFill>
               </a:rPr>
-              <a:t>Make PCA plot</a:t>
+              <a:t>Determine the proportion of variation in the data accounted for by the PCs</a:t>
             </a:r>
             <a:endParaRPr lang="en-US" sz="3000" dirty="0">
               <a:solidFill>
@@ -9291,8 +17053,8 @@
         </p:nvSpPr>
         <p:spPr>
           <a:xfrm>
-            <a:off x="550863" y="1281336"/>
-            <a:ext cx="11306175" cy="4351338"/>
+            <a:off x="550863" y="1484312"/>
+            <a:ext cx="11306175" cy="4148361"/>
           </a:xfrm>
         </p:spPr>
         <p:txBody>
@@ -9301,9 +17063,30 @@
           </a:bodyPr>
           <a:lstStyle/>
           <a:p>
+            <a:pPr marL="457200" indent="-457200">
+              <a:buFont typeface="+mj-lt"/>
+              <a:buAutoNum type="alphaLcPeriod"/>
+            </a:pPr>
+            <a:endParaRPr lang="en-US" sz="2000" dirty="0"/>
+          </a:p>
+          <a:p>
+            <a:pPr marL="457200" indent="-457200">
+              <a:buFont typeface="+mj-lt"/>
+              <a:buAutoNum type="alphaLcPeriod"/>
+            </a:pPr>
             <a:r>
               <a:rPr lang="en-US" sz="2000" dirty="0"/>
-              <a:t>Using base graphics</a:t>
+              <a:t>Compute % variation explained by each PC</a:t>
+            </a:r>
+          </a:p>
+          <a:p>
+            <a:pPr marL="457200" indent="-457200">
+              <a:buFont typeface="+mj-lt"/>
+              <a:buAutoNum type="alphaLcPeriod"/>
+            </a:pPr>
+            <a:r>
+              <a:rPr lang="en-US" sz="2000" dirty="0"/>
+              <a:t>Make scree plot showing % variation per PC</a:t>
             </a:r>
           </a:p>
           <a:p>
@@ -9317,7 +17100,7 @@
     </p:spTree>
     <p:extLst>
       <p:ext uri="{BB962C8B-B14F-4D97-AF65-F5344CB8AC3E}">
-        <p14:creationId xmlns:p14="http://schemas.microsoft.com/office/powerpoint/2010/main" val="3152974350"/>
+        <p14:creationId xmlns:p14="http://schemas.microsoft.com/office/powerpoint/2010/main" val="1384861956"/>
       </p:ext>
     </p:extLst>
   </p:cSld>
@@ -9362,7 +17145,7 @@
         </p:nvSpPr>
         <p:spPr>
           <a:xfrm>
-            <a:off x="550863" y="158296"/>
+            <a:off x="550863" y="-48532"/>
             <a:ext cx="11306175" cy="1325563"/>
           </a:xfrm>
         </p:spPr>
@@ -9380,7 +17163,7 @@
                   </a:schemeClr>
                 </a:solidFill>
               </a:rPr>
-              <a:t>4. </a:t>
+              <a:t>3. </a:t>
             </a:r>
             <a:r>
               <a:rPr lang="en-US" sz="3200" dirty="0">
@@ -9390,7 +17173,7 @@
                   </a:schemeClr>
                 </a:solidFill>
               </a:rPr>
-              <a:t>Examine contribution of original features to PCs (i.e. to data) using PC loading values</a:t>
+              <a:t>Make PCA plot</a:t>
             </a:r>
             <a:endParaRPr lang="en-US" sz="3000" dirty="0">
               <a:solidFill>
@@ -9418,8 +17201,8 @@
         </p:nvSpPr>
         <p:spPr>
           <a:xfrm>
-            <a:off x="550863" y="1484312"/>
-            <a:ext cx="11306175" cy="4148361"/>
+            <a:off x="550863" y="1281336"/>
+            <a:ext cx="11306175" cy="4351338"/>
           </a:xfrm>
         </p:spPr>
         <p:txBody>
@@ -9429,18 +17212,8 @@
           <a:lstStyle/>
           <a:p>
             <a:r>
-              <a:rPr lang="en-US" sz="2000" dirty="0" err="1"/>
-              <a:t>Visualise</a:t>
-            </a:r>
-            <a:r>
               <a:rPr lang="en-US" sz="2000" dirty="0"/>
-              <a:t> loadings</a:t>
-            </a:r>
-          </a:p>
-          <a:p>
-            <a:r>
-              <a:rPr lang="en-US" sz="2000" dirty="0"/>
-              <a:t>biplot</a:t>
+              <a:t>Using base graphics</a:t>
             </a:r>
           </a:p>
           <a:p>
@@ -9454,7 +17227,7 @@
     </p:spTree>
     <p:extLst>
       <p:ext uri="{BB962C8B-B14F-4D97-AF65-F5344CB8AC3E}">
-        <p14:creationId xmlns:p14="http://schemas.microsoft.com/office/powerpoint/2010/main" val="3740251175"/>
+        <p14:creationId xmlns:p14="http://schemas.microsoft.com/office/powerpoint/2010/main" val="3152974350"/>
       </p:ext>
     </p:extLst>
   </p:cSld>
@@ -9723,4 +17496,299 @@
     </a:ext>
   </a:extLst>
 </a:theme>
+</file>
+
+<file path=ppt/theme/theme2.xml><?xml version="1.0" encoding="utf-8"?>
+<a:theme xmlns:a="http://schemas.openxmlformats.org/drawingml/2006/main" name="Office Theme">
+  <a:themeElements>
+    <a:clrScheme name="Office">
+      <a:dk1>
+        <a:sysClr val="windowText" lastClr="000000"/>
+      </a:dk1>
+      <a:lt1>
+        <a:sysClr val="window" lastClr="FFFFFF"/>
+      </a:lt1>
+      <a:dk2>
+        <a:srgbClr val="44546A"/>
+      </a:dk2>
+      <a:lt2>
+        <a:srgbClr val="E7E6E6"/>
+      </a:lt2>
+      <a:accent1>
+        <a:srgbClr val="4472C4"/>
+      </a:accent1>
+      <a:accent2>
+        <a:srgbClr val="ED7D31"/>
+      </a:accent2>
+      <a:accent3>
+        <a:srgbClr val="A5A5A5"/>
+      </a:accent3>
+      <a:accent4>
+        <a:srgbClr val="FFC000"/>
+      </a:accent4>
+      <a:accent5>
+        <a:srgbClr val="5B9BD5"/>
+      </a:accent5>
+      <a:accent6>
+        <a:srgbClr val="70AD47"/>
+      </a:accent6>
+      <a:hlink>
+        <a:srgbClr val="0563C1"/>
+      </a:hlink>
+      <a:folHlink>
+        <a:srgbClr val="954F72"/>
+      </a:folHlink>
+    </a:clrScheme>
+    <a:fontScheme name="Office">
+      <a:majorFont>
+        <a:latin typeface="Calibri Light" panose="020F0302020204030204"/>
+        <a:ea typeface=""/>
+        <a:cs typeface=""/>
+        <a:font script="Jpan" typeface="游ゴシック Light"/>
+        <a:font script="Hang" typeface="맑은 고딕"/>
+        <a:font script="Hans" typeface="等线 Light"/>
+        <a:font script="Hant" typeface="新細明體"/>
+        <a:font script="Arab" typeface="Times New Roman"/>
+        <a:font script="Hebr" typeface="Times New Roman"/>
+        <a:font script="Thai" typeface="Angsana New"/>
+        <a:font script="Ethi" typeface="Nyala"/>
+        <a:font script="Beng" typeface="Vrinda"/>
+        <a:font script="Gujr" typeface="Shruti"/>
+        <a:font script="Khmr" typeface="MoolBoran"/>
+        <a:font script="Knda" typeface="Tunga"/>
+        <a:font script="Guru" typeface="Raavi"/>
+        <a:font script="Cans" typeface="Euphemia"/>
+        <a:font script="Cher" typeface="Plantagenet Cherokee"/>
+        <a:font script="Yiii" typeface="Microsoft Yi Baiti"/>
+        <a:font script="Tibt" typeface="Microsoft Himalaya"/>
+        <a:font script="Thaa" typeface="MV Boli"/>
+        <a:font script="Deva" typeface="Mangal"/>
+        <a:font script="Telu" typeface="Gautami"/>
+        <a:font script="Taml" typeface="Latha"/>
+        <a:font script="Syrc" typeface="Estrangelo Edessa"/>
+        <a:font script="Orya" typeface="Kalinga"/>
+        <a:font script="Mlym" typeface="Kartika"/>
+        <a:font script="Laoo" typeface="DokChampa"/>
+        <a:font script="Sinh" typeface="Iskoola Pota"/>
+        <a:font script="Mong" typeface="Mongolian Baiti"/>
+        <a:font script="Viet" typeface="Times New Roman"/>
+        <a:font script="Uigh" typeface="Microsoft Uighur"/>
+        <a:font script="Geor" typeface="Sylfaen"/>
+        <a:font script="Armn" typeface="Arial"/>
+        <a:font script="Bugi" typeface="Leelawadee UI"/>
+        <a:font script="Bopo" typeface="Microsoft JhengHei"/>
+        <a:font script="Java" typeface="Javanese Text"/>
+        <a:font script="Lisu" typeface="Segoe UI"/>
+        <a:font script="Mymr" typeface="Myanmar Text"/>
+        <a:font script="Nkoo" typeface="Ebrima"/>
+        <a:font script="Olck" typeface="Nirmala UI"/>
+        <a:font script="Osma" typeface="Ebrima"/>
+        <a:font script="Phag" typeface="Phagspa"/>
+        <a:font script="Syrn" typeface="Estrangelo Edessa"/>
+        <a:font script="Syrj" typeface="Estrangelo Edessa"/>
+        <a:font script="Syre" typeface="Estrangelo Edessa"/>
+        <a:font script="Sora" typeface="Nirmala UI"/>
+        <a:font script="Tale" typeface="Microsoft Tai Le"/>
+        <a:font script="Talu" typeface="Microsoft New Tai Lue"/>
+        <a:font script="Tfng" typeface="Ebrima"/>
+      </a:majorFont>
+      <a:minorFont>
+        <a:latin typeface="Calibri" panose="020F0502020204030204"/>
+        <a:ea typeface=""/>
+        <a:cs typeface=""/>
+        <a:font script="Jpan" typeface="游ゴシック"/>
+        <a:font script="Hang" typeface="맑은 고딕"/>
+        <a:font script="Hans" typeface="等线"/>
+        <a:font script="Hant" typeface="新細明體"/>
+        <a:font script="Arab" typeface="Arial"/>
+        <a:font script="Hebr" typeface="Arial"/>
+        <a:font script="Thai" typeface="Cordia New"/>
+        <a:font script="Ethi" typeface="Nyala"/>
+        <a:font script="Beng" typeface="Vrinda"/>
+        <a:font script="Gujr" typeface="Shruti"/>
+        <a:font script="Khmr" typeface="DaunPenh"/>
+        <a:font script="Knda" typeface="Tunga"/>
+        <a:font script="Guru" typeface="Raavi"/>
+        <a:font script="Cans" typeface="Euphemia"/>
+        <a:font script="Cher" typeface="Plantagenet Cherokee"/>
+        <a:font script="Yiii" typeface="Microsoft Yi Baiti"/>
+        <a:font script="Tibt" typeface="Microsoft Himalaya"/>
+        <a:font script="Thaa" typeface="MV Boli"/>
+        <a:font script="Deva" typeface="Mangal"/>
+        <a:font script="Telu" typeface="Gautami"/>
+        <a:font script="Taml" typeface="Latha"/>
+        <a:font script="Syrc" typeface="Estrangelo Edessa"/>
+        <a:font script="Orya" typeface="Kalinga"/>
+        <a:font script="Mlym" typeface="Kartika"/>
+        <a:font script="Laoo" typeface="DokChampa"/>
+        <a:font script="Sinh" typeface="Iskoola Pota"/>
+        <a:font script="Mong" typeface="Mongolian Baiti"/>
+        <a:font script="Viet" typeface="Arial"/>
+        <a:font script="Uigh" typeface="Microsoft Uighur"/>
+        <a:font script="Geor" typeface="Sylfaen"/>
+        <a:font script="Armn" typeface="Arial"/>
+        <a:font script="Bugi" typeface="Leelawadee UI"/>
+        <a:font script="Bopo" typeface="Microsoft JhengHei"/>
+        <a:font script="Java" typeface="Javanese Text"/>
+        <a:font script="Lisu" typeface="Segoe UI"/>
+        <a:font script="Mymr" typeface="Myanmar Text"/>
+        <a:font script="Nkoo" typeface="Ebrima"/>
+        <a:font script="Olck" typeface="Nirmala UI"/>
+        <a:font script="Osma" typeface="Ebrima"/>
+        <a:font script="Phag" typeface="Phagspa"/>
+        <a:font script="Syrn" typeface="Estrangelo Edessa"/>
+        <a:font script="Syrj" typeface="Estrangelo Edessa"/>
+        <a:font script="Syre" typeface="Estrangelo Edessa"/>
+        <a:font script="Sora" typeface="Nirmala UI"/>
+        <a:font script="Tale" typeface="Microsoft Tai Le"/>
+        <a:font script="Talu" typeface="Microsoft New Tai Lue"/>
+        <a:font script="Tfng" typeface="Ebrima"/>
+      </a:minorFont>
+    </a:fontScheme>
+    <a:fmtScheme name="Office">
+      <a:fillStyleLst>
+        <a:solidFill>
+          <a:schemeClr val="phClr"/>
+        </a:solidFill>
+        <a:gradFill rotWithShape="1">
+          <a:gsLst>
+            <a:gs pos="0">
+              <a:schemeClr val="phClr">
+                <a:lumMod val="110000"/>
+                <a:satMod val="105000"/>
+                <a:tint val="67000"/>
+              </a:schemeClr>
+            </a:gs>
+            <a:gs pos="50000">
+              <a:schemeClr val="phClr">
+                <a:lumMod val="105000"/>
+                <a:satMod val="103000"/>
+                <a:tint val="73000"/>
+              </a:schemeClr>
+            </a:gs>
+            <a:gs pos="100000">
+              <a:schemeClr val="phClr">
+                <a:lumMod val="105000"/>
+                <a:satMod val="109000"/>
+                <a:tint val="81000"/>
+              </a:schemeClr>
+            </a:gs>
+          </a:gsLst>
+          <a:lin ang="5400000" scaled="0"/>
+        </a:gradFill>
+        <a:gradFill rotWithShape="1">
+          <a:gsLst>
+            <a:gs pos="0">
+              <a:schemeClr val="phClr">
+                <a:satMod val="103000"/>
+                <a:lumMod val="102000"/>
+                <a:tint val="94000"/>
+              </a:schemeClr>
+            </a:gs>
+            <a:gs pos="50000">
+              <a:schemeClr val="phClr">
+                <a:satMod val="110000"/>
+                <a:lumMod val="100000"/>
+                <a:shade val="100000"/>
+              </a:schemeClr>
+            </a:gs>
+            <a:gs pos="100000">
+              <a:schemeClr val="phClr">
+                <a:lumMod val="99000"/>
+                <a:satMod val="120000"/>
+                <a:shade val="78000"/>
+              </a:schemeClr>
+            </a:gs>
+          </a:gsLst>
+          <a:lin ang="5400000" scaled="0"/>
+        </a:gradFill>
+      </a:fillStyleLst>
+      <a:lnStyleLst>
+        <a:ln w="6350" cap="flat" cmpd="sng" algn="ctr">
+          <a:solidFill>
+            <a:schemeClr val="phClr"/>
+          </a:solidFill>
+          <a:prstDash val="solid"/>
+          <a:miter lim="800000"/>
+        </a:ln>
+        <a:ln w="12700" cap="flat" cmpd="sng" algn="ctr">
+          <a:solidFill>
+            <a:schemeClr val="phClr"/>
+          </a:solidFill>
+          <a:prstDash val="solid"/>
+          <a:miter lim="800000"/>
+        </a:ln>
+        <a:ln w="19050" cap="flat" cmpd="sng" algn="ctr">
+          <a:solidFill>
+            <a:schemeClr val="phClr"/>
+          </a:solidFill>
+          <a:prstDash val="solid"/>
+          <a:miter lim="800000"/>
+        </a:ln>
+      </a:lnStyleLst>
+      <a:effectStyleLst>
+        <a:effectStyle>
+          <a:effectLst/>
+        </a:effectStyle>
+        <a:effectStyle>
+          <a:effectLst/>
+        </a:effectStyle>
+        <a:effectStyle>
+          <a:effectLst>
+            <a:outerShdw blurRad="57150" dist="19050" dir="5400000" algn="ctr" rotWithShape="0">
+              <a:srgbClr val="000000">
+                <a:alpha val="63000"/>
+              </a:srgbClr>
+            </a:outerShdw>
+          </a:effectLst>
+        </a:effectStyle>
+      </a:effectStyleLst>
+      <a:bgFillStyleLst>
+        <a:solidFill>
+          <a:schemeClr val="phClr"/>
+        </a:solidFill>
+        <a:solidFill>
+          <a:schemeClr val="phClr">
+            <a:tint val="95000"/>
+            <a:satMod val="170000"/>
+          </a:schemeClr>
+        </a:solidFill>
+        <a:gradFill rotWithShape="1">
+          <a:gsLst>
+            <a:gs pos="0">
+              <a:schemeClr val="phClr">
+                <a:tint val="93000"/>
+                <a:satMod val="150000"/>
+                <a:shade val="98000"/>
+                <a:lumMod val="102000"/>
+              </a:schemeClr>
+            </a:gs>
+            <a:gs pos="50000">
+              <a:schemeClr val="phClr">
+                <a:tint val="98000"/>
+                <a:satMod val="130000"/>
+                <a:shade val="90000"/>
+                <a:lumMod val="103000"/>
+              </a:schemeClr>
+            </a:gs>
+            <a:gs pos="100000">
+              <a:schemeClr val="phClr">
+                <a:shade val="63000"/>
+                <a:satMod val="120000"/>
+              </a:schemeClr>
+            </a:gs>
+          </a:gsLst>
+          <a:lin ang="5400000" scaled="0"/>
+        </a:gradFill>
+      </a:bgFillStyleLst>
+    </a:fmtScheme>
+  </a:themeElements>
+  <a:objectDefaults/>
+  <a:extraClrSchemeLst/>
+  <a:extLst>
+    <a:ext uri="{05A4C25C-085E-4340-85A3-A5531E510DB2}">
+      <thm15:themeFamily xmlns:thm15="http://schemas.microsoft.com/office/thememl/2012/main" name="Office Theme" id="{62F939B6-93AF-4DB8-9C6B-D6C7DFDC589F}" vid="{4A3C46E8-61CC-4603-A589-7422A47A8E4A}"/>
+    </a:ext>
+  </a:extLst>
+</a:theme>
 </file>